--- a/TeX/Second set/slides.pptx
+++ b/TeX/Second set/slides.pptx
@@ -1,38 +1,134 @@
 
 <file path=ppt/presentation.xml><?xml version="1.0" encoding="utf-8"?>
-<p:presentation xmlns:a="http://schemas.openxmlformats.org/drawingml/2006/main" xmlns:p="http://schemas.openxmlformats.org/presentationml/2006/main" xmlns:r="http://schemas.openxmlformats.org/officeDocument/2006/relationships" xmlns:p14="http://schemas.microsoft.com/office/powerpoint/2010/main" xmlns:p15="http://schemas.microsoft.com/office/powerpoint/2012/main" xmlns:mc="http://schemas.openxmlformats.org/markup-compatibility/2006">
+<p:presentation xmlns:a="http://schemas.openxmlformats.org/drawingml/2006/main" xmlns:r="http://schemas.openxmlformats.org/officeDocument/2006/relationships" xmlns:p="http://schemas.openxmlformats.org/presentationml/2006/main">
   <p:sldMasterIdLst>
-    <p:sldMasterId id="2147483648" r:id="rId2"/>
-    <p:sldMasterId id="2147483661" r:id="rId3"/>
+    <p:sldMasterId id="2147483648" r:id="rId1"/>
+    <p:sldMasterId id="2147483661" r:id="rId2"/>
   </p:sldMasterIdLst>
   <p:sldIdLst>
-    <p:sldId id="256" r:id="rId4"/>
-    <p:sldId id="257" r:id="rId5"/>
-    <p:sldId id="258" r:id="rId6"/>
-    <p:sldId id="259" r:id="rId7"/>
-    <p:sldId id="260" r:id="rId8"/>
-    <p:sldId id="261" r:id="rId9"/>
-    <p:sldId id="262" r:id="rId10"/>
-    <p:sldId id="263" r:id="rId11"/>
-    <p:sldId id="264" r:id="rId12"/>
-    <p:sldId id="265" r:id="rId13"/>
-    <p:sldId id="266" r:id="rId14"/>
-    <p:sldId id="267" r:id="rId15"/>
-    <p:sldId id="268" r:id="rId16"/>
-    <p:sldId id="269" r:id="rId17"/>
-    <p:sldId id="270" r:id="rId18"/>
-    <p:sldId id="271" r:id="rId19"/>
-    <p:sldId id="272" r:id="rId20"/>
+    <p:sldId id="256" r:id="rId3"/>
+    <p:sldId id="257" r:id="rId4"/>
+    <p:sldId id="258" r:id="rId5"/>
+    <p:sldId id="259" r:id="rId6"/>
+    <p:sldId id="260" r:id="rId7"/>
+    <p:sldId id="261" r:id="rId8"/>
+    <p:sldId id="262" r:id="rId9"/>
+    <p:sldId id="263" r:id="rId10"/>
+    <p:sldId id="264" r:id="rId11"/>
+    <p:sldId id="265" r:id="rId12"/>
+    <p:sldId id="266" r:id="rId13"/>
+    <p:sldId id="267" r:id="rId14"/>
+    <p:sldId id="268" r:id="rId15"/>
+    <p:sldId id="269" r:id="rId16"/>
+    <p:sldId id="270" r:id="rId17"/>
+    <p:sldId id="271" r:id="rId18"/>
+    <p:sldId id="272" r:id="rId19"/>
+    <p:sldId id="275" r:id="rId20"/>
     <p:sldId id="273" r:id="rId21"/>
     <p:sldId id="274" r:id="rId22"/>
   </p:sldIdLst>
-  <p:sldSz cx="12193587" cy="6858000"/>
-  <p:notesSz cx="7559675" cy="10691812"/>
+  <p:sldSz cx="12193588" cy="6858000"/>
+  <p:notesSz cx="7559675" cy="10691813"/>
+  <p:defaultTextStyle>
+    <a:defPPr>
+      <a:defRPr lang="pt-BR"/>
+    </a:defPPr>
+    <a:lvl1pPr marL="0" algn="l" defTabSz="914400" rtl="0" eaLnBrk="1" latinLnBrk="0" hangingPunct="1">
+      <a:defRPr sz="1800" kern="1200">
+        <a:solidFill>
+          <a:schemeClr val="tx1"/>
+        </a:solidFill>
+        <a:latin typeface="+mn-lt"/>
+        <a:ea typeface="+mn-ea"/>
+        <a:cs typeface="+mn-cs"/>
+      </a:defRPr>
+    </a:lvl1pPr>
+    <a:lvl2pPr marL="457200" algn="l" defTabSz="914400" rtl="0" eaLnBrk="1" latinLnBrk="0" hangingPunct="1">
+      <a:defRPr sz="1800" kern="1200">
+        <a:solidFill>
+          <a:schemeClr val="tx1"/>
+        </a:solidFill>
+        <a:latin typeface="+mn-lt"/>
+        <a:ea typeface="+mn-ea"/>
+        <a:cs typeface="+mn-cs"/>
+      </a:defRPr>
+    </a:lvl2pPr>
+    <a:lvl3pPr marL="914400" algn="l" defTabSz="914400" rtl="0" eaLnBrk="1" latinLnBrk="0" hangingPunct="1">
+      <a:defRPr sz="1800" kern="1200">
+        <a:solidFill>
+          <a:schemeClr val="tx1"/>
+        </a:solidFill>
+        <a:latin typeface="+mn-lt"/>
+        <a:ea typeface="+mn-ea"/>
+        <a:cs typeface="+mn-cs"/>
+      </a:defRPr>
+    </a:lvl3pPr>
+    <a:lvl4pPr marL="1371600" algn="l" defTabSz="914400" rtl="0" eaLnBrk="1" latinLnBrk="0" hangingPunct="1">
+      <a:defRPr sz="1800" kern="1200">
+        <a:solidFill>
+          <a:schemeClr val="tx1"/>
+        </a:solidFill>
+        <a:latin typeface="+mn-lt"/>
+        <a:ea typeface="+mn-ea"/>
+        <a:cs typeface="+mn-cs"/>
+      </a:defRPr>
+    </a:lvl4pPr>
+    <a:lvl5pPr marL="1828800" algn="l" defTabSz="914400" rtl="0" eaLnBrk="1" latinLnBrk="0" hangingPunct="1">
+      <a:defRPr sz="1800" kern="1200">
+        <a:solidFill>
+          <a:schemeClr val="tx1"/>
+        </a:solidFill>
+        <a:latin typeface="+mn-lt"/>
+        <a:ea typeface="+mn-ea"/>
+        <a:cs typeface="+mn-cs"/>
+      </a:defRPr>
+    </a:lvl5pPr>
+    <a:lvl6pPr marL="2286000" algn="l" defTabSz="914400" rtl="0" eaLnBrk="1" latinLnBrk="0" hangingPunct="1">
+      <a:defRPr sz="1800" kern="1200">
+        <a:solidFill>
+          <a:schemeClr val="tx1"/>
+        </a:solidFill>
+        <a:latin typeface="+mn-lt"/>
+        <a:ea typeface="+mn-ea"/>
+        <a:cs typeface="+mn-cs"/>
+      </a:defRPr>
+    </a:lvl6pPr>
+    <a:lvl7pPr marL="2743200" algn="l" defTabSz="914400" rtl="0" eaLnBrk="1" latinLnBrk="0" hangingPunct="1">
+      <a:defRPr sz="1800" kern="1200">
+        <a:solidFill>
+          <a:schemeClr val="tx1"/>
+        </a:solidFill>
+        <a:latin typeface="+mn-lt"/>
+        <a:ea typeface="+mn-ea"/>
+        <a:cs typeface="+mn-cs"/>
+      </a:defRPr>
+    </a:lvl7pPr>
+    <a:lvl8pPr marL="3200400" algn="l" defTabSz="914400" rtl="0" eaLnBrk="1" latinLnBrk="0" hangingPunct="1">
+      <a:defRPr sz="1800" kern="1200">
+        <a:solidFill>
+          <a:schemeClr val="tx1"/>
+        </a:solidFill>
+        <a:latin typeface="+mn-lt"/>
+        <a:ea typeface="+mn-ea"/>
+        <a:cs typeface="+mn-cs"/>
+      </a:defRPr>
+    </a:lvl8pPr>
+    <a:lvl9pPr marL="3657600" algn="l" defTabSz="914400" rtl="0" eaLnBrk="1" latinLnBrk="0" hangingPunct="1">
+      <a:defRPr sz="1800" kern="1200">
+        <a:solidFill>
+          <a:schemeClr val="tx1"/>
+        </a:solidFill>
+        <a:latin typeface="+mn-lt"/>
+        <a:ea typeface="+mn-ea"/>
+        <a:cs typeface="+mn-cs"/>
+      </a:defRPr>
+    </a:lvl9pPr>
+  </p:defaultTextStyle>
 </p:presentation>
 </file>
 
 <file path=ppt/slideLayouts/slideLayout1.xml><?xml version="1.0" encoding="utf-8"?>
-<p:sldLayout xmlns:a="http://schemas.openxmlformats.org/drawingml/2006/main" xmlns:p="http://schemas.openxmlformats.org/presentationml/2006/main" xmlns:r="http://schemas.openxmlformats.org/officeDocument/2006/relationships" xmlns:p14="http://schemas.microsoft.com/office/powerpoint/2010/main" xmlns:p15="http://schemas.microsoft.com/office/powerpoint/2012/main" xmlns:mc="http://schemas.openxmlformats.org/markup-compatibility/2006" type="blank" preserve="1">
+<p:sldLayout xmlns:a="http://schemas.openxmlformats.org/drawingml/2006/main" xmlns:r="http://schemas.openxmlformats.org/officeDocument/2006/relationships" xmlns:p="http://schemas.openxmlformats.org/presentationml/2006/main" type="blank" preserve="1">
   <p:cSld name="Blank Slide">
     <p:spTree>
       <p:nvGrpSpPr>
@@ -50,11 +146,14 @@
       </p:grpSpPr>
     </p:spTree>
   </p:cSld>
+  <p:clrMapOvr>
+    <a:masterClrMapping/>
+  </p:clrMapOvr>
 </p:sldLayout>
 </file>
 
 <file path=ppt/slideLayouts/slideLayout10.xml><?xml version="1.0" encoding="utf-8"?>
-<p:sldLayout xmlns:a="http://schemas.openxmlformats.org/drawingml/2006/main" xmlns:p="http://schemas.openxmlformats.org/presentationml/2006/main" xmlns:r="http://schemas.openxmlformats.org/officeDocument/2006/relationships" xmlns:p14="http://schemas.microsoft.com/office/powerpoint/2010/main" xmlns:p15="http://schemas.microsoft.com/office/powerpoint/2012/main" xmlns:mc="http://schemas.openxmlformats.org/markup-compatibility/2006" type="objOverTx" preserve="1">
+<p:sldLayout xmlns:a="http://schemas.openxmlformats.org/drawingml/2006/main" xmlns:r="http://schemas.openxmlformats.org/officeDocument/2006/relationships" xmlns:p="http://schemas.openxmlformats.org/presentationml/2006/main" type="objOverTx" preserve="1">
   <p:cSld name="Title, Content over Content">
     <p:spTree>
       <p:nvGrpSpPr>
@@ -90,11 +189,12 @@
           </a:prstGeom>
         </p:spPr>
         <p:txBody>
-          <a:bodyPr lIns="0" rIns="0" tIns="0" bIns="0" anchor="ctr">
+          <a:bodyPr lIns="0" tIns="0" rIns="0" bIns="0" anchor="ctr">
             <a:noAutofit/>
           </a:bodyPr>
-          <a:p>
-            <a:endParaRPr b="0" lang="pt-BR" sz="1800" spc="-1" strike="noStrike">
+          <a:lstStyle/>
+          <a:p>
+            <a:endParaRPr lang="pt-BR" sz="1800" b="0" strike="noStrike" spc="-1">
               <a:solidFill>
                 <a:srgbClr val="000000"/>
               </a:solidFill>
@@ -123,11 +223,12 @@
           </a:prstGeom>
         </p:spPr>
         <p:txBody>
-          <a:bodyPr lIns="0" rIns="0" tIns="0" bIns="0">
+          <a:bodyPr lIns="0" tIns="0" rIns="0" bIns="0">
             <a:normAutofit/>
           </a:bodyPr>
-          <a:p>
-            <a:endParaRPr b="0" lang="pt-BR" sz="2800" spc="-1" strike="noStrike">
+          <a:lstStyle/>
+          <a:p>
+            <a:endParaRPr lang="pt-BR" sz="2800" b="0" strike="noStrike" spc="-1">
               <a:solidFill>
                 <a:srgbClr val="000000"/>
               </a:solidFill>
@@ -156,11 +257,12 @@
           </a:prstGeom>
         </p:spPr>
         <p:txBody>
-          <a:bodyPr lIns="0" rIns="0" tIns="0" bIns="0">
+          <a:bodyPr lIns="0" tIns="0" rIns="0" bIns="0">
             <a:normAutofit/>
           </a:bodyPr>
-          <a:p>
-            <a:endParaRPr b="0" lang="pt-BR" sz="2800" spc="-1" strike="noStrike">
+          <a:lstStyle/>
+          <a:p>
+            <a:endParaRPr lang="pt-BR" sz="2800" b="0" strike="noStrike" spc="-1">
               <a:solidFill>
                 <a:srgbClr val="000000"/>
               </a:solidFill>
@@ -171,11 +273,14 @@
       </p:sp>
     </p:spTree>
   </p:cSld>
+  <p:clrMapOvr>
+    <a:masterClrMapping/>
+  </p:clrMapOvr>
 </p:sldLayout>
 </file>
 
 <file path=ppt/slideLayouts/slideLayout11.xml><?xml version="1.0" encoding="utf-8"?>
-<p:sldLayout xmlns:a="http://schemas.openxmlformats.org/drawingml/2006/main" xmlns:p="http://schemas.openxmlformats.org/presentationml/2006/main" xmlns:r="http://schemas.openxmlformats.org/officeDocument/2006/relationships" xmlns:p14="http://schemas.microsoft.com/office/powerpoint/2010/main" xmlns:p15="http://schemas.microsoft.com/office/powerpoint/2012/main" xmlns:mc="http://schemas.openxmlformats.org/markup-compatibility/2006" type="fourObj" preserve="1">
+<p:sldLayout xmlns:a="http://schemas.openxmlformats.org/drawingml/2006/main" xmlns:r="http://schemas.openxmlformats.org/officeDocument/2006/relationships" xmlns:p="http://schemas.openxmlformats.org/presentationml/2006/main" type="fourObj" preserve="1">
   <p:cSld name="Title, 4 Content">
     <p:spTree>
       <p:nvGrpSpPr>
@@ -211,11 +316,12 @@
           </a:prstGeom>
         </p:spPr>
         <p:txBody>
-          <a:bodyPr lIns="0" rIns="0" tIns="0" bIns="0" anchor="ctr">
+          <a:bodyPr lIns="0" tIns="0" rIns="0" bIns="0" anchor="ctr">
             <a:noAutofit/>
           </a:bodyPr>
-          <a:p>
-            <a:endParaRPr b="0" lang="pt-BR" sz="1800" spc="-1" strike="noStrike">
+          <a:lstStyle/>
+          <a:p>
+            <a:endParaRPr lang="pt-BR" sz="1800" b="0" strike="noStrike" spc="-1">
               <a:solidFill>
                 <a:srgbClr val="000000"/>
               </a:solidFill>
@@ -244,11 +350,12 @@
           </a:prstGeom>
         </p:spPr>
         <p:txBody>
-          <a:bodyPr lIns="0" rIns="0" tIns="0" bIns="0">
+          <a:bodyPr lIns="0" tIns="0" rIns="0" bIns="0">
             <a:normAutofit/>
           </a:bodyPr>
-          <a:p>
-            <a:endParaRPr b="0" lang="pt-BR" sz="2800" spc="-1" strike="noStrike">
+          <a:lstStyle/>
+          <a:p>
+            <a:endParaRPr lang="pt-BR" sz="2800" b="0" strike="noStrike" spc="-1">
               <a:solidFill>
                 <a:srgbClr val="000000"/>
               </a:solidFill>
@@ -277,11 +384,12 @@
           </a:prstGeom>
         </p:spPr>
         <p:txBody>
-          <a:bodyPr lIns="0" rIns="0" tIns="0" bIns="0">
+          <a:bodyPr lIns="0" tIns="0" rIns="0" bIns="0">
             <a:normAutofit/>
           </a:bodyPr>
-          <a:p>
-            <a:endParaRPr b="0" lang="pt-BR" sz="2800" spc="-1" strike="noStrike">
+          <a:lstStyle/>
+          <a:p>
+            <a:endParaRPr lang="pt-BR" sz="2800" b="0" strike="noStrike" spc="-1">
               <a:solidFill>
                 <a:srgbClr val="000000"/>
               </a:solidFill>
@@ -310,11 +418,12 @@
           </a:prstGeom>
         </p:spPr>
         <p:txBody>
-          <a:bodyPr lIns="0" rIns="0" tIns="0" bIns="0">
+          <a:bodyPr lIns="0" tIns="0" rIns="0" bIns="0">
             <a:normAutofit/>
           </a:bodyPr>
-          <a:p>
-            <a:endParaRPr b="0" lang="pt-BR" sz="2800" spc="-1" strike="noStrike">
+          <a:lstStyle/>
+          <a:p>
+            <a:endParaRPr lang="pt-BR" sz="2800" b="0" strike="noStrike" spc="-1">
               <a:solidFill>
                 <a:srgbClr val="000000"/>
               </a:solidFill>
@@ -343,11 +452,12 @@
           </a:prstGeom>
         </p:spPr>
         <p:txBody>
-          <a:bodyPr lIns="0" rIns="0" tIns="0" bIns="0">
+          <a:bodyPr lIns="0" tIns="0" rIns="0" bIns="0">
             <a:normAutofit/>
           </a:bodyPr>
-          <a:p>
-            <a:endParaRPr b="0" lang="pt-BR" sz="2800" spc="-1" strike="noStrike">
+          <a:lstStyle/>
+          <a:p>
+            <a:endParaRPr lang="pt-BR" sz="2800" b="0" strike="noStrike" spc="-1">
               <a:solidFill>
                 <a:srgbClr val="000000"/>
               </a:solidFill>
@@ -358,11 +468,14 @@
       </p:sp>
     </p:spTree>
   </p:cSld>
+  <p:clrMapOvr>
+    <a:masterClrMapping/>
+  </p:clrMapOvr>
 </p:sldLayout>
 </file>
 
 <file path=ppt/slideLayouts/slideLayout12.xml><?xml version="1.0" encoding="utf-8"?>
-<p:sldLayout xmlns:a="http://schemas.openxmlformats.org/drawingml/2006/main" xmlns:p="http://schemas.openxmlformats.org/presentationml/2006/main" xmlns:r="http://schemas.openxmlformats.org/officeDocument/2006/relationships" xmlns:p14="http://schemas.microsoft.com/office/powerpoint/2010/main" xmlns:p15="http://schemas.microsoft.com/office/powerpoint/2012/main" xmlns:mc="http://schemas.openxmlformats.org/markup-compatibility/2006" type="blank" preserve="1">
+<p:sldLayout xmlns:a="http://schemas.openxmlformats.org/drawingml/2006/main" xmlns:r="http://schemas.openxmlformats.org/officeDocument/2006/relationships" xmlns:p="http://schemas.openxmlformats.org/presentationml/2006/main" type="blank" preserve="1">
   <p:cSld name="Title, 6 Content">
     <p:spTree>
       <p:nvGrpSpPr>
@@ -398,11 +511,12 @@
           </a:prstGeom>
         </p:spPr>
         <p:txBody>
-          <a:bodyPr lIns="0" rIns="0" tIns="0" bIns="0" anchor="ctr">
+          <a:bodyPr lIns="0" tIns="0" rIns="0" bIns="0" anchor="ctr">
             <a:noAutofit/>
           </a:bodyPr>
-          <a:p>
-            <a:endParaRPr b="0" lang="pt-BR" sz="1800" spc="-1" strike="noStrike">
+          <a:lstStyle/>
+          <a:p>
+            <a:endParaRPr lang="pt-BR" sz="1800" b="0" strike="noStrike" spc="-1">
               <a:solidFill>
                 <a:srgbClr val="000000"/>
               </a:solidFill>
@@ -431,11 +545,12 @@
           </a:prstGeom>
         </p:spPr>
         <p:txBody>
-          <a:bodyPr lIns="0" rIns="0" tIns="0" bIns="0">
+          <a:bodyPr lIns="0" tIns="0" rIns="0" bIns="0">
             <a:normAutofit/>
           </a:bodyPr>
-          <a:p>
-            <a:endParaRPr b="0" lang="pt-BR" sz="2800" spc="-1" strike="noStrike">
+          <a:lstStyle/>
+          <a:p>
+            <a:endParaRPr lang="pt-BR" sz="2800" b="0" strike="noStrike" spc="-1">
               <a:solidFill>
                 <a:srgbClr val="000000"/>
               </a:solidFill>
@@ -464,11 +579,12 @@
           </a:prstGeom>
         </p:spPr>
         <p:txBody>
-          <a:bodyPr lIns="0" rIns="0" tIns="0" bIns="0">
+          <a:bodyPr lIns="0" tIns="0" rIns="0" bIns="0">
             <a:normAutofit/>
           </a:bodyPr>
-          <a:p>
-            <a:endParaRPr b="0" lang="pt-BR" sz="2800" spc="-1" strike="noStrike">
+          <a:lstStyle/>
+          <a:p>
+            <a:endParaRPr lang="pt-BR" sz="2800" b="0" strike="noStrike" spc="-1">
               <a:solidFill>
                 <a:srgbClr val="000000"/>
               </a:solidFill>
@@ -497,11 +613,12 @@
           </a:prstGeom>
         </p:spPr>
         <p:txBody>
-          <a:bodyPr lIns="0" rIns="0" tIns="0" bIns="0">
+          <a:bodyPr lIns="0" tIns="0" rIns="0" bIns="0">
             <a:normAutofit/>
           </a:bodyPr>
-          <a:p>
-            <a:endParaRPr b="0" lang="pt-BR" sz="2800" spc="-1" strike="noStrike">
+          <a:lstStyle/>
+          <a:p>
+            <a:endParaRPr lang="pt-BR" sz="2800" b="0" strike="noStrike" spc="-1">
               <a:solidFill>
                 <a:srgbClr val="000000"/>
               </a:solidFill>
@@ -530,11 +647,12 @@
           </a:prstGeom>
         </p:spPr>
         <p:txBody>
-          <a:bodyPr lIns="0" rIns="0" tIns="0" bIns="0">
+          <a:bodyPr lIns="0" tIns="0" rIns="0" bIns="0">
             <a:normAutofit/>
           </a:bodyPr>
-          <a:p>
-            <a:endParaRPr b="0" lang="pt-BR" sz="2800" spc="-1" strike="noStrike">
+          <a:lstStyle/>
+          <a:p>
+            <a:endParaRPr lang="pt-BR" sz="2800" b="0" strike="noStrike" spc="-1">
               <a:solidFill>
                 <a:srgbClr val="000000"/>
               </a:solidFill>
@@ -563,11 +681,12 @@
           </a:prstGeom>
         </p:spPr>
         <p:txBody>
-          <a:bodyPr lIns="0" rIns="0" tIns="0" bIns="0">
+          <a:bodyPr lIns="0" tIns="0" rIns="0" bIns="0">
             <a:normAutofit/>
           </a:bodyPr>
-          <a:p>
-            <a:endParaRPr b="0" lang="pt-BR" sz="2800" spc="-1" strike="noStrike">
+          <a:lstStyle/>
+          <a:p>
+            <a:endParaRPr lang="pt-BR" sz="2800" b="0" strike="noStrike" spc="-1">
               <a:solidFill>
                 <a:srgbClr val="000000"/>
               </a:solidFill>
@@ -596,11 +715,12 @@
           </a:prstGeom>
         </p:spPr>
         <p:txBody>
-          <a:bodyPr lIns="0" rIns="0" tIns="0" bIns="0">
+          <a:bodyPr lIns="0" tIns="0" rIns="0" bIns="0">
             <a:normAutofit/>
           </a:bodyPr>
-          <a:p>
-            <a:endParaRPr b="0" lang="pt-BR" sz="2800" spc="-1" strike="noStrike">
+          <a:lstStyle/>
+          <a:p>
+            <a:endParaRPr lang="pt-BR" sz="2800" b="0" strike="noStrike" spc="-1">
               <a:solidFill>
                 <a:srgbClr val="000000"/>
               </a:solidFill>
@@ -611,11 +731,14 @@
       </p:sp>
     </p:spTree>
   </p:cSld>
+  <p:clrMapOvr>
+    <a:masterClrMapping/>
+  </p:clrMapOvr>
 </p:sldLayout>
 </file>
 
 <file path=ppt/slideLayouts/slideLayout13.xml><?xml version="1.0" encoding="utf-8"?>
-<p:sldLayout xmlns:a="http://schemas.openxmlformats.org/drawingml/2006/main" xmlns:p="http://schemas.openxmlformats.org/presentationml/2006/main" xmlns:r="http://schemas.openxmlformats.org/officeDocument/2006/relationships" xmlns:p14="http://schemas.microsoft.com/office/powerpoint/2010/main" xmlns:p15="http://schemas.microsoft.com/office/powerpoint/2012/main" xmlns:mc="http://schemas.openxmlformats.org/markup-compatibility/2006" type="blank" preserve="1">
+<p:sldLayout xmlns:a="http://schemas.openxmlformats.org/drawingml/2006/main" xmlns:r="http://schemas.openxmlformats.org/officeDocument/2006/relationships" xmlns:p="http://schemas.openxmlformats.org/presentationml/2006/main" type="blank" preserve="1">
   <p:cSld name="Blank Slide">
     <p:spTree>
       <p:nvGrpSpPr>
@@ -633,11 +756,14 @@
       </p:grpSpPr>
     </p:spTree>
   </p:cSld>
+  <p:clrMapOvr>
+    <a:masterClrMapping/>
+  </p:clrMapOvr>
 </p:sldLayout>
 </file>
 
 <file path=ppt/slideLayouts/slideLayout14.xml><?xml version="1.0" encoding="utf-8"?>
-<p:sldLayout xmlns:a="http://schemas.openxmlformats.org/drawingml/2006/main" xmlns:p="http://schemas.openxmlformats.org/presentationml/2006/main" xmlns:r="http://schemas.openxmlformats.org/officeDocument/2006/relationships" xmlns:p14="http://schemas.microsoft.com/office/powerpoint/2010/main" xmlns:p15="http://schemas.microsoft.com/office/powerpoint/2012/main" xmlns:mc="http://schemas.openxmlformats.org/markup-compatibility/2006" type="tx" preserve="1">
+<p:sldLayout xmlns:a="http://schemas.openxmlformats.org/drawingml/2006/main" xmlns:r="http://schemas.openxmlformats.org/officeDocument/2006/relationships" xmlns:p="http://schemas.openxmlformats.org/presentationml/2006/main" type="tx" preserve="1">
   <p:cSld name="Title Slide">
     <p:spTree>
       <p:nvGrpSpPr>
@@ -673,11 +799,12 @@
           </a:prstGeom>
         </p:spPr>
         <p:txBody>
-          <a:bodyPr lIns="0" rIns="0" tIns="0" bIns="0" anchor="ctr">
+          <a:bodyPr lIns="0" tIns="0" rIns="0" bIns="0" anchor="ctr">
             <a:noAutofit/>
           </a:bodyPr>
-          <a:p>
-            <a:endParaRPr b="0" lang="pt-BR" sz="1800" spc="-1" strike="noStrike">
+          <a:lstStyle/>
+          <a:p>
+            <a:endParaRPr lang="pt-BR" sz="1800" b="0" strike="noStrike" spc="-1">
               <a:solidFill>
                 <a:srgbClr val="000000"/>
               </a:solidFill>
@@ -706,12 +833,13 @@
           </a:prstGeom>
         </p:spPr>
         <p:txBody>
-          <a:bodyPr lIns="0" rIns="0" tIns="0" bIns="0" anchor="ctr">
+          <a:bodyPr lIns="0" tIns="0" rIns="0" bIns="0" anchor="ctr">
             <a:noAutofit/>
           </a:bodyPr>
+          <a:lstStyle/>
           <a:p>
             <a:pPr algn="ctr"/>
-            <a:endParaRPr b="0" lang="pt-BR" sz="3200" spc="-1" strike="noStrike">
+            <a:endParaRPr lang="pt-BR" sz="3200" b="0" strike="noStrike" spc="-1">
               <a:latin typeface="Arial"/>
             </a:endParaRPr>
           </a:p>
@@ -719,11 +847,14 @@
       </p:sp>
     </p:spTree>
   </p:cSld>
+  <p:clrMapOvr>
+    <a:masterClrMapping/>
+  </p:clrMapOvr>
 </p:sldLayout>
 </file>
 
 <file path=ppt/slideLayouts/slideLayout15.xml><?xml version="1.0" encoding="utf-8"?>
-<p:sldLayout xmlns:a="http://schemas.openxmlformats.org/drawingml/2006/main" xmlns:p="http://schemas.openxmlformats.org/presentationml/2006/main" xmlns:r="http://schemas.openxmlformats.org/officeDocument/2006/relationships" xmlns:p14="http://schemas.microsoft.com/office/powerpoint/2010/main" xmlns:p15="http://schemas.microsoft.com/office/powerpoint/2012/main" xmlns:mc="http://schemas.openxmlformats.org/markup-compatibility/2006" type="obj" preserve="1">
+<p:sldLayout xmlns:a="http://schemas.openxmlformats.org/drawingml/2006/main" xmlns:r="http://schemas.openxmlformats.org/officeDocument/2006/relationships" xmlns:p="http://schemas.openxmlformats.org/presentationml/2006/main" type="obj" preserve="1">
   <p:cSld name="Title, Content">
     <p:spTree>
       <p:nvGrpSpPr>
@@ -759,11 +890,12 @@
           </a:prstGeom>
         </p:spPr>
         <p:txBody>
-          <a:bodyPr lIns="0" rIns="0" tIns="0" bIns="0" anchor="ctr">
+          <a:bodyPr lIns="0" tIns="0" rIns="0" bIns="0" anchor="ctr">
             <a:noAutofit/>
           </a:bodyPr>
-          <a:p>
-            <a:endParaRPr b="0" lang="pt-BR" sz="1800" spc="-1" strike="noStrike">
+          <a:lstStyle/>
+          <a:p>
+            <a:endParaRPr lang="pt-BR" sz="1800" b="0" strike="noStrike" spc="-1">
               <a:solidFill>
                 <a:srgbClr val="000000"/>
               </a:solidFill>
@@ -792,11 +924,12 @@
           </a:prstGeom>
         </p:spPr>
         <p:txBody>
-          <a:bodyPr lIns="0" rIns="0" tIns="0" bIns="0">
+          <a:bodyPr lIns="0" tIns="0" rIns="0" bIns="0">
             <a:normAutofit/>
           </a:bodyPr>
-          <a:p>
-            <a:endParaRPr b="0" lang="pt-BR" sz="2800" spc="-1" strike="noStrike">
+          <a:lstStyle/>
+          <a:p>
+            <a:endParaRPr lang="pt-BR" sz="2800" b="0" strike="noStrike" spc="-1">
               <a:solidFill>
                 <a:srgbClr val="000000"/>
               </a:solidFill>
@@ -807,11 +940,14 @@
       </p:sp>
     </p:spTree>
   </p:cSld>
+  <p:clrMapOvr>
+    <a:masterClrMapping/>
+  </p:clrMapOvr>
 </p:sldLayout>
 </file>
 
 <file path=ppt/slideLayouts/slideLayout16.xml><?xml version="1.0" encoding="utf-8"?>
-<p:sldLayout xmlns:a="http://schemas.openxmlformats.org/drawingml/2006/main" xmlns:p="http://schemas.openxmlformats.org/presentationml/2006/main" xmlns:r="http://schemas.openxmlformats.org/officeDocument/2006/relationships" xmlns:p14="http://schemas.microsoft.com/office/powerpoint/2010/main" xmlns:p15="http://schemas.microsoft.com/office/powerpoint/2012/main" xmlns:mc="http://schemas.openxmlformats.org/markup-compatibility/2006" type="twoObj" preserve="1">
+<p:sldLayout xmlns:a="http://schemas.openxmlformats.org/drawingml/2006/main" xmlns:r="http://schemas.openxmlformats.org/officeDocument/2006/relationships" xmlns:p="http://schemas.openxmlformats.org/presentationml/2006/main" type="twoObj" preserve="1">
   <p:cSld name="Title, 2 Content">
     <p:spTree>
       <p:nvGrpSpPr>
@@ -847,11 +983,12 @@
           </a:prstGeom>
         </p:spPr>
         <p:txBody>
-          <a:bodyPr lIns="0" rIns="0" tIns="0" bIns="0" anchor="ctr">
+          <a:bodyPr lIns="0" tIns="0" rIns="0" bIns="0" anchor="ctr">
             <a:noAutofit/>
           </a:bodyPr>
-          <a:p>
-            <a:endParaRPr b="0" lang="pt-BR" sz="1800" spc="-1" strike="noStrike">
+          <a:lstStyle/>
+          <a:p>
+            <a:endParaRPr lang="pt-BR" sz="1800" b="0" strike="noStrike" spc="-1">
               <a:solidFill>
                 <a:srgbClr val="000000"/>
               </a:solidFill>
@@ -880,11 +1017,12 @@
           </a:prstGeom>
         </p:spPr>
         <p:txBody>
-          <a:bodyPr lIns="0" rIns="0" tIns="0" bIns="0">
+          <a:bodyPr lIns="0" tIns="0" rIns="0" bIns="0">
             <a:normAutofit/>
           </a:bodyPr>
-          <a:p>
-            <a:endParaRPr b="0" lang="pt-BR" sz="2800" spc="-1" strike="noStrike">
+          <a:lstStyle/>
+          <a:p>
+            <a:endParaRPr lang="pt-BR" sz="2800" b="0" strike="noStrike" spc="-1">
               <a:solidFill>
                 <a:srgbClr val="000000"/>
               </a:solidFill>
@@ -913,11 +1051,12 @@
           </a:prstGeom>
         </p:spPr>
         <p:txBody>
-          <a:bodyPr lIns="0" rIns="0" tIns="0" bIns="0">
+          <a:bodyPr lIns="0" tIns="0" rIns="0" bIns="0">
             <a:normAutofit/>
           </a:bodyPr>
-          <a:p>
-            <a:endParaRPr b="0" lang="pt-BR" sz="2800" spc="-1" strike="noStrike">
+          <a:lstStyle/>
+          <a:p>
+            <a:endParaRPr lang="pt-BR" sz="2800" b="0" strike="noStrike" spc="-1">
               <a:solidFill>
                 <a:srgbClr val="000000"/>
               </a:solidFill>
@@ -928,11 +1067,14 @@
       </p:sp>
     </p:spTree>
   </p:cSld>
+  <p:clrMapOvr>
+    <a:masterClrMapping/>
+  </p:clrMapOvr>
 </p:sldLayout>
 </file>
 
 <file path=ppt/slideLayouts/slideLayout17.xml><?xml version="1.0" encoding="utf-8"?>
-<p:sldLayout xmlns:a="http://schemas.openxmlformats.org/drawingml/2006/main" xmlns:p="http://schemas.openxmlformats.org/presentationml/2006/main" xmlns:r="http://schemas.openxmlformats.org/officeDocument/2006/relationships" xmlns:p14="http://schemas.microsoft.com/office/powerpoint/2010/main" xmlns:p15="http://schemas.microsoft.com/office/powerpoint/2012/main" xmlns:mc="http://schemas.openxmlformats.org/markup-compatibility/2006" type="titleOnly" preserve="1">
+<p:sldLayout xmlns:a="http://schemas.openxmlformats.org/drawingml/2006/main" xmlns:r="http://schemas.openxmlformats.org/officeDocument/2006/relationships" xmlns:p="http://schemas.openxmlformats.org/presentationml/2006/main" type="titleOnly" preserve="1">
   <p:cSld name="Title Only">
     <p:spTree>
       <p:nvGrpSpPr>
@@ -968,11 +1110,12 @@
           </a:prstGeom>
         </p:spPr>
         <p:txBody>
-          <a:bodyPr lIns="0" rIns="0" tIns="0" bIns="0" anchor="ctr">
+          <a:bodyPr lIns="0" tIns="0" rIns="0" bIns="0" anchor="ctr">
             <a:noAutofit/>
           </a:bodyPr>
-          <a:p>
-            <a:endParaRPr b="0" lang="pt-BR" sz="1800" spc="-1" strike="noStrike">
+          <a:lstStyle/>
+          <a:p>
+            <a:endParaRPr lang="pt-BR" sz="1800" b="0" strike="noStrike" spc="-1">
               <a:solidFill>
                 <a:srgbClr val="000000"/>
               </a:solidFill>
@@ -983,11 +1126,14 @@
       </p:sp>
     </p:spTree>
   </p:cSld>
+  <p:clrMapOvr>
+    <a:masterClrMapping/>
+  </p:clrMapOvr>
 </p:sldLayout>
 </file>
 
 <file path=ppt/slideLayouts/slideLayout18.xml><?xml version="1.0" encoding="utf-8"?>
-<p:sldLayout xmlns:a="http://schemas.openxmlformats.org/drawingml/2006/main" xmlns:p="http://schemas.openxmlformats.org/presentationml/2006/main" xmlns:r="http://schemas.openxmlformats.org/officeDocument/2006/relationships" xmlns:p14="http://schemas.microsoft.com/office/powerpoint/2010/main" xmlns:p15="http://schemas.microsoft.com/office/powerpoint/2012/main" xmlns:mc="http://schemas.openxmlformats.org/markup-compatibility/2006" type="objOnly" preserve="1">
+<p:sldLayout xmlns:a="http://schemas.openxmlformats.org/drawingml/2006/main" xmlns:r="http://schemas.openxmlformats.org/officeDocument/2006/relationships" xmlns:p="http://schemas.openxmlformats.org/presentationml/2006/main" type="objOnly" preserve="1">
   <p:cSld name="Centered Text">
     <p:spTree>
       <p:nvGrpSpPr>
@@ -1023,12 +1169,13 @@
           </a:prstGeom>
         </p:spPr>
         <p:txBody>
-          <a:bodyPr lIns="0" rIns="0" tIns="0" bIns="0" anchor="ctr">
+          <a:bodyPr lIns="0" tIns="0" rIns="0" bIns="0" anchor="ctr">
             <a:noAutofit/>
           </a:bodyPr>
+          <a:lstStyle/>
           <a:p>
             <a:pPr algn="ctr"/>
-            <a:endParaRPr b="0" lang="pt-BR" sz="3200" spc="-1" strike="noStrike">
+            <a:endParaRPr lang="pt-BR" sz="3200" b="0" strike="noStrike" spc="-1">
               <a:latin typeface="Arial"/>
             </a:endParaRPr>
           </a:p>
@@ -1036,11 +1183,14 @@
       </p:sp>
     </p:spTree>
   </p:cSld>
+  <p:clrMapOvr>
+    <a:masterClrMapping/>
+  </p:clrMapOvr>
 </p:sldLayout>
 </file>
 
 <file path=ppt/slideLayouts/slideLayout19.xml><?xml version="1.0" encoding="utf-8"?>
-<p:sldLayout xmlns:a="http://schemas.openxmlformats.org/drawingml/2006/main" xmlns:p="http://schemas.openxmlformats.org/presentationml/2006/main" xmlns:r="http://schemas.openxmlformats.org/officeDocument/2006/relationships" xmlns:p14="http://schemas.microsoft.com/office/powerpoint/2010/main" xmlns:p15="http://schemas.microsoft.com/office/powerpoint/2012/main" xmlns:mc="http://schemas.openxmlformats.org/markup-compatibility/2006" type="twoObjAndObj" preserve="1">
+<p:sldLayout xmlns:a="http://schemas.openxmlformats.org/drawingml/2006/main" xmlns:r="http://schemas.openxmlformats.org/officeDocument/2006/relationships" xmlns:p="http://schemas.openxmlformats.org/presentationml/2006/main" type="twoObjAndObj" preserve="1">
   <p:cSld name="Title, 2 Content and Content">
     <p:spTree>
       <p:nvGrpSpPr>
@@ -1076,11 +1226,12 @@
           </a:prstGeom>
         </p:spPr>
         <p:txBody>
-          <a:bodyPr lIns="0" rIns="0" tIns="0" bIns="0" anchor="ctr">
+          <a:bodyPr lIns="0" tIns="0" rIns="0" bIns="0" anchor="ctr">
             <a:noAutofit/>
           </a:bodyPr>
-          <a:p>
-            <a:endParaRPr b="0" lang="pt-BR" sz="1800" spc="-1" strike="noStrike">
+          <a:lstStyle/>
+          <a:p>
+            <a:endParaRPr lang="pt-BR" sz="1800" b="0" strike="noStrike" spc="-1">
               <a:solidFill>
                 <a:srgbClr val="000000"/>
               </a:solidFill>
@@ -1109,11 +1260,12 @@
           </a:prstGeom>
         </p:spPr>
         <p:txBody>
-          <a:bodyPr lIns="0" rIns="0" tIns="0" bIns="0">
+          <a:bodyPr lIns="0" tIns="0" rIns="0" bIns="0">
             <a:normAutofit/>
           </a:bodyPr>
-          <a:p>
-            <a:endParaRPr b="0" lang="pt-BR" sz="2800" spc="-1" strike="noStrike">
+          <a:lstStyle/>
+          <a:p>
+            <a:endParaRPr lang="pt-BR" sz="2800" b="0" strike="noStrike" spc="-1">
               <a:solidFill>
                 <a:srgbClr val="000000"/>
               </a:solidFill>
@@ -1142,11 +1294,12 @@
           </a:prstGeom>
         </p:spPr>
         <p:txBody>
-          <a:bodyPr lIns="0" rIns="0" tIns="0" bIns="0">
+          <a:bodyPr lIns="0" tIns="0" rIns="0" bIns="0">
             <a:normAutofit/>
           </a:bodyPr>
-          <a:p>
-            <a:endParaRPr b="0" lang="pt-BR" sz="2800" spc="-1" strike="noStrike">
+          <a:lstStyle/>
+          <a:p>
+            <a:endParaRPr lang="pt-BR" sz="2800" b="0" strike="noStrike" spc="-1">
               <a:solidFill>
                 <a:srgbClr val="000000"/>
               </a:solidFill>
@@ -1175,11 +1328,12 @@
           </a:prstGeom>
         </p:spPr>
         <p:txBody>
-          <a:bodyPr lIns="0" rIns="0" tIns="0" bIns="0">
+          <a:bodyPr lIns="0" tIns="0" rIns="0" bIns="0">
             <a:normAutofit/>
           </a:bodyPr>
-          <a:p>
-            <a:endParaRPr b="0" lang="pt-BR" sz="2800" spc="-1" strike="noStrike">
+          <a:lstStyle/>
+          <a:p>
+            <a:endParaRPr lang="pt-BR" sz="2800" b="0" strike="noStrike" spc="-1">
               <a:solidFill>
                 <a:srgbClr val="000000"/>
               </a:solidFill>
@@ -1190,11 +1344,14 @@
       </p:sp>
     </p:spTree>
   </p:cSld>
+  <p:clrMapOvr>
+    <a:masterClrMapping/>
+  </p:clrMapOvr>
 </p:sldLayout>
 </file>
 
 <file path=ppt/slideLayouts/slideLayout2.xml><?xml version="1.0" encoding="utf-8"?>
-<p:sldLayout xmlns:a="http://schemas.openxmlformats.org/drawingml/2006/main" xmlns:p="http://schemas.openxmlformats.org/presentationml/2006/main" xmlns:r="http://schemas.openxmlformats.org/officeDocument/2006/relationships" xmlns:p14="http://schemas.microsoft.com/office/powerpoint/2010/main" xmlns:p15="http://schemas.microsoft.com/office/powerpoint/2012/main" xmlns:mc="http://schemas.openxmlformats.org/markup-compatibility/2006" type="tx" preserve="1">
+<p:sldLayout xmlns:a="http://schemas.openxmlformats.org/drawingml/2006/main" xmlns:r="http://schemas.openxmlformats.org/officeDocument/2006/relationships" xmlns:p="http://schemas.openxmlformats.org/presentationml/2006/main" type="tx" preserve="1">
   <p:cSld name="Title Slide">
     <p:spTree>
       <p:nvGrpSpPr>
@@ -1230,11 +1387,12 @@
           </a:prstGeom>
         </p:spPr>
         <p:txBody>
-          <a:bodyPr lIns="0" rIns="0" tIns="0" bIns="0" anchor="ctr">
+          <a:bodyPr lIns="0" tIns="0" rIns="0" bIns="0" anchor="ctr">
             <a:noAutofit/>
           </a:bodyPr>
-          <a:p>
-            <a:endParaRPr b="0" lang="pt-BR" sz="1800" spc="-1" strike="noStrike">
+          <a:lstStyle/>
+          <a:p>
+            <a:endParaRPr lang="pt-BR" sz="1800" b="0" strike="noStrike" spc="-1">
               <a:solidFill>
                 <a:srgbClr val="000000"/>
               </a:solidFill>
@@ -1263,12 +1421,13 @@
           </a:prstGeom>
         </p:spPr>
         <p:txBody>
-          <a:bodyPr lIns="0" rIns="0" tIns="0" bIns="0" anchor="ctr">
+          <a:bodyPr lIns="0" tIns="0" rIns="0" bIns="0" anchor="ctr">
             <a:noAutofit/>
           </a:bodyPr>
+          <a:lstStyle/>
           <a:p>
             <a:pPr algn="ctr"/>
-            <a:endParaRPr b="0" lang="pt-BR" sz="3200" spc="-1" strike="noStrike">
+            <a:endParaRPr lang="pt-BR" sz="3200" b="0" strike="noStrike" spc="-1">
               <a:latin typeface="Arial"/>
             </a:endParaRPr>
           </a:p>
@@ -1276,11 +1435,14 @@
       </p:sp>
     </p:spTree>
   </p:cSld>
+  <p:clrMapOvr>
+    <a:masterClrMapping/>
+  </p:clrMapOvr>
 </p:sldLayout>
 </file>
 
 <file path=ppt/slideLayouts/slideLayout20.xml><?xml version="1.0" encoding="utf-8"?>
-<p:sldLayout xmlns:a="http://schemas.openxmlformats.org/drawingml/2006/main" xmlns:p="http://schemas.openxmlformats.org/presentationml/2006/main" xmlns:r="http://schemas.openxmlformats.org/officeDocument/2006/relationships" xmlns:p14="http://schemas.microsoft.com/office/powerpoint/2010/main" xmlns:p15="http://schemas.microsoft.com/office/powerpoint/2012/main" xmlns:mc="http://schemas.openxmlformats.org/markup-compatibility/2006" type="objAndTwoObj" preserve="1">
+<p:sldLayout xmlns:a="http://schemas.openxmlformats.org/drawingml/2006/main" xmlns:r="http://schemas.openxmlformats.org/officeDocument/2006/relationships" xmlns:p="http://schemas.openxmlformats.org/presentationml/2006/main" type="objAndTwoObj" preserve="1">
   <p:cSld name="Title Content and 2 Content">
     <p:spTree>
       <p:nvGrpSpPr>
@@ -1316,11 +1478,12 @@
           </a:prstGeom>
         </p:spPr>
         <p:txBody>
-          <a:bodyPr lIns="0" rIns="0" tIns="0" bIns="0" anchor="ctr">
+          <a:bodyPr lIns="0" tIns="0" rIns="0" bIns="0" anchor="ctr">
             <a:noAutofit/>
           </a:bodyPr>
-          <a:p>
-            <a:endParaRPr b="0" lang="pt-BR" sz="1800" spc="-1" strike="noStrike">
+          <a:lstStyle/>
+          <a:p>
+            <a:endParaRPr lang="pt-BR" sz="1800" b="0" strike="noStrike" spc="-1">
               <a:solidFill>
                 <a:srgbClr val="000000"/>
               </a:solidFill>
@@ -1349,11 +1512,12 @@
           </a:prstGeom>
         </p:spPr>
         <p:txBody>
-          <a:bodyPr lIns="0" rIns="0" tIns="0" bIns="0">
+          <a:bodyPr lIns="0" tIns="0" rIns="0" bIns="0">
             <a:normAutofit/>
           </a:bodyPr>
-          <a:p>
-            <a:endParaRPr b="0" lang="pt-BR" sz="2800" spc="-1" strike="noStrike">
+          <a:lstStyle/>
+          <a:p>
+            <a:endParaRPr lang="pt-BR" sz="2800" b="0" strike="noStrike" spc="-1">
               <a:solidFill>
                 <a:srgbClr val="000000"/>
               </a:solidFill>
@@ -1382,11 +1546,12 @@
           </a:prstGeom>
         </p:spPr>
         <p:txBody>
-          <a:bodyPr lIns="0" rIns="0" tIns="0" bIns="0">
+          <a:bodyPr lIns="0" tIns="0" rIns="0" bIns="0">
             <a:normAutofit/>
           </a:bodyPr>
-          <a:p>
-            <a:endParaRPr b="0" lang="pt-BR" sz="2800" spc="-1" strike="noStrike">
+          <a:lstStyle/>
+          <a:p>
+            <a:endParaRPr lang="pt-BR" sz="2800" b="0" strike="noStrike" spc="-1">
               <a:solidFill>
                 <a:srgbClr val="000000"/>
               </a:solidFill>
@@ -1415,11 +1580,12 @@
           </a:prstGeom>
         </p:spPr>
         <p:txBody>
-          <a:bodyPr lIns="0" rIns="0" tIns="0" bIns="0">
+          <a:bodyPr lIns="0" tIns="0" rIns="0" bIns="0">
             <a:normAutofit/>
           </a:bodyPr>
-          <a:p>
-            <a:endParaRPr b="0" lang="pt-BR" sz="2800" spc="-1" strike="noStrike">
+          <a:lstStyle/>
+          <a:p>
+            <a:endParaRPr lang="pt-BR" sz="2800" b="0" strike="noStrike" spc="-1">
               <a:solidFill>
                 <a:srgbClr val="000000"/>
               </a:solidFill>
@@ -1430,11 +1596,14 @@
       </p:sp>
     </p:spTree>
   </p:cSld>
+  <p:clrMapOvr>
+    <a:masterClrMapping/>
+  </p:clrMapOvr>
 </p:sldLayout>
 </file>
 
 <file path=ppt/slideLayouts/slideLayout21.xml><?xml version="1.0" encoding="utf-8"?>
-<p:sldLayout xmlns:a="http://schemas.openxmlformats.org/drawingml/2006/main" xmlns:p="http://schemas.openxmlformats.org/presentationml/2006/main" xmlns:r="http://schemas.openxmlformats.org/officeDocument/2006/relationships" xmlns:p14="http://schemas.microsoft.com/office/powerpoint/2010/main" xmlns:p15="http://schemas.microsoft.com/office/powerpoint/2012/main" xmlns:mc="http://schemas.openxmlformats.org/markup-compatibility/2006" type="twoObjOverTx" preserve="1">
+<p:sldLayout xmlns:a="http://schemas.openxmlformats.org/drawingml/2006/main" xmlns:r="http://schemas.openxmlformats.org/officeDocument/2006/relationships" xmlns:p="http://schemas.openxmlformats.org/presentationml/2006/main" type="twoObjOverTx" preserve="1">
   <p:cSld name="Title, 2 Content over Content">
     <p:spTree>
       <p:nvGrpSpPr>
@@ -1470,11 +1639,12 @@
           </a:prstGeom>
         </p:spPr>
         <p:txBody>
-          <a:bodyPr lIns="0" rIns="0" tIns="0" bIns="0" anchor="ctr">
+          <a:bodyPr lIns="0" tIns="0" rIns="0" bIns="0" anchor="ctr">
             <a:noAutofit/>
           </a:bodyPr>
-          <a:p>
-            <a:endParaRPr b="0" lang="pt-BR" sz="1800" spc="-1" strike="noStrike">
+          <a:lstStyle/>
+          <a:p>
+            <a:endParaRPr lang="pt-BR" sz="1800" b="0" strike="noStrike" spc="-1">
               <a:solidFill>
                 <a:srgbClr val="000000"/>
               </a:solidFill>
@@ -1503,11 +1673,12 @@
           </a:prstGeom>
         </p:spPr>
         <p:txBody>
-          <a:bodyPr lIns="0" rIns="0" tIns="0" bIns="0">
+          <a:bodyPr lIns="0" tIns="0" rIns="0" bIns="0">
             <a:normAutofit/>
           </a:bodyPr>
-          <a:p>
-            <a:endParaRPr b="0" lang="pt-BR" sz="2800" spc="-1" strike="noStrike">
+          <a:lstStyle/>
+          <a:p>
+            <a:endParaRPr lang="pt-BR" sz="2800" b="0" strike="noStrike" spc="-1">
               <a:solidFill>
                 <a:srgbClr val="000000"/>
               </a:solidFill>
@@ -1536,11 +1707,12 @@
           </a:prstGeom>
         </p:spPr>
         <p:txBody>
-          <a:bodyPr lIns="0" rIns="0" tIns="0" bIns="0">
+          <a:bodyPr lIns="0" tIns="0" rIns="0" bIns="0">
             <a:normAutofit/>
           </a:bodyPr>
-          <a:p>
-            <a:endParaRPr b="0" lang="pt-BR" sz="2800" spc="-1" strike="noStrike">
+          <a:lstStyle/>
+          <a:p>
+            <a:endParaRPr lang="pt-BR" sz="2800" b="0" strike="noStrike" spc="-1">
               <a:solidFill>
                 <a:srgbClr val="000000"/>
               </a:solidFill>
@@ -1569,11 +1741,12 @@
           </a:prstGeom>
         </p:spPr>
         <p:txBody>
-          <a:bodyPr lIns="0" rIns="0" tIns="0" bIns="0">
+          <a:bodyPr lIns="0" tIns="0" rIns="0" bIns="0">
             <a:normAutofit/>
           </a:bodyPr>
-          <a:p>
-            <a:endParaRPr b="0" lang="pt-BR" sz="2800" spc="-1" strike="noStrike">
+          <a:lstStyle/>
+          <a:p>
+            <a:endParaRPr lang="pt-BR" sz="2800" b="0" strike="noStrike" spc="-1">
               <a:solidFill>
                 <a:srgbClr val="000000"/>
               </a:solidFill>
@@ -1584,11 +1757,14 @@
       </p:sp>
     </p:spTree>
   </p:cSld>
+  <p:clrMapOvr>
+    <a:masterClrMapping/>
+  </p:clrMapOvr>
 </p:sldLayout>
 </file>
 
 <file path=ppt/slideLayouts/slideLayout22.xml><?xml version="1.0" encoding="utf-8"?>
-<p:sldLayout xmlns:a="http://schemas.openxmlformats.org/drawingml/2006/main" xmlns:p="http://schemas.openxmlformats.org/presentationml/2006/main" xmlns:r="http://schemas.openxmlformats.org/officeDocument/2006/relationships" xmlns:p14="http://schemas.microsoft.com/office/powerpoint/2010/main" xmlns:p15="http://schemas.microsoft.com/office/powerpoint/2012/main" xmlns:mc="http://schemas.openxmlformats.org/markup-compatibility/2006" type="objOverTx" preserve="1">
+<p:sldLayout xmlns:a="http://schemas.openxmlformats.org/drawingml/2006/main" xmlns:r="http://schemas.openxmlformats.org/officeDocument/2006/relationships" xmlns:p="http://schemas.openxmlformats.org/presentationml/2006/main" type="objOverTx" preserve="1">
   <p:cSld name="Title, Content over Content">
     <p:spTree>
       <p:nvGrpSpPr>
@@ -1624,11 +1800,12 @@
           </a:prstGeom>
         </p:spPr>
         <p:txBody>
-          <a:bodyPr lIns="0" rIns="0" tIns="0" bIns="0" anchor="ctr">
+          <a:bodyPr lIns="0" tIns="0" rIns="0" bIns="0" anchor="ctr">
             <a:noAutofit/>
           </a:bodyPr>
-          <a:p>
-            <a:endParaRPr b="0" lang="pt-BR" sz="1800" spc="-1" strike="noStrike">
+          <a:lstStyle/>
+          <a:p>
+            <a:endParaRPr lang="pt-BR" sz="1800" b="0" strike="noStrike" spc="-1">
               <a:solidFill>
                 <a:srgbClr val="000000"/>
               </a:solidFill>
@@ -1657,11 +1834,12 @@
           </a:prstGeom>
         </p:spPr>
         <p:txBody>
-          <a:bodyPr lIns="0" rIns="0" tIns="0" bIns="0">
+          <a:bodyPr lIns="0" tIns="0" rIns="0" bIns="0">
             <a:normAutofit/>
           </a:bodyPr>
-          <a:p>
-            <a:endParaRPr b="0" lang="pt-BR" sz="2800" spc="-1" strike="noStrike">
+          <a:lstStyle/>
+          <a:p>
+            <a:endParaRPr lang="pt-BR" sz="2800" b="0" strike="noStrike" spc="-1">
               <a:solidFill>
                 <a:srgbClr val="000000"/>
               </a:solidFill>
@@ -1690,11 +1868,12 @@
           </a:prstGeom>
         </p:spPr>
         <p:txBody>
-          <a:bodyPr lIns="0" rIns="0" tIns="0" bIns="0">
+          <a:bodyPr lIns="0" tIns="0" rIns="0" bIns="0">
             <a:normAutofit/>
           </a:bodyPr>
-          <a:p>
-            <a:endParaRPr b="0" lang="pt-BR" sz="2800" spc="-1" strike="noStrike">
+          <a:lstStyle/>
+          <a:p>
+            <a:endParaRPr lang="pt-BR" sz="2800" b="0" strike="noStrike" spc="-1">
               <a:solidFill>
                 <a:srgbClr val="000000"/>
               </a:solidFill>
@@ -1705,11 +1884,14 @@
       </p:sp>
     </p:spTree>
   </p:cSld>
+  <p:clrMapOvr>
+    <a:masterClrMapping/>
+  </p:clrMapOvr>
 </p:sldLayout>
 </file>
 
 <file path=ppt/slideLayouts/slideLayout23.xml><?xml version="1.0" encoding="utf-8"?>
-<p:sldLayout xmlns:a="http://schemas.openxmlformats.org/drawingml/2006/main" xmlns:p="http://schemas.openxmlformats.org/presentationml/2006/main" xmlns:r="http://schemas.openxmlformats.org/officeDocument/2006/relationships" xmlns:p14="http://schemas.microsoft.com/office/powerpoint/2010/main" xmlns:p15="http://schemas.microsoft.com/office/powerpoint/2012/main" xmlns:mc="http://schemas.openxmlformats.org/markup-compatibility/2006" type="fourObj" preserve="1">
+<p:sldLayout xmlns:a="http://schemas.openxmlformats.org/drawingml/2006/main" xmlns:r="http://schemas.openxmlformats.org/officeDocument/2006/relationships" xmlns:p="http://schemas.openxmlformats.org/presentationml/2006/main" type="fourObj" preserve="1">
   <p:cSld name="Title, 4 Content">
     <p:spTree>
       <p:nvGrpSpPr>
@@ -1745,11 +1927,12 @@
           </a:prstGeom>
         </p:spPr>
         <p:txBody>
-          <a:bodyPr lIns="0" rIns="0" tIns="0" bIns="0" anchor="ctr">
+          <a:bodyPr lIns="0" tIns="0" rIns="0" bIns="0" anchor="ctr">
             <a:noAutofit/>
           </a:bodyPr>
-          <a:p>
-            <a:endParaRPr b="0" lang="pt-BR" sz="1800" spc="-1" strike="noStrike">
+          <a:lstStyle/>
+          <a:p>
+            <a:endParaRPr lang="pt-BR" sz="1800" b="0" strike="noStrike" spc="-1">
               <a:solidFill>
                 <a:srgbClr val="000000"/>
               </a:solidFill>
@@ -1778,11 +1961,12 @@
           </a:prstGeom>
         </p:spPr>
         <p:txBody>
-          <a:bodyPr lIns="0" rIns="0" tIns="0" bIns="0">
+          <a:bodyPr lIns="0" tIns="0" rIns="0" bIns="0">
             <a:normAutofit/>
           </a:bodyPr>
-          <a:p>
-            <a:endParaRPr b="0" lang="pt-BR" sz="2800" spc="-1" strike="noStrike">
+          <a:lstStyle/>
+          <a:p>
+            <a:endParaRPr lang="pt-BR" sz="2800" b="0" strike="noStrike" spc="-1">
               <a:solidFill>
                 <a:srgbClr val="000000"/>
               </a:solidFill>
@@ -1811,11 +1995,12 @@
           </a:prstGeom>
         </p:spPr>
         <p:txBody>
-          <a:bodyPr lIns="0" rIns="0" tIns="0" bIns="0">
+          <a:bodyPr lIns="0" tIns="0" rIns="0" bIns="0">
             <a:normAutofit/>
           </a:bodyPr>
-          <a:p>
-            <a:endParaRPr b="0" lang="pt-BR" sz="2800" spc="-1" strike="noStrike">
+          <a:lstStyle/>
+          <a:p>
+            <a:endParaRPr lang="pt-BR" sz="2800" b="0" strike="noStrike" spc="-1">
               <a:solidFill>
                 <a:srgbClr val="000000"/>
               </a:solidFill>
@@ -1844,11 +2029,12 @@
           </a:prstGeom>
         </p:spPr>
         <p:txBody>
-          <a:bodyPr lIns="0" rIns="0" tIns="0" bIns="0">
+          <a:bodyPr lIns="0" tIns="0" rIns="0" bIns="0">
             <a:normAutofit/>
           </a:bodyPr>
-          <a:p>
-            <a:endParaRPr b="0" lang="pt-BR" sz="2800" spc="-1" strike="noStrike">
+          <a:lstStyle/>
+          <a:p>
+            <a:endParaRPr lang="pt-BR" sz="2800" b="0" strike="noStrike" spc="-1">
               <a:solidFill>
                 <a:srgbClr val="000000"/>
               </a:solidFill>
@@ -1877,11 +2063,12 @@
           </a:prstGeom>
         </p:spPr>
         <p:txBody>
-          <a:bodyPr lIns="0" rIns="0" tIns="0" bIns="0">
+          <a:bodyPr lIns="0" tIns="0" rIns="0" bIns="0">
             <a:normAutofit/>
           </a:bodyPr>
-          <a:p>
-            <a:endParaRPr b="0" lang="pt-BR" sz="2800" spc="-1" strike="noStrike">
+          <a:lstStyle/>
+          <a:p>
+            <a:endParaRPr lang="pt-BR" sz="2800" b="0" strike="noStrike" spc="-1">
               <a:solidFill>
                 <a:srgbClr val="000000"/>
               </a:solidFill>
@@ -1892,11 +2079,14 @@
       </p:sp>
     </p:spTree>
   </p:cSld>
+  <p:clrMapOvr>
+    <a:masterClrMapping/>
+  </p:clrMapOvr>
 </p:sldLayout>
 </file>
 
 <file path=ppt/slideLayouts/slideLayout24.xml><?xml version="1.0" encoding="utf-8"?>
-<p:sldLayout xmlns:a="http://schemas.openxmlformats.org/drawingml/2006/main" xmlns:p="http://schemas.openxmlformats.org/presentationml/2006/main" xmlns:r="http://schemas.openxmlformats.org/officeDocument/2006/relationships" xmlns:p14="http://schemas.microsoft.com/office/powerpoint/2010/main" xmlns:p15="http://schemas.microsoft.com/office/powerpoint/2012/main" xmlns:mc="http://schemas.openxmlformats.org/markup-compatibility/2006" type="blank" preserve="1">
+<p:sldLayout xmlns:a="http://schemas.openxmlformats.org/drawingml/2006/main" xmlns:r="http://schemas.openxmlformats.org/officeDocument/2006/relationships" xmlns:p="http://schemas.openxmlformats.org/presentationml/2006/main" type="blank" preserve="1">
   <p:cSld name="Title, 6 Content">
     <p:spTree>
       <p:nvGrpSpPr>
@@ -1932,11 +2122,12 @@
           </a:prstGeom>
         </p:spPr>
         <p:txBody>
-          <a:bodyPr lIns="0" rIns="0" tIns="0" bIns="0" anchor="ctr">
+          <a:bodyPr lIns="0" tIns="0" rIns="0" bIns="0" anchor="ctr">
             <a:noAutofit/>
           </a:bodyPr>
-          <a:p>
-            <a:endParaRPr b="0" lang="pt-BR" sz="1800" spc="-1" strike="noStrike">
+          <a:lstStyle/>
+          <a:p>
+            <a:endParaRPr lang="pt-BR" sz="1800" b="0" strike="noStrike" spc="-1">
               <a:solidFill>
                 <a:srgbClr val="000000"/>
               </a:solidFill>
@@ -1965,11 +2156,12 @@
           </a:prstGeom>
         </p:spPr>
         <p:txBody>
-          <a:bodyPr lIns="0" rIns="0" tIns="0" bIns="0">
+          <a:bodyPr lIns="0" tIns="0" rIns="0" bIns="0">
             <a:normAutofit/>
           </a:bodyPr>
-          <a:p>
-            <a:endParaRPr b="0" lang="pt-BR" sz="2800" spc="-1" strike="noStrike">
+          <a:lstStyle/>
+          <a:p>
+            <a:endParaRPr lang="pt-BR" sz="2800" b="0" strike="noStrike" spc="-1">
               <a:solidFill>
                 <a:srgbClr val="000000"/>
               </a:solidFill>
@@ -1998,11 +2190,12 @@
           </a:prstGeom>
         </p:spPr>
         <p:txBody>
-          <a:bodyPr lIns="0" rIns="0" tIns="0" bIns="0">
+          <a:bodyPr lIns="0" tIns="0" rIns="0" bIns="0">
             <a:normAutofit/>
           </a:bodyPr>
-          <a:p>
-            <a:endParaRPr b="0" lang="pt-BR" sz="2800" spc="-1" strike="noStrike">
+          <a:lstStyle/>
+          <a:p>
+            <a:endParaRPr lang="pt-BR" sz="2800" b="0" strike="noStrike" spc="-1">
               <a:solidFill>
                 <a:srgbClr val="000000"/>
               </a:solidFill>
@@ -2031,11 +2224,12 @@
           </a:prstGeom>
         </p:spPr>
         <p:txBody>
-          <a:bodyPr lIns="0" rIns="0" tIns="0" bIns="0">
+          <a:bodyPr lIns="0" tIns="0" rIns="0" bIns="0">
             <a:normAutofit/>
           </a:bodyPr>
-          <a:p>
-            <a:endParaRPr b="0" lang="pt-BR" sz="2800" spc="-1" strike="noStrike">
+          <a:lstStyle/>
+          <a:p>
+            <a:endParaRPr lang="pt-BR" sz="2800" b="0" strike="noStrike" spc="-1">
               <a:solidFill>
                 <a:srgbClr val="000000"/>
               </a:solidFill>
@@ -2064,11 +2258,12 @@
           </a:prstGeom>
         </p:spPr>
         <p:txBody>
-          <a:bodyPr lIns="0" rIns="0" tIns="0" bIns="0">
+          <a:bodyPr lIns="0" tIns="0" rIns="0" bIns="0">
             <a:normAutofit/>
           </a:bodyPr>
-          <a:p>
-            <a:endParaRPr b="0" lang="pt-BR" sz="2800" spc="-1" strike="noStrike">
+          <a:lstStyle/>
+          <a:p>
+            <a:endParaRPr lang="pt-BR" sz="2800" b="0" strike="noStrike" spc="-1">
               <a:solidFill>
                 <a:srgbClr val="000000"/>
               </a:solidFill>
@@ -2097,11 +2292,12 @@
           </a:prstGeom>
         </p:spPr>
         <p:txBody>
-          <a:bodyPr lIns="0" rIns="0" tIns="0" bIns="0">
+          <a:bodyPr lIns="0" tIns="0" rIns="0" bIns="0">
             <a:normAutofit/>
           </a:bodyPr>
-          <a:p>
-            <a:endParaRPr b="0" lang="pt-BR" sz="2800" spc="-1" strike="noStrike">
+          <a:lstStyle/>
+          <a:p>
+            <a:endParaRPr lang="pt-BR" sz="2800" b="0" strike="noStrike" spc="-1">
               <a:solidFill>
                 <a:srgbClr val="000000"/>
               </a:solidFill>
@@ -2130,11 +2326,12 @@
           </a:prstGeom>
         </p:spPr>
         <p:txBody>
-          <a:bodyPr lIns="0" rIns="0" tIns="0" bIns="0">
+          <a:bodyPr lIns="0" tIns="0" rIns="0" bIns="0">
             <a:normAutofit/>
           </a:bodyPr>
-          <a:p>
-            <a:endParaRPr b="0" lang="pt-BR" sz="2800" spc="-1" strike="noStrike">
+          <a:lstStyle/>
+          <a:p>
+            <a:endParaRPr lang="pt-BR" sz="2800" b="0" strike="noStrike" spc="-1">
               <a:solidFill>
                 <a:srgbClr val="000000"/>
               </a:solidFill>
@@ -2145,11 +2342,14 @@
       </p:sp>
     </p:spTree>
   </p:cSld>
+  <p:clrMapOvr>
+    <a:masterClrMapping/>
+  </p:clrMapOvr>
 </p:sldLayout>
 </file>
 
 <file path=ppt/slideLayouts/slideLayout3.xml><?xml version="1.0" encoding="utf-8"?>
-<p:sldLayout xmlns:a="http://schemas.openxmlformats.org/drawingml/2006/main" xmlns:p="http://schemas.openxmlformats.org/presentationml/2006/main" xmlns:r="http://schemas.openxmlformats.org/officeDocument/2006/relationships" xmlns:p14="http://schemas.microsoft.com/office/powerpoint/2010/main" xmlns:p15="http://schemas.microsoft.com/office/powerpoint/2012/main" xmlns:mc="http://schemas.openxmlformats.org/markup-compatibility/2006" type="obj" preserve="1">
+<p:sldLayout xmlns:a="http://schemas.openxmlformats.org/drawingml/2006/main" xmlns:r="http://schemas.openxmlformats.org/officeDocument/2006/relationships" xmlns:p="http://schemas.openxmlformats.org/presentationml/2006/main" type="obj" preserve="1">
   <p:cSld name="Title, Content">
     <p:spTree>
       <p:nvGrpSpPr>
@@ -2185,11 +2385,12 @@
           </a:prstGeom>
         </p:spPr>
         <p:txBody>
-          <a:bodyPr lIns="0" rIns="0" tIns="0" bIns="0" anchor="ctr">
+          <a:bodyPr lIns="0" tIns="0" rIns="0" bIns="0" anchor="ctr">
             <a:noAutofit/>
           </a:bodyPr>
-          <a:p>
-            <a:endParaRPr b="0" lang="pt-BR" sz="1800" spc="-1" strike="noStrike">
+          <a:lstStyle/>
+          <a:p>
+            <a:endParaRPr lang="pt-BR" sz="1800" b="0" strike="noStrike" spc="-1">
               <a:solidFill>
                 <a:srgbClr val="000000"/>
               </a:solidFill>
@@ -2218,11 +2419,12 @@
           </a:prstGeom>
         </p:spPr>
         <p:txBody>
-          <a:bodyPr lIns="0" rIns="0" tIns="0" bIns="0">
+          <a:bodyPr lIns="0" tIns="0" rIns="0" bIns="0">
             <a:normAutofit/>
           </a:bodyPr>
-          <a:p>
-            <a:endParaRPr b="0" lang="pt-BR" sz="2800" spc="-1" strike="noStrike">
+          <a:lstStyle/>
+          <a:p>
+            <a:endParaRPr lang="pt-BR" sz="2800" b="0" strike="noStrike" spc="-1">
               <a:solidFill>
                 <a:srgbClr val="000000"/>
               </a:solidFill>
@@ -2233,11 +2435,14 @@
       </p:sp>
     </p:spTree>
   </p:cSld>
+  <p:clrMapOvr>
+    <a:masterClrMapping/>
+  </p:clrMapOvr>
 </p:sldLayout>
 </file>
 
 <file path=ppt/slideLayouts/slideLayout4.xml><?xml version="1.0" encoding="utf-8"?>
-<p:sldLayout xmlns:a="http://schemas.openxmlformats.org/drawingml/2006/main" xmlns:p="http://schemas.openxmlformats.org/presentationml/2006/main" xmlns:r="http://schemas.openxmlformats.org/officeDocument/2006/relationships" xmlns:p14="http://schemas.microsoft.com/office/powerpoint/2010/main" xmlns:p15="http://schemas.microsoft.com/office/powerpoint/2012/main" xmlns:mc="http://schemas.openxmlformats.org/markup-compatibility/2006" type="twoObj" preserve="1">
+<p:sldLayout xmlns:a="http://schemas.openxmlformats.org/drawingml/2006/main" xmlns:r="http://schemas.openxmlformats.org/officeDocument/2006/relationships" xmlns:p="http://schemas.openxmlformats.org/presentationml/2006/main" type="twoObj" preserve="1">
   <p:cSld name="Title, 2 Content">
     <p:spTree>
       <p:nvGrpSpPr>
@@ -2273,11 +2478,12 @@
           </a:prstGeom>
         </p:spPr>
         <p:txBody>
-          <a:bodyPr lIns="0" rIns="0" tIns="0" bIns="0" anchor="ctr">
+          <a:bodyPr lIns="0" tIns="0" rIns="0" bIns="0" anchor="ctr">
             <a:noAutofit/>
           </a:bodyPr>
-          <a:p>
-            <a:endParaRPr b="0" lang="pt-BR" sz="1800" spc="-1" strike="noStrike">
+          <a:lstStyle/>
+          <a:p>
+            <a:endParaRPr lang="pt-BR" sz="1800" b="0" strike="noStrike" spc="-1">
               <a:solidFill>
                 <a:srgbClr val="000000"/>
               </a:solidFill>
@@ -2306,11 +2512,12 @@
           </a:prstGeom>
         </p:spPr>
         <p:txBody>
-          <a:bodyPr lIns="0" rIns="0" tIns="0" bIns="0">
+          <a:bodyPr lIns="0" tIns="0" rIns="0" bIns="0">
             <a:normAutofit/>
           </a:bodyPr>
-          <a:p>
-            <a:endParaRPr b="0" lang="pt-BR" sz="2800" spc="-1" strike="noStrike">
+          <a:lstStyle/>
+          <a:p>
+            <a:endParaRPr lang="pt-BR" sz="2800" b="0" strike="noStrike" spc="-1">
               <a:solidFill>
                 <a:srgbClr val="000000"/>
               </a:solidFill>
@@ -2339,11 +2546,12 @@
           </a:prstGeom>
         </p:spPr>
         <p:txBody>
-          <a:bodyPr lIns="0" rIns="0" tIns="0" bIns="0">
+          <a:bodyPr lIns="0" tIns="0" rIns="0" bIns="0">
             <a:normAutofit/>
           </a:bodyPr>
-          <a:p>
-            <a:endParaRPr b="0" lang="pt-BR" sz="2800" spc="-1" strike="noStrike">
+          <a:lstStyle/>
+          <a:p>
+            <a:endParaRPr lang="pt-BR" sz="2800" b="0" strike="noStrike" spc="-1">
               <a:solidFill>
                 <a:srgbClr val="000000"/>
               </a:solidFill>
@@ -2354,11 +2562,14 @@
       </p:sp>
     </p:spTree>
   </p:cSld>
+  <p:clrMapOvr>
+    <a:masterClrMapping/>
+  </p:clrMapOvr>
 </p:sldLayout>
 </file>
 
 <file path=ppt/slideLayouts/slideLayout5.xml><?xml version="1.0" encoding="utf-8"?>
-<p:sldLayout xmlns:a="http://schemas.openxmlformats.org/drawingml/2006/main" xmlns:p="http://schemas.openxmlformats.org/presentationml/2006/main" xmlns:r="http://schemas.openxmlformats.org/officeDocument/2006/relationships" xmlns:p14="http://schemas.microsoft.com/office/powerpoint/2010/main" xmlns:p15="http://schemas.microsoft.com/office/powerpoint/2012/main" xmlns:mc="http://schemas.openxmlformats.org/markup-compatibility/2006" type="titleOnly" preserve="1">
+<p:sldLayout xmlns:a="http://schemas.openxmlformats.org/drawingml/2006/main" xmlns:r="http://schemas.openxmlformats.org/officeDocument/2006/relationships" xmlns:p="http://schemas.openxmlformats.org/presentationml/2006/main" type="titleOnly" preserve="1">
   <p:cSld name="Title Only">
     <p:spTree>
       <p:nvGrpSpPr>
@@ -2394,11 +2605,12 @@
           </a:prstGeom>
         </p:spPr>
         <p:txBody>
-          <a:bodyPr lIns="0" rIns="0" tIns="0" bIns="0" anchor="ctr">
+          <a:bodyPr lIns="0" tIns="0" rIns="0" bIns="0" anchor="ctr">
             <a:noAutofit/>
           </a:bodyPr>
-          <a:p>
-            <a:endParaRPr b="0" lang="pt-BR" sz="1800" spc="-1" strike="noStrike">
+          <a:lstStyle/>
+          <a:p>
+            <a:endParaRPr lang="pt-BR" sz="1800" b="0" strike="noStrike" spc="-1">
               <a:solidFill>
                 <a:srgbClr val="000000"/>
               </a:solidFill>
@@ -2409,11 +2621,14 @@
       </p:sp>
     </p:spTree>
   </p:cSld>
+  <p:clrMapOvr>
+    <a:masterClrMapping/>
+  </p:clrMapOvr>
 </p:sldLayout>
 </file>
 
 <file path=ppt/slideLayouts/slideLayout6.xml><?xml version="1.0" encoding="utf-8"?>
-<p:sldLayout xmlns:a="http://schemas.openxmlformats.org/drawingml/2006/main" xmlns:p="http://schemas.openxmlformats.org/presentationml/2006/main" xmlns:r="http://schemas.openxmlformats.org/officeDocument/2006/relationships" xmlns:p14="http://schemas.microsoft.com/office/powerpoint/2010/main" xmlns:p15="http://schemas.microsoft.com/office/powerpoint/2012/main" xmlns:mc="http://schemas.openxmlformats.org/markup-compatibility/2006" type="objOnly" preserve="1">
+<p:sldLayout xmlns:a="http://schemas.openxmlformats.org/drawingml/2006/main" xmlns:r="http://schemas.openxmlformats.org/officeDocument/2006/relationships" xmlns:p="http://schemas.openxmlformats.org/presentationml/2006/main" type="objOnly" preserve="1">
   <p:cSld name="Centered Text">
     <p:spTree>
       <p:nvGrpSpPr>
@@ -2449,12 +2664,13 @@
           </a:prstGeom>
         </p:spPr>
         <p:txBody>
-          <a:bodyPr lIns="0" rIns="0" tIns="0" bIns="0" anchor="ctr">
+          <a:bodyPr lIns="0" tIns="0" rIns="0" bIns="0" anchor="ctr">
             <a:noAutofit/>
           </a:bodyPr>
+          <a:lstStyle/>
           <a:p>
             <a:pPr algn="ctr"/>
-            <a:endParaRPr b="0" lang="pt-BR" sz="3200" spc="-1" strike="noStrike">
+            <a:endParaRPr lang="pt-BR" sz="3200" b="0" strike="noStrike" spc="-1">
               <a:latin typeface="Arial"/>
             </a:endParaRPr>
           </a:p>
@@ -2462,11 +2678,14 @@
       </p:sp>
     </p:spTree>
   </p:cSld>
+  <p:clrMapOvr>
+    <a:masterClrMapping/>
+  </p:clrMapOvr>
 </p:sldLayout>
 </file>
 
 <file path=ppt/slideLayouts/slideLayout7.xml><?xml version="1.0" encoding="utf-8"?>
-<p:sldLayout xmlns:a="http://schemas.openxmlformats.org/drawingml/2006/main" xmlns:p="http://schemas.openxmlformats.org/presentationml/2006/main" xmlns:r="http://schemas.openxmlformats.org/officeDocument/2006/relationships" xmlns:p14="http://schemas.microsoft.com/office/powerpoint/2010/main" xmlns:p15="http://schemas.microsoft.com/office/powerpoint/2012/main" xmlns:mc="http://schemas.openxmlformats.org/markup-compatibility/2006" type="twoObjAndObj" preserve="1">
+<p:sldLayout xmlns:a="http://schemas.openxmlformats.org/drawingml/2006/main" xmlns:r="http://schemas.openxmlformats.org/officeDocument/2006/relationships" xmlns:p="http://schemas.openxmlformats.org/presentationml/2006/main" type="twoObjAndObj" preserve="1">
   <p:cSld name="Title, 2 Content and Content">
     <p:spTree>
       <p:nvGrpSpPr>
@@ -2502,11 +2721,12 @@
           </a:prstGeom>
         </p:spPr>
         <p:txBody>
-          <a:bodyPr lIns="0" rIns="0" tIns="0" bIns="0" anchor="ctr">
+          <a:bodyPr lIns="0" tIns="0" rIns="0" bIns="0" anchor="ctr">
             <a:noAutofit/>
           </a:bodyPr>
-          <a:p>
-            <a:endParaRPr b="0" lang="pt-BR" sz="1800" spc="-1" strike="noStrike">
+          <a:lstStyle/>
+          <a:p>
+            <a:endParaRPr lang="pt-BR" sz="1800" b="0" strike="noStrike" spc="-1">
               <a:solidFill>
                 <a:srgbClr val="000000"/>
               </a:solidFill>
@@ -2535,11 +2755,12 @@
           </a:prstGeom>
         </p:spPr>
         <p:txBody>
-          <a:bodyPr lIns="0" rIns="0" tIns="0" bIns="0">
+          <a:bodyPr lIns="0" tIns="0" rIns="0" bIns="0">
             <a:normAutofit/>
           </a:bodyPr>
-          <a:p>
-            <a:endParaRPr b="0" lang="pt-BR" sz="2800" spc="-1" strike="noStrike">
+          <a:lstStyle/>
+          <a:p>
+            <a:endParaRPr lang="pt-BR" sz="2800" b="0" strike="noStrike" spc="-1">
               <a:solidFill>
                 <a:srgbClr val="000000"/>
               </a:solidFill>
@@ -2568,11 +2789,12 @@
           </a:prstGeom>
         </p:spPr>
         <p:txBody>
-          <a:bodyPr lIns="0" rIns="0" tIns="0" bIns="0">
+          <a:bodyPr lIns="0" tIns="0" rIns="0" bIns="0">
             <a:normAutofit/>
           </a:bodyPr>
-          <a:p>
-            <a:endParaRPr b="0" lang="pt-BR" sz="2800" spc="-1" strike="noStrike">
+          <a:lstStyle/>
+          <a:p>
+            <a:endParaRPr lang="pt-BR" sz="2800" b="0" strike="noStrike" spc="-1">
               <a:solidFill>
                 <a:srgbClr val="000000"/>
               </a:solidFill>
@@ -2601,11 +2823,12 @@
           </a:prstGeom>
         </p:spPr>
         <p:txBody>
-          <a:bodyPr lIns="0" rIns="0" tIns="0" bIns="0">
+          <a:bodyPr lIns="0" tIns="0" rIns="0" bIns="0">
             <a:normAutofit/>
           </a:bodyPr>
-          <a:p>
-            <a:endParaRPr b="0" lang="pt-BR" sz="2800" spc="-1" strike="noStrike">
+          <a:lstStyle/>
+          <a:p>
+            <a:endParaRPr lang="pt-BR" sz="2800" b="0" strike="noStrike" spc="-1">
               <a:solidFill>
                 <a:srgbClr val="000000"/>
               </a:solidFill>
@@ -2616,11 +2839,14 @@
       </p:sp>
     </p:spTree>
   </p:cSld>
+  <p:clrMapOvr>
+    <a:masterClrMapping/>
+  </p:clrMapOvr>
 </p:sldLayout>
 </file>
 
 <file path=ppt/slideLayouts/slideLayout8.xml><?xml version="1.0" encoding="utf-8"?>
-<p:sldLayout xmlns:a="http://schemas.openxmlformats.org/drawingml/2006/main" xmlns:p="http://schemas.openxmlformats.org/presentationml/2006/main" xmlns:r="http://schemas.openxmlformats.org/officeDocument/2006/relationships" xmlns:p14="http://schemas.microsoft.com/office/powerpoint/2010/main" xmlns:p15="http://schemas.microsoft.com/office/powerpoint/2012/main" xmlns:mc="http://schemas.openxmlformats.org/markup-compatibility/2006" type="objAndTwoObj" preserve="1">
+<p:sldLayout xmlns:a="http://schemas.openxmlformats.org/drawingml/2006/main" xmlns:r="http://schemas.openxmlformats.org/officeDocument/2006/relationships" xmlns:p="http://schemas.openxmlformats.org/presentationml/2006/main" type="objAndTwoObj" preserve="1">
   <p:cSld name="Title Content and 2 Content">
     <p:spTree>
       <p:nvGrpSpPr>
@@ -2656,11 +2882,12 @@
           </a:prstGeom>
         </p:spPr>
         <p:txBody>
-          <a:bodyPr lIns="0" rIns="0" tIns="0" bIns="0" anchor="ctr">
+          <a:bodyPr lIns="0" tIns="0" rIns="0" bIns="0" anchor="ctr">
             <a:noAutofit/>
           </a:bodyPr>
-          <a:p>
-            <a:endParaRPr b="0" lang="pt-BR" sz="1800" spc="-1" strike="noStrike">
+          <a:lstStyle/>
+          <a:p>
+            <a:endParaRPr lang="pt-BR" sz="1800" b="0" strike="noStrike" spc="-1">
               <a:solidFill>
                 <a:srgbClr val="000000"/>
               </a:solidFill>
@@ -2689,11 +2916,12 @@
           </a:prstGeom>
         </p:spPr>
         <p:txBody>
-          <a:bodyPr lIns="0" rIns="0" tIns="0" bIns="0">
+          <a:bodyPr lIns="0" tIns="0" rIns="0" bIns="0">
             <a:normAutofit/>
           </a:bodyPr>
-          <a:p>
-            <a:endParaRPr b="0" lang="pt-BR" sz="2800" spc="-1" strike="noStrike">
+          <a:lstStyle/>
+          <a:p>
+            <a:endParaRPr lang="pt-BR" sz="2800" b="0" strike="noStrike" spc="-1">
               <a:solidFill>
                 <a:srgbClr val="000000"/>
               </a:solidFill>
@@ -2722,11 +2950,12 @@
           </a:prstGeom>
         </p:spPr>
         <p:txBody>
-          <a:bodyPr lIns="0" rIns="0" tIns="0" bIns="0">
+          <a:bodyPr lIns="0" tIns="0" rIns="0" bIns="0">
             <a:normAutofit/>
           </a:bodyPr>
-          <a:p>
-            <a:endParaRPr b="0" lang="pt-BR" sz="2800" spc="-1" strike="noStrike">
+          <a:lstStyle/>
+          <a:p>
+            <a:endParaRPr lang="pt-BR" sz="2800" b="0" strike="noStrike" spc="-1">
               <a:solidFill>
                 <a:srgbClr val="000000"/>
               </a:solidFill>
@@ -2755,11 +2984,12 @@
           </a:prstGeom>
         </p:spPr>
         <p:txBody>
-          <a:bodyPr lIns="0" rIns="0" tIns="0" bIns="0">
+          <a:bodyPr lIns="0" tIns="0" rIns="0" bIns="0">
             <a:normAutofit/>
           </a:bodyPr>
-          <a:p>
-            <a:endParaRPr b="0" lang="pt-BR" sz="2800" spc="-1" strike="noStrike">
+          <a:lstStyle/>
+          <a:p>
+            <a:endParaRPr lang="pt-BR" sz="2800" b="0" strike="noStrike" spc="-1">
               <a:solidFill>
                 <a:srgbClr val="000000"/>
               </a:solidFill>
@@ -2770,11 +3000,14 @@
       </p:sp>
     </p:spTree>
   </p:cSld>
+  <p:clrMapOvr>
+    <a:masterClrMapping/>
+  </p:clrMapOvr>
 </p:sldLayout>
 </file>
 
 <file path=ppt/slideLayouts/slideLayout9.xml><?xml version="1.0" encoding="utf-8"?>
-<p:sldLayout xmlns:a="http://schemas.openxmlformats.org/drawingml/2006/main" xmlns:p="http://schemas.openxmlformats.org/presentationml/2006/main" xmlns:r="http://schemas.openxmlformats.org/officeDocument/2006/relationships" xmlns:p14="http://schemas.microsoft.com/office/powerpoint/2010/main" xmlns:p15="http://schemas.microsoft.com/office/powerpoint/2012/main" xmlns:mc="http://schemas.openxmlformats.org/markup-compatibility/2006" type="twoObjOverTx" preserve="1">
+<p:sldLayout xmlns:a="http://schemas.openxmlformats.org/drawingml/2006/main" xmlns:r="http://schemas.openxmlformats.org/officeDocument/2006/relationships" xmlns:p="http://schemas.openxmlformats.org/presentationml/2006/main" type="twoObjOverTx" preserve="1">
   <p:cSld name="Title, 2 Content over Content">
     <p:spTree>
       <p:nvGrpSpPr>
@@ -2810,11 +3043,12 @@
           </a:prstGeom>
         </p:spPr>
         <p:txBody>
-          <a:bodyPr lIns="0" rIns="0" tIns="0" bIns="0" anchor="ctr">
+          <a:bodyPr lIns="0" tIns="0" rIns="0" bIns="0" anchor="ctr">
             <a:noAutofit/>
           </a:bodyPr>
-          <a:p>
-            <a:endParaRPr b="0" lang="pt-BR" sz="1800" spc="-1" strike="noStrike">
+          <a:lstStyle/>
+          <a:p>
+            <a:endParaRPr lang="pt-BR" sz="1800" b="0" strike="noStrike" spc="-1">
               <a:solidFill>
                 <a:srgbClr val="000000"/>
               </a:solidFill>
@@ -2843,11 +3077,12 @@
           </a:prstGeom>
         </p:spPr>
         <p:txBody>
-          <a:bodyPr lIns="0" rIns="0" tIns="0" bIns="0">
+          <a:bodyPr lIns="0" tIns="0" rIns="0" bIns="0">
             <a:normAutofit/>
           </a:bodyPr>
-          <a:p>
-            <a:endParaRPr b="0" lang="pt-BR" sz="2800" spc="-1" strike="noStrike">
+          <a:lstStyle/>
+          <a:p>
+            <a:endParaRPr lang="pt-BR" sz="2800" b="0" strike="noStrike" spc="-1">
               <a:solidFill>
                 <a:srgbClr val="000000"/>
               </a:solidFill>
@@ -2876,11 +3111,12 @@
           </a:prstGeom>
         </p:spPr>
         <p:txBody>
-          <a:bodyPr lIns="0" rIns="0" tIns="0" bIns="0">
+          <a:bodyPr lIns="0" tIns="0" rIns="0" bIns="0">
             <a:normAutofit/>
           </a:bodyPr>
-          <a:p>
-            <a:endParaRPr b="0" lang="pt-BR" sz="2800" spc="-1" strike="noStrike">
+          <a:lstStyle/>
+          <a:p>
+            <a:endParaRPr lang="pt-BR" sz="2800" b="0" strike="noStrike" spc="-1">
               <a:solidFill>
                 <a:srgbClr val="000000"/>
               </a:solidFill>
@@ -2909,11 +3145,12 @@
           </a:prstGeom>
         </p:spPr>
         <p:txBody>
-          <a:bodyPr lIns="0" rIns="0" tIns="0" bIns="0">
+          <a:bodyPr lIns="0" tIns="0" rIns="0" bIns="0">
             <a:normAutofit/>
           </a:bodyPr>
-          <a:p>
-            <a:endParaRPr b="0" lang="pt-BR" sz="2800" spc="-1" strike="noStrike">
+          <a:lstStyle/>
+          <a:p>
+            <a:endParaRPr lang="pt-BR" sz="2800" b="0" strike="noStrike" spc="-1">
               <a:solidFill>
                 <a:srgbClr val="000000"/>
               </a:solidFill>
@@ -2924,17 +3161,21 @@
       </p:sp>
     </p:spTree>
   </p:cSld>
+  <p:clrMapOvr>
+    <a:masterClrMapping/>
+  </p:clrMapOvr>
 </p:sldLayout>
 </file>
 
 <file path=ppt/slideMasters/slideMaster1.xml><?xml version="1.0" encoding="utf-8"?>
-<p:sldMaster xmlns:a="http://schemas.openxmlformats.org/drawingml/2006/main" xmlns:p="http://schemas.openxmlformats.org/presentationml/2006/main" xmlns:r="http://schemas.openxmlformats.org/officeDocument/2006/relationships" xmlns:p14="http://schemas.microsoft.com/office/powerpoint/2010/main" xmlns:p15="http://schemas.microsoft.com/office/powerpoint/2012/main" xmlns:mc="http://schemas.openxmlformats.org/markup-compatibility/2006">
+<p:sldMaster xmlns:a="http://schemas.openxmlformats.org/drawingml/2006/main" xmlns:r="http://schemas.openxmlformats.org/officeDocument/2006/relationships" xmlns:p="http://schemas.openxmlformats.org/presentationml/2006/main">
   <p:cSld>
     <p:bg>
       <p:bgPr>
         <a:solidFill>
-          <a:srgbClr val="ffffff"/>
+          <a:srgbClr val="FFFFFF"/>
         </a:solidFill>
+        <a:effectLst/>
       </p:bgPr>
     </p:bg>
     <p:spTree>
@@ -2953,7 +3194,7 @@
       </p:grpSpPr>
       <p:sp>
         <p:nvSpPr>
-          <p:cNvPr id="0" name="PlaceHolder 1"/>
+          <p:cNvPr id="5" name="PlaceHolder 1"/>
           <p:cNvSpPr>
             <a:spLocks noGrp="1"/>
           </p:cNvSpPr>
@@ -2974,6 +3215,7 @@
           <a:bodyPr anchor="b">
             <a:noAutofit/>
           </a:bodyPr>
+          <a:lstStyle/>
           <a:p>
             <a:pPr algn="ctr">
               <a:lnSpc>
@@ -2981,312 +3223,15 @@
               </a:lnSpc>
             </a:pPr>
             <a:r>
-              <a:rPr b="0" lang="pt-BR" sz="6000" spc="-1" strike="noStrike">
+              <a:rPr lang="pt-BR" sz="6000" b="0" strike="noStrike" spc="-1">
                 <a:solidFill>
                   <a:srgbClr val="000000"/>
                 </a:solidFill>
                 <a:latin typeface="Calibri Light"/>
               </a:rPr>
-              <a:t>C</a:t>
-            </a:r>
-            <a:r>
-              <a:rPr b="0" lang="pt-BR" sz="6000" spc="-1" strike="noStrike">
-                <a:solidFill>
-                  <a:srgbClr val="000000"/>
-                </a:solidFill>
-                <a:latin typeface="Calibri Light"/>
-              </a:rPr>
-              <a:t>l</a:t>
-            </a:r>
-            <a:r>
-              <a:rPr b="0" lang="pt-BR" sz="6000" spc="-1" strike="noStrike">
-                <a:solidFill>
-                  <a:srgbClr val="000000"/>
-                </a:solidFill>
-                <a:latin typeface="Calibri Light"/>
-              </a:rPr>
-              <a:t>i</a:t>
-            </a:r>
-            <a:r>
-              <a:rPr b="0" lang="pt-BR" sz="6000" spc="-1" strike="noStrike">
-                <a:solidFill>
-                  <a:srgbClr val="000000"/>
-                </a:solidFill>
-                <a:latin typeface="Calibri Light"/>
-              </a:rPr>
-              <a:t>q</a:t>
-            </a:r>
-            <a:r>
-              <a:rPr b="0" lang="pt-BR" sz="6000" spc="-1" strike="noStrike">
-                <a:solidFill>
-                  <a:srgbClr val="000000"/>
-                </a:solidFill>
-                <a:latin typeface="Calibri Light"/>
-              </a:rPr>
-              <a:t>u</a:t>
-            </a:r>
-            <a:r>
-              <a:rPr b="0" lang="pt-BR" sz="6000" spc="-1" strike="noStrike">
-                <a:solidFill>
-                  <a:srgbClr val="000000"/>
-                </a:solidFill>
-                <a:latin typeface="Calibri Light"/>
-              </a:rPr>
-              <a:t>e</a:t>
-            </a:r>
-            <a:r>
-              <a:rPr b="0" lang="pt-BR" sz="6000" spc="-1" strike="noStrike">
-                <a:solidFill>
-                  <a:srgbClr val="000000"/>
-                </a:solidFill>
-                <a:latin typeface="Calibri Light"/>
-              </a:rPr>
-              <a:t> </a:t>
-            </a:r>
-            <a:r>
-              <a:rPr b="0" lang="pt-BR" sz="6000" spc="-1" strike="noStrike">
-                <a:solidFill>
-                  <a:srgbClr val="000000"/>
-                </a:solidFill>
-                <a:latin typeface="Calibri Light"/>
-              </a:rPr>
-              <a:t>p</a:t>
-            </a:r>
-            <a:r>
-              <a:rPr b="0" lang="pt-BR" sz="6000" spc="-1" strike="noStrike">
-                <a:solidFill>
-                  <a:srgbClr val="000000"/>
-                </a:solidFill>
-                <a:latin typeface="Calibri Light"/>
-              </a:rPr>
-              <a:t>a</a:t>
-            </a:r>
-            <a:r>
-              <a:rPr b="0" lang="pt-BR" sz="6000" spc="-1" strike="noStrike">
-                <a:solidFill>
-                  <a:srgbClr val="000000"/>
-                </a:solidFill>
-                <a:latin typeface="Calibri Light"/>
-              </a:rPr>
-              <a:t>r</a:t>
-            </a:r>
-            <a:r>
-              <a:rPr b="0" lang="pt-BR" sz="6000" spc="-1" strike="noStrike">
-                <a:solidFill>
-                  <a:srgbClr val="000000"/>
-                </a:solidFill>
-                <a:latin typeface="Calibri Light"/>
-              </a:rPr>
-              <a:t>a</a:t>
-            </a:r>
-            <a:r>
-              <a:rPr b="0" lang="pt-BR" sz="6000" spc="-1" strike="noStrike">
-                <a:solidFill>
-                  <a:srgbClr val="000000"/>
-                </a:solidFill>
-                <a:latin typeface="Calibri Light"/>
-              </a:rPr>
-              <a:t> </a:t>
-            </a:r>
-            <a:r>
-              <a:rPr b="0" lang="pt-BR" sz="6000" spc="-1" strike="noStrike">
-                <a:solidFill>
-                  <a:srgbClr val="000000"/>
-                </a:solidFill>
-                <a:latin typeface="Calibri Light"/>
-              </a:rPr>
-              <a:t>e</a:t>
-            </a:r>
-            <a:r>
-              <a:rPr b="0" lang="pt-BR" sz="6000" spc="-1" strike="noStrike">
-                <a:solidFill>
-                  <a:srgbClr val="000000"/>
-                </a:solidFill>
-                <a:latin typeface="Calibri Light"/>
-              </a:rPr>
-              <a:t>d</a:t>
-            </a:r>
-            <a:r>
-              <a:rPr b="0" lang="pt-BR" sz="6000" spc="-1" strike="noStrike">
-                <a:solidFill>
-                  <a:srgbClr val="000000"/>
-                </a:solidFill>
-                <a:latin typeface="Calibri Light"/>
-              </a:rPr>
-              <a:t>i</a:t>
-            </a:r>
-            <a:r>
-              <a:rPr b="0" lang="pt-BR" sz="6000" spc="-1" strike="noStrike">
-                <a:solidFill>
-                  <a:srgbClr val="000000"/>
-                </a:solidFill>
-                <a:latin typeface="Calibri Light"/>
-              </a:rPr>
-              <a:t>t</a:t>
-            </a:r>
-            <a:r>
-              <a:rPr b="0" lang="pt-BR" sz="6000" spc="-1" strike="noStrike">
-                <a:solidFill>
-                  <a:srgbClr val="000000"/>
-                </a:solidFill>
-                <a:latin typeface="Calibri Light"/>
-              </a:rPr>
-              <a:t>a</a:t>
-            </a:r>
-            <a:r>
-              <a:rPr b="0" lang="pt-BR" sz="6000" spc="-1" strike="noStrike">
-                <a:solidFill>
-                  <a:srgbClr val="000000"/>
-                </a:solidFill>
-                <a:latin typeface="Calibri Light"/>
-              </a:rPr>
-              <a:t>r</a:t>
-            </a:r>
-            <a:r>
-              <a:rPr b="0" lang="pt-BR" sz="6000" spc="-1" strike="noStrike">
-                <a:solidFill>
-                  <a:srgbClr val="000000"/>
-                </a:solidFill>
-                <a:latin typeface="Calibri Light"/>
-              </a:rPr>
-              <a:t> </a:t>
-            </a:r>
-            <a:r>
-              <a:rPr b="0" lang="pt-BR" sz="6000" spc="-1" strike="noStrike">
-                <a:solidFill>
-                  <a:srgbClr val="000000"/>
-                </a:solidFill>
-                <a:latin typeface="Calibri Light"/>
-              </a:rPr>
-              <a:t>o</a:t>
-            </a:r>
-            <a:r>
-              <a:rPr b="0" lang="pt-BR" sz="6000" spc="-1" strike="noStrike">
-                <a:solidFill>
-                  <a:srgbClr val="000000"/>
-                </a:solidFill>
-                <a:latin typeface="Calibri Light"/>
-              </a:rPr>
-              <a:t> </a:t>
-            </a:r>
-            <a:r>
-              <a:rPr b="0" lang="pt-BR" sz="6000" spc="-1" strike="noStrike">
-                <a:solidFill>
-                  <a:srgbClr val="000000"/>
-                </a:solidFill>
-                <a:latin typeface="Calibri Light"/>
-              </a:rPr>
-              <a:t>t</a:t>
-            </a:r>
-            <a:r>
-              <a:rPr b="0" lang="pt-BR" sz="6000" spc="-1" strike="noStrike">
-                <a:solidFill>
-                  <a:srgbClr val="000000"/>
-                </a:solidFill>
-                <a:latin typeface="Calibri Light"/>
-              </a:rPr>
-              <a:t>í</a:t>
-            </a:r>
-            <a:r>
-              <a:rPr b="0" lang="pt-BR" sz="6000" spc="-1" strike="noStrike">
-                <a:solidFill>
-                  <a:srgbClr val="000000"/>
-                </a:solidFill>
-                <a:latin typeface="Calibri Light"/>
-              </a:rPr>
-              <a:t>t</a:t>
-            </a:r>
-            <a:r>
-              <a:rPr b="0" lang="pt-BR" sz="6000" spc="-1" strike="noStrike">
-                <a:solidFill>
-                  <a:srgbClr val="000000"/>
-                </a:solidFill>
-                <a:latin typeface="Calibri Light"/>
-              </a:rPr>
-              <a:t>u</a:t>
-            </a:r>
-            <a:r>
-              <a:rPr b="0" lang="pt-BR" sz="6000" spc="-1" strike="noStrike">
-                <a:solidFill>
-                  <a:srgbClr val="000000"/>
-                </a:solidFill>
-                <a:latin typeface="Calibri Light"/>
-              </a:rPr>
-              <a:t>l</a:t>
-            </a:r>
-            <a:r>
-              <a:rPr b="0" lang="pt-BR" sz="6000" spc="-1" strike="noStrike">
-                <a:solidFill>
-                  <a:srgbClr val="000000"/>
-                </a:solidFill>
-                <a:latin typeface="Calibri Light"/>
-              </a:rPr>
-              <a:t>o</a:t>
-            </a:r>
-            <a:r>
-              <a:rPr b="0" lang="pt-BR" sz="6000" spc="-1" strike="noStrike">
-                <a:solidFill>
-                  <a:srgbClr val="000000"/>
-                </a:solidFill>
-                <a:latin typeface="Calibri Light"/>
-              </a:rPr>
-              <a:t> </a:t>
-            </a:r>
-            <a:r>
-              <a:rPr b="0" lang="pt-BR" sz="6000" spc="-1" strike="noStrike">
-                <a:solidFill>
-                  <a:srgbClr val="000000"/>
-                </a:solidFill>
-                <a:latin typeface="Calibri Light"/>
-              </a:rPr>
-              <a:t>M</a:t>
-            </a:r>
-            <a:r>
-              <a:rPr b="0" lang="pt-BR" sz="6000" spc="-1" strike="noStrike">
-                <a:solidFill>
-                  <a:srgbClr val="000000"/>
-                </a:solidFill>
-                <a:latin typeface="Calibri Light"/>
-              </a:rPr>
-              <a:t>e</a:t>
-            </a:r>
-            <a:r>
-              <a:rPr b="0" lang="pt-BR" sz="6000" spc="-1" strike="noStrike">
-                <a:solidFill>
-                  <a:srgbClr val="000000"/>
-                </a:solidFill>
-                <a:latin typeface="Calibri Light"/>
-              </a:rPr>
-              <a:t>s</a:t>
-            </a:r>
-            <a:r>
-              <a:rPr b="0" lang="pt-BR" sz="6000" spc="-1" strike="noStrike">
-                <a:solidFill>
-                  <a:srgbClr val="000000"/>
-                </a:solidFill>
-                <a:latin typeface="Calibri Light"/>
-              </a:rPr>
-              <a:t>t</a:t>
-            </a:r>
-            <a:r>
-              <a:rPr b="0" lang="pt-BR" sz="6000" spc="-1" strike="noStrike">
-                <a:solidFill>
-                  <a:srgbClr val="000000"/>
-                </a:solidFill>
-                <a:latin typeface="Calibri Light"/>
-              </a:rPr>
-              <a:t>r</a:t>
-            </a:r>
-            <a:r>
-              <a:rPr b="0" lang="pt-BR" sz="6000" spc="-1" strike="noStrike">
-                <a:solidFill>
-                  <a:srgbClr val="000000"/>
-                </a:solidFill>
-                <a:latin typeface="Calibri Light"/>
-              </a:rPr>
-              <a:t>e</a:t>
-            </a:r>
-            <a:endParaRPr b="0" lang="pt-BR" sz="6000" spc="-1" strike="noStrike">
+              <a:t>Clique para editar o título Mestre</a:t>
+            </a:r>
+            <a:endParaRPr lang="pt-BR" sz="6000" b="0" strike="noStrike" spc="-1">
               <a:solidFill>
                 <a:srgbClr val="000000"/>
               </a:solidFill>
@@ -3297,7 +3242,7 @@
       </p:sp>
       <p:sp>
         <p:nvSpPr>
-          <p:cNvPr id="1" name="PlaceHolder 2"/>
+          <p:cNvPr id="6" name="PlaceHolder 2"/>
           <p:cNvSpPr>
             <a:spLocks noGrp="1"/>
           </p:cNvSpPr>
@@ -3318,6 +3263,7 @@
           <a:bodyPr anchor="ctr">
             <a:noAutofit/>
           </a:bodyPr>
+          <a:lstStyle/>
           <a:p>
             <a:pPr>
               <a:lnSpc>
@@ -3325,15 +3271,15 @@
               </a:lnSpc>
             </a:pPr>
             <a:fld id="{8C2D7B08-0B42-4FF8-A0AD-C8D7F3721A92}" type="datetime">
-              <a:rPr b="0" lang="pt-BR" sz="1200" spc="-1" strike="noStrike">
+              <a:rPr lang="pt-BR" sz="1200" b="0" strike="noStrike" spc="-1">
                 <a:solidFill>
-                  <a:srgbClr val="8b8b8b"/>
+                  <a:srgbClr val="8B8B8B"/>
                 </a:solidFill>
                 <a:latin typeface="Calibri"/>
               </a:rPr>
-              <a:t>01/09/21</a:t>
+              <a:t>01/09/2021</a:t>
             </a:fld>
-            <a:endParaRPr b="0" lang="pt-BR" sz="1200" spc="-1" strike="noStrike">
+            <a:endParaRPr lang="pt-BR" sz="1200" b="0" strike="noStrike" spc="-1">
               <a:latin typeface="Times New Roman"/>
             </a:endParaRPr>
           </a:p>
@@ -3362,8 +3308,9 @@
           <a:bodyPr anchor="ctr">
             <a:noAutofit/>
           </a:bodyPr>
-          <a:p>
-            <a:endParaRPr b="0" lang="pt-BR" sz="2400" spc="-1" strike="noStrike">
+          <a:lstStyle/>
+          <a:p>
+            <a:endParaRPr lang="pt-BR" sz="2400" b="0" strike="noStrike" spc="-1">
               <a:latin typeface="Times New Roman"/>
             </a:endParaRPr>
           </a:p>
@@ -3392,6 +3339,7 @@
           <a:bodyPr anchor="ctr">
             <a:noAutofit/>
           </a:bodyPr>
+          <a:lstStyle/>
           <a:p>
             <a:pPr algn="r">
               <a:lnSpc>
@@ -3399,15 +3347,15 @@
               </a:lnSpc>
             </a:pPr>
             <a:fld id="{2CE0C7CC-F19F-4C20-A84E-004881A583C9}" type="slidenum">
-              <a:rPr b="0" lang="pt-BR" sz="1200" spc="-1" strike="noStrike">
+              <a:rPr lang="pt-BR" sz="1200" b="0" strike="noStrike" spc="-1">
                 <a:solidFill>
-                  <a:srgbClr val="8b8b8b"/>
+                  <a:srgbClr val="8B8B8B"/>
                 </a:solidFill>
                 <a:latin typeface="Calibri"/>
               </a:rPr>
-              <a:t>19</a:t>
+              <a:t>‹nº›</a:t>
             </a:fld>
-            <a:endParaRPr b="0" lang="pt-BR" sz="1200" spc="-1" strike="noStrike">
+            <a:endParaRPr lang="pt-BR" sz="1200" b="0" strike="noStrike" spc="-1">
               <a:latin typeface="Times New Roman"/>
             </a:endParaRPr>
           </a:p>
@@ -3433,9 +3381,10 @@
           </a:prstGeom>
         </p:spPr>
         <p:txBody>
-          <a:bodyPr lIns="0" rIns="0" tIns="0" bIns="0">
+          <a:bodyPr lIns="0" tIns="0" rIns="0" bIns="0">
             <a:normAutofit/>
           </a:bodyPr>
+          <a:lstStyle/>
           <a:p>
             <a:pPr marL="432000" indent="-324000">
               <a:spcBef>
@@ -3449,32 +3398,17 @@
               <a:buChar char=""/>
             </a:pPr>
             <a:r>
-              <a:rPr b="0" lang="pt-BR" sz="2800" spc="-1" strike="noStrike">
+              <a:rPr lang="pt-BR" sz="2800" b="0" strike="noStrike" spc="-1">
                 <a:solidFill>
                   <a:srgbClr val="000000"/>
                 </a:solidFill>
                 <a:latin typeface="Calibri"/>
               </a:rPr>
-              <a:t>Clique para editar o formato do texto da estrutura de </a:t>
-            </a:r>
-            <a:r>
-              <a:rPr b="0" lang="pt-BR" sz="2800" spc="-1" strike="noStrike">
-                <a:solidFill>
-                  <a:srgbClr val="000000"/>
-                </a:solidFill>
-                <a:latin typeface="Calibri"/>
-              </a:rPr>
-              <a:t>tópicos</a:t>
-            </a:r>
-            <a:endParaRPr b="0" lang="pt-BR" sz="2800" spc="-1" strike="noStrike">
-              <a:solidFill>
-                <a:srgbClr val="000000"/>
-              </a:solidFill>
-              <a:latin typeface="Calibri"/>
-            </a:endParaRPr>
-          </a:p>
-          <a:p>
-            <a:pPr lvl="1" marL="864000" indent="-324000">
+              <a:t>Clique para editar o formato do texto da estrutura de tópicos</a:t>
+            </a:r>
+          </a:p>
+          <a:p>
+            <a:pPr marL="864000" lvl="1" indent="-324000">
               <a:spcBef>
                 <a:spcPts val="1134"/>
               </a:spcBef>
@@ -3486,7 +3420,7 @@
               <a:buChar char=""/>
             </a:pPr>
             <a:r>
-              <a:rPr b="0" lang="pt-BR" sz="2000" spc="-1" strike="noStrike">
+              <a:rPr lang="pt-BR" sz="2000" b="0" strike="noStrike" spc="-1">
                 <a:solidFill>
                   <a:srgbClr val="000000"/>
                 </a:solidFill>
@@ -3494,15 +3428,9 @@
               </a:rPr>
               <a:t>2.º nível da estrutura de tópicos</a:t>
             </a:r>
-            <a:endParaRPr b="0" lang="pt-BR" sz="2000" spc="-1" strike="noStrike">
-              <a:solidFill>
-                <a:srgbClr val="000000"/>
-              </a:solidFill>
-              <a:latin typeface="Calibri"/>
-            </a:endParaRPr>
-          </a:p>
-          <a:p>
-            <a:pPr lvl="2" marL="1296000" indent="-288000">
+          </a:p>
+          <a:p>
+            <a:pPr marL="1296000" lvl="2" indent="-288000">
               <a:spcBef>
                 <a:spcPts val="850"/>
               </a:spcBef>
@@ -3514,7 +3442,7 @@
               <a:buChar char=""/>
             </a:pPr>
             <a:r>
-              <a:rPr b="0" lang="pt-BR" sz="1800" spc="-1" strike="noStrike">
+              <a:rPr lang="pt-BR" sz="1800" b="0" strike="noStrike" spc="-1">
                 <a:solidFill>
                   <a:srgbClr val="000000"/>
                 </a:solidFill>
@@ -3522,15 +3450,9 @@
               </a:rPr>
               <a:t>3.º nível da estrutura de tópicos</a:t>
             </a:r>
-            <a:endParaRPr b="0" lang="pt-BR" sz="1800" spc="-1" strike="noStrike">
-              <a:solidFill>
-                <a:srgbClr val="000000"/>
-              </a:solidFill>
-              <a:latin typeface="Calibri"/>
-            </a:endParaRPr>
-          </a:p>
-          <a:p>
-            <a:pPr lvl="3" marL="1728000" indent="-216000">
+          </a:p>
+          <a:p>
+            <a:pPr marL="1728000" lvl="3" indent="-216000">
               <a:spcBef>
                 <a:spcPts val="567"/>
               </a:spcBef>
@@ -3542,7 +3464,7 @@
               <a:buChar char=""/>
             </a:pPr>
             <a:r>
-              <a:rPr b="0" lang="pt-BR" sz="1800" spc="-1" strike="noStrike">
+              <a:rPr lang="pt-BR" sz="1800" b="0" strike="noStrike" spc="-1">
                 <a:solidFill>
                   <a:srgbClr val="000000"/>
                 </a:solidFill>
@@ -3550,15 +3472,9 @@
               </a:rPr>
               <a:t>4.º nível da estrutura de tópicos</a:t>
             </a:r>
-            <a:endParaRPr b="0" lang="pt-BR" sz="1800" spc="-1" strike="noStrike">
-              <a:solidFill>
-                <a:srgbClr val="000000"/>
-              </a:solidFill>
-              <a:latin typeface="Calibri"/>
-            </a:endParaRPr>
-          </a:p>
-          <a:p>
-            <a:pPr lvl="4" marL="2160000" indent="-216000">
+          </a:p>
+          <a:p>
+            <a:pPr marL="2160000" lvl="4" indent="-216000">
               <a:spcBef>
                 <a:spcPts val="283"/>
               </a:spcBef>
@@ -3570,7 +3486,7 @@
               <a:buChar char=""/>
             </a:pPr>
             <a:r>
-              <a:rPr b="0" lang="pt-BR" sz="2000" spc="-1" strike="noStrike">
+              <a:rPr lang="pt-BR" sz="2000" b="0" strike="noStrike" spc="-1">
                 <a:solidFill>
                   <a:srgbClr val="000000"/>
                 </a:solidFill>
@@ -3578,15 +3494,9 @@
               </a:rPr>
               <a:t>5.º nível da estrutura de tópicos</a:t>
             </a:r>
-            <a:endParaRPr b="0" lang="pt-BR" sz="2000" spc="-1" strike="noStrike">
-              <a:solidFill>
-                <a:srgbClr val="000000"/>
-              </a:solidFill>
-              <a:latin typeface="Calibri"/>
-            </a:endParaRPr>
-          </a:p>
-          <a:p>
-            <a:pPr lvl="5" marL="2592000" indent="-216000">
+          </a:p>
+          <a:p>
+            <a:pPr marL="2592000" lvl="5" indent="-216000">
               <a:spcBef>
                 <a:spcPts val="283"/>
               </a:spcBef>
@@ -3598,7 +3508,7 @@
               <a:buChar char=""/>
             </a:pPr>
             <a:r>
-              <a:rPr b="0" lang="pt-BR" sz="2000" spc="-1" strike="noStrike">
+              <a:rPr lang="pt-BR" sz="2000" b="0" strike="noStrike" spc="-1">
                 <a:solidFill>
                   <a:srgbClr val="000000"/>
                 </a:solidFill>
@@ -3606,15 +3516,9 @@
               </a:rPr>
               <a:t>6.º nível da estrutura de tópicos</a:t>
             </a:r>
-            <a:endParaRPr b="0" lang="pt-BR" sz="2000" spc="-1" strike="noStrike">
-              <a:solidFill>
-                <a:srgbClr val="000000"/>
-              </a:solidFill>
-              <a:latin typeface="Calibri"/>
-            </a:endParaRPr>
-          </a:p>
-          <a:p>
-            <a:pPr lvl="6" marL="3024000" indent="-216000">
+          </a:p>
+          <a:p>
+            <a:pPr marL="3024000" lvl="6" indent="-216000">
               <a:spcBef>
                 <a:spcPts val="283"/>
               </a:spcBef>
@@ -3626,7 +3530,7 @@
               <a:buChar char=""/>
             </a:pPr>
             <a:r>
-              <a:rPr b="0" lang="pt-BR" sz="2000" spc="-1" strike="noStrike">
+              <a:rPr lang="pt-BR" sz="2000" b="0" strike="noStrike" spc="-1">
                 <a:solidFill>
                   <a:srgbClr val="000000"/>
                 </a:solidFill>
@@ -3634,43 +3538,318 @@
               </a:rPr>
               <a:t>7.º nível da estrutura de tópicos</a:t>
             </a:r>
-            <a:endParaRPr b="0" lang="pt-BR" sz="2000" spc="-1" strike="noStrike">
-              <a:solidFill>
-                <a:srgbClr val="000000"/>
-              </a:solidFill>
-              <a:latin typeface="Calibri"/>
-            </a:endParaRPr>
           </a:p>
         </p:txBody>
       </p:sp>
     </p:spTree>
   </p:cSld>
-  <p:clrMap bg1="lt1" bg2="lt2" tx1="dk1" tx2="dk2" accent1="accent1" accent2="accent2" accent3="accent3" accent4="accent4" accent5="accent5" accent6="accent6" hlink="hlink" folHlink="folHlink"/>
+  <p:clrMap bg1="lt1" tx1="dk1" bg2="lt2" tx2="dk2" accent1="accent1" accent2="accent2" accent3="accent3" accent4="accent4" accent5="accent5" accent6="accent6" hlink="hlink" folHlink="folHlink"/>
   <p:sldLayoutIdLst>
-    <p:sldLayoutId id="2147483649" r:id="rId2"/>
-    <p:sldLayoutId id="2147483650" r:id="rId3"/>
-    <p:sldLayoutId id="2147483651" r:id="rId4"/>
-    <p:sldLayoutId id="2147483652" r:id="rId5"/>
-    <p:sldLayoutId id="2147483653" r:id="rId6"/>
-    <p:sldLayoutId id="2147483654" r:id="rId7"/>
-    <p:sldLayoutId id="2147483655" r:id="rId8"/>
-    <p:sldLayoutId id="2147483656" r:id="rId9"/>
-    <p:sldLayoutId id="2147483657" r:id="rId10"/>
-    <p:sldLayoutId id="2147483658" r:id="rId11"/>
-    <p:sldLayoutId id="2147483659" r:id="rId12"/>
-    <p:sldLayoutId id="2147483660" r:id="rId13"/>
+    <p:sldLayoutId id="2147483649" r:id="rId1"/>
+    <p:sldLayoutId id="2147483650" r:id="rId2"/>
+    <p:sldLayoutId id="2147483651" r:id="rId3"/>
+    <p:sldLayoutId id="2147483652" r:id="rId4"/>
+    <p:sldLayoutId id="2147483653" r:id="rId5"/>
+    <p:sldLayoutId id="2147483654" r:id="rId6"/>
+    <p:sldLayoutId id="2147483655" r:id="rId7"/>
+    <p:sldLayoutId id="2147483656" r:id="rId8"/>
+    <p:sldLayoutId id="2147483657" r:id="rId9"/>
+    <p:sldLayoutId id="2147483658" r:id="rId10"/>
+    <p:sldLayoutId id="2147483659" r:id="rId11"/>
+    <p:sldLayoutId id="2147483660" r:id="rId12"/>
   </p:sldLayoutIdLst>
+  <p:txStyles>
+    <p:titleStyle>
+      <a:lvl1pPr algn="l" defTabSz="914400" rtl="0" eaLnBrk="1" latinLnBrk="0" hangingPunct="1">
+        <a:lnSpc>
+          <a:spcPct val="90000"/>
+        </a:lnSpc>
+        <a:spcBef>
+          <a:spcPct val="0"/>
+        </a:spcBef>
+        <a:buNone/>
+        <a:defRPr sz="4400" kern="1200">
+          <a:solidFill>
+            <a:schemeClr val="tx1"/>
+          </a:solidFill>
+          <a:latin typeface="+mj-lt"/>
+          <a:ea typeface="+mj-ea"/>
+          <a:cs typeface="+mj-cs"/>
+        </a:defRPr>
+      </a:lvl1pPr>
+    </p:titleStyle>
+    <p:bodyStyle>
+      <a:lvl1pPr marL="228600" indent="-228600" algn="l" defTabSz="914400" rtl="0" eaLnBrk="1" latinLnBrk="0" hangingPunct="1">
+        <a:lnSpc>
+          <a:spcPct val="90000"/>
+        </a:lnSpc>
+        <a:spcBef>
+          <a:spcPts val="1000"/>
+        </a:spcBef>
+        <a:buFont typeface="Arial" panose="020B0604020202020204" pitchFamily="34" charset="0"/>
+        <a:buChar char="•"/>
+        <a:defRPr sz="2800" kern="1200">
+          <a:solidFill>
+            <a:schemeClr val="tx1"/>
+          </a:solidFill>
+          <a:latin typeface="+mn-lt"/>
+          <a:ea typeface="+mn-ea"/>
+          <a:cs typeface="+mn-cs"/>
+        </a:defRPr>
+      </a:lvl1pPr>
+      <a:lvl2pPr marL="685800" indent="-228600" algn="l" defTabSz="914400" rtl="0" eaLnBrk="1" latinLnBrk="0" hangingPunct="1">
+        <a:lnSpc>
+          <a:spcPct val="90000"/>
+        </a:lnSpc>
+        <a:spcBef>
+          <a:spcPts val="500"/>
+        </a:spcBef>
+        <a:buFont typeface="Arial" panose="020B0604020202020204" pitchFamily="34" charset="0"/>
+        <a:buChar char="•"/>
+        <a:defRPr sz="2400" kern="1200">
+          <a:solidFill>
+            <a:schemeClr val="tx1"/>
+          </a:solidFill>
+          <a:latin typeface="+mn-lt"/>
+          <a:ea typeface="+mn-ea"/>
+          <a:cs typeface="+mn-cs"/>
+        </a:defRPr>
+      </a:lvl2pPr>
+      <a:lvl3pPr marL="1143000" indent="-228600" algn="l" defTabSz="914400" rtl="0" eaLnBrk="1" latinLnBrk="0" hangingPunct="1">
+        <a:lnSpc>
+          <a:spcPct val="90000"/>
+        </a:lnSpc>
+        <a:spcBef>
+          <a:spcPts val="500"/>
+        </a:spcBef>
+        <a:buFont typeface="Arial" panose="020B0604020202020204" pitchFamily="34" charset="0"/>
+        <a:buChar char="•"/>
+        <a:defRPr sz="2000" kern="1200">
+          <a:solidFill>
+            <a:schemeClr val="tx1"/>
+          </a:solidFill>
+          <a:latin typeface="+mn-lt"/>
+          <a:ea typeface="+mn-ea"/>
+          <a:cs typeface="+mn-cs"/>
+        </a:defRPr>
+      </a:lvl3pPr>
+      <a:lvl4pPr marL="1600200" indent="-228600" algn="l" defTabSz="914400" rtl="0" eaLnBrk="1" latinLnBrk="0" hangingPunct="1">
+        <a:lnSpc>
+          <a:spcPct val="90000"/>
+        </a:lnSpc>
+        <a:spcBef>
+          <a:spcPts val="500"/>
+        </a:spcBef>
+        <a:buFont typeface="Arial" panose="020B0604020202020204" pitchFamily="34" charset="0"/>
+        <a:buChar char="•"/>
+        <a:defRPr sz="1800" kern="1200">
+          <a:solidFill>
+            <a:schemeClr val="tx1"/>
+          </a:solidFill>
+          <a:latin typeface="+mn-lt"/>
+          <a:ea typeface="+mn-ea"/>
+          <a:cs typeface="+mn-cs"/>
+        </a:defRPr>
+      </a:lvl4pPr>
+      <a:lvl5pPr marL="2057400" indent="-228600" algn="l" defTabSz="914400" rtl="0" eaLnBrk="1" latinLnBrk="0" hangingPunct="1">
+        <a:lnSpc>
+          <a:spcPct val="90000"/>
+        </a:lnSpc>
+        <a:spcBef>
+          <a:spcPts val="500"/>
+        </a:spcBef>
+        <a:buFont typeface="Arial" panose="020B0604020202020204" pitchFamily="34" charset="0"/>
+        <a:buChar char="•"/>
+        <a:defRPr sz="1800" kern="1200">
+          <a:solidFill>
+            <a:schemeClr val="tx1"/>
+          </a:solidFill>
+          <a:latin typeface="+mn-lt"/>
+          <a:ea typeface="+mn-ea"/>
+          <a:cs typeface="+mn-cs"/>
+        </a:defRPr>
+      </a:lvl5pPr>
+      <a:lvl6pPr marL="2514600" indent="-228600" algn="l" defTabSz="914400" rtl="0" eaLnBrk="1" latinLnBrk="0" hangingPunct="1">
+        <a:lnSpc>
+          <a:spcPct val="90000"/>
+        </a:lnSpc>
+        <a:spcBef>
+          <a:spcPts val="500"/>
+        </a:spcBef>
+        <a:buFont typeface="Arial" panose="020B0604020202020204" pitchFamily="34" charset="0"/>
+        <a:buChar char="•"/>
+        <a:defRPr sz="1800" kern="1200">
+          <a:solidFill>
+            <a:schemeClr val="tx1"/>
+          </a:solidFill>
+          <a:latin typeface="+mn-lt"/>
+          <a:ea typeface="+mn-ea"/>
+          <a:cs typeface="+mn-cs"/>
+        </a:defRPr>
+      </a:lvl6pPr>
+      <a:lvl7pPr marL="2971800" indent="-228600" algn="l" defTabSz="914400" rtl="0" eaLnBrk="1" latinLnBrk="0" hangingPunct="1">
+        <a:lnSpc>
+          <a:spcPct val="90000"/>
+        </a:lnSpc>
+        <a:spcBef>
+          <a:spcPts val="500"/>
+        </a:spcBef>
+        <a:buFont typeface="Arial" panose="020B0604020202020204" pitchFamily="34" charset="0"/>
+        <a:buChar char="•"/>
+        <a:defRPr sz="1800" kern="1200">
+          <a:solidFill>
+            <a:schemeClr val="tx1"/>
+          </a:solidFill>
+          <a:latin typeface="+mn-lt"/>
+          <a:ea typeface="+mn-ea"/>
+          <a:cs typeface="+mn-cs"/>
+        </a:defRPr>
+      </a:lvl7pPr>
+      <a:lvl8pPr marL="3429000" indent="-228600" algn="l" defTabSz="914400" rtl="0" eaLnBrk="1" latinLnBrk="0" hangingPunct="1">
+        <a:lnSpc>
+          <a:spcPct val="90000"/>
+        </a:lnSpc>
+        <a:spcBef>
+          <a:spcPts val="500"/>
+        </a:spcBef>
+        <a:buFont typeface="Arial" panose="020B0604020202020204" pitchFamily="34" charset="0"/>
+        <a:buChar char="•"/>
+        <a:defRPr sz="1800" kern="1200">
+          <a:solidFill>
+            <a:schemeClr val="tx1"/>
+          </a:solidFill>
+          <a:latin typeface="+mn-lt"/>
+          <a:ea typeface="+mn-ea"/>
+          <a:cs typeface="+mn-cs"/>
+        </a:defRPr>
+      </a:lvl8pPr>
+      <a:lvl9pPr marL="3886200" indent="-228600" algn="l" defTabSz="914400" rtl="0" eaLnBrk="1" latinLnBrk="0" hangingPunct="1">
+        <a:lnSpc>
+          <a:spcPct val="90000"/>
+        </a:lnSpc>
+        <a:spcBef>
+          <a:spcPts val="500"/>
+        </a:spcBef>
+        <a:buFont typeface="Arial" panose="020B0604020202020204" pitchFamily="34" charset="0"/>
+        <a:buChar char="•"/>
+        <a:defRPr sz="1800" kern="1200">
+          <a:solidFill>
+            <a:schemeClr val="tx1"/>
+          </a:solidFill>
+          <a:latin typeface="+mn-lt"/>
+          <a:ea typeface="+mn-ea"/>
+          <a:cs typeface="+mn-cs"/>
+        </a:defRPr>
+      </a:lvl9pPr>
+    </p:bodyStyle>
+    <p:otherStyle>
+      <a:defPPr>
+        <a:defRPr lang="pt-BR"/>
+      </a:defPPr>
+      <a:lvl1pPr marL="0" algn="l" defTabSz="914400" rtl="0" eaLnBrk="1" latinLnBrk="0" hangingPunct="1">
+        <a:defRPr sz="1800" kern="1200">
+          <a:solidFill>
+            <a:schemeClr val="tx1"/>
+          </a:solidFill>
+          <a:latin typeface="+mn-lt"/>
+          <a:ea typeface="+mn-ea"/>
+          <a:cs typeface="+mn-cs"/>
+        </a:defRPr>
+      </a:lvl1pPr>
+      <a:lvl2pPr marL="457200" algn="l" defTabSz="914400" rtl="0" eaLnBrk="1" latinLnBrk="0" hangingPunct="1">
+        <a:defRPr sz="1800" kern="1200">
+          <a:solidFill>
+            <a:schemeClr val="tx1"/>
+          </a:solidFill>
+          <a:latin typeface="+mn-lt"/>
+          <a:ea typeface="+mn-ea"/>
+          <a:cs typeface="+mn-cs"/>
+        </a:defRPr>
+      </a:lvl2pPr>
+      <a:lvl3pPr marL="914400" algn="l" defTabSz="914400" rtl="0" eaLnBrk="1" latinLnBrk="0" hangingPunct="1">
+        <a:defRPr sz="1800" kern="1200">
+          <a:solidFill>
+            <a:schemeClr val="tx1"/>
+          </a:solidFill>
+          <a:latin typeface="+mn-lt"/>
+          <a:ea typeface="+mn-ea"/>
+          <a:cs typeface="+mn-cs"/>
+        </a:defRPr>
+      </a:lvl3pPr>
+      <a:lvl4pPr marL="1371600" algn="l" defTabSz="914400" rtl="0" eaLnBrk="1" latinLnBrk="0" hangingPunct="1">
+        <a:defRPr sz="1800" kern="1200">
+          <a:solidFill>
+            <a:schemeClr val="tx1"/>
+          </a:solidFill>
+          <a:latin typeface="+mn-lt"/>
+          <a:ea typeface="+mn-ea"/>
+          <a:cs typeface="+mn-cs"/>
+        </a:defRPr>
+      </a:lvl4pPr>
+      <a:lvl5pPr marL="1828800" algn="l" defTabSz="914400" rtl="0" eaLnBrk="1" latinLnBrk="0" hangingPunct="1">
+        <a:defRPr sz="1800" kern="1200">
+          <a:solidFill>
+            <a:schemeClr val="tx1"/>
+          </a:solidFill>
+          <a:latin typeface="+mn-lt"/>
+          <a:ea typeface="+mn-ea"/>
+          <a:cs typeface="+mn-cs"/>
+        </a:defRPr>
+      </a:lvl5pPr>
+      <a:lvl6pPr marL="2286000" algn="l" defTabSz="914400" rtl="0" eaLnBrk="1" latinLnBrk="0" hangingPunct="1">
+        <a:defRPr sz="1800" kern="1200">
+          <a:solidFill>
+            <a:schemeClr val="tx1"/>
+          </a:solidFill>
+          <a:latin typeface="+mn-lt"/>
+          <a:ea typeface="+mn-ea"/>
+          <a:cs typeface="+mn-cs"/>
+        </a:defRPr>
+      </a:lvl6pPr>
+      <a:lvl7pPr marL="2743200" algn="l" defTabSz="914400" rtl="0" eaLnBrk="1" latinLnBrk="0" hangingPunct="1">
+        <a:defRPr sz="1800" kern="1200">
+          <a:solidFill>
+            <a:schemeClr val="tx1"/>
+          </a:solidFill>
+          <a:latin typeface="+mn-lt"/>
+          <a:ea typeface="+mn-ea"/>
+          <a:cs typeface="+mn-cs"/>
+        </a:defRPr>
+      </a:lvl7pPr>
+      <a:lvl8pPr marL="3200400" algn="l" defTabSz="914400" rtl="0" eaLnBrk="1" latinLnBrk="0" hangingPunct="1">
+        <a:defRPr sz="1800" kern="1200">
+          <a:solidFill>
+            <a:schemeClr val="tx1"/>
+          </a:solidFill>
+          <a:latin typeface="+mn-lt"/>
+          <a:ea typeface="+mn-ea"/>
+          <a:cs typeface="+mn-cs"/>
+        </a:defRPr>
+      </a:lvl8pPr>
+      <a:lvl9pPr marL="3657600" algn="l" defTabSz="914400" rtl="0" eaLnBrk="1" latinLnBrk="0" hangingPunct="1">
+        <a:defRPr sz="1800" kern="1200">
+          <a:solidFill>
+            <a:schemeClr val="tx1"/>
+          </a:solidFill>
+          <a:latin typeface="+mn-lt"/>
+          <a:ea typeface="+mn-ea"/>
+          <a:cs typeface="+mn-cs"/>
+        </a:defRPr>
+      </a:lvl9pPr>
+    </p:otherStyle>
+  </p:txStyles>
 </p:sldMaster>
 </file>
 
 <file path=ppt/slideMasters/slideMaster2.xml><?xml version="1.0" encoding="utf-8"?>
-<p:sldMaster xmlns:a="http://schemas.openxmlformats.org/drawingml/2006/main" xmlns:p="http://schemas.openxmlformats.org/presentationml/2006/main" xmlns:r="http://schemas.openxmlformats.org/officeDocument/2006/relationships" xmlns:p14="http://schemas.microsoft.com/office/powerpoint/2010/main" xmlns:p15="http://schemas.microsoft.com/office/powerpoint/2012/main" xmlns:mc="http://schemas.openxmlformats.org/markup-compatibility/2006">
+<p:sldMaster xmlns:a="http://schemas.openxmlformats.org/drawingml/2006/main" xmlns:r="http://schemas.openxmlformats.org/officeDocument/2006/relationships" xmlns:p="http://schemas.openxmlformats.org/presentationml/2006/main">
   <p:cSld>
     <p:bg>
       <p:bgPr>
         <a:solidFill>
-          <a:srgbClr val="ffffff"/>
+          <a:srgbClr val="FFFFFF"/>
         </a:solidFill>
+        <a:effectLst/>
       </p:bgPr>
     </p:bg>
     <p:spTree>
@@ -3710,6 +3889,7 @@
           <a:bodyPr anchor="ctr">
             <a:noAutofit/>
           </a:bodyPr>
+          <a:lstStyle/>
           <a:p>
             <a:pPr>
               <a:lnSpc>
@@ -3717,7 +3897,7 @@
               </a:lnSpc>
             </a:pPr>
             <a:r>
-              <a:rPr b="0" lang="pt-BR" sz="4400" spc="-1" strike="noStrike">
+              <a:rPr lang="pt-BR" sz="4400" b="0" strike="noStrike" spc="-1">
                 <a:solidFill>
                   <a:srgbClr val="000000"/>
                 </a:solidFill>
@@ -3725,7 +3905,7 @@
               </a:rPr>
               <a:t>Clique para editar o título Mestre</a:t>
             </a:r>
-            <a:endParaRPr b="0" lang="pt-BR" sz="4400" spc="-1" strike="noStrike">
+            <a:endParaRPr lang="pt-BR" sz="4400" b="0" strike="noStrike" spc="-1">
               <a:solidFill>
                 <a:srgbClr val="000000"/>
               </a:solidFill>
@@ -3757,6 +3937,7 @@
           <a:bodyPr>
             <a:noAutofit/>
           </a:bodyPr>
+          <a:lstStyle/>
           <a:p>
             <a:pPr marL="228600" indent="-228240">
               <a:lnSpc>
@@ -3772,7 +3953,7 @@
               <a:buChar char="•"/>
             </a:pPr>
             <a:r>
-              <a:rPr b="0" lang="pt-BR" sz="2800" spc="-1" strike="noStrike">
+              <a:rPr lang="pt-BR" sz="2800" b="0" strike="noStrike" spc="-1">
                 <a:solidFill>
                   <a:srgbClr val="000000"/>
                 </a:solidFill>
@@ -3780,15 +3961,9 @@
               </a:rPr>
               <a:t>Clique para editar os estilos de texto Mestres</a:t>
             </a:r>
-            <a:endParaRPr b="0" lang="pt-BR" sz="2800" spc="-1" strike="noStrike">
-              <a:solidFill>
-                <a:srgbClr val="000000"/>
-              </a:solidFill>
-              <a:latin typeface="Calibri"/>
-            </a:endParaRPr>
-          </a:p>
-          <a:p>
-            <a:pPr lvl="1" marL="685800" indent="-228240">
+          </a:p>
+          <a:p>
+            <a:pPr marL="685800" lvl="1" indent="-228240">
               <a:lnSpc>
                 <a:spcPct val="90000"/>
               </a:lnSpc>
@@ -3802,7 +3977,7 @@
               <a:buChar char="•"/>
             </a:pPr>
             <a:r>
-              <a:rPr b="0" lang="pt-BR" sz="2400" spc="-1" strike="noStrike">
+              <a:rPr lang="pt-BR" sz="2400" b="0" strike="noStrike" spc="-1">
                 <a:solidFill>
                   <a:srgbClr val="000000"/>
                 </a:solidFill>
@@ -3810,15 +3985,9 @@
               </a:rPr>
               <a:t>Segundo nível</a:t>
             </a:r>
-            <a:endParaRPr b="0" lang="pt-BR" sz="2400" spc="-1" strike="noStrike">
-              <a:solidFill>
-                <a:srgbClr val="000000"/>
-              </a:solidFill>
-              <a:latin typeface="Calibri"/>
-            </a:endParaRPr>
-          </a:p>
-          <a:p>
-            <a:pPr lvl="2" marL="1143000" indent="-228240">
+          </a:p>
+          <a:p>
+            <a:pPr marL="1143000" lvl="2" indent="-228240">
               <a:lnSpc>
                 <a:spcPct val="90000"/>
               </a:lnSpc>
@@ -3832,7 +4001,7 @@
               <a:buChar char="•"/>
             </a:pPr>
             <a:r>
-              <a:rPr b="0" lang="pt-BR" sz="2000" spc="-1" strike="noStrike">
+              <a:rPr lang="pt-BR" sz="2000" b="0" strike="noStrike" spc="-1">
                 <a:solidFill>
                   <a:srgbClr val="000000"/>
                 </a:solidFill>
@@ -3840,15 +4009,9 @@
               </a:rPr>
               <a:t>Terceiro nível</a:t>
             </a:r>
-            <a:endParaRPr b="0" lang="pt-BR" sz="2000" spc="-1" strike="noStrike">
-              <a:solidFill>
-                <a:srgbClr val="000000"/>
-              </a:solidFill>
-              <a:latin typeface="Calibri"/>
-            </a:endParaRPr>
-          </a:p>
-          <a:p>
-            <a:pPr lvl="3" marL="1600200" indent="-228240">
+          </a:p>
+          <a:p>
+            <a:pPr marL="1600200" lvl="3" indent="-228240">
               <a:lnSpc>
                 <a:spcPct val="90000"/>
               </a:lnSpc>
@@ -3862,7 +4025,7 @@
               <a:buChar char="•"/>
             </a:pPr>
             <a:r>
-              <a:rPr b="0" lang="pt-BR" sz="1800" spc="-1" strike="noStrike">
+              <a:rPr lang="pt-BR" sz="1800" b="0" strike="noStrike" spc="-1">
                 <a:solidFill>
                   <a:srgbClr val="000000"/>
                 </a:solidFill>
@@ -3870,15 +4033,9 @@
               </a:rPr>
               <a:t>Quarto nível</a:t>
             </a:r>
-            <a:endParaRPr b="0" lang="pt-BR" sz="1800" spc="-1" strike="noStrike">
-              <a:solidFill>
-                <a:srgbClr val="000000"/>
-              </a:solidFill>
-              <a:latin typeface="Calibri"/>
-            </a:endParaRPr>
-          </a:p>
-          <a:p>
-            <a:pPr lvl="4" marL="2057400" indent="-228240">
+          </a:p>
+          <a:p>
+            <a:pPr marL="2057400" lvl="4" indent="-228240">
               <a:lnSpc>
                 <a:spcPct val="90000"/>
               </a:lnSpc>
@@ -3892,7 +4049,7 @@
               <a:buChar char="•"/>
             </a:pPr>
             <a:r>
-              <a:rPr b="0" lang="pt-BR" sz="1800" spc="-1" strike="noStrike">
+              <a:rPr lang="pt-BR" sz="1800" b="0" strike="noStrike" spc="-1">
                 <a:solidFill>
                   <a:srgbClr val="000000"/>
                 </a:solidFill>
@@ -3900,12 +4057,6 @@
               </a:rPr>
               <a:t>Quinto nível</a:t>
             </a:r>
-            <a:endParaRPr b="0" lang="pt-BR" sz="1800" spc="-1" strike="noStrike">
-              <a:solidFill>
-                <a:srgbClr val="000000"/>
-              </a:solidFill>
-              <a:latin typeface="Calibri"/>
-            </a:endParaRPr>
           </a:p>
         </p:txBody>
       </p:sp>
@@ -3932,6 +4083,7 @@
           <a:bodyPr anchor="ctr">
             <a:noAutofit/>
           </a:bodyPr>
+          <a:lstStyle/>
           <a:p>
             <a:pPr>
               <a:lnSpc>
@@ -3939,15 +4091,15 @@
               </a:lnSpc>
             </a:pPr>
             <a:fld id="{233FDDB9-4136-4E7E-8A23-07F3AF524567}" type="datetime">
-              <a:rPr b="0" lang="pt-BR" sz="1200" spc="-1" strike="noStrike">
+              <a:rPr lang="pt-BR" sz="1200" b="0" strike="noStrike" spc="-1">
                 <a:solidFill>
-                  <a:srgbClr val="8b8b8b"/>
+                  <a:srgbClr val="8B8B8B"/>
                 </a:solidFill>
                 <a:latin typeface="Calibri"/>
               </a:rPr>
-              <a:t>01/09/21</a:t>
+              <a:t>01/09/2021</a:t>
             </a:fld>
-            <a:endParaRPr b="0" lang="pt-BR" sz="1200" spc="-1" strike="noStrike">
+            <a:endParaRPr lang="pt-BR" sz="1200" b="0" strike="noStrike" spc="-1">
               <a:latin typeface="Times New Roman"/>
             </a:endParaRPr>
           </a:p>
@@ -3976,8 +4128,9 @@
           <a:bodyPr anchor="ctr">
             <a:noAutofit/>
           </a:bodyPr>
-          <a:p>
-            <a:endParaRPr b="0" lang="pt-BR" sz="2400" spc="-1" strike="noStrike">
+          <a:lstStyle/>
+          <a:p>
+            <a:endParaRPr lang="pt-BR" sz="2400" b="0" strike="noStrike" spc="-1">
               <a:latin typeface="Times New Roman"/>
             </a:endParaRPr>
           </a:p>
@@ -4006,6 +4159,7 @@
           <a:bodyPr anchor="ctr">
             <a:noAutofit/>
           </a:bodyPr>
+          <a:lstStyle/>
           <a:p>
             <a:pPr algn="r">
               <a:lnSpc>
@@ -4013,15 +4167,15 @@
               </a:lnSpc>
             </a:pPr>
             <a:fld id="{1B3BFAA4-A963-41D4-B5FE-7321682B20D1}" type="slidenum">
-              <a:rPr b="0" lang="pt-BR" sz="1200" spc="-1" strike="noStrike">
+              <a:rPr lang="pt-BR" sz="1200" b="0" strike="noStrike" spc="-1">
                 <a:solidFill>
-                  <a:srgbClr val="8b8b8b"/>
+                  <a:srgbClr val="8B8B8B"/>
                 </a:solidFill>
                 <a:latin typeface="Calibri"/>
               </a:rPr>
-              <a:t>&lt;número&gt;</a:t>
+              <a:t>‹nº›</a:t>
             </a:fld>
-            <a:endParaRPr b="0" lang="pt-BR" sz="1200" spc="-1" strike="noStrike">
+            <a:endParaRPr lang="pt-BR" sz="1200" b="0" strike="noStrike" spc="-1">
               <a:latin typeface="Times New Roman"/>
             </a:endParaRPr>
           </a:p>
@@ -4029,35 +4183,316 @@
       </p:sp>
     </p:spTree>
   </p:cSld>
-  <p:clrMap bg1="lt1" bg2="lt2" tx1="dk1" tx2="dk2" accent1="accent1" accent2="accent2" accent3="accent3" accent4="accent4" accent5="accent5" accent6="accent6" hlink="hlink" folHlink="folHlink"/>
+  <p:clrMap bg1="lt1" tx1="dk1" bg2="lt2" tx2="dk2" accent1="accent1" accent2="accent2" accent3="accent3" accent4="accent4" accent5="accent5" accent6="accent6" hlink="hlink" folHlink="folHlink"/>
   <p:sldLayoutIdLst>
-    <p:sldLayoutId id="2147483662" r:id="rId2"/>
-    <p:sldLayoutId id="2147483663" r:id="rId3"/>
-    <p:sldLayoutId id="2147483664" r:id="rId4"/>
-    <p:sldLayoutId id="2147483665" r:id="rId5"/>
-    <p:sldLayoutId id="2147483666" r:id="rId6"/>
-    <p:sldLayoutId id="2147483667" r:id="rId7"/>
-    <p:sldLayoutId id="2147483668" r:id="rId8"/>
-    <p:sldLayoutId id="2147483669" r:id="rId9"/>
-    <p:sldLayoutId id="2147483670" r:id="rId10"/>
-    <p:sldLayoutId id="2147483671" r:id="rId11"/>
-    <p:sldLayoutId id="2147483672" r:id="rId12"/>
-    <p:sldLayoutId id="2147483673" r:id="rId13"/>
+    <p:sldLayoutId id="2147483662" r:id="rId1"/>
+    <p:sldLayoutId id="2147483663" r:id="rId2"/>
+    <p:sldLayoutId id="2147483664" r:id="rId3"/>
+    <p:sldLayoutId id="2147483665" r:id="rId4"/>
+    <p:sldLayoutId id="2147483666" r:id="rId5"/>
+    <p:sldLayoutId id="2147483667" r:id="rId6"/>
+    <p:sldLayoutId id="2147483668" r:id="rId7"/>
+    <p:sldLayoutId id="2147483669" r:id="rId8"/>
+    <p:sldLayoutId id="2147483670" r:id="rId9"/>
+    <p:sldLayoutId id="2147483671" r:id="rId10"/>
+    <p:sldLayoutId id="2147483672" r:id="rId11"/>
+    <p:sldLayoutId id="2147483673" r:id="rId12"/>
   </p:sldLayoutIdLst>
+  <p:txStyles>
+    <p:titleStyle>
+      <a:lvl1pPr algn="l" defTabSz="914400" rtl="0" eaLnBrk="1" latinLnBrk="0" hangingPunct="1">
+        <a:lnSpc>
+          <a:spcPct val="90000"/>
+        </a:lnSpc>
+        <a:spcBef>
+          <a:spcPct val="0"/>
+        </a:spcBef>
+        <a:buNone/>
+        <a:defRPr sz="4400" kern="1200">
+          <a:solidFill>
+            <a:schemeClr val="tx1"/>
+          </a:solidFill>
+          <a:latin typeface="+mj-lt"/>
+          <a:ea typeface="+mj-ea"/>
+          <a:cs typeface="+mj-cs"/>
+        </a:defRPr>
+      </a:lvl1pPr>
+    </p:titleStyle>
+    <p:bodyStyle>
+      <a:lvl1pPr marL="228600" indent="-228600" algn="l" defTabSz="914400" rtl="0" eaLnBrk="1" latinLnBrk="0" hangingPunct="1">
+        <a:lnSpc>
+          <a:spcPct val="90000"/>
+        </a:lnSpc>
+        <a:spcBef>
+          <a:spcPts val="1000"/>
+        </a:spcBef>
+        <a:buFont typeface="Arial" panose="020B0604020202020204" pitchFamily="34" charset="0"/>
+        <a:buChar char="•"/>
+        <a:defRPr sz="2800" kern="1200">
+          <a:solidFill>
+            <a:schemeClr val="tx1"/>
+          </a:solidFill>
+          <a:latin typeface="+mn-lt"/>
+          <a:ea typeface="+mn-ea"/>
+          <a:cs typeface="+mn-cs"/>
+        </a:defRPr>
+      </a:lvl1pPr>
+      <a:lvl2pPr marL="685800" indent="-228600" algn="l" defTabSz="914400" rtl="0" eaLnBrk="1" latinLnBrk="0" hangingPunct="1">
+        <a:lnSpc>
+          <a:spcPct val="90000"/>
+        </a:lnSpc>
+        <a:spcBef>
+          <a:spcPts val="500"/>
+        </a:spcBef>
+        <a:buFont typeface="Arial" panose="020B0604020202020204" pitchFamily="34" charset="0"/>
+        <a:buChar char="•"/>
+        <a:defRPr sz="2400" kern="1200">
+          <a:solidFill>
+            <a:schemeClr val="tx1"/>
+          </a:solidFill>
+          <a:latin typeface="+mn-lt"/>
+          <a:ea typeface="+mn-ea"/>
+          <a:cs typeface="+mn-cs"/>
+        </a:defRPr>
+      </a:lvl2pPr>
+      <a:lvl3pPr marL="1143000" indent="-228600" algn="l" defTabSz="914400" rtl="0" eaLnBrk="1" latinLnBrk="0" hangingPunct="1">
+        <a:lnSpc>
+          <a:spcPct val="90000"/>
+        </a:lnSpc>
+        <a:spcBef>
+          <a:spcPts val="500"/>
+        </a:spcBef>
+        <a:buFont typeface="Arial" panose="020B0604020202020204" pitchFamily="34" charset="0"/>
+        <a:buChar char="•"/>
+        <a:defRPr sz="2000" kern="1200">
+          <a:solidFill>
+            <a:schemeClr val="tx1"/>
+          </a:solidFill>
+          <a:latin typeface="+mn-lt"/>
+          <a:ea typeface="+mn-ea"/>
+          <a:cs typeface="+mn-cs"/>
+        </a:defRPr>
+      </a:lvl3pPr>
+      <a:lvl4pPr marL="1600200" indent="-228600" algn="l" defTabSz="914400" rtl="0" eaLnBrk="1" latinLnBrk="0" hangingPunct="1">
+        <a:lnSpc>
+          <a:spcPct val="90000"/>
+        </a:lnSpc>
+        <a:spcBef>
+          <a:spcPts val="500"/>
+        </a:spcBef>
+        <a:buFont typeface="Arial" panose="020B0604020202020204" pitchFamily="34" charset="0"/>
+        <a:buChar char="•"/>
+        <a:defRPr sz="1800" kern="1200">
+          <a:solidFill>
+            <a:schemeClr val="tx1"/>
+          </a:solidFill>
+          <a:latin typeface="+mn-lt"/>
+          <a:ea typeface="+mn-ea"/>
+          <a:cs typeface="+mn-cs"/>
+        </a:defRPr>
+      </a:lvl4pPr>
+      <a:lvl5pPr marL="2057400" indent="-228600" algn="l" defTabSz="914400" rtl="0" eaLnBrk="1" latinLnBrk="0" hangingPunct="1">
+        <a:lnSpc>
+          <a:spcPct val="90000"/>
+        </a:lnSpc>
+        <a:spcBef>
+          <a:spcPts val="500"/>
+        </a:spcBef>
+        <a:buFont typeface="Arial" panose="020B0604020202020204" pitchFamily="34" charset="0"/>
+        <a:buChar char="•"/>
+        <a:defRPr sz="1800" kern="1200">
+          <a:solidFill>
+            <a:schemeClr val="tx1"/>
+          </a:solidFill>
+          <a:latin typeface="+mn-lt"/>
+          <a:ea typeface="+mn-ea"/>
+          <a:cs typeface="+mn-cs"/>
+        </a:defRPr>
+      </a:lvl5pPr>
+      <a:lvl6pPr marL="2514600" indent="-228600" algn="l" defTabSz="914400" rtl="0" eaLnBrk="1" latinLnBrk="0" hangingPunct="1">
+        <a:lnSpc>
+          <a:spcPct val="90000"/>
+        </a:lnSpc>
+        <a:spcBef>
+          <a:spcPts val="500"/>
+        </a:spcBef>
+        <a:buFont typeface="Arial" panose="020B0604020202020204" pitchFamily="34" charset="0"/>
+        <a:buChar char="•"/>
+        <a:defRPr sz="1800" kern="1200">
+          <a:solidFill>
+            <a:schemeClr val="tx1"/>
+          </a:solidFill>
+          <a:latin typeface="+mn-lt"/>
+          <a:ea typeface="+mn-ea"/>
+          <a:cs typeface="+mn-cs"/>
+        </a:defRPr>
+      </a:lvl6pPr>
+      <a:lvl7pPr marL="2971800" indent="-228600" algn="l" defTabSz="914400" rtl="0" eaLnBrk="1" latinLnBrk="0" hangingPunct="1">
+        <a:lnSpc>
+          <a:spcPct val="90000"/>
+        </a:lnSpc>
+        <a:spcBef>
+          <a:spcPts val="500"/>
+        </a:spcBef>
+        <a:buFont typeface="Arial" panose="020B0604020202020204" pitchFamily="34" charset="0"/>
+        <a:buChar char="•"/>
+        <a:defRPr sz="1800" kern="1200">
+          <a:solidFill>
+            <a:schemeClr val="tx1"/>
+          </a:solidFill>
+          <a:latin typeface="+mn-lt"/>
+          <a:ea typeface="+mn-ea"/>
+          <a:cs typeface="+mn-cs"/>
+        </a:defRPr>
+      </a:lvl7pPr>
+      <a:lvl8pPr marL="3429000" indent="-228600" algn="l" defTabSz="914400" rtl="0" eaLnBrk="1" latinLnBrk="0" hangingPunct="1">
+        <a:lnSpc>
+          <a:spcPct val="90000"/>
+        </a:lnSpc>
+        <a:spcBef>
+          <a:spcPts val="500"/>
+        </a:spcBef>
+        <a:buFont typeface="Arial" panose="020B0604020202020204" pitchFamily="34" charset="0"/>
+        <a:buChar char="•"/>
+        <a:defRPr sz="1800" kern="1200">
+          <a:solidFill>
+            <a:schemeClr val="tx1"/>
+          </a:solidFill>
+          <a:latin typeface="+mn-lt"/>
+          <a:ea typeface="+mn-ea"/>
+          <a:cs typeface="+mn-cs"/>
+        </a:defRPr>
+      </a:lvl8pPr>
+      <a:lvl9pPr marL="3886200" indent="-228600" algn="l" defTabSz="914400" rtl="0" eaLnBrk="1" latinLnBrk="0" hangingPunct="1">
+        <a:lnSpc>
+          <a:spcPct val="90000"/>
+        </a:lnSpc>
+        <a:spcBef>
+          <a:spcPts val="500"/>
+        </a:spcBef>
+        <a:buFont typeface="Arial" panose="020B0604020202020204" pitchFamily="34" charset="0"/>
+        <a:buChar char="•"/>
+        <a:defRPr sz="1800" kern="1200">
+          <a:solidFill>
+            <a:schemeClr val="tx1"/>
+          </a:solidFill>
+          <a:latin typeface="+mn-lt"/>
+          <a:ea typeface="+mn-ea"/>
+          <a:cs typeface="+mn-cs"/>
+        </a:defRPr>
+      </a:lvl9pPr>
+    </p:bodyStyle>
+    <p:otherStyle>
+      <a:defPPr>
+        <a:defRPr lang="pt-BR"/>
+      </a:defPPr>
+      <a:lvl1pPr marL="0" algn="l" defTabSz="914400" rtl="0" eaLnBrk="1" latinLnBrk="0" hangingPunct="1">
+        <a:defRPr sz="1800" kern="1200">
+          <a:solidFill>
+            <a:schemeClr val="tx1"/>
+          </a:solidFill>
+          <a:latin typeface="+mn-lt"/>
+          <a:ea typeface="+mn-ea"/>
+          <a:cs typeface="+mn-cs"/>
+        </a:defRPr>
+      </a:lvl1pPr>
+      <a:lvl2pPr marL="457200" algn="l" defTabSz="914400" rtl="0" eaLnBrk="1" latinLnBrk="0" hangingPunct="1">
+        <a:defRPr sz="1800" kern="1200">
+          <a:solidFill>
+            <a:schemeClr val="tx1"/>
+          </a:solidFill>
+          <a:latin typeface="+mn-lt"/>
+          <a:ea typeface="+mn-ea"/>
+          <a:cs typeface="+mn-cs"/>
+        </a:defRPr>
+      </a:lvl2pPr>
+      <a:lvl3pPr marL="914400" algn="l" defTabSz="914400" rtl="0" eaLnBrk="1" latinLnBrk="0" hangingPunct="1">
+        <a:defRPr sz="1800" kern="1200">
+          <a:solidFill>
+            <a:schemeClr val="tx1"/>
+          </a:solidFill>
+          <a:latin typeface="+mn-lt"/>
+          <a:ea typeface="+mn-ea"/>
+          <a:cs typeface="+mn-cs"/>
+        </a:defRPr>
+      </a:lvl3pPr>
+      <a:lvl4pPr marL="1371600" algn="l" defTabSz="914400" rtl="0" eaLnBrk="1" latinLnBrk="0" hangingPunct="1">
+        <a:defRPr sz="1800" kern="1200">
+          <a:solidFill>
+            <a:schemeClr val="tx1"/>
+          </a:solidFill>
+          <a:latin typeface="+mn-lt"/>
+          <a:ea typeface="+mn-ea"/>
+          <a:cs typeface="+mn-cs"/>
+        </a:defRPr>
+      </a:lvl4pPr>
+      <a:lvl5pPr marL="1828800" algn="l" defTabSz="914400" rtl="0" eaLnBrk="1" latinLnBrk="0" hangingPunct="1">
+        <a:defRPr sz="1800" kern="1200">
+          <a:solidFill>
+            <a:schemeClr val="tx1"/>
+          </a:solidFill>
+          <a:latin typeface="+mn-lt"/>
+          <a:ea typeface="+mn-ea"/>
+          <a:cs typeface="+mn-cs"/>
+        </a:defRPr>
+      </a:lvl5pPr>
+      <a:lvl6pPr marL="2286000" algn="l" defTabSz="914400" rtl="0" eaLnBrk="1" latinLnBrk="0" hangingPunct="1">
+        <a:defRPr sz="1800" kern="1200">
+          <a:solidFill>
+            <a:schemeClr val="tx1"/>
+          </a:solidFill>
+          <a:latin typeface="+mn-lt"/>
+          <a:ea typeface="+mn-ea"/>
+          <a:cs typeface="+mn-cs"/>
+        </a:defRPr>
+      </a:lvl6pPr>
+      <a:lvl7pPr marL="2743200" algn="l" defTabSz="914400" rtl="0" eaLnBrk="1" latinLnBrk="0" hangingPunct="1">
+        <a:defRPr sz="1800" kern="1200">
+          <a:solidFill>
+            <a:schemeClr val="tx1"/>
+          </a:solidFill>
+          <a:latin typeface="+mn-lt"/>
+          <a:ea typeface="+mn-ea"/>
+          <a:cs typeface="+mn-cs"/>
+        </a:defRPr>
+      </a:lvl7pPr>
+      <a:lvl8pPr marL="3200400" algn="l" defTabSz="914400" rtl="0" eaLnBrk="1" latinLnBrk="0" hangingPunct="1">
+        <a:defRPr sz="1800" kern="1200">
+          <a:solidFill>
+            <a:schemeClr val="tx1"/>
+          </a:solidFill>
+          <a:latin typeface="+mn-lt"/>
+          <a:ea typeface="+mn-ea"/>
+          <a:cs typeface="+mn-cs"/>
+        </a:defRPr>
+      </a:lvl8pPr>
+      <a:lvl9pPr marL="3657600" algn="l" defTabSz="914400" rtl="0" eaLnBrk="1" latinLnBrk="0" hangingPunct="1">
+        <a:defRPr sz="1800" kern="1200">
+          <a:solidFill>
+            <a:schemeClr val="tx1"/>
+          </a:solidFill>
+          <a:latin typeface="+mn-lt"/>
+          <a:ea typeface="+mn-ea"/>
+          <a:cs typeface="+mn-cs"/>
+        </a:defRPr>
+      </a:lvl9pPr>
+    </p:otherStyle>
+  </p:txStyles>
 </p:sldMaster>
 </file>
 
 <file path=ppt/slides/slide1.xml><?xml version="1.0" encoding="utf-8"?>
-<p:sld xmlns:a="http://schemas.openxmlformats.org/drawingml/2006/main" xmlns:p="http://schemas.openxmlformats.org/presentationml/2006/main" xmlns:r="http://schemas.openxmlformats.org/officeDocument/2006/relationships" xmlns:p14="http://schemas.microsoft.com/office/powerpoint/2010/main" xmlns:p15="http://schemas.microsoft.com/office/powerpoint/2012/main" xmlns:mc="http://schemas.openxmlformats.org/markup-compatibility/2006">
+<p:sld xmlns:a="http://schemas.openxmlformats.org/drawingml/2006/main" xmlns:r="http://schemas.openxmlformats.org/officeDocument/2006/relationships" xmlns:p="http://schemas.openxmlformats.org/presentationml/2006/main">
   <p:cSld>
     <p:bg>
       <p:bgPr>
         <a:blipFill rotWithShape="0">
-          <a:blip r:embed="rId1"/>
+          <a:blip r:embed="rId2"/>
           <a:stretch>
             <a:fillRect/>
           </a:stretch>
         </a:blipFill>
+        <a:effectLst/>
       </p:bgPr>
     </p:bg>
     <p:spTree>
@@ -4082,8 +4517,8 @@
         </p:nvSpPr>
         <p:spPr>
           <a:xfrm rot="20284200">
-            <a:off x="7952040" y="5253840"/>
-            <a:ext cx="2508480" cy="1188720"/>
+            <a:off x="8008997" y="5248036"/>
+            <a:ext cx="2394565" cy="1200329"/>
           </a:xfrm>
           <a:prstGeom prst="rect">
             <a:avLst/>
@@ -4094,15 +4529,22 @@
           </a:ln>
         </p:spPr>
         <p:style>
-          <a:lnRef idx="0"/>
-          <a:fillRef idx="0"/>
-          <a:effectRef idx="0"/>
+          <a:lnRef idx="0">
+            <a:scrgbClr r="0" g="0" b="0"/>
+          </a:lnRef>
+          <a:fillRef idx="0">
+            <a:scrgbClr r="0" g="0" b="0"/>
+          </a:fillRef>
+          <a:effectRef idx="0">
+            <a:scrgbClr r="0" g="0" b="0"/>
+          </a:effectRef>
           <a:fontRef idx="minor"/>
         </p:style>
         <p:txBody>
           <a:bodyPr wrap="none">
             <a:spAutoFit/>
           </a:bodyPr>
+          <a:lstStyle/>
           <a:p>
             <a:pPr algn="ctr">
               <a:lnSpc>
@@ -4110,16 +4552,26 @@
               </a:lnSpc>
             </a:pPr>
             <a:r>
-              <a:rPr b="0" lang="pt-BR" sz="7200" spc="-1" strike="noStrike">
+              <a:rPr lang="pt-BR" sz="7200" b="0" strike="noStrike" spc="-1" dirty="0">
+                <a:ln w="38100">
+                  <a:solidFill>
+                    <a:schemeClr val="tx1"/>
+                  </a:solidFill>
+                </a:ln>
                 <a:solidFill>
-                  <a:srgbClr val="ffff00"/>
+                  <a:srgbClr val="FFFF00"/>
                 </a:solidFill>
                 <a:latin typeface="Cooper Black"/>
                 <a:ea typeface="BatangChe"/>
               </a:rPr>
               <a:t>em...</a:t>
             </a:r>
-            <a:endParaRPr b="0" lang="pt-BR" sz="7200" spc="-1" strike="noStrike">
+            <a:endParaRPr lang="pt-BR" sz="7200" b="0" strike="noStrike" spc="-1" dirty="0">
+              <a:ln w="38100">
+                <a:solidFill>
+                  <a:schemeClr val="tx1"/>
+                </a:solidFill>
+              </a:ln>
               <a:latin typeface="Arial"/>
             </a:endParaRPr>
           </a:p>
@@ -4127,28 +4579,24 @@
       </p:sp>
     </p:spTree>
   </p:cSld>
-  <mc:AlternateContent>
-    <mc:Choice Requires="p14">
-      <p:transition spd="slow" p14:dur="2000"/>
-    </mc:Choice>
-    <mc:Fallback>
-      <p:transition spd="slow"/>
-    </mc:Fallback>
-  </mc:AlternateContent>
+  <p:clrMapOvr>
+    <a:masterClrMapping/>
+  </p:clrMapOvr>
 </p:sld>
 </file>
 
 <file path=ppt/slides/slide10.xml><?xml version="1.0" encoding="utf-8"?>
-<p:sld xmlns:a="http://schemas.openxmlformats.org/drawingml/2006/main" xmlns:p="http://schemas.openxmlformats.org/presentationml/2006/main" xmlns:r="http://schemas.openxmlformats.org/officeDocument/2006/relationships" xmlns:p14="http://schemas.microsoft.com/office/powerpoint/2010/main" xmlns:p15="http://schemas.microsoft.com/office/powerpoint/2012/main" xmlns:mc="http://schemas.openxmlformats.org/markup-compatibility/2006">
+<p:sld xmlns:a="http://schemas.openxmlformats.org/drawingml/2006/main" xmlns:r="http://schemas.openxmlformats.org/officeDocument/2006/relationships" xmlns:p="http://schemas.openxmlformats.org/presentationml/2006/main">
   <p:cSld>
     <p:bg>
       <p:bgPr>
         <a:blipFill rotWithShape="0">
-          <a:blip r:embed="rId1"/>
+          <a:blip r:embed="rId2"/>
           <a:stretch>
             <a:fillRect/>
           </a:stretch>
         </a:blipFill>
+        <a:effectLst/>
       </p:bgPr>
     </p:bg>
     <p:spTree>
@@ -4188,6 +4636,7 @@
           <a:bodyPr anchor="ctr">
             <a:normAutofit/>
           </a:bodyPr>
+          <a:lstStyle/>
           <a:p>
             <a:pPr>
               <a:lnSpc>
@@ -4195,16 +4644,26 @@
               </a:lnSpc>
             </a:pPr>
             <a:r>
-              <a:rPr b="0" lang="pt-BR" sz="6000" spc="-1" strike="noStrike">
+              <a:rPr lang="pt-BR" sz="6000" b="0" strike="noStrike" spc="-1" dirty="0">
+                <a:ln w="38100">
+                  <a:solidFill>
+                    <a:schemeClr val="tx1"/>
+                  </a:solidFill>
+                </a:ln>
                 <a:solidFill>
-                  <a:srgbClr val="ffff00"/>
+                  <a:srgbClr val="FFFF00"/>
                 </a:solidFill>
                 <a:latin typeface="Cooper Black"/>
                 <a:ea typeface="BatangChe"/>
               </a:rPr>
-              <a:t>Distribuição de Pesos</a:t>
-            </a:r>
-            <a:endParaRPr b="0" lang="pt-BR" sz="6000" spc="-1" strike="noStrike">
+              <a:t>Distribuição de Pesos (#)</a:t>
+            </a:r>
+            <a:endParaRPr lang="pt-BR" sz="6000" b="0" strike="noStrike" spc="-1" dirty="0">
+              <a:ln w="38100">
+                <a:solidFill>
+                  <a:schemeClr val="tx1"/>
+                </a:solidFill>
+              </a:ln>
               <a:solidFill>
                 <a:srgbClr val="000000"/>
               </a:solidFill>
@@ -4215,12 +4674,12 @@
       </p:sp>
       <p:pic>
         <p:nvPicPr>
-          <p:cNvPr id="109" name="" descr=""/>
+          <p:cNvPr id="109" name="Imagem 108"/>
           <p:cNvPicPr/>
           <p:nvPr/>
         </p:nvPicPr>
         <p:blipFill>
-          <a:blip r:embed="rId2"/>
+          <a:blip r:embed="rId3"/>
           <a:stretch/>
         </p:blipFill>
         <p:spPr>
@@ -4238,28 +4697,24 @@
       </p:pic>
     </p:spTree>
   </p:cSld>
-  <mc:AlternateContent>
-    <mc:Choice Requires="p14">
-      <p:transition spd="slow" p14:dur="2000"/>
-    </mc:Choice>
-    <mc:Fallback>
-      <p:transition spd="slow"/>
-    </mc:Fallback>
-  </mc:AlternateContent>
+  <p:clrMapOvr>
+    <a:masterClrMapping/>
+  </p:clrMapOvr>
 </p:sld>
 </file>
 
 <file path=ppt/slides/slide11.xml><?xml version="1.0" encoding="utf-8"?>
-<p:sld xmlns:a="http://schemas.openxmlformats.org/drawingml/2006/main" xmlns:p="http://schemas.openxmlformats.org/presentationml/2006/main" xmlns:r="http://schemas.openxmlformats.org/officeDocument/2006/relationships" xmlns:p14="http://schemas.microsoft.com/office/powerpoint/2010/main" xmlns:p15="http://schemas.microsoft.com/office/powerpoint/2012/main" xmlns:mc="http://schemas.openxmlformats.org/markup-compatibility/2006">
+<p:sld xmlns:a="http://schemas.openxmlformats.org/drawingml/2006/main" xmlns:r="http://schemas.openxmlformats.org/officeDocument/2006/relationships" xmlns:p="http://schemas.openxmlformats.org/presentationml/2006/main">
   <p:cSld>
     <p:bg>
       <p:bgPr>
         <a:blipFill rotWithShape="0">
-          <a:blip r:embed="rId1"/>
+          <a:blip r:embed="rId2"/>
           <a:stretch>
             <a:fillRect/>
           </a:stretch>
         </a:blipFill>
+        <a:effectLst/>
       </p:bgPr>
     </p:bg>
     <p:spTree>
@@ -4299,6 +4754,7 @@
           <a:bodyPr anchor="ctr">
             <a:normAutofit/>
           </a:bodyPr>
+          <a:lstStyle/>
           <a:p>
             <a:pPr>
               <a:lnSpc>
@@ -4306,16 +4762,26 @@
               </a:lnSpc>
             </a:pPr>
             <a:r>
-              <a:rPr b="0" lang="pt-BR" sz="6000" spc="-1" strike="noStrike">
+              <a:rPr lang="pt-BR" sz="6000" b="0" strike="noStrike" spc="-1" dirty="0">
+                <a:ln w="38100">
+                  <a:solidFill>
+                    <a:schemeClr val="tx1"/>
+                  </a:solidFill>
+                </a:ln>
                 <a:solidFill>
-                  <a:srgbClr val="ffff00"/>
+                  <a:srgbClr val="FFFF00"/>
                 </a:solidFill>
                 <a:latin typeface="Cooper Black"/>
                 <a:ea typeface="BatangChe"/>
               </a:rPr>
               <a:t>Distribuição de Pesos</a:t>
             </a:r>
-            <a:endParaRPr b="0" lang="pt-BR" sz="6000" spc="-1" strike="noStrike">
+            <a:endParaRPr lang="pt-BR" sz="6000" b="0" strike="noStrike" spc="-1" dirty="0">
+              <a:ln w="38100">
+                <a:solidFill>
+                  <a:schemeClr val="tx1"/>
+                </a:solidFill>
+              </a:ln>
               <a:solidFill>
                 <a:srgbClr val="000000"/>
               </a:solidFill>
@@ -4326,12 +4792,12 @@
       </p:sp>
       <p:pic>
         <p:nvPicPr>
-          <p:cNvPr id="111" name="" descr=""/>
+          <p:cNvPr id="111" name="Imagem 110"/>
           <p:cNvPicPr/>
           <p:nvPr/>
         </p:nvPicPr>
         <p:blipFill>
-          <a:blip r:embed="rId2"/>
+          <a:blip r:embed="rId3"/>
           <a:stretch/>
         </p:blipFill>
         <p:spPr>
@@ -4349,28 +4815,24 @@
       </p:pic>
     </p:spTree>
   </p:cSld>
-  <mc:AlternateContent>
-    <mc:Choice Requires="p14">
-      <p:transition spd="slow" p14:dur="2000"/>
-    </mc:Choice>
-    <mc:Fallback>
-      <p:transition spd="slow"/>
-    </mc:Fallback>
-  </mc:AlternateContent>
+  <p:clrMapOvr>
+    <a:masterClrMapping/>
+  </p:clrMapOvr>
 </p:sld>
 </file>
 
 <file path=ppt/slides/slide12.xml><?xml version="1.0" encoding="utf-8"?>
-<p:sld xmlns:a="http://schemas.openxmlformats.org/drawingml/2006/main" xmlns:p="http://schemas.openxmlformats.org/presentationml/2006/main" xmlns:r="http://schemas.openxmlformats.org/officeDocument/2006/relationships" xmlns:p14="http://schemas.microsoft.com/office/powerpoint/2010/main" xmlns:p15="http://schemas.microsoft.com/office/powerpoint/2012/main" xmlns:mc="http://schemas.openxmlformats.org/markup-compatibility/2006">
+<p:sld xmlns:a="http://schemas.openxmlformats.org/drawingml/2006/main" xmlns:r="http://schemas.openxmlformats.org/officeDocument/2006/relationships" xmlns:p="http://schemas.openxmlformats.org/presentationml/2006/main">
   <p:cSld>
     <p:bg>
       <p:bgPr>
         <a:blipFill rotWithShape="0">
-          <a:blip r:embed="rId1"/>
+          <a:blip r:embed="rId2"/>
           <a:stretch>
             <a:fillRect/>
           </a:stretch>
         </a:blipFill>
+        <a:effectLst/>
       </p:bgPr>
     </p:bg>
     <p:spTree>
@@ -4408,8 +4870,9 @@
         </p:spPr>
         <p:txBody>
           <a:bodyPr anchor="ctr">
-            <a:normAutofit fontScale="66000"/>
-          </a:bodyPr>
+            <a:noAutofit/>
+          </a:bodyPr>
+          <a:lstStyle/>
           <a:p>
             <a:pPr>
               <a:lnSpc>
@@ -4417,16 +4880,56 @@
               </a:lnSpc>
             </a:pPr>
             <a:r>
-              <a:rPr b="0" lang="pt-BR" sz="6000" spc="-1" strike="noStrike">
+              <a:rPr lang="pt-BR" sz="5200" b="0" strike="noStrike" spc="-1" dirty="0">
+                <a:ln w="38100">
+                  <a:solidFill>
+                    <a:schemeClr val="tx1"/>
+                  </a:solidFill>
+                </a:ln>
                 <a:solidFill>
-                  <a:srgbClr val="ffff00"/>
+                  <a:srgbClr val="FFFF00"/>
                 </a:solidFill>
                 <a:latin typeface="Cooper Black"/>
                 <a:ea typeface="BatangChe"/>
               </a:rPr>
-              <a:t>Distribuição dos Coeficientes de Clustering</a:t>
-            </a:r>
-            <a:endParaRPr b="0" lang="pt-BR" sz="6000" spc="-1" strike="noStrike">
+              <a:t>Coeficientes de </a:t>
+            </a:r>
+            <a:r>
+              <a:rPr lang="pt-BR" sz="5200" b="0" strike="noStrike" spc="-1" dirty="0" err="1">
+                <a:ln w="38100">
+                  <a:solidFill>
+                    <a:schemeClr val="tx1"/>
+                  </a:solidFill>
+                </a:ln>
+                <a:solidFill>
+                  <a:srgbClr val="FFFF00"/>
+                </a:solidFill>
+                <a:latin typeface="Cooper Black"/>
+                <a:ea typeface="BatangChe"/>
+              </a:rPr>
+              <a:t>Clustering</a:t>
+            </a:r>
+            <a:r>
+              <a:rPr lang="pt-BR" sz="5200" b="0" strike="noStrike" spc="-1" dirty="0">
+                <a:ln w="38100">
+                  <a:solidFill>
+                    <a:schemeClr val="tx1"/>
+                  </a:solidFill>
+                </a:ln>
+                <a:solidFill>
+                  <a:srgbClr val="FFFF00"/>
+                </a:solidFill>
+                <a:latin typeface="Cooper Black"/>
+                <a:ea typeface="BatangChe"/>
+              </a:rPr>
+              <a:t> (#)</a:t>
+            </a:r>
+            <a:endParaRPr lang="pt-BR" sz="5200" b="0" strike="noStrike" spc="-1" dirty="0">
+              <a:ln w="38100">
+                <a:solidFill>
+                  <a:schemeClr val="tx1"/>
+                </a:solidFill>
+              </a:ln>
               <a:solidFill>
                 <a:srgbClr val="000000"/>
               </a:solidFill>
@@ -4437,12 +4940,12 @@
       </p:sp>
       <p:pic>
         <p:nvPicPr>
-          <p:cNvPr id="113" name="" descr=""/>
+          <p:cNvPr id="113" name="Imagem 112"/>
           <p:cNvPicPr/>
           <p:nvPr/>
         </p:nvPicPr>
         <p:blipFill>
-          <a:blip r:embed="rId2"/>
+          <a:blip r:embed="rId3"/>
           <a:stretch/>
         </p:blipFill>
         <p:spPr>
@@ -4460,28 +4963,24 @@
       </p:pic>
     </p:spTree>
   </p:cSld>
-  <mc:AlternateContent>
-    <mc:Choice Requires="p14">
-      <p:transition spd="slow" p14:dur="2000"/>
-    </mc:Choice>
-    <mc:Fallback>
-      <p:transition spd="slow"/>
-    </mc:Fallback>
-  </mc:AlternateContent>
+  <p:clrMapOvr>
+    <a:masterClrMapping/>
+  </p:clrMapOvr>
 </p:sld>
 </file>
 
 <file path=ppt/slides/slide13.xml><?xml version="1.0" encoding="utf-8"?>
-<p:sld xmlns:a="http://schemas.openxmlformats.org/drawingml/2006/main" xmlns:p="http://schemas.openxmlformats.org/presentationml/2006/main" xmlns:r="http://schemas.openxmlformats.org/officeDocument/2006/relationships" xmlns:p14="http://schemas.microsoft.com/office/powerpoint/2010/main" xmlns:p15="http://schemas.microsoft.com/office/powerpoint/2012/main" xmlns:mc="http://schemas.openxmlformats.org/markup-compatibility/2006">
+<p:sld xmlns:a="http://schemas.openxmlformats.org/drawingml/2006/main" xmlns:r="http://schemas.openxmlformats.org/officeDocument/2006/relationships" xmlns:p="http://schemas.openxmlformats.org/presentationml/2006/main">
   <p:cSld>
     <p:bg>
       <p:bgPr>
         <a:blipFill rotWithShape="0">
-          <a:blip r:embed="rId1"/>
+          <a:blip r:embed="rId2"/>
           <a:stretch>
             <a:fillRect/>
           </a:stretch>
         </a:blipFill>
+        <a:effectLst/>
       </p:bgPr>
     </p:bg>
     <p:spTree>
@@ -4519,8 +5018,9 @@
         </p:spPr>
         <p:txBody>
           <a:bodyPr anchor="ctr">
-            <a:normAutofit fontScale="66000"/>
-          </a:bodyPr>
+            <a:normAutofit fontScale="96000"/>
+          </a:bodyPr>
+          <a:lstStyle/>
           <a:p>
             <a:pPr>
               <a:lnSpc>
@@ -4528,16 +5028,41 @@
               </a:lnSpc>
             </a:pPr>
             <a:r>
-              <a:rPr b="0" lang="pt-BR" sz="6000" spc="-1" strike="noStrike">
+              <a:rPr lang="pt-BR" sz="5400" b="0" strike="noStrike" spc="-1" dirty="0">
+                <a:ln w="38100">
+                  <a:solidFill>
+                    <a:schemeClr val="tx1"/>
+                  </a:solidFill>
+                </a:ln>
                 <a:solidFill>
-                  <a:srgbClr val="ffff00"/>
+                  <a:srgbClr val="FFFF00"/>
                 </a:solidFill>
                 <a:latin typeface="Cooper Black"/>
                 <a:ea typeface="BatangChe"/>
               </a:rPr>
-              <a:t>Distribuição dos Coeficientes de Clustering</a:t>
-            </a:r>
-            <a:endParaRPr b="0" lang="pt-BR" sz="6000" spc="-1" strike="noStrike">
+              <a:t>Coeficientes de </a:t>
+            </a:r>
+            <a:r>
+              <a:rPr lang="pt-BR" sz="5400" b="0" strike="noStrike" spc="-1" dirty="0" err="1">
+                <a:ln w="38100">
+                  <a:solidFill>
+                    <a:schemeClr val="tx1"/>
+                  </a:solidFill>
+                </a:ln>
+                <a:solidFill>
+                  <a:srgbClr val="FFFF00"/>
+                </a:solidFill>
+                <a:latin typeface="Cooper Black"/>
+                <a:ea typeface="BatangChe"/>
+              </a:rPr>
+              <a:t>Clustering</a:t>
+            </a:r>
+            <a:endParaRPr lang="pt-BR" sz="5400" b="0" strike="noStrike" spc="-1" dirty="0">
+              <a:ln w="38100">
+                <a:solidFill>
+                  <a:schemeClr val="tx1"/>
+                </a:solidFill>
+              </a:ln>
               <a:solidFill>
                 <a:srgbClr val="000000"/>
               </a:solidFill>
@@ -4548,12 +5073,12 @@
       </p:sp>
       <p:pic>
         <p:nvPicPr>
-          <p:cNvPr id="115" name="" descr=""/>
+          <p:cNvPr id="115" name="Imagem 114"/>
           <p:cNvPicPr/>
           <p:nvPr/>
         </p:nvPicPr>
         <p:blipFill>
-          <a:blip r:embed="rId2"/>
+          <a:blip r:embed="rId3"/>
           <a:stretch/>
         </p:blipFill>
         <p:spPr>
@@ -4571,28 +5096,24 @@
       </p:pic>
     </p:spTree>
   </p:cSld>
-  <mc:AlternateContent>
-    <mc:Choice Requires="p14">
-      <p:transition spd="slow" p14:dur="2000"/>
-    </mc:Choice>
-    <mc:Fallback>
-      <p:transition spd="slow"/>
-    </mc:Fallback>
-  </mc:AlternateContent>
+  <p:clrMapOvr>
+    <a:masterClrMapping/>
+  </p:clrMapOvr>
 </p:sld>
 </file>
 
 <file path=ppt/slides/slide14.xml><?xml version="1.0" encoding="utf-8"?>
-<p:sld xmlns:a="http://schemas.openxmlformats.org/drawingml/2006/main" xmlns:p="http://schemas.openxmlformats.org/presentationml/2006/main" xmlns:r="http://schemas.openxmlformats.org/officeDocument/2006/relationships" xmlns:p14="http://schemas.microsoft.com/office/powerpoint/2010/main" xmlns:p15="http://schemas.microsoft.com/office/powerpoint/2012/main" xmlns:mc="http://schemas.openxmlformats.org/markup-compatibility/2006">
+<p:sld xmlns:a="http://schemas.openxmlformats.org/drawingml/2006/main" xmlns:r="http://schemas.openxmlformats.org/officeDocument/2006/relationships" xmlns:p="http://schemas.openxmlformats.org/presentationml/2006/main">
   <p:cSld>
     <p:bg>
       <p:bgPr>
         <a:blipFill rotWithShape="0">
-          <a:blip r:embed="rId1"/>
+          <a:blip r:embed="rId2"/>
           <a:stretch>
             <a:fillRect/>
           </a:stretch>
         </a:blipFill>
+        <a:effectLst/>
       </p:bgPr>
     </p:bg>
     <p:spTree>
@@ -4617,8 +5138,8 @@
         </p:nvSpPr>
         <p:spPr>
           <a:xfrm>
-            <a:off x="1676520" y="365040"/>
-            <a:ext cx="10516320" cy="1325160"/>
+            <a:off x="452762" y="365040"/>
+            <a:ext cx="11740080" cy="1325160"/>
           </a:xfrm>
           <a:prstGeom prst="rect">
             <a:avLst/>
@@ -4630,8 +5151,9 @@
         </p:spPr>
         <p:txBody>
           <a:bodyPr anchor="ctr">
-            <a:normAutofit fontScale="35000"/>
-          </a:bodyPr>
+            <a:noAutofit/>
+          </a:bodyPr>
+          <a:lstStyle/>
           <a:p>
             <a:pPr>
               <a:lnSpc>
@@ -4639,16 +5161,41 @@
               </a:lnSpc>
             </a:pPr>
             <a:r>
-              <a:rPr b="0" lang="pt-BR" sz="6000" spc="-1" strike="noStrike">
+              <a:rPr lang="pt-BR" sz="5200" b="0" strike="noStrike" spc="-1" dirty="0">
+                <a:ln w="38100">
+                  <a:solidFill>
+                    <a:schemeClr val="tx1"/>
+                  </a:solidFill>
+                </a:ln>
                 <a:solidFill>
-                  <a:srgbClr val="ffff00"/>
+                  <a:srgbClr val="FFFF00"/>
                 </a:solidFill>
                 <a:latin typeface="Cooper Black"/>
                 <a:ea typeface="BatangChe"/>
               </a:rPr>
-              <a:t>Distribuição de Grau – Comparação com um grafo de Erdös-Rénye</a:t>
-            </a:r>
-            <a:endParaRPr b="0" lang="pt-BR" sz="6000" spc="-1" strike="noStrike">
+              <a:t>(#) Comparação com </a:t>
+            </a:r>
+            <a:r>
+              <a:rPr lang="pt-BR" sz="5200" b="0" strike="noStrike" spc="-1" dirty="0" err="1">
+                <a:ln w="38100">
+                  <a:solidFill>
+                    <a:schemeClr val="tx1"/>
+                  </a:solidFill>
+                </a:ln>
+                <a:solidFill>
+                  <a:srgbClr val="FFFF00"/>
+                </a:solidFill>
+                <a:latin typeface="Cooper Black"/>
+                <a:ea typeface="BatangChe"/>
+              </a:rPr>
+              <a:t>Erdös-Rénye</a:t>
+            </a:r>
+            <a:endParaRPr lang="pt-BR" sz="5200" b="0" strike="noStrike" spc="-1" dirty="0">
+              <a:ln w="38100">
+                <a:solidFill>
+                  <a:schemeClr val="tx1"/>
+                </a:solidFill>
+              </a:ln>
               <a:solidFill>
                 <a:srgbClr val="000000"/>
               </a:solidFill>
@@ -4659,12 +5206,12 @@
       </p:sp>
       <p:pic>
         <p:nvPicPr>
-          <p:cNvPr id="117" name="" descr=""/>
+          <p:cNvPr id="117" name="Imagem 116"/>
           <p:cNvPicPr/>
           <p:nvPr/>
         </p:nvPicPr>
         <p:blipFill>
-          <a:blip r:embed="rId2"/>
+          <a:blip r:embed="rId3"/>
           <a:stretch/>
         </p:blipFill>
         <p:spPr>
@@ -4682,28 +5229,24 @@
       </p:pic>
     </p:spTree>
   </p:cSld>
-  <mc:AlternateContent>
-    <mc:Choice Requires="p14">
-      <p:transition spd="slow" p14:dur="2000"/>
-    </mc:Choice>
-    <mc:Fallback>
-      <p:transition spd="slow"/>
-    </mc:Fallback>
-  </mc:AlternateContent>
+  <p:clrMapOvr>
+    <a:masterClrMapping/>
+  </p:clrMapOvr>
 </p:sld>
 </file>
 
 <file path=ppt/slides/slide15.xml><?xml version="1.0" encoding="utf-8"?>
-<p:sld xmlns:a="http://schemas.openxmlformats.org/drawingml/2006/main" xmlns:p="http://schemas.openxmlformats.org/presentationml/2006/main" xmlns:r="http://schemas.openxmlformats.org/officeDocument/2006/relationships" xmlns:p14="http://schemas.microsoft.com/office/powerpoint/2010/main" xmlns:p15="http://schemas.microsoft.com/office/powerpoint/2012/main" xmlns:mc="http://schemas.openxmlformats.org/markup-compatibility/2006">
+<p:sld xmlns:a="http://schemas.openxmlformats.org/drawingml/2006/main" xmlns:r="http://schemas.openxmlformats.org/officeDocument/2006/relationships" xmlns:p="http://schemas.openxmlformats.org/presentationml/2006/main">
   <p:cSld>
     <p:bg>
       <p:bgPr>
         <a:blipFill rotWithShape="0">
-          <a:blip r:embed="rId1"/>
+          <a:blip r:embed="rId2"/>
           <a:stretch>
             <a:fillRect/>
           </a:stretch>
         </a:blipFill>
+        <a:effectLst/>
       </p:bgPr>
     </p:bg>
     <p:spTree>
@@ -4741,8 +5284,9 @@
         </p:spPr>
         <p:txBody>
           <a:bodyPr anchor="ctr">
-            <a:normAutofit fontScale="35000"/>
-          </a:bodyPr>
+            <a:noAutofit/>
+          </a:bodyPr>
+          <a:lstStyle/>
           <a:p>
             <a:pPr>
               <a:lnSpc>
@@ -4750,16 +5294,41 @@
               </a:lnSpc>
             </a:pPr>
             <a:r>
-              <a:rPr b="0" lang="pt-BR" sz="6000" spc="-1" strike="noStrike">
+              <a:rPr lang="pt-BR" sz="5200" b="0" strike="noStrike" spc="-1" dirty="0">
+                <a:ln w="38100">
+                  <a:solidFill>
+                    <a:schemeClr val="tx1"/>
+                  </a:solidFill>
+                </a:ln>
                 <a:solidFill>
-                  <a:srgbClr val="ffff00"/>
+                  <a:srgbClr val="FFFF00"/>
                 </a:solidFill>
                 <a:latin typeface="Cooper Black"/>
                 <a:ea typeface="BatangChe"/>
               </a:rPr>
-              <a:t>Distribuição de Grau – Comparação com um grafo de Erdös-Rénye</a:t>
-            </a:r>
-            <a:endParaRPr b="0" lang="pt-BR" sz="6000" spc="-1" strike="noStrike">
+              <a:t>Comparação com </a:t>
+            </a:r>
+            <a:r>
+              <a:rPr lang="pt-BR" sz="5200" b="0" strike="noStrike" spc="-1" dirty="0" err="1">
+                <a:ln w="38100">
+                  <a:solidFill>
+                    <a:schemeClr val="tx1"/>
+                  </a:solidFill>
+                </a:ln>
+                <a:solidFill>
+                  <a:srgbClr val="FFFF00"/>
+                </a:solidFill>
+                <a:latin typeface="Cooper Black"/>
+                <a:ea typeface="BatangChe"/>
+              </a:rPr>
+              <a:t>Erdös-Rénye</a:t>
+            </a:r>
+            <a:endParaRPr lang="pt-BR" sz="5200" b="0" strike="noStrike" spc="-1" dirty="0">
+              <a:ln w="38100">
+                <a:solidFill>
+                  <a:schemeClr val="tx1"/>
+                </a:solidFill>
+              </a:ln>
               <a:solidFill>
                 <a:srgbClr val="000000"/>
               </a:solidFill>
@@ -4770,12 +5339,12 @@
       </p:sp>
       <p:pic>
         <p:nvPicPr>
-          <p:cNvPr id="119" name="" descr=""/>
+          <p:cNvPr id="119" name="Imagem 118"/>
           <p:cNvPicPr/>
           <p:nvPr/>
         </p:nvPicPr>
         <p:blipFill>
-          <a:blip r:embed="rId2"/>
+          <a:blip r:embed="rId3"/>
           <a:stretch/>
         </p:blipFill>
         <p:spPr>
@@ -4793,28 +5362,24 @@
       </p:pic>
     </p:spTree>
   </p:cSld>
-  <mc:AlternateContent>
-    <mc:Choice Requires="p14">
-      <p:transition spd="slow" p14:dur="2000"/>
-    </mc:Choice>
-    <mc:Fallback>
-      <p:transition spd="slow"/>
-    </mc:Fallback>
-  </mc:AlternateContent>
+  <p:clrMapOvr>
+    <a:masterClrMapping/>
+  </p:clrMapOvr>
 </p:sld>
 </file>
 
 <file path=ppt/slides/slide16.xml><?xml version="1.0" encoding="utf-8"?>
-<p:sld xmlns:a="http://schemas.openxmlformats.org/drawingml/2006/main" xmlns:p="http://schemas.openxmlformats.org/presentationml/2006/main" xmlns:r="http://schemas.openxmlformats.org/officeDocument/2006/relationships" xmlns:p14="http://schemas.microsoft.com/office/powerpoint/2010/main" xmlns:p15="http://schemas.microsoft.com/office/powerpoint/2012/main" xmlns:mc="http://schemas.openxmlformats.org/markup-compatibility/2006">
+<p:sld xmlns:a="http://schemas.openxmlformats.org/drawingml/2006/main" xmlns:r="http://schemas.openxmlformats.org/officeDocument/2006/relationships" xmlns:p="http://schemas.openxmlformats.org/presentationml/2006/main">
   <p:cSld>
     <p:bg>
       <p:bgPr>
         <a:blipFill rotWithShape="0">
-          <a:blip r:embed="rId1"/>
+          <a:blip r:embed="rId2"/>
           <a:stretch>
             <a:fillRect/>
           </a:stretch>
         </a:blipFill>
+        <a:effectLst/>
       </p:bgPr>
     </p:bg>
     <p:spTree>
@@ -4854,6 +5419,7 @@
           <a:bodyPr anchor="ctr">
             <a:normAutofit/>
           </a:bodyPr>
+          <a:lstStyle/>
           <a:p>
             <a:pPr algn="r">
               <a:lnSpc>
@@ -4861,16 +5427,26 @@
               </a:lnSpc>
             </a:pPr>
             <a:r>
-              <a:rPr b="0" lang="pt-BR" sz="6000" spc="-1" strike="noStrike">
+              <a:rPr lang="pt-BR" sz="6000" b="0" strike="noStrike" spc="-1" dirty="0">
+                <a:ln w="38100">
+                  <a:solidFill>
+                    <a:schemeClr val="tx1"/>
+                  </a:solidFill>
+                </a:ln>
                 <a:solidFill>
-                  <a:srgbClr val="ffff00"/>
+                  <a:srgbClr val="FFFF00"/>
                 </a:solidFill>
                 <a:latin typeface="Cooper Black"/>
                 <a:ea typeface="BatangChe"/>
               </a:rPr>
               <a:t>Maiores Hubs</a:t>
             </a:r>
-            <a:endParaRPr b="0" lang="pt-BR" sz="6000" spc="-1" strike="noStrike">
+            <a:endParaRPr lang="pt-BR" sz="6000" b="0" strike="noStrike" spc="-1" dirty="0">
+              <a:ln w="38100">
+                <a:solidFill>
+                  <a:schemeClr val="tx1"/>
+                </a:solidFill>
+              </a:ln>
               <a:solidFill>
                 <a:srgbClr val="000000"/>
               </a:solidFill>
@@ -4881,120 +5457,566 @@
       </p:sp>
       <p:pic>
         <p:nvPicPr>
-          <p:cNvPr id="121" name="" descr=""/>
-          <p:cNvPicPr/>
+          <p:cNvPr id="3" name="Imagem 2" descr="Desenho de animal com corpo de desenho animado&#10;&#10;Descrição gerada automaticamente com confiança média">
+            <a:extLst>
+              <a:ext uri="{FF2B5EF4-FFF2-40B4-BE49-F238E27FC236}">
+                <a16:creationId xmlns:a16="http://schemas.microsoft.com/office/drawing/2014/main" id="{2788E56A-3FFB-47DF-B9FB-73E0EDC1755E}"/>
+              </a:ext>
+            </a:extLst>
+          </p:cNvPr>
+          <p:cNvPicPr>
+            <a:picLocks noChangeAspect="1"/>
+          </p:cNvPicPr>
           <p:nvPr/>
         </p:nvPicPr>
         <p:blipFill>
-          <a:blip r:embed="rId2"/>
-          <a:stretch/>
+          <a:blip r:embed="rId3">
+            <a:extLst>
+              <a:ext uri="{28A0092B-C50C-407E-A947-70E740481C1C}">
+                <a14:useLocalDpi xmlns:a14="http://schemas.microsoft.com/office/drawing/2010/main" val="0"/>
+              </a:ext>
+            </a:extLst>
+          </a:blip>
+          <a:stretch>
+            <a:fillRect/>
+          </a:stretch>
         </p:blipFill>
         <p:spPr>
           <a:xfrm>
-            <a:off x="3221280" y="1697040"/>
-            <a:ext cx="2682720" cy="4350960"/>
-          </a:xfrm>
-          <a:prstGeom prst="rect">
-            <a:avLst/>
-          </a:prstGeom>
-          <a:ln>
-            <a:noFill/>
-          </a:ln>
+            <a:off x="4061091" y="1814005"/>
+            <a:ext cx="1104920" cy="2174033"/>
+          </a:xfrm>
+          <a:prstGeom prst="rect">
+            <a:avLst/>
+          </a:prstGeom>
         </p:spPr>
       </p:pic>
       <p:pic>
         <p:nvPicPr>
-          <p:cNvPr id="122" name="" descr=""/>
-          <p:cNvPicPr/>
+          <p:cNvPr id="5" name="Imagem 4" descr="Desenho de personagem de desenho animado&#10;&#10;Descrição gerada automaticamente com confiança média">
+            <a:extLst>
+              <a:ext uri="{FF2B5EF4-FFF2-40B4-BE49-F238E27FC236}">
+                <a16:creationId xmlns:a16="http://schemas.microsoft.com/office/drawing/2014/main" id="{F55F8E4A-A061-4C32-9F6F-4EFF2BE17A55}"/>
+              </a:ext>
+            </a:extLst>
+          </p:cNvPr>
+          <p:cNvPicPr>
+            <a:picLocks noChangeAspect="1"/>
+          </p:cNvPicPr>
           <p:nvPr/>
         </p:nvPicPr>
         <p:blipFill>
-          <a:blip r:embed="rId3"/>
-          <a:stretch/>
+          <a:blip r:embed="rId4">
+            <a:extLst>
+              <a:ext uri="{28A0092B-C50C-407E-A947-70E740481C1C}">
+                <a14:useLocalDpi xmlns:a14="http://schemas.microsoft.com/office/drawing/2010/main" val="0"/>
+              </a:ext>
+            </a:extLst>
+          </a:blip>
+          <a:stretch>
+            <a:fillRect/>
+          </a:stretch>
         </p:blipFill>
         <p:spPr>
           <a:xfrm>
-            <a:off x="413280" y="1697040"/>
-            <a:ext cx="2682720" cy="4350960"/>
-          </a:xfrm>
-          <a:prstGeom prst="rect">
-            <a:avLst/>
-          </a:prstGeom>
-          <a:ln>
-            <a:noFill/>
-          </a:ln>
+            <a:off x="8970893" y="2008890"/>
+            <a:ext cx="1220672" cy="1979148"/>
+          </a:xfrm>
+          <a:prstGeom prst="rect">
+            <a:avLst/>
+          </a:prstGeom>
         </p:spPr>
       </p:pic>
       <p:pic>
         <p:nvPicPr>
-          <p:cNvPr id="123" name="" descr=""/>
-          <p:cNvPicPr/>
+          <p:cNvPr id="7" name="Imagem 6" descr="Desenho de um cachorro&#10;&#10;Descrição gerada automaticamente com confiança média">
+            <a:extLst>
+              <a:ext uri="{FF2B5EF4-FFF2-40B4-BE49-F238E27FC236}">
+                <a16:creationId xmlns:a16="http://schemas.microsoft.com/office/drawing/2014/main" id="{AC6C8BE0-8259-4A89-BA1D-5F6DAEFB4323}"/>
+              </a:ext>
+            </a:extLst>
+          </p:cNvPr>
+          <p:cNvPicPr>
+            <a:picLocks noChangeAspect="1"/>
+          </p:cNvPicPr>
           <p:nvPr/>
         </p:nvPicPr>
         <p:blipFill>
-          <a:blip r:embed="rId4"/>
-          <a:stretch/>
+          <a:blip r:embed="rId5">
+            <a:extLst>
+              <a:ext uri="{28A0092B-C50C-407E-A947-70E740481C1C}">
+                <a14:useLocalDpi xmlns:a14="http://schemas.microsoft.com/office/drawing/2010/main" val="0"/>
+              </a:ext>
+            </a:extLst>
+          </a:blip>
+          <a:stretch>
+            <a:fillRect/>
+          </a:stretch>
         </p:blipFill>
         <p:spPr>
           <a:xfrm>
-            <a:off x="6245280" y="1872000"/>
-            <a:ext cx="2682720" cy="4350960"/>
-          </a:xfrm>
-          <a:prstGeom prst="rect">
-            <a:avLst/>
-          </a:prstGeom>
-          <a:ln>
-            <a:noFill/>
-          </a:ln>
+            <a:off x="3840192" y="4728900"/>
+            <a:ext cx="1325819" cy="1753028"/>
+          </a:xfrm>
+          <a:prstGeom prst="rect">
+            <a:avLst/>
+          </a:prstGeom>
         </p:spPr>
       </p:pic>
       <p:pic>
         <p:nvPicPr>
-          <p:cNvPr id="124" name="" descr=""/>
-          <p:cNvPicPr/>
+          <p:cNvPr id="9" name="Imagem 8">
+            <a:extLst>
+              <a:ext uri="{FF2B5EF4-FFF2-40B4-BE49-F238E27FC236}">
+                <a16:creationId xmlns:a16="http://schemas.microsoft.com/office/drawing/2014/main" id="{B21AF80C-0AEF-492A-B12F-175B280AE467}"/>
+              </a:ext>
+            </a:extLst>
+          </p:cNvPr>
+          <p:cNvPicPr>
+            <a:picLocks noChangeAspect="1"/>
+          </p:cNvPicPr>
           <p:nvPr/>
         </p:nvPicPr>
         <p:blipFill>
-          <a:blip r:embed="rId5"/>
-          <a:stretch/>
+          <a:blip r:embed="rId6"/>
+          <a:stretch>
+            <a:fillRect/>
+          </a:stretch>
         </p:blipFill>
         <p:spPr>
           <a:xfrm>
-            <a:off x="9053280" y="2952000"/>
-            <a:ext cx="2034720" cy="3300120"/>
-          </a:xfrm>
-          <a:prstGeom prst="rect">
-            <a:avLst/>
-          </a:prstGeom>
+            <a:off x="9081263" y="5286101"/>
+            <a:ext cx="999932" cy="1216219"/>
+          </a:xfrm>
+          <a:prstGeom prst="rect">
+            <a:avLst/>
+          </a:prstGeom>
+        </p:spPr>
+      </p:pic>
+      <p:sp>
+        <p:nvSpPr>
+          <p:cNvPr id="11" name="Balão de Pensamento: Nuvem 10">
+            <a:extLst>
+              <a:ext uri="{FF2B5EF4-FFF2-40B4-BE49-F238E27FC236}">
+                <a16:creationId xmlns:a16="http://schemas.microsoft.com/office/drawing/2014/main" id="{5CE59EC0-3E97-4028-A7E4-5154FE21FC09}"/>
+              </a:ext>
+            </a:extLst>
+          </p:cNvPr>
+          <p:cNvSpPr/>
+          <p:nvPr/>
+        </p:nvSpPr>
+        <p:spPr>
+          <a:xfrm rot="20910315" flipH="1">
+            <a:off x="981607" y="1862783"/>
+            <a:ext cx="2698812" cy="1875153"/>
+          </a:xfrm>
+          <a:prstGeom prst="cloudCallout">
+            <a:avLst/>
+          </a:prstGeom>
+          <a:solidFill>
+            <a:schemeClr val="bg1"/>
+          </a:solidFill>
           <a:ln>
-            <a:noFill/>
+            <a:solidFill>
+              <a:schemeClr val="tx1"/>
+            </a:solidFill>
           </a:ln>
         </p:spPr>
-      </p:pic>
+        <p:style>
+          <a:lnRef idx="2">
+            <a:schemeClr val="accent1">
+              <a:shade val="50000"/>
+            </a:schemeClr>
+          </a:lnRef>
+          <a:fillRef idx="1">
+            <a:schemeClr val="accent1"/>
+          </a:fillRef>
+          <a:effectRef idx="0">
+            <a:schemeClr val="accent1"/>
+          </a:effectRef>
+          <a:fontRef idx="minor">
+            <a:schemeClr val="lt1"/>
+          </a:fontRef>
+        </p:style>
+        <p:txBody>
+          <a:bodyPr rtlCol="0" anchor="ctr"/>
+          <a:lstStyle/>
+          <a:p>
+            <a:pPr algn="ctr"/>
+            <a:endParaRPr lang="pt-BR" dirty="0"/>
+          </a:p>
+        </p:txBody>
+      </p:sp>
+      <p:sp>
+        <p:nvSpPr>
+          <p:cNvPr id="17" name="Balão de Pensamento: Nuvem 16">
+            <a:extLst>
+              <a:ext uri="{FF2B5EF4-FFF2-40B4-BE49-F238E27FC236}">
+                <a16:creationId xmlns:a16="http://schemas.microsoft.com/office/drawing/2014/main" id="{02E6A112-4238-43E0-9F3C-DEAF76CE7D6C}"/>
+              </a:ext>
+            </a:extLst>
+          </p:cNvPr>
+          <p:cNvSpPr/>
+          <p:nvPr/>
+        </p:nvSpPr>
+        <p:spPr>
+          <a:xfrm rot="20910315" flipH="1">
+            <a:off x="6112308" y="1860594"/>
+            <a:ext cx="2698812" cy="1875153"/>
+          </a:xfrm>
+          <a:prstGeom prst="cloudCallout">
+            <a:avLst/>
+          </a:prstGeom>
+          <a:solidFill>
+            <a:schemeClr val="bg1"/>
+          </a:solidFill>
+          <a:ln>
+            <a:solidFill>
+              <a:schemeClr val="tx1"/>
+            </a:solidFill>
+          </a:ln>
+        </p:spPr>
+        <p:style>
+          <a:lnRef idx="2">
+            <a:schemeClr val="accent1">
+              <a:shade val="50000"/>
+            </a:schemeClr>
+          </a:lnRef>
+          <a:fillRef idx="1">
+            <a:schemeClr val="accent1"/>
+          </a:fillRef>
+          <a:effectRef idx="0">
+            <a:schemeClr val="accent1"/>
+          </a:effectRef>
+          <a:fontRef idx="minor">
+            <a:schemeClr val="lt1"/>
+          </a:fontRef>
+        </p:style>
+        <p:txBody>
+          <a:bodyPr rtlCol="0" anchor="ctr"/>
+          <a:lstStyle/>
+          <a:p>
+            <a:pPr algn="ctr"/>
+            <a:endParaRPr lang="pt-BR"/>
+          </a:p>
+        </p:txBody>
+      </p:sp>
+      <p:sp>
+        <p:nvSpPr>
+          <p:cNvPr id="18" name="Balão de Pensamento: Nuvem 17">
+            <a:extLst>
+              <a:ext uri="{FF2B5EF4-FFF2-40B4-BE49-F238E27FC236}">
+                <a16:creationId xmlns:a16="http://schemas.microsoft.com/office/drawing/2014/main" id="{686B086F-670E-47D2-BC62-709EA62D3627}"/>
+              </a:ext>
+            </a:extLst>
+          </p:cNvPr>
+          <p:cNvSpPr/>
+          <p:nvPr/>
+        </p:nvSpPr>
+        <p:spPr>
+          <a:xfrm rot="20910315" flipH="1">
+            <a:off x="981606" y="4377065"/>
+            <a:ext cx="2698812" cy="1875153"/>
+          </a:xfrm>
+          <a:prstGeom prst="cloudCallout">
+            <a:avLst/>
+          </a:prstGeom>
+          <a:solidFill>
+            <a:schemeClr val="bg1"/>
+          </a:solidFill>
+          <a:ln>
+            <a:solidFill>
+              <a:schemeClr val="tx1"/>
+            </a:solidFill>
+          </a:ln>
+        </p:spPr>
+        <p:style>
+          <a:lnRef idx="2">
+            <a:schemeClr val="accent1">
+              <a:shade val="50000"/>
+            </a:schemeClr>
+          </a:lnRef>
+          <a:fillRef idx="1">
+            <a:schemeClr val="accent1"/>
+          </a:fillRef>
+          <a:effectRef idx="0">
+            <a:schemeClr val="accent1"/>
+          </a:effectRef>
+          <a:fontRef idx="minor">
+            <a:schemeClr val="lt1"/>
+          </a:fontRef>
+        </p:style>
+        <p:txBody>
+          <a:bodyPr rtlCol="0" anchor="ctr"/>
+          <a:lstStyle/>
+          <a:p>
+            <a:pPr algn="ctr"/>
+            <a:endParaRPr lang="pt-BR"/>
+          </a:p>
+        </p:txBody>
+      </p:sp>
+      <p:sp>
+        <p:nvSpPr>
+          <p:cNvPr id="19" name="Balão de Pensamento: Nuvem 18">
+            <a:extLst>
+              <a:ext uri="{FF2B5EF4-FFF2-40B4-BE49-F238E27FC236}">
+                <a16:creationId xmlns:a16="http://schemas.microsoft.com/office/drawing/2014/main" id="{3551B729-361E-4138-9B90-7A5905FD65A6}"/>
+              </a:ext>
+            </a:extLst>
+          </p:cNvPr>
+          <p:cNvSpPr/>
+          <p:nvPr/>
+        </p:nvSpPr>
+        <p:spPr>
+          <a:xfrm rot="20910315" flipH="1">
+            <a:off x="6112307" y="4377064"/>
+            <a:ext cx="2698812" cy="1875153"/>
+          </a:xfrm>
+          <a:prstGeom prst="cloudCallout">
+            <a:avLst/>
+          </a:prstGeom>
+          <a:solidFill>
+            <a:schemeClr val="bg1"/>
+          </a:solidFill>
+          <a:ln>
+            <a:solidFill>
+              <a:schemeClr val="tx1"/>
+            </a:solidFill>
+          </a:ln>
+        </p:spPr>
+        <p:style>
+          <a:lnRef idx="2">
+            <a:schemeClr val="accent1">
+              <a:shade val="50000"/>
+            </a:schemeClr>
+          </a:lnRef>
+          <a:fillRef idx="1">
+            <a:schemeClr val="accent1"/>
+          </a:fillRef>
+          <a:effectRef idx="0">
+            <a:schemeClr val="accent1"/>
+          </a:effectRef>
+          <a:fontRef idx="minor">
+            <a:schemeClr val="lt1"/>
+          </a:fontRef>
+        </p:style>
+        <p:txBody>
+          <a:bodyPr rtlCol="0" anchor="ctr"/>
+          <a:lstStyle/>
+          <a:p>
+            <a:pPr algn="ctr"/>
+            <a:endParaRPr lang="pt-BR"/>
+          </a:p>
+        </p:txBody>
+      </p:sp>
+      <p:sp>
+        <p:nvSpPr>
+          <p:cNvPr id="12" name="CaixaDeTexto 11">
+            <a:extLst>
+              <a:ext uri="{FF2B5EF4-FFF2-40B4-BE49-F238E27FC236}">
+                <a16:creationId xmlns:a16="http://schemas.microsoft.com/office/drawing/2014/main" id="{A3091F65-0B38-4FF2-A6D5-45CE66007B6F}"/>
+              </a:ext>
+            </a:extLst>
+          </p:cNvPr>
+          <p:cNvSpPr txBox="1"/>
+          <p:nvPr/>
+        </p:nvSpPr>
+        <p:spPr>
+          <a:xfrm>
+            <a:off x="1180730" y="2475004"/>
+            <a:ext cx="2093838" cy="584775"/>
+          </a:xfrm>
+          <a:prstGeom prst="rect">
+            <a:avLst/>
+          </a:prstGeom>
+          <a:noFill/>
+        </p:spPr>
+        <p:txBody>
+          <a:bodyPr wrap="square" rtlCol="0">
+            <a:spAutoFit/>
+          </a:bodyPr>
+          <a:lstStyle/>
+          <a:p>
+            <a:pPr algn="ctr"/>
+            <a:r>
+              <a:rPr lang="pt-BR" sz="1600" dirty="0">
+                <a:latin typeface="Comic Sans MS" panose="030F0702030302020204" pitchFamily="66" charset="0"/>
+              </a:rPr>
+              <a:t>#D: 151, #W: 875</a:t>
+            </a:r>
+          </a:p>
+          <a:p>
+            <a:pPr algn="ctr"/>
+            <a:r>
+              <a:rPr lang="pt-BR" sz="1600" dirty="0">
+                <a:latin typeface="Comic Sans MS" panose="030F0702030302020204" pitchFamily="66" charset="0"/>
+              </a:rPr>
+              <a:t>D: 78, W: 705</a:t>
+            </a:r>
+          </a:p>
+        </p:txBody>
+      </p:sp>
+      <p:sp>
+        <p:nvSpPr>
+          <p:cNvPr id="21" name="CaixaDeTexto 20">
+            <a:extLst>
+              <a:ext uri="{FF2B5EF4-FFF2-40B4-BE49-F238E27FC236}">
+                <a16:creationId xmlns:a16="http://schemas.microsoft.com/office/drawing/2014/main" id="{D68E2F2C-EA63-4B48-B71C-E50FFFE5FD64}"/>
+              </a:ext>
+            </a:extLst>
+          </p:cNvPr>
+          <p:cNvSpPr txBox="1"/>
+          <p:nvPr/>
+        </p:nvSpPr>
+        <p:spPr>
+          <a:xfrm>
+            <a:off x="6295748" y="2475004"/>
+            <a:ext cx="2093838" cy="584775"/>
+          </a:xfrm>
+          <a:prstGeom prst="rect">
+            <a:avLst/>
+          </a:prstGeom>
+          <a:noFill/>
+        </p:spPr>
+        <p:txBody>
+          <a:bodyPr wrap="square" rtlCol="0">
+            <a:spAutoFit/>
+          </a:bodyPr>
+          <a:lstStyle/>
+          <a:p>
+            <a:pPr algn="ctr"/>
+            <a:r>
+              <a:rPr lang="pt-BR" sz="1600" dirty="0">
+                <a:latin typeface="Comic Sans MS" panose="030F0702030302020204" pitchFamily="66" charset="0"/>
+              </a:rPr>
+              <a:t>#D: 194, #W: 758</a:t>
+            </a:r>
+          </a:p>
+          <a:p>
+            <a:pPr algn="ctr"/>
+            <a:r>
+              <a:rPr lang="pt-BR" sz="1600" dirty="0">
+                <a:latin typeface="Comic Sans MS" panose="030F0702030302020204" pitchFamily="66" charset="0"/>
+              </a:rPr>
+              <a:t>D: 55, W: 597</a:t>
+            </a:r>
+          </a:p>
+        </p:txBody>
+      </p:sp>
+      <p:sp>
+        <p:nvSpPr>
+          <p:cNvPr id="22" name="CaixaDeTexto 21">
+            <a:extLst>
+              <a:ext uri="{FF2B5EF4-FFF2-40B4-BE49-F238E27FC236}">
+                <a16:creationId xmlns:a16="http://schemas.microsoft.com/office/drawing/2014/main" id="{2A78AF37-56BA-4099-8C46-E703A993CE6C}"/>
+              </a:ext>
+            </a:extLst>
+          </p:cNvPr>
+          <p:cNvSpPr txBox="1"/>
+          <p:nvPr/>
+        </p:nvSpPr>
+        <p:spPr>
+          <a:xfrm>
+            <a:off x="1180730" y="4991474"/>
+            <a:ext cx="2093838" cy="584775"/>
+          </a:xfrm>
+          <a:prstGeom prst="rect">
+            <a:avLst/>
+          </a:prstGeom>
+          <a:noFill/>
+        </p:spPr>
+        <p:txBody>
+          <a:bodyPr wrap="square" rtlCol="0">
+            <a:spAutoFit/>
+          </a:bodyPr>
+          <a:lstStyle/>
+          <a:p>
+            <a:pPr algn="ctr"/>
+            <a:r>
+              <a:rPr lang="pt-BR" sz="1600" dirty="0">
+                <a:latin typeface="Comic Sans MS" panose="030F0702030302020204" pitchFamily="66" charset="0"/>
+              </a:rPr>
+              <a:t>#D: 120, #W: 293</a:t>
+            </a:r>
+          </a:p>
+          <a:p>
+            <a:pPr algn="ctr"/>
+            <a:r>
+              <a:rPr lang="pt-BR" sz="1600" dirty="0">
+                <a:latin typeface="Comic Sans MS" panose="030F0702030302020204" pitchFamily="66" charset="0"/>
+              </a:rPr>
+              <a:t>D: 63, W: 217</a:t>
+            </a:r>
+          </a:p>
+        </p:txBody>
+      </p:sp>
+      <p:sp>
+        <p:nvSpPr>
+          <p:cNvPr id="23" name="CaixaDeTexto 22">
+            <a:extLst>
+              <a:ext uri="{FF2B5EF4-FFF2-40B4-BE49-F238E27FC236}">
+                <a16:creationId xmlns:a16="http://schemas.microsoft.com/office/drawing/2014/main" id="{F4271B3B-8EF8-49BA-BC4F-519475742136}"/>
+              </a:ext>
+            </a:extLst>
+          </p:cNvPr>
+          <p:cNvSpPr txBox="1"/>
+          <p:nvPr/>
+        </p:nvSpPr>
+        <p:spPr>
+          <a:xfrm>
+            <a:off x="6309391" y="4991474"/>
+            <a:ext cx="2093838" cy="584775"/>
+          </a:xfrm>
+          <a:prstGeom prst="rect">
+            <a:avLst/>
+          </a:prstGeom>
+          <a:noFill/>
+        </p:spPr>
+        <p:txBody>
+          <a:bodyPr wrap="square" rtlCol="0">
+            <a:spAutoFit/>
+          </a:bodyPr>
+          <a:lstStyle/>
+          <a:p>
+            <a:pPr algn="ctr"/>
+            <a:r>
+              <a:rPr lang="pt-BR" sz="1600" dirty="0">
+                <a:latin typeface="Comic Sans MS" panose="030F0702030302020204" pitchFamily="66" charset="0"/>
+              </a:rPr>
+              <a:t>#D: 179, #W: 726</a:t>
+            </a:r>
+          </a:p>
+          <a:p>
+            <a:pPr algn="ctr"/>
+            <a:r>
+              <a:rPr lang="pt-BR" sz="1600" dirty="0">
+                <a:latin typeface="Comic Sans MS" panose="030F0702030302020204" pitchFamily="66" charset="0"/>
+              </a:rPr>
+              <a:t>D: 60, W: 607</a:t>
+            </a:r>
+          </a:p>
+        </p:txBody>
+      </p:sp>
     </p:spTree>
   </p:cSld>
-  <mc:AlternateContent>
-    <mc:Choice Requires="p14">
-      <p:transition spd="slow" p14:dur="2000"/>
-    </mc:Choice>
-    <mc:Fallback>
-      <p:transition spd="slow"/>
-    </mc:Fallback>
-  </mc:AlternateContent>
+  <p:clrMapOvr>
+    <a:masterClrMapping/>
+  </p:clrMapOvr>
 </p:sld>
 </file>
 
 <file path=ppt/slides/slide17.xml><?xml version="1.0" encoding="utf-8"?>
-<p:sld xmlns:a="http://schemas.openxmlformats.org/drawingml/2006/main" xmlns:p="http://schemas.openxmlformats.org/presentationml/2006/main" xmlns:r="http://schemas.openxmlformats.org/officeDocument/2006/relationships" xmlns:p14="http://schemas.microsoft.com/office/powerpoint/2010/main" xmlns:p15="http://schemas.microsoft.com/office/powerpoint/2012/main" xmlns:mc="http://schemas.openxmlformats.org/markup-compatibility/2006">
+<p:sld xmlns:a="http://schemas.openxmlformats.org/drawingml/2006/main" xmlns:r="http://schemas.openxmlformats.org/officeDocument/2006/relationships" xmlns:p="http://schemas.openxmlformats.org/presentationml/2006/main">
   <p:cSld>
     <p:bg>
       <p:bgPr>
         <a:blipFill rotWithShape="0">
-          <a:blip r:embed="rId1"/>
+          <a:blip r:embed="rId2"/>
           <a:stretch>
             <a:fillRect/>
           </a:stretch>
         </a:blipFill>
+        <a:effectLst/>
       </p:bgPr>
     </p:bg>
     <p:spTree>
@@ -5020,7 +6042,7 @@
         <p:spPr>
           <a:xfrm>
             <a:off x="0" y="355680"/>
-            <a:ext cx="10516320" cy="1325160"/>
+            <a:ext cx="10076155" cy="1325160"/>
           </a:xfrm>
           <a:prstGeom prst="rect">
             <a:avLst/>
@@ -5034,6 +6056,7 @@
           <a:bodyPr anchor="ctr">
             <a:normAutofit/>
           </a:bodyPr>
+          <a:lstStyle/>
           <a:p>
             <a:pPr algn="r">
               <a:lnSpc>
@@ -5041,16 +6064,26 @@
               </a:lnSpc>
             </a:pPr>
             <a:r>
-              <a:rPr b="0" lang="pt-BR" sz="6000" spc="-1" strike="noStrike">
+              <a:rPr lang="pt-BR" sz="6000" b="0" strike="noStrike" spc="-1" dirty="0">
+                <a:ln w="38100">
+                  <a:solidFill>
+                    <a:schemeClr val="tx1"/>
+                  </a:solidFill>
+                </a:ln>
                 <a:solidFill>
-                  <a:srgbClr val="ffff00"/>
+                  <a:srgbClr val="FFFF00"/>
                 </a:solidFill>
                 <a:latin typeface="Cooper Black"/>
                 <a:ea typeface="BatangChe"/>
               </a:rPr>
-              <a:t>Melhores Amigos</a:t>
-            </a:r>
-            <a:endParaRPr b="0" lang="pt-BR" sz="6000" spc="-1" strike="noStrike">
+              <a:t>Protagonistas</a:t>
+            </a:r>
+            <a:endParaRPr lang="pt-BR" sz="6000" b="0" strike="noStrike" spc="-1" dirty="0">
+              <a:ln w="38100">
+                <a:solidFill>
+                  <a:schemeClr val="tx1"/>
+                </a:solidFill>
+              </a:ln>
               <a:solidFill>
                 <a:srgbClr val="000000"/>
               </a:solidFill>
@@ -5061,97 +6094,740 @@
       </p:sp>
       <p:pic>
         <p:nvPicPr>
-          <p:cNvPr id="126" name="" descr=""/>
-          <p:cNvPicPr/>
+          <p:cNvPr id="3" name="Imagem 2" descr="Desenho de personagem de desenho animado&#10;&#10;Descrição gerada automaticamente com confiança média">
+            <a:extLst>
+              <a:ext uri="{FF2B5EF4-FFF2-40B4-BE49-F238E27FC236}">
+                <a16:creationId xmlns:a16="http://schemas.microsoft.com/office/drawing/2014/main" id="{A461CEBF-D1F4-4494-84AE-F82A29AEA30F}"/>
+              </a:ext>
+            </a:extLst>
+          </p:cNvPr>
+          <p:cNvPicPr>
+            <a:picLocks noChangeAspect="1"/>
+          </p:cNvPicPr>
           <p:nvPr/>
         </p:nvPicPr>
         <p:blipFill>
-          <a:blip r:embed="rId2"/>
-          <a:stretch/>
+          <a:blip r:embed="rId3">
+            <a:extLst>
+              <a:ext uri="{28A0092B-C50C-407E-A947-70E740481C1C}">
+                <a14:useLocalDpi xmlns:a14="http://schemas.microsoft.com/office/drawing/2010/main" val="0"/>
+              </a:ext>
+            </a:extLst>
+          </a:blip>
+          <a:stretch>
+            <a:fillRect/>
+          </a:stretch>
         </p:blipFill>
         <p:spPr>
           <a:xfrm>
-            <a:off x="504000" y="1584000"/>
-            <a:ext cx="3528000" cy="2195280"/>
-          </a:xfrm>
-          <a:prstGeom prst="rect">
-            <a:avLst/>
-          </a:prstGeom>
-          <a:ln>
-            <a:noFill/>
-          </a:ln>
+            <a:off x="10452671" y="1845644"/>
+            <a:ext cx="1740917" cy="1740917"/>
+          </a:xfrm>
+          <a:prstGeom prst="rect">
+            <a:avLst/>
+          </a:prstGeom>
         </p:spPr>
       </p:pic>
       <p:pic>
         <p:nvPicPr>
-          <p:cNvPr id="127" name="" descr=""/>
-          <p:cNvPicPr/>
+          <p:cNvPr id="5" name="Imagem 4" descr="Desenho de personagem de desenho animado&#10;&#10;Descrição gerada automaticamente com confiança média">
+            <a:extLst>
+              <a:ext uri="{FF2B5EF4-FFF2-40B4-BE49-F238E27FC236}">
+                <a16:creationId xmlns:a16="http://schemas.microsoft.com/office/drawing/2014/main" id="{DC7C6D26-C9B6-4A08-BAE4-83CDCC17F5AC}"/>
+              </a:ext>
+            </a:extLst>
+          </p:cNvPr>
+          <p:cNvPicPr>
+            <a:picLocks noChangeAspect="1"/>
+          </p:cNvPicPr>
           <p:nvPr/>
         </p:nvPicPr>
         <p:blipFill>
-          <a:blip r:embed="rId3"/>
-          <a:stretch/>
+          <a:blip r:embed="rId4">
+            <a:extLst>
+              <a:ext uri="{28A0092B-C50C-407E-A947-70E740481C1C}">
+                <a14:useLocalDpi xmlns:a14="http://schemas.microsoft.com/office/drawing/2010/main" val="0"/>
+              </a:ext>
+            </a:extLst>
+          </a:blip>
+          <a:stretch>
+            <a:fillRect/>
+          </a:stretch>
         </p:blipFill>
         <p:spPr>
           <a:xfrm>
-            <a:off x="9504000" y="1872000"/>
-            <a:ext cx="2047680" cy="2857320"/>
-          </a:xfrm>
-          <a:prstGeom prst="rect">
-            <a:avLst/>
-          </a:prstGeom>
-          <a:ln>
-            <a:noFill/>
-          </a:ln>
+            <a:off x="2826033" y="4795301"/>
+            <a:ext cx="1038570" cy="1926622"/>
+          </a:xfrm>
+          <a:prstGeom prst="rect">
+            <a:avLst/>
+          </a:prstGeom>
         </p:spPr>
       </p:pic>
       <p:pic>
         <p:nvPicPr>
-          <p:cNvPr id="128" name="" descr=""/>
-          <p:cNvPicPr/>
+          <p:cNvPr id="9" name="Imagem 8" descr="Desenho de personagem de desenho animado&#10;&#10;Descrição gerada automaticamente com confiança média">
+            <a:extLst>
+              <a:ext uri="{FF2B5EF4-FFF2-40B4-BE49-F238E27FC236}">
+                <a16:creationId xmlns:a16="http://schemas.microsoft.com/office/drawing/2014/main" id="{FDB21FAF-07C7-484F-9A4E-2BB89FA181B7}"/>
+              </a:ext>
+            </a:extLst>
+          </p:cNvPr>
+          <p:cNvPicPr>
+            <a:picLocks noChangeAspect="1"/>
+          </p:cNvPicPr>
           <p:nvPr/>
         </p:nvPicPr>
         <p:blipFill>
-          <a:blip r:embed="rId4"/>
-          <a:stretch/>
+          <a:blip r:embed="rId5">
+            <a:extLst>
+              <a:ext uri="{28A0092B-C50C-407E-A947-70E740481C1C}">
+                <a14:useLocalDpi xmlns:a14="http://schemas.microsoft.com/office/drawing/2010/main" val="0"/>
+              </a:ext>
+            </a:extLst>
+          </a:blip>
+          <a:stretch>
+            <a:fillRect/>
+          </a:stretch>
         </p:blipFill>
         <p:spPr>
           <a:xfrm>
-            <a:off x="7272000" y="1894680"/>
-            <a:ext cx="2047680" cy="2857320"/>
-          </a:xfrm>
-          <a:prstGeom prst="rect">
-            <a:avLst/>
-          </a:prstGeom>
-          <a:ln>
-            <a:noFill/>
+            <a:off x="2615784" y="1763241"/>
+            <a:ext cx="1459068" cy="1905721"/>
+          </a:xfrm>
+          <a:prstGeom prst="rect">
+            <a:avLst/>
+          </a:prstGeom>
+        </p:spPr>
+      </p:pic>
+      <p:cxnSp>
+        <p:nvCxnSpPr>
+          <p:cNvPr id="11" name="Conector reto 10">
+            <a:extLst>
+              <a:ext uri="{FF2B5EF4-FFF2-40B4-BE49-F238E27FC236}">
+                <a16:creationId xmlns:a16="http://schemas.microsoft.com/office/drawing/2014/main" id="{17FEF0C1-C66E-43F6-9814-6676EA45E49B}"/>
+              </a:ext>
+            </a:extLst>
+          </p:cNvPr>
+          <p:cNvCxnSpPr>
+            <a:cxnSpLocks/>
+            <a:stCxn id="9" idx="3"/>
+            <a:endCxn id="3" idx="1"/>
+          </p:cNvCxnSpPr>
+          <p:nvPr/>
+        </p:nvCxnSpPr>
+        <p:spPr>
+          <a:xfrm>
+            <a:off x="4074852" y="2716102"/>
+            <a:ext cx="6377819" cy="1"/>
+          </a:xfrm>
+          <a:prstGeom prst="line">
+            <a:avLst/>
+          </a:prstGeom>
+          <a:ln w="76200">
+            <a:solidFill>
+              <a:schemeClr val="tx1"/>
+            </a:solidFill>
           </a:ln>
         </p:spPr>
-      </p:pic>
+        <p:style>
+          <a:lnRef idx="1">
+            <a:schemeClr val="accent1"/>
+          </a:lnRef>
+          <a:fillRef idx="0">
+            <a:schemeClr val="accent1"/>
+          </a:fillRef>
+          <a:effectRef idx="0">
+            <a:schemeClr val="accent1"/>
+          </a:effectRef>
+          <a:fontRef idx="minor">
+            <a:schemeClr val="tx1"/>
+          </a:fontRef>
+        </p:style>
+      </p:cxnSp>
+      <p:cxnSp>
+        <p:nvCxnSpPr>
+          <p:cNvPr id="15" name="Conector reto 14">
+            <a:extLst>
+              <a:ext uri="{FF2B5EF4-FFF2-40B4-BE49-F238E27FC236}">
+                <a16:creationId xmlns:a16="http://schemas.microsoft.com/office/drawing/2014/main" id="{7FF59DAB-2C34-466C-963A-AE2A2C6B481D}"/>
+              </a:ext>
+            </a:extLst>
+          </p:cNvPr>
+          <p:cNvCxnSpPr>
+            <a:cxnSpLocks/>
+            <a:stCxn id="9" idx="3"/>
+          </p:cNvCxnSpPr>
+          <p:nvPr/>
+        </p:nvCxnSpPr>
+        <p:spPr>
+          <a:xfrm>
+            <a:off x="4074852" y="2716102"/>
+            <a:ext cx="0" cy="3107649"/>
+          </a:xfrm>
+          <a:prstGeom prst="line">
+            <a:avLst/>
+          </a:prstGeom>
+          <a:ln w="76200">
+            <a:solidFill>
+              <a:schemeClr val="tx1"/>
+            </a:solidFill>
+          </a:ln>
+        </p:spPr>
+        <p:style>
+          <a:lnRef idx="1">
+            <a:schemeClr val="accent1"/>
+          </a:lnRef>
+          <a:fillRef idx="0">
+            <a:schemeClr val="accent1"/>
+          </a:fillRef>
+          <a:effectRef idx="0">
+            <a:schemeClr val="accent1"/>
+          </a:effectRef>
+          <a:fontRef idx="minor">
+            <a:schemeClr val="tx1"/>
+          </a:fontRef>
+        </p:style>
+      </p:cxnSp>
+      <p:cxnSp>
+        <p:nvCxnSpPr>
+          <p:cNvPr id="17" name="Conector reto 16">
+            <a:extLst>
+              <a:ext uri="{FF2B5EF4-FFF2-40B4-BE49-F238E27FC236}">
+                <a16:creationId xmlns:a16="http://schemas.microsoft.com/office/drawing/2014/main" id="{C4F38618-D8AA-4367-830E-7839FA005719}"/>
+              </a:ext>
+            </a:extLst>
+          </p:cNvPr>
+          <p:cNvCxnSpPr>
+            <a:cxnSpLocks/>
+          </p:cNvCxnSpPr>
+          <p:nvPr/>
+        </p:nvCxnSpPr>
+        <p:spPr>
+          <a:xfrm>
+            <a:off x="4074851" y="5758612"/>
+            <a:ext cx="6441469" cy="65139"/>
+          </a:xfrm>
+          <a:prstGeom prst="line">
+            <a:avLst/>
+          </a:prstGeom>
+          <a:ln w="76200">
+            <a:solidFill>
+              <a:schemeClr val="tx1"/>
+            </a:solidFill>
+          </a:ln>
+        </p:spPr>
+        <p:style>
+          <a:lnRef idx="1">
+            <a:schemeClr val="accent1"/>
+          </a:lnRef>
+          <a:fillRef idx="0">
+            <a:schemeClr val="accent1"/>
+          </a:fillRef>
+          <a:effectRef idx="0">
+            <a:schemeClr val="accent1"/>
+          </a:effectRef>
+          <a:fontRef idx="minor">
+            <a:schemeClr val="tx1"/>
+          </a:fontRef>
+        </p:style>
+      </p:cxnSp>
+      <p:cxnSp>
+        <p:nvCxnSpPr>
+          <p:cNvPr id="21" name="Conector reto 20">
+            <a:extLst>
+              <a:ext uri="{FF2B5EF4-FFF2-40B4-BE49-F238E27FC236}">
+                <a16:creationId xmlns:a16="http://schemas.microsoft.com/office/drawing/2014/main" id="{46A5F3DF-7A31-4D83-B031-46F962005D1A}"/>
+              </a:ext>
+            </a:extLst>
+          </p:cNvPr>
+          <p:cNvCxnSpPr>
+            <a:cxnSpLocks/>
+            <a:endCxn id="3" idx="1"/>
+          </p:cNvCxnSpPr>
+          <p:nvPr/>
+        </p:nvCxnSpPr>
+        <p:spPr>
+          <a:xfrm flipV="1">
+            <a:off x="4074851" y="2716103"/>
+            <a:ext cx="6377820" cy="3042509"/>
+          </a:xfrm>
+          <a:prstGeom prst="line">
+            <a:avLst/>
+          </a:prstGeom>
+          <a:ln w="76200">
+            <a:solidFill>
+              <a:schemeClr val="tx1"/>
+            </a:solidFill>
+          </a:ln>
+        </p:spPr>
+        <p:style>
+          <a:lnRef idx="1">
+            <a:schemeClr val="accent1"/>
+          </a:lnRef>
+          <a:fillRef idx="0">
+            <a:schemeClr val="accent1"/>
+          </a:fillRef>
+          <a:effectRef idx="0">
+            <a:schemeClr val="accent1"/>
+          </a:effectRef>
+          <a:fontRef idx="minor">
+            <a:schemeClr val="tx1"/>
+          </a:fontRef>
+        </p:style>
+      </p:cxnSp>
+      <p:cxnSp>
+        <p:nvCxnSpPr>
+          <p:cNvPr id="23" name="Conector reto 22">
+            <a:extLst>
+              <a:ext uri="{FF2B5EF4-FFF2-40B4-BE49-F238E27FC236}">
+                <a16:creationId xmlns:a16="http://schemas.microsoft.com/office/drawing/2014/main" id="{D8541EEF-8120-49BA-A15D-CA5F7E7E5C35}"/>
+              </a:ext>
+            </a:extLst>
+          </p:cNvPr>
+          <p:cNvCxnSpPr>
+            <a:cxnSpLocks/>
+            <a:stCxn id="3" idx="1"/>
+          </p:cNvCxnSpPr>
+          <p:nvPr/>
+        </p:nvCxnSpPr>
+        <p:spPr>
+          <a:xfrm flipH="1">
+            <a:off x="10452670" y="2716103"/>
+            <a:ext cx="1" cy="3169792"/>
+          </a:xfrm>
+          <a:prstGeom prst="line">
+            <a:avLst/>
+          </a:prstGeom>
+          <a:ln w="76200">
+            <a:solidFill>
+              <a:schemeClr val="tx1"/>
+            </a:solidFill>
+          </a:ln>
+        </p:spPr>
+        <p:style>
+          <a:lnRef idx="1">
+            <a:schemeClr val="accent1"/>
+          </a:lnRef>
+          <a:fillRef idx="0">
+            <a:schemeClr val="accent1"/>
+          </a:fillRef>
+          <a:effectRef idx="0">
+            <a:schemeClr val="accent1"/>
+          </a:effectRef>
+          <a:fontRef idx="minor">
+            <a:schemeClr val="tx1"/>
+          </a:fontRef>
+        </p:style>
+      </p:cxnSp>
+      <p:cxnSp>
+        <p:nvCxnSpPr>
+          <p:cNvPr id="28" name="Conector reto 27">
+            <a:extLst>
+              <a:ext uri="{FF2B5EF4-FFF2-40B4-BE49-F238E27FC236}">
+                <a16:creationId xmlns:a16="http://schemas.microsoft.com/office/drawing/2014/main" id="{3508792B-A5F0-4DC5-88D0-12EDAB1AB055}"/>
+              </a:ext>
+            </a:extLst>
+          </p:cNvPr>
+          <p:cNvCxnSpPr>
+            <a:cxnSpLocks/>
+            <a:stCxn id="9" idx="3"/>
+          </p:cNvCxnSpPr>
+          <p:nvPr/>
+        </p:nvCxnSpPr>
+        <p:spPr>
+          <a:xfrm>
+            <a:off x="4074852" y="2716102"/>
+            <a:ext cx="6377818" cy="3042510"/>
+          </a:xfrm>
+          <a:prstGeom prst="line">
+            <a:avLst/>
+          </a:prstGeom>
+          <a:ln w="76200">
+            <a:solidFill>
+              <a:schemeClr val="tx1"/>
+            </a:solidFill>
+          </a:ln>
+        </p:spPr>
+        <p:style>
+          <a:lnRef idx="1">
+            <a:schemeClr val="accent1"/>
+          </a:lnRef>
+          <a:fillRef idx="0">
+            <a:schemeClr val="accent1"/>
+          </a:fillRef>
+          <a:effectRef idx="0">
+            <a:schemeClr val="accent1"/>
+          </a:effectRef>
+          <a:fontRef idx="minor">
+            <a:schemeClr val="tx1"/>
+          </a:fontRef>
+        </p:style>
+      </p:cxnSp>
+      <p:sp>
+        <p:nvSpPr>
+          <p:cNvPr id="36" name="CaixaDeTexto 35">
+            <a:extLst>
+              <a:ext uri="{FF2B5EF4-FFF2-40B4-BE49-F238E27FC236}">
+                <a16:creationId xmlns:a16="http://schemas.microsoft.com/office/drawing/2014/main" id="{B3F6EFED-0D06-4189-840D-F460E8CED72C}"/>
+              </a:ext>
+            </a:extLst>
+          </p:cNvPr>
+          <p:cNvSpPr txBox="1"/>
+          <p:nvPr/>
+        </p:nvSpPr>
+        <p:spPr>
+          <a:xfrm>
+            <a:off x="2568657" y="3939744"/>
+            <a:ext cx="1331339" cy="584775"/>
+          </a:xfrm>
+          <a:prstGeom prst="rect">
+            <a:avLst/>
+          </a:prstGeom>
+          <a:noFill/>
+        </p:spPr>
+        <p:txBody>
+          <a:bodyPr wrap="square" rtlCol="0">
+            <a:spAutoFit/>
+          </a:bodyPr>
+          <a:lstStyle/>
+          <a:p>
+            <a:r>
+              <a:rPr lang="pt-BR" sz="3200" dirty="0">
+                <a:latin typeface="Comic Sans MS" panose="030F0702030302020204" pitchFamily="66" charset="0"/>
+              </a:rPr>
+              <a:t>721.5</a:t>
+            </a:r>
+          </a:p>
+        </p:txBody>
+      </p:sp>
+      <p:sp>
+        <p:nvSpPr>
+          <p:cNvPr id="41" name="CaixaDeTexto 40">
+            <a:extLst>
+              <a:ext uri="{FF2B5EF4-FFF2-40B4-BE49-F238E27FC236}">
+                <a16:creationId xmlns:a16="http://schemas.microsoft.com/office/drawing/2014/main" id="{3365FB74-8B69-4BCC-9B82-85B0149F0457}"/>
+              </a:ext>
+            </a:extLst>
+          </p:cNvPr>
+          <p:cNvSpPr txBox="1"/>
+          <p:nvPr/>
+        </p:nvSpPr>
+        <p:spPr>
+          <a:xfrm>
+            <a:off x="6629915" y="2066188"/>
+            <a:ext cx="1331339" cy="584775"/>
+          </a:xfrm>
+          <a:prstGeom prst="rect">
+            <a:avLst/>
+          </a:prstGeom>
+          <a:noFill/>
+        </p:spPr>
+        <p:txBody>
+          <a:bodyPr wrap="square" rtlCol="0">
+            <a:spAutoFit/>
+          </a:bodyPr>
+          <a:lstStyle/>
+          <a:p>
+            <a:r>
+              <a:rPr lang="pt-BR" sz="3200" dirty="0">
+                <a:latin typeface="Comic Sans MS" panose="030F0702030302020204" pitchFamily="66" charset="0"/>
+              </a:rPr>
+              <a:t>523.5</a:t>
+            </a:r>
+          </a:p>
+        </p:txBody>
+      </p:sp>
+      <p:sp>
+        <p:nvSpPr>
+          <p:cNvPr id="42" name="CaixaDeTexto 41">
+            <a:extLst>
+              <a:ext uri="{FF2B5EF4-FFF2-40B4-BE49-F238E27FC236}">
+                <a16:creationId xmlns:a16="http://schemas.microsoft.com/office/drawing/2014/main" id="{64373D45-83B2-4947-8921-BE83B084EF8B}"/>
+              </a:ext>
+            </a:extLst>
+          </p:cNvPr>
+          <p:cNvSpPr txBox="1"/>
+          <p:nvPr/>
+        </p:nvSpPr>
+        <p:spPr>
+          <a:xfrm>
+            <a:off x="6598091" y="5917545"/>
+            <a:ext cx="1331339" cy="584775"/>
+          </a:xfrm>
+          <a:prstGeom prst="rect">
+            <a:avLst/>
+          </a:prstGeom>
+          <a:noFill/>
+        </p:spPr>
+        <p:txBody>
+          <a:bodyPr wrap="square" rtlCol="0">
+            <a:spAutoFit/>
+          </a:bodyPr>
+          <a:lstStyle/>
+          <a:p>
+            <a:r>
+              <a:rPr lang="pt-BR" sz="3200" dirty="0">
+                <a:latin typeface="Comic Sans MS" panose="030F0702030302020204" pitchFamily="66" charset="0"/>
+              </a:rPr>
+              <a:t>393.5</a:t>
+            </a:r>
+          </a:p>
+        </p:txBody>
+      </p:sp>
+      <p:sp>
+        <p:nvSpPr>
+          <p:cNvPr id="43" name="CaixaDeTexto 42">
+            <a:extLst>
+              <a:ext uri="{FF2B5EF4-FFF2-40B4-BE49-F238E27FC236}">
+                <a16:creationId xmlns:a16="http://schemas.microsoft.com/office/drawing/2014/main" id="{7F068AC4-5289-46A9-B861-F72310C318EE}"/>
+              </a:ext>
+            </a:extLst>
+          </p:cNvPr>
+          <p:cNvSpPr txBox="1"/>
+          <p:nvPr/>
+        </p:nvSpPr>
+        <p:spPr>
+          <a:xfrm>
+            <a:off x="10580400" y="4008611"/>
+            <a:ext cx="1331339" cy="584775"/>
+          </a:xfrm>
+          <a:prstGeom prst="rect">
+            <a:avLst/>
+          </a:prstGeom>
+          <a:noFill/>
+        </p:spPr>
+        <p:txBody>
+          <a:bodyPr wrap="square" rtlCol="0">
+            <a:spAutoFit/>
+          </a:bodyPr>
+          <a:lstStyle/>
+          <a:p>
+            <a:r>
+              <a:rPr lang="pt-BR" sz="3200" dirty="0">
+                <a:latin typeface="Comic Sans MS" panose="030F0702030302020204" pitchFamily="66" charset="0"/>
+              </a:rPr>
+              <a:t>360.5</a:t>
+            </a:r>
+          </a:p>
+        </p:txBody>
+      </p:sp>
+      <p:sp>
+        <p:nvSpPr>
+          <p:cNvPr id="44" name="CaixaDeTexto 43">
+            <a:extLst>
+              <a:ext uri="{FF2B5EF4-FFF2-40B4-BE49-F238E27FC236}">
+                <a16:creationId xmlns:a16="http://schemas.microsoft.com/office/drawing/2014/main" id="{1254EE7C-9AEF-4344-B388-B49AA0B4969C}"/>
+              </a:ext>
+            </a:extLst>
+          </p:cNvPr>
+          <p:cNvSpPr txBox="1"/>
+          <p:nvPr/>
+        </p:nvSpPr>
+        <p:spPr>
+          <a:xfrm>
+            <a:off x="4592490" y="3586561"/>
+            <a:ext cx="1331339" cy="584775"/>
+          </a:xfrm>
+          <a:prstGeom prst="rect">
+            <a:avLst/>
+          </a:prstGeom>
+          <a:noFill/>
+        </p:spPr>
+        <p:txBody>
+          <a:bodyPr wrap="square" rtlCol="0">
+            <a:spAutoFit/>
+          </a:bodyPr>
+          <a:lstStyle/>
+          <a:p>
+            <a:r>
+              <a:rPr lang="pt-BR" sz="3200" dirty="0">
+                <a:latin typeface="Comic Sans MS" panose="030F0702030302020204" pitchFamily="66" charset="0"/>
+              </a:rPr>
+              <a:t>550.5</a:t>
+            </a:r>
+          </a:p>
+        </p:txBody>
+      </p:sp>
+      <p:sp>
+        <p:nvSpPr>
+          <p:cNvPr id="45" name="CaixaDeTexto 44">
+            <a:extLst>
+              <a:ext uri="{FF2B5EF4-FFF2-40B4-BE49-F238E27FC236}">
+                <a16:creationId xmlns:a16="http://schemas.microsoft.com/office/drawing/2014/main" id="{D9CCE49E-6F60-4C30-A208-B307F81BDCB4}"/>
+              </a:ext>
+            </a:extLst>
+          </p:cNvPr>
+          <p:cNvSpPr txBox="1"/>
+          <p:nvPr/>
+        </p:nvSpPr>
+        <p:spPr>
+          <a:xfrm>
+            <a:off x="8603693" y="3647536"/>
+            <a:ext cx="1331339" cy="584775"/>
+          </a:xfrm>
+          <a:prstGeom prst="rect">
+            <a:avLst/>
+          </a:prstGeom>
+          <a:noFill/>
+        </p:spPr>
+        <p:txBody>
+          <a:bodyPr wrap="square" rtlCol="0">
+            <a:spAutoFit/>
+          </a:bodyPr>
+          <a:lstStyle/>
+          <a:p>
+            <a:r>
+              <a:rPr lang="pt-BR" sz="3200" dirty="0">
+                <a:latin typeface="Comic Sans MS" panose="030F0702030302020204" pitchFamily="66" charset="0"/>
+              </a:rPr>
+              <a:t>628.5</a:t>
+            </a:r>
+          </a:p>
+        </p:txBody>
+      </p:sp>
+      <p:sp>
+        <p:nvSpPr>
+          <p:cNvPr id="37" name="CaixaDeTexto 36">
+            <a:extLst>
+              <a:ext uri="{FF2B5EF4-FFF2-40B4-BE49-F238E27FC236}">
+                <a16:creationId xmlns:a16="http://schemas.microsoft.com/office/drawing/2014/main" id="{200FC583-7AD0-4F40-9E6E-F5A784787C55}"/>
+              </a:ext>
+            </a:extLst>
+          </p:cNvPr>
+          <p:cNvSpPr txBox="1"/>
+          <p:nvPr/>
+        </p:nvSpPr>
+        <p:spPr>
+          <a:xfrm>
+            <a:off x="401988" y="2186177"/>
+            <a:ext cx="2003185" cy="3970318"/>
+          </a:xfrm>
+          <a:prstGeom prst="rect">
+            <a:avLst/>
+          </a:prstGeom>
+          <a:noFill/>
+        </p:spPr>
+        <p:txBody>
+          <a:bodyPr wrap="square" rtlCol="0">
+            <a:spAutoFit/>
+          </a:bodyPr>
+          <a:lstStyle/>
+          <a:p>
+            <a:r>
+              <a:rPr lang="pt-BR" sz="2800" dirty="0">
+                <a:latin typeface="Comic Sans MS" panose="030F0702030302020204" pitchFamily="66" charset="0"/>
+              </a:rPr>
+              <a:t>GRAUS:</a:t>
+            </a:r>
+          </a:p>
+          <a:p>
+            <a:r>
+              <a:rPr lang="pt-BR" sz="2800" dirty="0" err="1">
+                <a:latin typeface="Comic Sans MS" panose="030F0702030302020204" pitchFamily="66" charset="0"/>
+              </a:rPr>
+              <a:t>Mô</a:t>
+            </a:r>
+            <a:r>
+              <a:rPr lang="pt-BR" sz="2800" dirty="0">
+                <a:latin typeface="Comic Sans MS" panose="030F0702030302020204" pitchFamily="66" charset="0"/>
+              </a:rPr>
+              <a:t>: #882</a:t>
+            </a:r>
+          </a:p>
+          <a:p>
+            <a:r>
+              <a:rPr lang="pt-BR" sz="2800" dirty="0">
+                <a:latin typeface="Comic Sans MS" panose="030F0702030302020204" pitchFamily="66" charset="0"/>
+              </a:rPr>
+              <a:t>         138</a:t>
+            </a:r>
+          </a:p>
+          <a:p>
+            <a:r>
+              <a:rPr lang="pt-BR" sz="2800" dirty="0" err="1">
+                <a:latin typeface="Comic Sans MS" panose="030F0702030302020204" pitchFamily="66" charset="0"/>
+              </a:rPr>
+              <a:t>Cê</a:t>
+            </a:r>
+            <a:r>
+              <a:rPr lang="pt-BR" sz="2800" dirty="0">
+                <a:latin typeface="Comic Sans MS" panose="030F0702030302020204" pitchFamily="66" charset="0"/>
+              </a:rPr>
+              <a:t>: #825</a:t>
+            </a:r>
+          </a:p>
+          <a:p>
+            <a:r>
+              <a:rPr lang="pt-BR" sz="2800" dirty="0">
+                <a:latin typeface="Comic Sans MS" panose="030F0702030302020204" pitchFamily="66" charset="0"/>
+              </a:rPr>
+              <a:t>         133</a:t>
+            </a:r>
+          </a:p>
+          <a:p>
+            <a:r>
+              <a:rPr lang="pt-BR" sz="2800" dirty="0" err="1">
+                <a:latin typeface="Comic Sans MS" panose="030F0702030302020204" pitchFamily="66" charset="0"/>
+              </a:rPr>
+              <a:t>Ma</a:t>
+            </a:r>
+            <a:r>
+              <a:rPr lang="pt-BR" sz="2800" dirty="0">
+                <a:latin typeface="Comic Sans MS" panose="030F0702030302020204" pitchFamily="66" charset="0"/>
+              </a:rPr>
+              <a:t>: #670</a:t>
+            </a:r>
+          </a:p>
+          <a:p>
+            <a:r>
+              <a:rPr lang="pt-BR" sz="2800" dirty="0">
+                <a:latin typeface="Comic Sans MS" panose="030F0702030302020204" pitchFamily="66" charset="0"/>
+              </a:rPr>
+              <a:t>         137</a:t>
+            </a:r>
+          </a:p>
+          <a:p>
+            <a:r>
+              <a:rPr lang="pt-BR" sz="2800" dirty="0">
+                <a:latin typeface="Comic Sans MS" panose="030F0702030302020204" pitchFamily="66" charset="0"/>
+              </a:rPr>
+              <a:t>Ca: #682</a:t>
+            </a:r>
+          </a:p>
+          <a:p>
+            <a:r>
+              <a:rPr lang="pt-BR" sz="2800" dirty="0">
+                <a:latin typeface="Comic Sans MS" panose="030F0702030302020204" pitchFamily="66" charset="0"/>
+              </a:rPr>
+              <a:t>         126</a:t>
+            </a:r>
+          </a:p>
+        </p:txBody>
+      </p:sp>
     </p:spTree>
   </p:cSld>
-  <mc:AlternateContent>
-    <mc:Choice Requires="p14">
-      <p:transition spd="slow" p14:dur="2000"/>
-    </mc:Choice>
-    <mc:Fallback>
-      <p:transition spd="slow"/>
-    </mc:Fallback>
-  </mc:AlternateContent>
+  <p:clrMapOvr>
+    <a:masterClrMapping/>
+  </p:clrMapOvr>
 </p:sld>
 </file>
 
 <file path=ppt/slides/slide18.xml><?xml version="1.0" encoding="utf-8"?>
-<p:sld xmlns:a="http://schemas.openxmlformats.org/drawingml/2006/main" xmlns:p="http://schemas.openxmlformats.org/presentationml/2006/main" xmlns:r="http://schemas.openxmlformats.org/officeDocument/2006/relationships" xmlns:p14="http://schemas.microsoft.com/office/powerpoint/2010/main" xmlns:p15="http://schemas.microsoft.com/office/powerpoint/2012/main" xmlns:mc="http://schemas.openxmlformats.org/markup-compatibility/2006">
+<p:sld xmlns:a="http://schemas.openxmlformats.org/drawingml/2006/main" xmlns:r="http://schemas.openxmlformats.org/officeDocument/2006/relationships" xmlns:p="http://schemas.openxmlformats.org/presentationml/2006/main">
   <p:cSld>
     <p:bg>
       <p:bgPr>
-        <a:blipFill rotWithShape="0">
-          <a:blip r:embed="rId1"/>
+        <a:blipFill dpi="0" rotWithShape="1">
+          <a:blip r:embed="rId2">
+            <a:lum/>
+          </a:blip>
+          <a:srcRect/>
           <a:stretch>
             <a:fillRect/>
           </a:stretch>
         </a:blipFill>
+        <a:effectLst/>
       </p:bgPr>
     </p:bg>
     <p:spTree>
@@ -5170,109 +6846,159 @@
       </p:grpSpPr>
       <p:sp>
         <p:nvSpPr>
-          <p:cNvPr id="129" name="TextShape 1"/>
-          <p:cNvSpPr txBox="1"/>
-          <p:nvPr/>
-        </p:nvSpPr>
-        <p:spPr>
-          <a:xfrm>
-            <a:off x="0" y="355680"/>
+          <p:cNvPr id="2" name="Título 1">
+            <a:extLst>
+              <a:ext uri="{FF2B5EF4-FFF2-40B4-BE49-F238E27FC236}">
+                <a16:creationId xmlns:a16="http://schemas.microsoft.com/office/drawing/2014/main" id="{2E7C7264-1C7E-46D9-9997-0F0434FF9C1E}"/>
+              </a:ext>
+            </a:extLst>
+          </p:cNvPr>
+          <p:cNvSpPr>
+            <a:spLocks noGrp="1"/>
+          </p:cNvSpPr>
+          <p:nvPr>
+            <p:ph type="title"/>
+          </p:nvPr>
+        </p:nvSpPr>
+        <p:spPr>
+          <a:xfrm>
+            <a:off x="0" y="374276"/>
             <a:ext cx="10516320" cy="1325160"/>
           </a:xfrm>
-          <a:prstGeom prst="rect">
-            <a:avLst/>
-          </a:prstGeom>
-          <a:noFill/>
-          <a:ln>
-            <a:noFill/>
-          </a:ln>
-        </p:spPr>
-        <p:txBody>
-          <a:bodyPr anchor="ctr">
-            <a:normAutofit/>
-          </a:bodyPr>
-          <a:p>
-            <a:pPr algn="r">
-              <a:lnSpc>
-                <a:spcPct val="90000"/>
-              </a:lnSpc>
-            </a:pPr>
-            <a:r>
-              <a:rPr b="0" lang="pt-BR" sz="6000" spc="-1" strike="noStrike">
+        </p:spPr>
+        <p:txBody>
+          <a:bodyPr/>
+          <a:lstStyle/>
+          <a:p>
+            <a:pPr algn="r"/>
+            <a:r>
+              <a:rPr lang="pt-BR" sz="6000" b="0" strike="noStrike" spc="-1" dirty="0">
+                <a:ln w="38100">
+                  <a:solidFill>
+                    <a:schemeClr val="tx1"/>
+                  </a:solidFill>
+                </a:ln>
                 <a:solidFill>
-                  <a:srgbClr val="ffff00"/>
+                  <a:srgbClr val="FFFF00"/>
                 </a:solidFill>
                 <a:latin typeface="Cooper Black"/>
                 <a:ea typeface="BatangChe"/>
               </a:rPr>
-              <a:t>Caminhos mais longos </a:t>
-            </a:r>
-            <a:endParaRPr b="0" lang="pt-BR" sz="6000" spc="-1" strike="noStrike">
-              <a:solidFill>
-                <a:srgbClr val="000000"/>
-              </a:solidFill>
-              <a:latin typeface="Calibri"/>
-            </a:endParaRPr>
-          </a:p>
-        </p:txBody>
-      </p:sp>
-      <p:sp>
-        <p:nvSpPr>
-          <p:cNvPr id="130" name="TextShape 2"/>
-          <p:cNvSpPr txBox="1"/>
-          <p:nvPr/>
-        </p:nvSpPr>
-        <p:spPr>
-          <a:xfrm>
-            <a:off x="0" y="1825560"/>
-            <a:ext cx="10516320" cy="4350960"/>
-          </a:xfrm>
-          <a:prstGeom prst="rect">
-            <a:avLst/>
-          </a:prstGeom>
-          <a:noFill/>
-          <a:ln>
-            <a:noFill/>
-          </a:ln>
-        </p:spPr>
-        <p:txBody>
-          <a:bodyPr>
-            <a:noAutofit/>
-          </a:bodyPr>
-          <a:p>
-            <a:endParaRPr b="0" lang="pt-BR" sz="2800" spc="-1" strike="noStrike">
-              <a:solidFill>
-                <a:srgbClr val="000000"/>
-              </a:solidFill>
-              <a:latin typeface="Calibri"/>
-            </a:endParaRPr>
+              <a:t>Melhores Amigos</a:t>
+            </a:r>
+            <a:endParaRPr lang="pt-BR" sz="6000" dirty="0"/>
+          </a:p>
+        </p:txBody>
+      </p:sp>
+      <p:sp>
+        <p:nvSpPr>
+          <p:cNvPr id="3" name="Subtítulo 2">
+            <a:extLst>
+              <a:ext uri="{FF2B5EF4-FFF2-40B4-BE49-F238E27FC236}">
+                <a16:creationId xmlns:a16="http://schemas.microsoft.com/office/drawing/2014/main" id="{352E93D3-4BBE-42F2-AD83-0123995368E7}"/>
+              </a:ext>
+            </a:extLst>
+          </p:cNvPr>
+          <p:cNvSpPr>
+            <a:spLocks noGrp="1"/>
+          </p:cNvSpPr>
+          <p:nvPr>
+            <p:ph type="subTitle"/>
+          </p:nvPr>
+        </p:nvSpPr>
+        <p:spPr>
+          <a:xfrm>
+            <a:off x="1099127" y="1927160"/>
+            <a:ext cx="9417193" cy="4350960"/>
+          </a:xfrm>
+        </p:spPr>
+        <p:txBody>
+          <a:bodyPr/>
+          <a:lstStyle/>
+          <a:p>
+            <a:pPr algn="just"/>
+            <a:r>
+              <a:rPr lang="pt-BR" sz="3600" dirty="0">
+                <a:latin typeface="Comic Sans MS" panose="030F0702030302020204" pitchFamily="66" charset="0"/>
+              </a:rPr>
+              <a:t>Franjinha: Cebolinha, Cascão, Magali</a:t>
+            </a:r>
+          </a:p>
+          <a:p>
+            <a:pPr algn="just"/>
+            <a:r>
+              <a:rPr lang="pt-BR" sz="3600" dirty="0">
+                <a:latin typeface="Comic Sans MS" panose="030F0702030302020204" pitchFamily="66" charset="0"/>
+              </a:rPr>
+              <a:t>Marina:     Mônica, Cebolinha, Denise</a:t>
+            </a:r>
+          </a:p>
+          <a:p>
+            <a:pPr algn="just"/>
+            <a:r>
+              <a:rPr lang="pt-BR" sz="3600" dirty="0">
+                <a:latin typeface="Comic Sans MS" panose="030F0702030302020204" pitchFamily="66" charset="0"/>
+              </a:rPr>
+              <a:t>Denise:     Mônica, Magali, Carminha Frufru</a:t>
+            </a:r>
+          </a:p>
+          <a:p>
+            <a:pPr algn="just"/>
+            <a:r>
+              <a:rPr lang="pt-BR" sz="3600" dirty="0">
+                <a:latin typeface="Comic Sans MS" panose="030F0702030302020204" pitchFamily="66" charset="0"/>
+              </a:rPr>
+              <a:t>Xaveco:    Cebolinha, Magali, Mônica</a:t>
+            </a:r>
+          </a:p>
+          <a:p>
+            <a:pPr algn="just"/>
+            <a:r>
+              <a:rPr lang="pt-BR" sz="3600" dirty="0">
+                <a:latin typeface="Comic Sans MS" panose="030F0702030302020204" pitchFamily="66" charset="0"/>
+              </a:rPr>
+              <a:t>Bidu:         Franjinha, Mônica, Cebolinha</a:t>
+            </a:r>
+          </a:p>
+          <a:p>
+            <a:pPr algn="just"/>
+            <a:r>
+              <a:rPr lang="pt-BR" sz="3600" dirty="0">
+                <a:latin typeface="Comic Sans MS" panose="030F0702030302020204" pitchFamily="66" charset="0"/>
+              </a:rPr>
+              <a:t>Morte:     Mônica, Magali, Cascão</a:t>
+            </a:r>
+          </a:p>
+          <a:p>
+            <a:endParaRPr lang="pt-BR" dirty="0"/>
           </a:p>
         </p:txBody>
       </p:sp>
     </p:spTree>
+    <p:extLst>
+      <p:ext uri="{BB962C8B-B14F-4D97-AF65-F5344CB8AC3E}">
+        <p14:creationId xmlns:p14="http://schemas.microsoft.com/office/powerpoint/2010/main" val="1374277805"/>
+      </p:ext>
+    </p:extLst>
   </p:cSld>
-  <mc:AlternateContent>
-    <mc:Choice Requires="p14">
-      <p:transition spd="slow" p14:dur="2000"/>
-    </mc:Choice>
-    <mc:Fallback>
-      <p:transition spd="slow"/>
-    </mc:Fallback>
-  </mc:AlternateContent>
+  <p:clrMapOvr>
+    <a:masterClrMapping/>
+  </p:clrMapOvr>
 </p:sld>
 </file>
 
 <file path=ppt/slides/slide19.xml><?xml version="1.0" encoding="utf-8"?>
-<p:sld xmlns:a="http://schemas.openxmlformats.org/drawingml/2006/main" xmlns:p="http://schemas.openxmlformats.org/presentationml/2006/main" xmlns:r="http://schemas.openxmlformats.org/officeDocument/2006/relationships" xmlns:p14="http://schemas.microsoft.com/office/powerpoint/2010/main" xmlns:p15="http://schemas.microsoft.com/office/powerpoint/2012/main" xmlns:mc="http://schemas.openxmlformats.org/markup-compatibility/2006">
+<p:sld xmlns:a="http://schemas.openxmlformats.org/drawingml/2006/main" xmlns:r="http://schemas.openxmlformats.org/officeDocument/2006/relationships" xmlns:p="http://schemas.openxmlformats.org/presentationml/2006/main">
   <p:cSld>
     <p:bg>
       <p:bgPr>
         <a:blipFill rotWithShape="0">
-          <a:blip r:embed="rId1"/>
+          <a:blip r:embed="rId2"/>
           <a:stretch>
             <a:fillRect/>
           </a:stretch>
         </a:blipFill>
+        <a:effectLst/>
       </p:bgPr>
     </p:bg>
     <p:spTree>
@@ -5291,7 +7017,7 @@
       </p:grpSpPr>
       <p:sp>
         <p:nvSpPr>
-          <p:cNvPr id="131" name="TextShape 1"/>
+          <p:cNvPr id="129" name="TextShape 1"/>
           <p:cNvSpPr txBox="1"/>
           <p:nvPr/>
         </p:nvSpPr>
@@ -5312,6 +7038,7 @@
           <a:bodyPr anchor="ctr">
             <a:normAutofit/>
           </a:bodyPr>
+          <a:lstStyle/>
           <a:p>
             <a:pPr algn="r">
               <a:lnSpc>
@@ -5319,16 +7046,26 @@
               </a:lnSpc>
             </a:pPr>
             <a:r>
-              <a:rPr b="0" lang="pt-BR" sz="6000" spc="-1" strike="noStrike">
+              <a:rPr lang="pt-BR" sz="6000" b="0" strike="noStrike" spc="-1" dirty="0">
+                <a:ln w="38100">
+                  <a:solidFill>
+                    <a:schemeClr val="tx1"/>
+                  </a:solidFill>
+                </a:ln>
                 <a:solidFill>
-                  <a:srgbClr val="ffff00"/>
+                  <a:srgbClr val="FFFF00"/>
                 </a:solidFill>
                 <a:latin typeface="Cooper Black"/>
                 <a:ea typeface="BatangChe"/>
               </a:rPr>
-              <a:t>Curiosidades</a:t>
-            </a:r>
-            <a:endParaRPr b="0" lang="pt-BR" sz="6000" spc="-1" strike="noStrike">
+              <a:t>Caminho mais longo </a:t>
+            </a:r>
+            <a:endParaRPr lang="pt-BR" sz="6000" b="0" strike="noStrike" spc="-1" dirty="0">
+              <a:ln w="38100">
+                <a:solidFill>
+                  <a:schemeClr val="tx1"/>
+                </a:solidFill>
+              </a:ln>
               <a:solidFill>
                 <a:srgbClr val="000000"/>
               </a:solidFill>
@@ -5339,14 +7076,14 @@
       </p:sp>
       <p:sp>
         <p:nvSpPr>
-          <p:cNvPr id="132" name="TextShape 2"/>
+          <p:cNvPr id="130" name="TextShape 2"/>
           <p:cNvSpPr txBox="1"/>
           <p:nvPr/>
         </p:nvSpPr>
         <p:spPr>
           <a:xfrm>
-            <a:off x="0" y="1825560"/>
-            <a:ext cx="10516320" cy="4350960"/>
+            <a:off x="1228436" y="1825560"/>
+            <a:ext cx="9287884" cy="4350960"/>
           </a:xfrm>
           <a:prstGeom prst="rect">
             <a:avLst/>
@@ -5360,40 +7097,66 @@
           <a:bodyPr>
             <a:noAutofit/>
           </a:bodyPr>
-          <a:p>
-            <a:endParaRPr b="0" lang="pt-BR" sz="2800" spc="-1" strike="noStrike">
+          <a:lstStyle/>
+          <a:p>
+            <a:endParaRPr lang="pt-BR" sz="3600" b="0" strike="noStrike" spc="-1" dirty="0">
               <a:solidFill>
                 <a:srgbClr val="000000"/>
               </a:solidFill>
               <a:latin typeface="Calibri"/>
             </a:endParaRPr>
           </a:p>
+          <a:p>
+            <a:endParaRPr lang="pt-BR" sz="3600" spc="-1" dirty="0">
+              <a:solidFill>
+                <a:srgbClr val="000000"/>
+              </a:solidFill>
+              <a:latin typeface="Calibri"/>
+            </a:endParaRPr>
+          </a:p>
+          <a:p>
+            <a:pPr algn="just"/>
+            <a:r>
+              <a:rPr lang="pt-BR" sz="3600" b="0" strike="noStrike" spc="-1" dirty="0">
+                <a:solidFill>
+                  <a:srgbClr val="000000"/>
+                </a:solidFill>
+                <a:latin typeface="Calibri"/>
+              </a:rPr>
+              <a:t>Verinha -&gt; Rolo -&gt; Tina -&gt; Maurício de Souza -&gt; Cascão -&gt; Irmãs Cebolinhas -&gt; Chico Bento -&gt; Onça -&gt; Papa-Capim -&gt; Pajé </a:t>
+            </a:r>
+            <a:r>
+              <a:rPr lang="pt-BR" sz="3600" b="0" u="sng" strike="noStrike" spc="-1" dirty="0">
+                <a:solidFill>
+                  <a:srgbClr val="000000"/>
+                </a:solidFill>
+                <a:latin typeface="Calibri"/>
+              </a:rPr>
+              <a:t>-&gt; #tdm_35 Índia</a:t>
+            </a:r>
+          </a:p>
         </p:txBody>
       </p:sp>
     </p:spTree>
   </p:cSld>
-  <mc:AlternateContent>
-    <mc:Choice Requires="p14">
-      <p:transition spd="slow" p14:dur="2000"/>
-    </mc:Choice>
-    <mc:Fallback>
-      <p:transition spd="slow"/>
-    </mc:Fallback>
-  </mc:AlternateContent>
+  <p:clrMapOvr>
+    <a:masterClrMapping/>
+  </p:clrMapOvr>
 </p:sld>
 </file>
 
 <file path=ppt/slides/slide2.xml><?xml version="1.0" encoding="utf-8"?>
-<p:sld xmlns:a="http://schemas.openxmlformats.org/drawingml/2006/main" xmlns:p="http://schemas.openxmlformats.org/presentationml/2006/main" xmlns:r="http://schemas.openxmlformats.org/officeDocument/2006/relationships" xmlns:p14="http://schemas.microsoft.com/office/powerpoint/2010/main" xmlns:p15="http://schemas.microsoft.com/office/powerpoint/2012/main" xmlns:mc="http://schemas.openxmlformats.org/markup-compatibility/2006">
+<p:sld xmlns:a="http://schemas.openxmlformats.org/drawingml/2006/main" xmlns:r="http://schemas.openxmlformats.org/officeDocument/2006/relationships" xmlns:p="http://schemas.openxmlformats.org/presentationml/2006/main">
   <p:cSld>
     <p:bg>
       <p:bgPr>
         <a:blipFill rotWithShape="0">
-          <a:blip r:embed="rId1"/>
+          <a:blip r:embed="rId2"/>
           <a:stretch>
             <a:fillRect/>
           </a:stretch>
         </a:blipFill>
+        <a:effectLst/>
       </p:bgPr>
     </p:bg>
     <p:spTree>
@@ -5430,15 +7193,22 @@
           </a:ln>
         </p:spPr>
         <p:style>
-          <a:lnRef idx="0"/>
-          <a:fillRef idx="0"/>
-          <a:effectRef idx="0"/>
+          <a:lnRef idx="0">
+            <a:scrgbClr r="0" g="0" b="0"/>
+          </a:lnRef>
+          <a:fillRef idx="0">
+            <a:scrgbClr r="0" g="0" b="0"/>
+          </a:fillRef>
+          <a:effectRef idx="0">
+            <a:scrgbClr r="0" g="0" b="0"/>
+          </a:effectRef>
           <a:fontRef idx="minor"/>
         </p:style>
         <p:txBody>
           <a:bodyPr wrap="none">
             <a:spAutoFit/>
           </a:bodyPr>
+          <a:lstStyle/>
           <a:p>
             <a:pPr algn="ctr">
               <a:lnSpc>
@@ -5446,16 +7216,40 @@
               </a:lnSpc>
             </a:pPr>
             <a:r>
-              <a:rPr b="0" lang="pt-BR" sz="7200" spc="-1" strike="noStrike">
+              <a:rPr lang="pt-BR" sz="7200" b="0" strike="noStrike" spc="-1" dirty="0">
+                <a:ln w="38100">
+                  <a:solidFill>
+                    <a:schemeClr val="tx1"/>
+                  </a:solidFill>
+                </a:ln>
                 <a:solidFill>
-                  <a:srgbClr val="ffff00"/>
+                  <a:srgbClr val="FFFF00"/>
                 </a:solidFill>
+                <a:effectLst>
+                  <a:outerShdw blurRad="50800" dist="38100" dir="8100000" algn="tr" rotWithShape="0">
+                    <a:prstClr val="black">
+                      <a:alpha val="40000"/>
+                    </a:prstClr>
+                  </a:outerShdw>
+                </a:effectLst>
                 <a:latin typeface="Cooper Black"/>
                 <a:ea typeface="BatangChe"/>
               </a:rPr>
               <a:t>Rede de Personagens da</a:t>
             </a:r>
-            <a:endParaRPr b="0" lang="pt-BR" sz="7200" spc="-1" strike="noStrike">
+            <a:endParaRPr lang="pt-BR" sz="7200" b="0" strike="noStrike" spc="-1" dirty="0">
+              <a:ln w="38100">
+                <a:solidFill>
+                  <a:schemeClr val="tx1"/>
+                </a:solidFill>
+              </a:ln>
+              <a:effectLst>
+                <a:outerShdw blurRad="50800" dist="38100" dir="8100000" algn="tr" rotWithShape="0">
+                  <a:prstClr val="black">
+                    <a:alpha val="40000"/>
+                  </a:prstClr>
+                </a:outerShdw>
+              </a:effectLst>
               <a:latin typeface="Arial"/>
             </a:endParaRPr>
           </a:p>
@@ -5481,15 +7275,22 @@
           </a:ln>
         </p:spPr>
         <p:style>
-          <a:lnRef idx="0"/>
-          <a:fillRef idx="0"/>
-          <a:effectRef idx="0"/>
+          <a:lnRef idx="0">
+            <a:scrgbClr r="0" g="0" b="0"/>
+          </a:lnRef>
+          <a:fillRef idx="0">
+            <a:scrgbClr r="0" g="0" b="0"/>
+          </a:fillRef>
+          <a:effectRef idx="0">
+            <a:scrgbClr r="0" g="0" b="0"/>
+          </a:effectRef>
           <a:fontRef idx="minor"/>
         </p:style>
         <p:txBody>
-          <a:bodyPr lIns="90000" rIns="90000" tIns="45000" bIns="45000">
+          <a:bodyPr lIns="90000" tIns="45000" rIns="90000" bIns="45000">
             <a:spAutoFit/>
           </a:bodyPr>
+          <a:lstStyle/>
           <a:p>
             <a:pPr algn="ctr">
               <a:lnSpc>
@@ -5497,7 +7298,7 @@
               </a:lnSpc>
             </a:pPr>
             <a:r>
-              <a:rPr b="0" lang="pt-BR" sz="2000" spc="-1" strike="noStrike">
+              <a:rPr lang="pt-BR" sz="2000" b="0" strike="noStrike" spc="-1">
                 <a:solidFill>
                   <a:srgbClr val="000000"/>
                 </a:solidFill>
@@ -5505,7 +7306,7 @@
               </a:rPr>
               <a:t>Igor Patrício Michels</a:t>
             </a:r>
-            <a:endParaRPr b="0" lang="pt-BR" sz="2000" spc="-1" strike="noStrike">
+            <a:endParaRPr lang="pt-BR" sz="2000" b="0" strike="noStrike" spc="-1">
               <a:latin typeface="Arial"/>
             </a:endParaRPr>
           </a:p>
@@ -5516,7 +7317,7 @@
               </a:lnSpc>
             </a:pPr>
             <a:r>
-              <a:rPr b="0" lang="pt-BR" sz="2000" spc="-1" strike="noStrike">
+              <a:rPr lang="pt-BR" sz="2000" b="0" strike="noStrike" spc="-1">
                 <a:solidFill>
                   <a:srgbClr val="000000"/>
                 </a:solidFill>
@@ -5524,7 +7325,7 @@
               </a:rPr>
               <a:t>João Vinícius Primaki Prado</a:t>
             </a:r>
-            <a:endParaRPr b="0" lang="pt-BR" sz="2000" spc="-1" strike="noStrike">
+            <a:endParaRPr lang="pt-BR" sz="2000" b="0" strike="noStrike" spc="-1">
               <a:latin typeface="Arial"/>
             </a:endParaRPr>
           </a:p>
@@ -5535,7 +7336,7 @@
               </a:lnSpc>
             </a:pPr>
             <a:r>
-              <a:rPr b="0" lang="pt-BR" sz="2000" spc="-1" strike="noStrike">
+              <a:rPr lang="pt-BR" sz="2000" b="0" strike="noStrike" spc="-1">
                 <a:solidFill>
                   <a:srgbClr val="000000"/>
                 </a:solidFill>
@@ -5543,7 +7344,7 @@
               </a:rPr>
               <a:t>Prof: Alberto Paccanaro</a:t>
             </a:r>
-            <a:endParaRPr b="0" lang="pt-BR" sz="2000" spc="-1" strike="noStrike">
+            <a:endParaRPr lang="pt-BR" sz="2000" b="0" strike="noStrike" spc="-1">
               <a:latin typeface="Arial"/>
             </a:endParaRPr>
           </a:p>
@@ -5553,7 +7354,7 @@
                 <a:spcPct val="100000"/>
               </a:lnSpc>
             </a:pPr>
-            <a:endParaRPr b="0" lang="pt-BR" sz="2000" spc="-1" strike="noStrike">
+            <a:endParaRPr lang="pt-BR" sz="2000" b="0" strike="noStrike" spc="-1">
               <a:latin typeface="Arial"/>
             </a:endParaRPr>
           </a:p>
@@ -5564,7 +7365,7 @@
               </a:lnSpc>
             </a:pPr>
             <a:r>
-              <a:rPr b="0" lang="pt-BR" sz="1600" spc="-1" strike="noStrike">
+              <a:rPr lang="pt-BR" sz="1600" b="0" strike="noStrike" spc="-1">
                 <a:solidFill>
                   <a:srgbClr val="000000"/>
                 </a:solidFill>
@@ -5572,7 +7373,7 @@
               </a:rPr>
               <a:t>Escola de Matemática Aplicada</a:t>
             </a:r>
-            <a:endParaRPr b="0" lang="pt-BR" sz="1600" spc="-1" strike="noStrike">
+            <a:endParaRPr lang="pt-BR" sz="1600" b="0" strike="noStrike" spc="-1">
               <a:latin typeface="Arial"/>
             </a:endParaRPr>
           </a:p>
@@ -5583,7 +7384,7 @@
               </a:lnSpc>
             </a:pPr>
             <a:r>
-              <a:rPr b="0" lang="pt-BR" sz="1600" spc="-1" strike="noStrike">
+              <a:rPr lang="pt-BR" sz="1600" b="0" strike="noStrike" spc="-1">
                 <a:solidFill>
                   <a:srgbClr val="000000"/>
                 </a:solidFill>
@@ -5591,7 +7392,7 @@
               </a:rPr>
               <a:t>Fundação Getúlio Vargas</a:t>
             </a:r>
-            <a:endParaRPr b="0" lang="pt-BR" sz="1600" spc="-1" strike="noStrike">
+            <a:endParaRPr lang="pt-BR" sz="1600" b="0" strike="noStrike" spc="-1">
               <a:latin typeface="Arial"/>
             </a:endParaRPr>
           </a:p>
@@ -5602,7 +7403,7 @@
               </a:lnSpc>
             </a:pPr>
             <a:r>
-              <a:rPr b="0" lang="pt-BR" sz="1600" spc="-1" strike="noStrike">
+              <a:rPr lang="pt-BR" sz="1600" b="0" strike="noStrike" spc="-1">
                 <a:solidFill>
                   <a:srgbClr val="000000"/>
                 </a:solidFill>
@@ -5610,7 +7411,7 @@
               </a:rPr>
               <a:t>01 de Setembro de 2021</a:t>
             </a:r>
-            <a:endParaRPr b="0" lang="pt-BR" sz="1600" spc="-1" strike="noStrike">
+            <a:endParaRPr lang="pt-BR" sz="1600" b="0" strike="noStrike" spc="-1">
               <a:latin typeface="Arial"/>
             </a:endParaRPr>
           </a:p>
@@ -5618,18 +7419,18 @@
       </p:sp>
       <p:pic>
         <p:nvPicPr>
-          <p:cNvPr id="85" name="Imagem 10" descr=""/>
+          <p:cNvPr id="85" name="Imagem 10"/>
           <p:cNvPicPr/>
           <p:nvPr/>
         </p:nvPicPr>
         <p:blipFill>
-          <a:blip r:embed="rId2">
+          <a:blip r:embed="rId3">
             <a:extLst>
               <a:ext uri="{BEBA8EAE-BF5A-486C-A8C5-ECC9F3942E4B}">
                 <a14:imgProps xmlns:a14="http://schemas.microsoft.com/office/drawing/2010/main">
-                  <a14:imgLayer r:embed="rId3">
+                  <a14:imgLayer r:embed="rId4">
                     <a14:imgEffect>
-                      <a14:saturation colorTemp="11200" sat="400000"/>
+                      <a14:saturation sat="400000"/>
                     </a14:imgEffect>
                   </a14:imgLayer>
                 </a14:imgProps>
@@ -5653,12 +7454,12 @@
       </p:pic>
       <p:pic>
         <p:nvPicPr>
-          <p:cNvPr id="86" name="Imagem 12" descr=""/>
+          <p:cNvPr id="86" name="Imagem 12"/>
           <p:cNvPicPr/>
           <p:nvPr/>
         </p:nvPicPr>
         <p:blipFill>
-          <a:blip r:embed="rId4"/>
+          <a:blip r:embed="rId5"/>
           <a:stretch/>
         </p:blipFill>
         <p:spPr>
@@ -5676,28 +7477,24 @@
       </p:pic>
     </p:spTree>
   </p:cSld>
-  <mc:AlternateContent>
-    <mc:Choice Requires="p14">
-      <p:transition spd="slow" p14:dur="2000"/>
-    </mc:Choice>
-    <mc:Fallback>
-      <p:transition spd="slow"/>
-    </mc:Fallback>
-  </mc:AlternateContent>
+  <p:clrMapOvr>
+    <a:masterClrMapping/>
+  </p:clrMapOvr>
 </p:sld>
 </file>
 
-<file path=ppt/slides/slide3.xml><?xml version="1.0" encoding="utf-8"?>
-<p:sld xmlns:a="http://schemas.openxmlformats.org/drawingml/2006/main" xmlns:p="http://schemas.openxmlformats.org/presentationml/2006/main" xmlns:r="http://schemas.openxmlformats.org/officeDocument/2006/relationships" xmlns:p14="http://schemas.microsoft.com/office/powerpoint/2010/main" xmlns:p15="http://schemas.microsoft.com/office/powerpoint/2012/main" xmlns:mc="http://schemas.openxmlformats.org/markup-compatibility/2006">
+<file path=ppt/slides/slide20.xml><?xml version="1.0" encoding="utf-8"?>
+<p:sld xmlns:a="http://schemas.openxmlformats.org/drawingml/2006/main" xmlns:r="http://schemas.openxmlformats.org/officeDocument/2006/relationships" xmlns:p="http://schemas.openxmlformats.org/presentationml/2006/main">
   <p:cSld>
     <p:bg>
       <p:bgPr>
         <a:blipFill rotWithShape="0">
-          <a:blip r:embed="rId1"/>
+          <a:blip r:embed="rId2"/>
           <a:stretch>
             <a:fillRect/>
           </a:stretch>
         </a:blipFill>
+        <a:effectLst/>
       </p:bgPr>
     </p:bg>
     <p:spTree>
@@ -5716,14 +7513,14 @@
       </p:grpSpPr>
       <p:sp>
         <p:nvSpPr>
-          <p:cNvPr id="87" name="TextShape 1"/>
+          <p:cNvPr id="131" name="TextShape 1"/>
           <p:cNvSpPr txBox="1"/>
           <p:nvPr/>
         </p:nvSpPr>
         <p:spPr>
           <a:xfrm>
-            <a:off x="1676520" y="1683000"/>
-            <a:ext cx="10516320" cy="4350960"/>
+            <a:off x="1677268" y="355680"/>
+            <a:ext cx="10516320" cy="1325160"/>
           </a:xfrm>
           <a:prstGeom prst="rect">
             <a:avLst/>
@@ -5734,200 +7531,55 @@
           </a:ln>
         </p:spPr>
         <p:txBody>
-          <a:bodyPr>
-            <a:noAutofit/>
-          </a:bodyPr>
+          <a:bodyPr anchor="ctr">
+            <a:normAutofit/>
+          </a:bodyPr>
+          <a:lstStyle/>
           <a:p>
             <a:pPr>
               <a:lnSpc>
                 <a:spcPct val="90000"/>
               </a:lnSpc>
-              <a:spcBef>
-                <a:spcPts val="1001"/>
-              </a:spcBef>
-              <a:tabLst>
-                <a:tab algn="l" pos="0"/>
-              </a:tabLst>
             </a:pPr>
             <a:r>
-              <a:rPr b="0" lang="pt-BR" sz="2800" spc="-1" strike="noStrike">
+              <a:rPr lang="pt-BR" sz="6000" b="0" strike="noStrike" spc="-1" dirty="0">
+                <a:ln w="38100">
+                  <a:solidFill>
+                    <a:schemeClr val="tx1"/>
+                  </a:solidFill>
+                </a:ln>
                 <a:solidFill>
-                  <a:srgbClr val="000000"/>
+                  <a:srgbClr val="FFFF00"/>
                 </a:solidFill>
                 <a:latin typeface="Cooper Black"/>
-              </a:rPr>
-              <a:t>Rede composta por dados retirados de:</a:t>
-            </a:r>
-            <a:endParaRPr b="0" lang="pt-BR" sz="2800" spc="-1" strike="noStrike">
+                <a:ea typeface="BatangChe"/>
+              </a:rPr>
+              <a:t>Curiosidades</a:t>
+            </a:r>
+            <a:endParaRPr lang="pt-BR" sz="6000" b="0" strike="noStrike" spc="-1" dirty="0">
+              <a:ln w="38100">
+                <a:solidFill>
+                  <a:schemeClr val="tx1"/>
+                </a:solidFill>
+              </a:ln>
               <a:solidFill>
                 <a:srgbClr val="000000"/>
               </a:solidFill>
               <a:latin typeface="Calibri"/>
             </a:endParaRPr>
           </a:p>
-          <a:p>
-            <a:pPr marL="228600" indent="-228240">
-              <a:lnSpc>
-                <a:spcPct val="90000"/>
-              </a:lnSpc>
-              <a:spcBef>
-                <a:spcPts val="1001"/>
-              </a:spcBef>
-              <a:buClr>
-                <a:srgbClr val="000000"/>
-              </a:buClr>
-              <a:buFont typeface="Arial"/>
-              <a:buChar char="•"/>
-              <a:tabLst>
-                <a:tab algn="l" pos="0"/>
-              </a:tabLst>
-            </a:pPr>
-            <a:r>
-              <a:rPr b="0" lang="pt-BR" sz="2800" spc="-1" strike="noStrike">
-                <a:solidFill>
-                  <a:srgbClr val="000000"/>
-                </a:solidFill>
-                <a:latin typeface="Cooper Black"/>
-              </a:rPr>
-              <a:t>20 Edições da Turma da Mônica Clássica, 1ª Série da Panini, Nº20 à Nº39</a:t>
-            </a:r>
-            <a:endParaRPr b="0" lang="pt-BR" sz="2800" spc="-1" strike="noStrike">
-              <a:solidFill>
-                <a:srgbClr val="000000"/>
-              </a:solidFill>
-              <a:latin typeface="Calibri"/>
-            </a:endParaRPr>
-          </a:p>
-          <a:p>
-            <a:pPr marL="228600" indent="-228240">
-              <a:lnSpc>
-                <a:spcPct val="90000"/>
-              </a:lnSpc>
-              <a:spcBef>
-                <a:spcPts val="1001"/>
-              </a:spcBef>
-              <a:buClr>
-                <a:srgbClr val="000000"/>
-              </a:buClr>
-              <a:buFont typeface="Arial"/>
-              <a:buChar char="•"/>
-              <a:tabLst>
-                <a:tab algn="l" pos="0"/>
-              </a:tabLst>
-            </a:pPr>
-            <a:r>
-              <a:rPr b="0" lang="pt-BR" sz="2800" spc="-1" strike="noStrike">
-                <a:solidFill>
-                  <a:srgbClr val="000000"/>
-                </a:solidFill>
-                <a:latin typeface="Cooper Black"/>
-              </a:rPr>
-              <a:t>10 Edições da Turma da Mônica Jovem, 1ª Série da Panini, Nº01 à Nº10</a:t>
-            </a:r>
-            <a:endParaRPr b="0" lang="pt-BR" sz="2800" spc="-1" strike="noStrike">
-              <a:solidFill>
-                <a:srgbClr val="000000"/>
-              </a:solidFill>
-              <a:latin typeface="Calibri"/>
-            </a:endParaRPr>
-          </a:p>
-          <a:p>
-            <a:pPr>
-              <a:lnSpc>
-                <a:spcPct val="90000"/>
-              </a:lnSpc>
-              <a:spcBef>
-                <a:spcPts val="1001"/>
-              </a:spcBef>
-              <a:tabLst>
-                <a:tab algn="l" pos="0"/>
-              </a:tabLst>
-            </a:pPr>
-            <a:endParaRPr b="0" lang="pt-BR" sz="2800" spc="-1" strike="noStrike">
-              <a:solidFill>
-                <a:srgbClr val="000000"/>
-              </a:solidFill>
-              <a:latin typeface="Calibri"/>
-            </a:endParaRPr>
-          </a:p>
-          <a:p>
-            <a:pPr marL="228600" indent="-228240">
-              <a:lnSpc>
-                <a:spcPct val="90000"/>
-              </a:lnSpc>
-              <a:spcBef>
-                <a:spcPts val="1001"/>
-              </a:spcBef>
-              <a:buClr>
-                <a:srgbClr val="000000"/>
-              </a:buClr>
-              <a:buFont typeface="Arial"/>
-              <a:buChar char="•"/>
-              <a:tabLst>
-                <a:tab algn="l" pos="0"/>
-              </a:tabLst>
-            </a:pPr>
-            <a:r>
-              <a:rPr b="0" lang="pt-BR" sz="2800" spc="-1" strike="noStrike">
-                <a:solidFill>
-                  <a:srgbClr val="000000"/>
-                </a:solidFill>
-                <a:latin typeface="Cooper Black"/>
-              </a:rPr>
-              <a:t>Nós: Personagens</a:t>
-            </a:r>
-            <a:endParaRPr b="0" lang="pt-BR" sz="2800" spc="-1" strike="noStrike">
-              <a:solidFill>
-                <a:srgbClr val="000000"/>
-              </a:solidFill>
-              <a:latin typeface="Calibri"/>
-            </a:endParaRPr>
-          </a:p>
-          <a:p>
-            <a:pPr marL="228600" indent="-228240" algn="just">
-              <a:lnSpc>
-                <a:spcPct val="90000"/>
-              </a:lnSpc>
-              <a:spcBef>
-                <a:spcPts val="1001"/>
-              </a:spcBef>
-              <a:buClr>
-                <a:srgbClr val="000000"/>
-              </a:buClr>
-              <a:buFont typeface="Arial"/>
-              <a:buChar char="•"/>
-              <a:tabLst>
-                <a:tab algn="l" pos="0"/>
-              </a:tabLst>
-            </a:pPr>
-            <a:r>
-              <a:rPr b="0" lang="pt-BR" sz="2800" spc="-1" strike="noStrike">
-                <a:solidFill>
-                  <a:srgbClr val="000000"/>
-                </a:solidFill>
-                <a:latin typeface="Cooper Black"/>
-              </a:rPr>
-              <a:t>Arestas: Relação de aparecer numa mesma página</a:t>
-            </a:r>
-            <a:endParaRPr b="0" lang="pt-BR" sz="2800" spc="-1" strike="noStrike">
-              <a:solidFill>
-                <a:srgbClr val="000000"/>
-              </a:solidFill>
-              <a:latin typeface="Calibri"/>
-            </a:endParaRPr>
-          </a:p>
-        </p:txBody>
-      </p:sp>
-      <p:sp>
-        <p:nvSpPr>
-          <p:cNvPr id="88" name="TextShape 2"/>
+        </p:txBody>
+      </p:sp>
+      <p:sp>
+        <p:nvSpPr>
+          <p:cNvPr id="132" name="TextShape 2"/>
           <p:cNvSpPr txBox="1"/>
           <p:nvPr/>
         </p:nvSpPr>
         <p:spPr>
           <a:xfrm>
-            <a:off x="1676520" y="175680"/>
-            <a:ext cx="2089080" cy="1737720"/>
+            <a:off x="1677268" y="1816324"/>
+            <a:ext cx="10516320" cy="4350960"/>
           </a:xfrm>
           <a:prstGeom prst="rect">
             <a:avLst/>
@@ -5938,26 +7590,12 @@
           </a:ln>
         </p:spPr>
         <p:txBody>
-          <a:bodyPr anchor="ctr">
+          <a:bodyPr>
             <a:noAutofit/>
           </a:bodyPr>
-          <a:p>
-            <a:pPr algn="ctr">
-              <a:lnSpc>
-                <a:spcPct val="90000"/>
-              </a:lnSpc>
-            </a:pPr>
-            <a:r>
-              <a:rPr b="0" lang="pt-BR" sz="6000" spc="-1" strike="noStrike">
-                <a:solidFill>
-                  <a:srgbClr val="ffff00"/>
-                </a:solidFill>
-                <a:latin typeface="Cooper Black"/>
-                <a:ea typeface="BatangChe"/>
-              </a:rPr>
-              <a:t>Rede</a:t>
-            </a:r>
-            <a:endParaRPr b="0" lang="pt-BR" sz="6000" spc="-1" strike="noStrike">
+          <a:lstStyle/>
+          <a:p>
+            <a:endParaRPr lang="pt-BR" sz="2800" b="0" strike="noStrike" spc="-1">
               <a:solidFill>
                 <a:srgbClr val="000000"/>
               </a:solidFill>
@@ -5968,28 +7606,24 @@
       </p:sp>
     </p:spTree>
   </p:cSld>
-  <mc:AlternateContent>
-    <mc:Choice Requires="p14">
-      <p:transition spd="slow" p14:dur="2000"/>
-    </mc:Choice>
-    <mc:Fallback>
-      <p:transition spd="slow"/>
-    </mc:Fallback>
-  </mc:AlternateContent>
+  <p:clrMapOvr>
+    <a:masterClrMapping/>
+  </p:clrMapOvr>
 </p:sld>
 </file>
 
-<file path=ppt/slides/slide4.xml><?xml version="1.0" encoding="utf-8"?>
-<p:sld xmlns:a="http://schemas.openxmlformats.org/drawingml/2006/main" xmlns:p="http://schemas.openxmlformats.org/presentationml/2006/main" xmlns:r="http://schemas.openxmlformats.org/officeDocument/2006/relationships" xmlns:p14="http://schemas.microsoft.com/office/powerpoint/2010/main" xmlns:p15="http://schemas.microsoft.com/office/powerpoint/2012/main" xmlns:mc="http://schemas.openxmlformats.org/markup-compatibility/2006">
+<file path=ppt/slides/slide3.xml><?xml version="1.0" encoding="utf-8"?>
+<p:sld xmlns:a="http://schemas.openxmlformats.org/drawingml/2006/main" xmlns:r="http://schemas.openxmlformats.org/officeDocument/2006/relationships" xmlns:p="http://schemas.openxmlformats.org/presentationml/2006/main">
   <p:cSld>
     <p:bg>
       <p:bgPr>
         <a:blipFill rotWithShape="0">
-          <a:blip r:embed="rId1"/>
+          <a:blip r:embed="rId2"/>
           <a:stretch>
             <a:fillRect/>
           </a:stretch>
         </a:blipFill>
+        <a:effectLst/>
       </p:bgPr>
     </p:bg>
     <p:spTree>
@@ -6008,14 +7642,14 @@
       </p:grpSpPr>
       <p:sp>
         <p:nvSpPr>
-          <p:cNvPr id="89" name="TextShape 1"/>
+          <p:cNvPr id="87" name="TextShape 1"/>
           <p:cNvSpPr txBox="1"/>
           <p:nvPr/>
         </p:nvSpPr>
         <p:spPr>
           <a:xfrm>
-            <a:off x="0" y="393120"/>
-            <a:ext cx="10516320" cy="1325160"/>
+            <a:off x="1676520" y="1683000"/>
+            <a:ext cx="10516320" cy="4350960"/>
           </a:xfrm>
           <a:prstGeom prst="rect">
             <a:avLst/>
@@ -6026,9 +7660,215 @@
           </a:ln>
         </p:spPr>
         <p:txBody>
+          <a:bodyPr>
+            <a:noAutofit/>
+          </a:bodyPr>
+          <a:lstStyle/>
+          <a:p>
+            <a:pPr>
+              <a:lnSpc>
+                <a:spcPct val="90000"/>
+              </a:lnSpc>
+              <a:spcBef>
+                <a:spcPts val="1001"/>
+              </a:spcBef>
+              <a:tabLst>
+                <a:tab pos="0" algn="l"/>
+              </a:tabLst>
+            </a:pPr>
+            <a:r>
+              <a:rPr lang="pt-BR" sz="2800" b="0" strike="noStrike" spc="-1" dirty="0">
+                <a:solidFill>
+                  <a:srgbClr val="000000"/>
+                </a:solidFill>
+                <a:latin typeface="Cooper Black"/>
+              </a:rPr>
+              <a:t>Rede composta por dados retirados de:</a:t>
+            </a:r>
+            <a:endParaRPr lang="pt-BR" sz="2800" b="0" strike="noStrike" spc="-1" dirty="0">
+              <a:solidFill>
+                <a:srgbClr val="000000"/>
+              </a:solidFill>
+              <a:latin typeface="Calibri"/>
+            </a:endParaRPr>
+          </a:p>
+          <a:p>
+            <a:pPr marL="228600" indent="-228240">
+              <a:lnSpc>
+                <a:spcPct val="90000"/>
+              </a:lnSpc>
+              <a:spcBef>
+                <a:spcPts val="1001"/>
+              </a:spcBef>
+              <a:buClr>
+                <a:srgbClr val="000000"/>
+              </a:buClr>
+              <a:buFont typeface="Arial"/>
+              <a:buChar char="•"/>
+              <a:tabLst>
+                <a:tab pos="0" algn="l"/>
+              </a:tabLst>
+            </a:pPr>
+            <a:r>
+              <a:rPr lang="pt-BR" sz="2800" b="0" strike="noStrike" spc="-1" dirty="0">
+                <a:solidFill>
+                  <a:srgbClr val="000000"/>
+                </a:solidFill>
+                <a:latin typeface="Cooper Black"/>
+              </a:rPr>
+              <a:t>20 Edições da Turma da Mônica Clássica, 1ª Série da Panini, Nº20 à Nº39</a:t>
+            </a:r>
+            <a:endParaRPr lang="pt-BR" sz="2800" b="0" strike="noStrike" spc="-1" dirty="0">
+              <a:solidFill>
+                <a:srgbClr val="000000"/>
+              </a:solidFill>
+              <a:latin typeface="Calibri"/>
+            </a:endParaRPr>
+          </a:p>
+          <a:p>
+            <a:pPr marL="228600" indent="-228240">
+              <a:lnSpc>
+                <a:spcPct val="90000"/>
+              </a:lnSpc>
+              <a:spcBef>
+                <a:spcPts val="1001"/>
+              </a:spcBef>
+              <a:buClr>
+                <a:srgbClr val="000000"/>
+              </a:buClr>
+              <a:buFont typeface="Arial"/>
+              <a:buChar char="•"/>
+              <a:tabLst>
+                <a:tab pos="0" algn="l"/>
+              </a:tabLst>
+            </a:pPr>
+            <a:r>
+              <a:rPr lang="pt-BR" sz="2800" b="0" strike="noStrike" spc="-1" dirty="0">
+                <a:solidFill>
+                  <a:srgbClr val="000000"/>
+                </a:solidFill>
+                <a:latin typeface="Cooper Black"/>
+              </a:rPr>
+              <a:t>10 Edições da Turma da Mônica Jovem, 1ª Série da Panini, Nº01 à Nº10</a:t>
+            </a:r>
+            <a:endParaRPr lang="pt-BR" sz="2800" b="0" strike="noStrike" spc="-1" dirty="0">
+              <a:solidFill>
+                <a:srgbClr val="000000"/>
+              </a:solidFill>
+              <a:latin typeface="Calibri"/>
+            </a:endParaRPr>
+          </a:p>
+          <a:p>
+            <a:pPr>
+              <a:lnSpc>
+                <a:spcPct val="90000"/>
+              </a:lnSpc>
+              <a:spcBef>
+                <a:spcPts val="1001"/>
+              </a:spcBef>
+              <a:tabLst>
+                <a:tab pos="0" algn="l"/>
+              </a:tabLst>
+            </a:pPr>
+            <a:endParaRPr lang="pt-BR" sz="2800" b="0" strike="noStrike" spc="-1" dirty="0">
+              <a:solidFill>
+                <a:srgbClr val="000000"/>
+              </a:solidFill>
+              <a:latin typeface="Calibri"/>
+            </a:endParaRPr>
+          </a:p>
+          <a:p>
+            <a:pPr marL="228600" indent="-228240">
+              <a:lnSpc>
+                <a:spcPct val="90000"/>
+              </a:lnSpc>
+              <a:spcBef>
+                <a:spcPts val="1001"/>
+              </a:spcBef>
+              <a:buClr>
+                <a:srgbClr val="000000"/>
+              </a:buClr>
+              <a:buFont typeface="Arial"/>
+              <a:buChar char="•"/>
+              <a:tabLst>
+                <a:tab pos="0" algn="l"/>
+              </a:tabLst>
+            </a:pPr>
+            <a:r>
+              <a:rPr lang="pt-BR" sz="2800" b="0" strike="noStrike" spc="-1" dirty="0">
+                <a:solidFill>
+                  <a:srgbClr val="000000"/>
+                </a:solidFill>
+                <a:latin typeface="Cooper Black"/>
+              </a:rPr>
+              <a:t>Nós: Personagens</a:t>
+            </a:r>
+            <a:endParaRPr lang="pt-BR" sz="2800" b="0" strike="noStrike" spc="-1" dirty="0">
+              <a:solidFill>
+                <a:srgbClr val="000000"/>
+              </a:solidFill>
+              <a:latin typeface="Calibri"/>
+            </a:endParaRPr>
+          </a:p>
+          <a:p>
+            <a:pPr marL="228600" indent="-228240" algn="just">
+              <a:lnSpc>
+                <a:spcPct val="90000"/>
+              </a:lnSpc>
+              <a:spcBef>
+                <a:spcPts val="1001"/>
+              </a:spcBef>
+              <a:buClr>
+                <a:srgbClr val="000000"/>
+              </a:buClr>
+              <a:buFont typeface="Arial"/>
+              <a:buChar char="•"/>
+              <a:tabLst>
+                <a:tab pos="0" algn="l"/>
+              </a:tabLst>
+            </a:pPr>
+            <a:r>
+              <a:rPr lang="pt-BR" sz="2800" b="0" strike="noStrike" spc="-1" dirty="0">
+                <a:solidFill>
+                  <a:srgbClr val="000000"/>
+                </a:solidFill>
+                <a:latin typeface="Cooper Black"/>
+              </a:rPr>
+              <a:t>Arestas: Relação de aparecer numa mesma página</a:t>
+            </a:r>
+            <a:endParaRPr lang="pt-BR" sz="2800" b="0" strike="noStrike" spc="-1" dirty="0">
+              <a:solidFill>
+                <a:srgbClr val="000000"/>
+              </a:solidFill>
+              <a:latin typeface="Calibri"/>
+            </a:endParaRPr>
+          </a:p>
+        </p:txBody>
+      </p:sp>
+      <p:sp>
+        <p:nvSpPr>
+          <p:cNvPr id="88" name="TextShape 2"/>
+          <p:cNvSpPr txBox="1"/>
+          <p:nvPr/>
+        </p:nvSpPr>
+        <p:spPr>
+          <a:xfrm>
+            <a:off x="1676520" y="175680"/>
+            <a:ext cx="2089080" cy="1737720"/>
+          </a:xfrm>
+          <a:prstGeom prst="rect">
+            <a:avLst/>
+          </a:prstGeom>
+          <a:noFill/>
+          <a:ln>
+            <a:noFill/>
+          </a:ln>
+        </p:spPr>
+        <p:txBody>
           <a:bodyPr anchor="ctr">
-            <a:normAutofit/>
-          </a:bodyPr>
+            <a:noAutofit/>
+          </a:bodyPr>
+          <a:lstStyle/>
           <a:p>
             <a:pPr algn="ctr">
               <a:lnSpc>
@@ -6036,16 +7876,26 @@
               </a:lnSpc>
             </a:pPr>
             <a:r>
-              <a:rPr b="0" lang="pt-BR" sz="6000" spc="-1" strike="noStrike">
+              <a:rPr lang="pt-BR" sz="6000" b="0" strike="noStrike" spc="-1" dirty="0">
+                <a:ln w="38100">
+                  <a:solidFill>
+                    <a:schemeClr val="tx1"/>
+                  </a:solidFill>
+                </a:ln>
                 <a:solidFill>
-                  <a:srgbClr val="ffff00"/>
+                  <a:srgbClr val="FFFF00"/>
                 </a:solidFill>
                 <a:latin typeface="Cooper Black"/>
                 <a:ea typeface="BatangChe"/>
               </a:rPr>
-              <a:t>Rede Geral (#)</a:t>
-            </a:r>
-            <a:endParaRPr b="0" lang="pt-BR" sz="6000" spc="-1" strike="noStrike">
+              <a:t>Rede</a:t>
+            </a:r>
+            <a:endParaRPr lang="pt-BR" sz="6000" b="0" strike="noStrike" spc="-1" dirty="0">
+              <a:ln w="38100">
+                <a:solidFill>
+                  <a:schemeClr val="tx1"/>
+                </a:solidFill>
+              </a:ln>
               <a:solidFill>
                 <a:srgbClr val="000000"/>
               </a:solidFill>
@@ -6054,65 +7904,26 @@
           </a:p>
         </p:txBody>
       </p:sp>
-      <p:pic>
-        <p:nvPicPr>
-          <p:cNvPr id="90" name="Espaço Reservado para Conteúdo 4" descr=""/>
-          <p:cNvPicPr/>
-          <p:nvPr/>
-        </p:nvPicPr>
-        <p:blipFill>
-          <a:blip r:embed="rId2"/>
-          <a:stretch/>
-        </p:blipFill>
-        <p:spPr>
-          <a:xfrm>
-            <a:off x="1994400" y="1886760"/>
-            <a:ext cx="6527520" cy="4350960"/>
-          </a:xfrm>
-          <a:prstGeom prst="rect">
-            <a:avLst/>
-          </a:prstGeom>
-          <a:ln cap="sq" w="38160">
-            <a:solidFill>
-              <a:schemeClr val="accent1">
-                <a:lumMod val="75000"/>
-              </a:schemeClr>
-            </a:solidFill>
-            <a:miter/>
-          </a:ln>
-          <a:effectLst>
-            <a:outerShdw algn="tl" blurRad="50800" dir="2700000" dist="37674" rotWithShape="0">
-              <a:srgbClr val="000000">
-                <a:alpha val="43000"/>
-              </a:srgbClr>
-            </a:outerShdw>
-          </a:effectLst>
-        </p:spPr>
-      </p:pic>
     </p:spTree>
   </p:cSld>
-  <mc:AlternateContent>
-    <mc:Choice Requires="p14">
-      <p:transition spd="slow" p14:dur="2000"/>
-    </mc:Choice>
-    <mc:Fallback>
-      <p:transition spd="slow"/>
-    </mc:Fallback>
-  </mc:AlternateContent>
+  <p:clrMapOvr>
+    <a:masterClrMapping/>
+  </p:clrMapOvr>
 </p:sld>
 </file>
 
-<file path=ppt/slides/slide5.xml><?xml version="1.0" encoding="utf-8"?>
-<p:sld xmlns:a="http://schemas.openxmlformats.org/drawingml/2006/main" xmlns:p="http://schemas.openxmlformats.org/presentationml/2006/main" xmlns:r="http://schemas.openxmlformats.org/officeDocument/2006/relationships" xmlns:p14="http://schemas.microsoft.com/office/powerpoint/2010/main" xmlns:p15="http://schemas.microsoft.com/office/powerpoint/2012/main" xmlns:mc="http://schemas.openxmlformats.org/markup-compatibility/2006">
+<file path=ppt/slides/slide4.xml><?xml version="1.0" encoding="utf-8"?>
+<p:sld xmlns:a="http://schemas.openxmlformats.org/drawingml/2006/main" xmlns:r="http://schemas.openxmlformats.org/officeDocument/2006/relationships" xmlns:p="http://schemas.openxmlformats.org/presentationml/2006/main">
   <p:cSld>
     <p:bg>
       <p:bgPr>
         <a:blipFill rotWithShape="0">
-          <a:blip r:embed="rId1"/>
+          <a:blip r:embed="rId2"/>
           <a:stretch>
             <a:fillRect/>
           </a:stretch>
         </a:blipFill>
+        <a:effectLst/>
       </p:bgPr>
     </p:bg>
     <p:spTree>
@@ -6131,7 +7942,7 @@
       </p:grpSpPr>
       <p:sp>
         <p:nvSpPr>
-          <p:cNvPr id="91" name="TextShape 1"/>
+          <p:cNvPr id="89" name="TextShape 1"/>
           <p:cNvSpPr txBox="1"/>
           <p:nvPr/>
         </p:nvSpPr>
@@ -6150,8 +7961,9 @@
         </p:spPr>
         <p:txBody>
           <a:bodyPr anchor="ctr">
-            <a:noAutofit/>
-          </a:bodyPr>
+            <a:normAutofit/>
+          </a:bodyPr>
+          <a:lstStyle/>
           <a:p>
             <a:pPr algn="ctr">
               <a:lnSpc>
@@ -6159,16 +7971,26 @@
               </a:lnSpc>
             </a:pPr>
             <a:r>
-              <a:rPr b="0" lang="pt-BR" sz="6000" spc="-1" strike="noStrike">
+              <a:rPr lang="pt-BR" sz="6000" b="0" strike="noStrike" spc="-1" dirty="0">
+                <a:ln w="38100">
+                  <a:solidFill>
+                    <a:schemeClr val="tx1"/>
+                  </a:solidFill>
+                </a:ln>
                 <a:solidFill>
-                  <a:srgbClr val="ffff00"/>
+                  <a:srgbClr val="FFFF00"/>
                 </a:solidFill>
                 <a:latin typeface="Cooper Black"/>
                 <a:ea typeface="BatangChe"/>
               </a:rPr>
-              <a:t>Maior Componente Conexa</a:t>
-            </a:r>
-            <a:endParaRPr b="0" lang="pt-BR" sz="6000" spc="-1" strike="noStrike">
+              <a:t>Rede Geral (#)</a:t>
+            </a:r>
+            <a:endParaRPr lang="pt-BR" sz="6000" b="0" strike="noStrike" spc="-1" dirty="0">
+              <a:ln w="38100">
+                <a:solidFill>
+                  <a:schemeClr val="tx1"/>
+                </a:solidFill>
+              </a:ln>
               <a:solidFill>
                 <a:srgbClr val="000000"/>
               </a:solidFill>
@@ -6179,23 +8001,23 @@
       </p:sp>
       <p:pic>
         <p:nvPicPr>
-          <p:cNvPr id="92" name="Espaço Reservado para Conteúdo 6" descr=""/>
+          <p:cNvPr id="90" name="Espaço Reservado para Conteúdo 4"/>
           <p:cNvPicPr/>
           <p:nvPr/>
         </p:nvPicPr>
         <p:blipFill>
-          <a:blip r:embed="rId2"/>
+          <a:blip r:embed="rId3"/>
           <a:stretch/>
         </p:blipFill>
         <p:spPr>
           <a:xfrm>
-            <a:off x="1994400" y="1900440"/>
+            <a:off x="1994400" y="1886760"/>
             <a:ext cx="6527520" cy="4350960"/>
           </a:xfrm>
           <a:prstGeom prst="rect">
             <a:avLst/>
           </a:prstGeom>
-          <a:ln cap="sq" w="38160">
+          <a:ln w="38160" cap="sq">
             <a:solidFill>
               <a:schemeClr val="accent1">
                 <a:lumMod val="75000"/>
@@ -6204,7 +8026,7 @@
             <a:miter/>
           </a:ln>
           <a:effectLst>
-            <a:outerShdw algn="tl" blurRad="50800" dir="2700000" dist="37674" rotWithShape="0">
+            <a:outerShdw blurRad="50800" dist="37674" dir="2700000" algn="tl" rotWithShape="0">
               <a:srgbClr val="000000">
                 <a:alpha val="43000"/>
               </a:srgbClr>
@@ -6214,28 +8036,24 @@
       </p:pic>
     </p:spTree>
   </p:cSld>
-  <mc:AlternateContent>
-    <mc:Choice Requires="p14">
-      <p:transition spd="slow" p14:dur="2000"/>
-    </mc:Choice>
-    <mc:Fallback>
-      <p:transition spd="slow"/>
-    </mc:Fallback>
-  </mc:AlternateContent>
+  <p:clrMapOvr>
+    <a:masterClrMapping/>
+  </p:clrMapOvr>
 </p:sld>
 </file>
 
-<file path=ppt/slides/slide6.xml><?xml version="1.0" encoding="utf-8"?>
-<p:sld xmlns:a="http://schemas.openxmlformats.org/drawingml/2006/main" xmlns:p="http://schemas.openxmlformats.org/presentationml/2006/main" xmlns:r="http://schemas.openxmlformats.org/officeDocument/2006/relationships" xmlns:p14="http://schemas.microsoft.com/office/powerpoint/2010/main" xmlns:p15="http://schemas.microsoft.com/office/powerpoint/2012/main" xmlns:mc="http://schemas.openxmlformats.org/markup-compatibility/2006">
+<file path=ppt/slides/slide5.xml><?xml version="1.0" encoding="utf-8"?>
+<p:sld xmlns:a="http://schemas.openxmlformats.org/drawingml/2006/main" xmlns:r="http://schemas.openxmlformats.org/officeDocument/2006/relationships" xmlns:p="http://schemas.openxmlformats.org/presentationml/2006/main">
   <p:cSld>
     <p:bg>
       <p:bgPr>
         <a:blipFill rotWithShape="0">
-          <a:blip r:embed="rId1"/>
+          <a:blip r:embed="rId2"/>
           <a:stretch>
             <a:fillRect/>
           </a:stretch>
         </a:blipFill>
+        <a:effectLst/>
       </p:bgPr>
     </p:bg>
     <p:spTree>
@@ -6254,7 +8072,7 @@
       </p:grpSpPr>
       <p:sp>
         <p:nvSpPr>
-          <p:cNvPr id="93" name="TextShape 1"/>
+          <p:cNvPr id="91" name="TextShape 1"/>
           <p:cNvSpPr txBox="1"/>
           <p:nvPr/>
         </p:nvSpPr>
@@ -6275,6 +8093,7 @@
           <a:bodyPr anchor="ctr">
             <a:noAutofit/>
           </a:bodyPr>
+          <a:lstStyle/>
           <a:p>
             <a:pPr algn="ctr">
               <a:lnSpc>
@@ -6282,16 +8101,26 @@
               </a:lnSpc>
             </a:pPr>
             <a:r>
-              <a:rPr b="0" lang="pt-BR" sz="6000" spc="-1" strike="noStrike">
+              <a:rPr lang="pt-BR" sz="6000" b="0" strike="noStrike" spc="-1" dirty="0">
+                <a:ln w="38100">
+                  <a:solidFill>
+                    <a:schemeClr val="tx1"/>
+                  </a:solidFill>
+                </a:ln>
                 <a:solidFill>
-                  <a:srgbClr val="ffff00"/>
+                  <a:srgbClr val="FFFF00"/>
                 </a:solidFill>
                 <a:latin typeface="Cooper Black"/>
                 <a:ea typeface="BatangChe"/>
               </a:rPr>
-              <a:t>Rede sem Figurantes</a:t>
-            </a:r>
-            <a:endParaRPr b="0" lang="pt-BR" sz="6000" spc="-1" strike="noStrike">
+              <a:t>Maior Componente Conexa</a:t>
+            </a:r>
+            <a:endParaRPr lang="pt-BR" sz="6000" b="0" strike="noStrike" spc="-1" dirty="0">
+              <a:ln w="38100">
+                <a:solidFill>
+                  <a:schemeClr val="tx1"/>
+                </a:solidFill>
+              </a:ln>
               <a:solidFill>
                 <a:srgbClr val="000000"/>
               </a:solidFill>
@@ -6302,23 +8131,23 @@
       </p:sp>
       <p:pic>
         <p:nvPicPr>
-          <p:cNvPr id="94" name="Espaço Reservado para Conteúdo 10" descr=""/>
+          <p:cNvPr id="92" name="Espaço Reservado para Conteúdo 6"/>
           <p:cNvPicPr/>
           <p:nvPr/>
         </p:nvPicPr>
         <p:blipFill>
-          <a:blip r:embed="rId2"/>
+          <a:blip r:embed="rId3"/>
           <a:stretch/>
         </p:blipFill>
         <p:spPr>
           <a:xfrm>
-            <a:off x="1994400" y="1918800"/>
+            <a:off x="1994400" y="1900440"/>
             <a:ext cx="6527520" cy="4350960"/>
           </a:xfrm>
           <a:prstGeom prst="rect">
             <a:avLst/>
           </a:prstGeom>
-          <a:ln cap="sq" w="38160">
+          <a:ln w="38160" cap="sq">
             <a:solidFill>
               <a:schemeClr val="accent1">
                 <a:lumMod val="75000"/>
@@ -6327,7 +8156,7 @@
             <a:miter/>
           </a:ln>
           <a:effectLst>
-            <a:outerShdw algn="tl" blurRad="50800" dir="2700000" dist="37674" rotWithShape="0">
+            <a:outerShdw blurRad="50800" dist="37674" dir="2700000" algn="tl" rotWithShape="0">
               <a:srgbClr val="000000">
                 <a:alpha val="43000"/>
               </a:srgbClr>
@@ -6337,28 +8166,24 @@
       </p:pic>
     </p:spTree>
   </p:cSld>
-  <mc:AlternateContent>
-    <mc:Choice Requires="p14">
-      <p:transition spd="slow" p14:dur="2000"/>
-    </mc:Choice>
-    <mc:Fallback>
-      <p:transition spd="slow"/>
-    </mc:Fallback>
-  </mc:AlternateContent>
+  <p:clrMapOvr>
+    <a:masterClrMapping/>
+  </p:clrMapOvr>
 </p:sld>
 </file>
 
-<file path=ppt/slides/slide7.xml><?xml version="1.0" encoding="utf-8"?>
-<p:sld xmlns:a="http://schemas.openxmlformats.org/drawingml/2006/main" xmlns:p="http://schemas.openxmlformats.org/presentationml/2006/main" xmlns:r="http://schemas.openxmlformats.org/officeDocument/2006/relationships" xmlns:p14="http://schemas.microsoft.com/office/powerpoint/2010/main" xmlns:p15="http://schemas.microsoft.com/office/powerpoint/2012/main" xmlns:mc="http://schemas.openxmlformats.org/markup-compatibility/2006">
+<file path=ppt/slides/slide6.xml><?xml version="1.0" encoding="utf-8"?>
+<p:sld xmlns:a="http://schemas.openxmlformats.org/drawingml/2006/main" xmlns:r="http://schemas.openxmlformats.org/officeDocument/2006/relationships" xmlns:p="http://schemas.openxmlformats.org/presentationml/2006/main">
   <p:cSld>
     <p:bg>
       <p:bgPr>
         <a:blipFill rotWithShape="0">
-          <a:blip r:embed="rId1"/>
+          <a:blip r:embed="rId2"/>
           <a:stretch>
             <a:fillRect/>
           </a:stretch>
         </a:blipFill>
+        <a:effectLst/>
       </p:bgPr>
     </p:bg>
     <p:spTree>
@@ -6377,13 +8202,13 @@
       </p:grpSpPr>
       <p:sp>
         <p:nvSpPr>
-          <p:cNvPr id="95" name="TextShape 1"/>
+          <p:cNvPr id="93" name="TextShape 1"/>
           <p:cNvSpPr txBox="1"/>
           <p:nvPr/>
         </p:nvSpPr>
         <p:spPr>
           <a:xfrm>
-            <a:off x="1676520" y="355680"/>
+            <a:off x="0" y="393120"/>
             <a:ext cx="10516320" cy="1325160"/>
           </a:xfrm>
           <a:prstGeom prst="rect">
@@ -6396,8 +8221,139 @@
         </p:spPr>
         <p:txBody>
           <a:bodyPr anchor="ctr">
+            <a:noAutofit/>
+          </a:bodyPr>
+          <a:lstStyle/>
+          <a:p>
+            <a:pPr algn="ctr">
+              <a:lnSpc>
+                <a:spcPct val="90000"/>
+              </a:lnSpc>
+            </a:pPr>
+            <a:r>
+              <a:rPr lang="pt-BR" sz="6000" b="0" strike="noStrike" spc="-1" dirty="0">
+                <a:ln w="38100">
+                  <a:solidFill>
+                    <a:schemeClr val="tx1"/>
+                  </a:solidFill>
+                </a:ln>
+                <a:solidFill>
+                  <a:srgbClr val="FFFF00"/>
+                </a:solidFill>
+                <a:latin typeface="Cooper Black"/>
+                <a:ea typeface="BatangChe"/>
+              </a:rPr>
+              <a:t>Rede sem Figurantes</a:t>
+            </a:r>
+            <a:endParaRPr lang="pt-BR" sz="6000" b="0" strike="noStrike" spc="-1" dirty="0">
+              <a:ln w="38100">
+                <a:solidFill>
+                  <a:schemeClr val="tx1"/>
+                </a:solidFill>
+              </a:ln>
+              <a:solidFill>
+                <a:srgbClr val="000000"/>
+              </a:solidFill>
+              <a:latin typeface="Calibri"/>
+            </a:endParaRPr>
+          </a:p>
+        </p:txBody>
+      </p:sp>
+      <p:pic>
+        <p:nvPicPr>
+          <p:cNvPr id="94" name="Espaço Reservado para Conteúdo 10"/>
+          <p:cNvPicPr/>
+          <p:nvPr/>
+        </p:nvPicPr>
+        <p:blipFill>
+          <a:blip r:embed="rId3"/>
+          <a:stretch/>
+        </p:blipFill>
+        <p:spPr>
+          <a:xfrm>
+            <a:off x="1994400" y="1918800"/>
+            <a:ext cx="6527520" cy="4350960"/>
+          </a:xfrm>
+          <a:prstGeom prst="rect">
+            <a:avLst/>
+          </a:prstGeom>
+          <a:ln w="38160" cap="sq">
+            <a:solidFill>
+              <a:schemeClr val="accent1">
+                <a:lumMod val="75000"/>
+              </a:schemeClr>
+            </a:solidFill>
+            <a:miter/>
+          </a:ln>
+          <a:effectLst>
+            <a:outerShdw blurRad="50800" dist="37674" dir="2700000" algn="tl" rotWithShape="0">
+              <a:srgbClr val="000000">
+                <a:alpha val="43000"/>
+              </a:srgbClr>
+            </a:outerShdw>
+          </a:effectLst>
+        </p:spPr>
+      </p:pic>
+    </p:spTree>
+  </p:cSld>
+  <p:clrMapOvr>
+    <a:masterClrMapping/>
+  </p:clrMapOvr>
+</p:sld>
+</file>
+
+<file path=ppt/slides/slide7.xml><?xml version="1.0" encoding="utf-8"?>
+<p:sld xmlns:a="http://schemas.openxmlformats.org/drawingml/2006/main" xmlns:r="http://schemas.openxmlformats.org/officeDocument/2006/relationships" xmlns:p="http://schemas.openxmlformats.org/presentationml/2006/main">
+  <p:cSld>
+    <p:bg>
+      <p:bgPr>
+        <a:blipFill rotWithShape="0">
+          <a:blip r:embed="rId2"/>
+          <a:stretch>
+            <a:fillRect/>
+          </a:stretch>
+        </a:blipFill>
+        <a:effectLst/>
+      </p:bgPr>
+    </p:bg>
+    <p:spTree>
+      <p:nvGrpSpPr>
+        <p:cNvPr id="1" name=""/>
+        <p:cNvGrpSpPr/>
+        <p:nvPr/>
+      </p:nvGrpSpPr>
+      <p:grpSpPr>
+        <a:xfrm>
+          <a:off x="0" y="0"/>
+          <a:ext cx="0" cy="0"/>
+          <a:chOff x="0" y="0"/>
+          <a:chExt cx="0" cy="0"/>
+        </a:xfrm>
+      </p:grpSpPr>
+      <p:sp>
+        <p:nvSpPr>
+          <p:cNvPr id="95" name="TextShape 1"/>
+          <p:cNvSpPr txBox="1"/>
+          <p:nvPr/>
+        </p:nvSpPr>
+        <p:spPr>
+          <a:xfrm>
+            <a:off x="1676520" y="355680"/>
+            <a:ext cx="10516320" cy="1325160"/>
+          </a:xfrm>
+          <a:prstGeom prst="rect">
+            <a:avLst/>
+          </a:prstGeom>
+          <a:noFill/>
+          <a:ln>
+            <a:noFill/>
+          </a:ln>
+        </p:spPr>
+        <p:txBody>
+          <a:bodyPr anchor="ctr">
             <a:normAutofit/>
           </a:bodyPr>
+          <a:lstStyle/>
           <a:p>
             <a:pPr>
               <a:lnSpc>
@@ -6405,16 +8361,26 @@
               </a:lnSpc>
             </a:pPr>
             <a:r>
-              <a:rPr b="0" lang="pt-BR" sz="6600" spc="-1" strike="noStrike">
+              <a:rPr lang="pt-BR" sz="6600" b="0" strike="noStrike" spc="-1" dirty="0">
+                <a:ln w="38100">
+                  <a:solidFill>
+                    <a:schemeClr val="tx1"/>
+                  </a:solidFill>
+                </a:ln>
                 <a:solidFill>
-                  <a:srgbClr val="ffff00"/>
+                  <a:srgbClr val="FFFF00"/>
                 </a:solidFill>
                 <a:latin typeface="Cooper Black"/>
                 <a:ea typeface="BatangChe"/>
               </a:rPr>
               <a:t>Estatísticas</a:t>
             </a:r>
-            <a:endParaRPr b="0" lang="pt-BR" sz="6600" spc="-1" strike="noStrike">
+            <a:endParaRPr lang="pt-BR" sz="6600" b="0" strike="noStrike" spc="-1" dirty="0">
+              <a:ln w="38100">
+                <a:solidFill>
+                  <a:schemeClr val="tx1"/>
+                </a:solidFill>
+              </a:ln>
               <a:solidFill>
                 <a:srgbClr val="000000"/>
               </a:solidFill>
@@ -6464,9 +8430,10 @@
           <a:fontRef idx="minor"/>
         </p:style>
         <p:txBody>
-          <a:bodyPr lIns="90000" rIns="90000" tIns="45000" bIns="45000" anchor="ctr">
+          <a:bodyPr lIns="90000" tIns="45000" rIns="90000" bIns="45000" anchor="ctr">
             <a:noAutofit/>
           </a:bodyPr>
+          <a:lstStyle/>
           <a:p>
             <a:pPr algn="ctr">
               <a:lnSpc>
@@ -6474,7 +8441,7 @@
               </a:lnSpc>
             </a:pPr>
             <a:r>
-              <a:rPr b="0" lang="pt-BR" sz="1800" spc="-1" strike="noStrike">
+              <a:rPr lang="pt-BR" sz="1800" b="0" strike="noStrike" spc="-1" dirty="0">
                 <a:solidFill>
                   <a:srgbClr val="000000"/>
                 </a:solidFill>
@@ -6482,7 +8449,7 @@
               </a:rPr>
               <a:t>Nº de Nós:</a:t>
             </a:r>
-            <a:endParaRPr b="0" lang="pt-BR" sz="1800" spc="-1" strike="noStrike">
+            <a:endParaRPr lang="pt-BR" sz="1800" b="0" strike="noStrike" spc="-1" dirty="0">
               <a:latin typeface="Arial"/>
             </a:endParaRPr>
           </a:p>
@@ -6493,15 +8460,15 @@
               </a:lnSpc>
             </a:pPr>
             <a:r>
-              <a:rPr b="0" lang="pt-BR" sz="1800" spc="-1" strike="noStrike">
+              <a:rPr lang="pt-BR" sz="1800" b="0" strike="noStrike" spc="-1" dirty="0">
                 <a:solidFill>
                   <a:srgbClr val="000000"/>
                 </a:solidFill>
                 <a:latin typeface="Comic Sans MS"/>
               </a:rPr>
-              <a:t>#2022</a:t>
-            </a:r>
-            <a:endParaRPr b="0" lang="pt-BR" sz="1800" spc="-1" strike="noStrike">
+              <a:t>#2024 (1901)</a:t>
+            </a:r>
+            <a:endParaRPr lang="pt-BR" sz="1800" b="0" strike="noStrike" spc="-1" dirty="0">
               <a:latin typeface="Arial"/>
             </a:endParaRPr>
           </a:p>
@@ -6512,15 +8479,15 @@
               </a:lnSpc>
             </a:pPr>
             <a:r>
-              <a:rPr b="0" lang="pt-BR" sz="1800" spc="-1" strike="noStrike">
+              <a:rPr lang="pt-BR" sz="1800" b="0" strike="noStrike" spc="-1" dirty="0">
                 <a:solidFill>
                   <a:srgbClr val="000000"/>
                 </a:solidFill>
                 <a:latin typeface="Comic Sans MS"/>
               </a:rPr>
-              <a:t>241</a:t>
-            </a:r>
-            <a:endParaRPr b="0" lang="pt-BR" sz="1800" spc="-1" strike="noStrike">
+              <a:t>240</a:t>
+            </a:r>
+            <a:endParaRPr lang="pt-BR" sz="1800" b="0" strike="noStrike" spc="-1" dirty="0">
               <a:latin typeface="Arial"/>
             </a:endParaRPr>
           </a:p>
@@ -6567,9 +8534,10 @@
           <a:fontRef idx="minor"/>
         </p:style>
         <p:txBody>
-          <a:bodyPr lIns="90000" rIns="90000" tIns="45000" bIns="45000" anchor="ctr">
+          <a:bodyPr lIns="90000" tIns="45000" rIns="90000" bIns="45000" anchor="ctr">
             <a:noAutofit/>
           </a:bodyPr>
+          <a:lstStyle/>
           <a:p>
             <a:pPr algn="ctr">
               <a:lnSpc>
@@ -6577,7 +8545,7 @@
               </a:lnSpc>
             </a:pPr>
             <a:r>
-              <a:rPr b="0" lang="pt-BR" sz="1800" spc="-1" strike="noStrike">
+              <a:rPr lang="pt-BR" sz="1800" b="0" strike="noStrike" spc="-1" dirty="0">
                 <a:solidFill>
                   <a:srgbClr val="000000"/>
                 </a:solidFill>
@@ -6585,7 +8553,7 @@
               </a:rPr>
               <a:t>Nº de Arestas:</a:t>
             </a:r>
-            <a:endParaRPr b="0" lang="pt-BR" sz="1800" spc="-1" strike="noStrike">
+            <a:endParaRPr lang="pt-BR" sz="1800" b="0" strike="noStrike" spc="-1" dirty="0">
               <a:latin typeface="Arial"/>
             </a:endParaRPr>
           </a:p>
@@ -6596,15 +8564,15 @@
               </a:lnSpc>
             </a:pPr>
             <a:r>
-              <a:rPr b="0" lang="pt-BR" sz="1800" spc="-1" strike="noStrike">
+              <a:rPr lang="pt-BR" sz="1800" b="0" strike="noStrike" spc="-1" dirty="0">
                 <a:solidFill>
                   <a:srgbClr val="000000"/>
                 </a:solidFill>
                 <a:latin typeface="Comic Sans MS"/>
               </a:rPr>
-              <a:t>#14041</a:t>
-            </a:r>
-            <a:endParaRPr b="0" lang="pt-BR" sz="1800" spc="-1" strike="noStrike">
+              <a:t>#14042 (13343)</a:t>
+            </a:r>
+            <a:endParaRPr lang="pt-BR" sz="1800" b="0" strike="noStrike" spc="-1" dirty="0">
               <a:latin typeface="Arial"/>
             </a:endParaRPr>
           </a:p>
@@ -6615,15 +8583,15 @@
               </a:lnSpc>
             </a:pPr>
             <a:r>
-              <a:rPr b="0" lang="pt-BR" sz="1800" spc="-1" strike="noStrike">
+              <a:rPr lang="pt-BR" sz="1800" b="0" strike="noStrike" spc="-1" dirty="0">
                 <a:solidFill>
                   <a:srgbClr val="000000"/>
                 </a:solidFill>
                 <a:latin typeface="Comic Sans MS"/>
               </a:rPr>
-              <a:t>1886</a:t>
-            </a:r>
-            <a:endParaRPr b="0" lang="pt-BR" sz="1800" spc="-1" strike="noStrike">
+              <a:t>1876</a:t>
+            </a:r>
+            <a:endParaRPr lang="pt-BR" sz="1800" b="0" strike="noStrike" spc="-1" dirty="0">
               <a:latin typeface="Arial"/>
             </a:endParaRPr>
           </a:p>
@@ -6670,9 +8638,10 @@
           <a:fontRef idx="minor"/>
         </p:style>
         <p:txBody>
-          <a:bodyPr lIns="90000" rIns="90000" tIns="45000" bIns="45000" anchor="ctr">
+          <a:bodyPr lIns="90000" tIns="45000" rIns="90000" bIns="45000" anchor="ctr">
             <a:noAutofit/>
           </a:bodyPr>
+          <a:lstStyle/>
           <a:p>
             <a:pPr algn="ctr">
               <a:lnSpc>
@@ -6680,7 +8649,7 @@
               </a:lnSpc>
             </a:pPr>
             <a:r>
-              <a:rPr b="0" lang="pt-BR" sz="1800" spc="-1" strike="noStrike">
+              <a:rPr lang="pt-BR" sz="1800" b="0" strike="noStrike" spc="-1" dirty="0">
                 <a:solidFill>
                   <a:srgbClr val="000000"/>
                 </a:solidFill>
@@ -6688,7 +8657,7 @@
               </a:rPr>
               <a:t>Grau Médio:</a:t>
             </a:r>
-            <a:endParaRPr b="0" lang="pt-BR" sz="1800" spc="-1" strike="noStrike">
+            <a:endParaRPr lang="pt-BR" sz="1800" b="0" strike="noStrike" spc="-1" dirty="0">
               <a:latin typeface="Arial"/>
             </a:endParaRPr>
           </a:p>
@@ -6699,15 +8668,15 @@
               </a:lnSpc>
             </a:pPr>
             <a:r>
-              <a:rPr b="0" lang="pt-BR" sz="1800" spc="-1" strike="noStrike">
+              <a:rPr lang="pt-BR" sz="1800" b="0" strike="noStrike" spc="-1" dirty="0">
                 <a:solidFill>
                   <a:srgbClr val="000000"/>
                 </a:solidFill>
                 <a:latin typeface="Comic Sans MS"/>
               </a:rPr>
-              <a:t>#13.88</a:t>
-            </a:r>
-            <a:endParaRPr b="0" lang="pt-BR" sz="1800" spc="-1" strike="noStrike">
+              <a:t>#13.87 (14.04)</a:t>
+            </a:r>
+            <a:endParaRPr lang="pt-BR" sz="1800" b="0" strike="noStrike" spc="-1" dirty="0">
               <a:latin typeface="Arial"/>
             </a:endParaRPr>
           </a:p>
@@ -6718,15 +8687,15 @@
               </a:lnSpc>
             </a:pPr>
             <a:r>
-              <a:rPr b="0" lang="pt-BR" sz="1800" spc="-1" strike="noStrike">
+              <a:rPr lang="pt-BR" sz="1800" b="0" strike="noStrike" spc="-1" dirty="0">
                 <a:solidFill>
                   <a:srgbClr val="000000"/>
                 </a:solidFill>
                 <a:latin typeface="Comic Sans MS"/>
               </a:rPr>
-              <a:t>15.65</a:t>
-            </a:r>
-            <a:endParaRPr b="0" lang="pt-BR" sz="1800" spc="-1" strike="noStrike">
+              <a:t>15.63</a:t>
+            </a:r>
+            <a:endParaRPr lang="pt-BR" sz="1800" b="0" strike="noStrike" spc="-1" dirty="0">
               <a:latin typeface="Arial"/>
             </a:endParaRPr>
           </a:p>
@@ -6773,9 +8742,10 @@
           <a:fontRef idx="minor"/>
         </p:style>
         <p:txBody>
-          <a:bodyPr lIns="90000" rIns="90000" tIns="45000" bIns="45000" anchor="ctr">
+          <a:bodyPr lIns="90000" tIns="45000" rIns="90000" bIns="45000" anchor="ctr">
             <a:noAutofit/>
           </a:bodyPr>
+          <a:lstStyle/>
           <a:p>
             <a:pPr algn="ctr">
               <a:lnSpc>
@@ -6783,7 +8753,7 @@
               </a:lnSpc>
             </a:pPr>
             <a:r>
-              <a:rPr b="0" lang="pt-BR" sz="1800" spc="-1" strike="noStrike">
+              <a:rPr lang="pt-BR" sz="1800" b="0" strike="noStrike" spc="-1" dirty="0">
                 <a:solidFill>
                   <a:srgbClr val="000000"/>
                 </a:solidFill>
@@ -6791,7 +8761,7 @@
               </a:rPr>
               <a:t>Grau Máximo:</a:t>
             </a:r>
-            <a:endParaRPr b="0" lang="pt-BR" sz="1800" spc="-1" strike="noStrike">
+            <a:endParaRPr lang="pt-BR" sz="1800" b="0" strike="noStrike" spc="-1" dirty="0">
               <a:latin typeface="Arial"/>
             </a:endParaRPr>
           </a:p>
@@ -6802,15 +8772,15 @@
               </a:lnSpc>
             </a:pPr>
             <a:r>
-              <a:rPr b="0" lang="pt-BR" sz="1800" spc="-1" strike="noStrike">
+              <a:rPr lang="pt-BR" sz="1800" b="0" strike="noStrike" spc="-1" dirty="0">
                 <a:solidFill>
                   <a:srgbClr val="000000"/>
                 </a:solidFill>
                 <a:latin typeface="Comic Sans MS"/>
               </a:rPr>
-              <a:t>#882</a:t>
-            </a:r>
-            <a:endParaRPr b="0" lang="pt-BR" sz="1800" spc="-1" strike="noStrike">
+              <a:t>#882 (882)</a:t>
+            </a:r>
+            <a:endParaRPr lang="pt-BR" sz="1800" b="0" strike="noStrike" spc="-1" dirty="0">
               <a:latin typeface="Arial"/>
             </a:endParaRPr>
           </a:p>
@@ -6821,15 +8791,15 @@
               </a:lnSpc>
             </a:pPr>
             <a:r>
-              <a:rPr b="0" lang="pt-BR" sz="1800" spc="-1" strike="noStrike">
+              <a:rPr lang="pt-BR" sz="1800" b="0" strike="noStrike" spc="-1" dirty="0">
                 <a:solidFill>
                   <a:srgbClr val="000000"/>
                 </a:solidFill>
                 <a:latin typeface="Comic Sans MS"/>
               </a:rPr>
-              <a:t>139</a:t>
-            </a:r>
-            <a:endParaRPr b="0" lang="pt-BR" sz="1800" spc="-1" strike="noStrike">
+              <a:t>138</a:t>
+            </a:r>
+            <a:endParaRPr lang="pt-BR" sz="1800" b="0" strike="noStrike" spc="-1" dirty="0">
               <a:latin typeface="Arial"/>
             </a:endParaRPr>
           </a:p>
@@ -6876,9 +8846,10 @@
           <a:fontRef idx="minor"/>
         </p:style>
         <p:txBody>
-          <a:bodyPr lIns="90000" rIns="90000" tIns="45000" bIns="45000" anchor="ctr">
+          <a:bodyPr lIns="90000" tIns="45000" rIns="90000" bIns="45000" anchor="ctr">
             <a:noAutofit/>
           </a:bodyPr>
+          <a:lstStyle/>
           <a:p>
             <a:pPr algn="ctr">
               <a:lnSpc>
@@ -6886,7 +8857,7 @@
               </a:lnSpc>
             </a:pPr>
             <a:r>
-              <a:rPr b="0" lang="pt-BR" sz="1800" spc="-1" strike="noStrike">
+              <a:rPr lang="pt-BR" sz="1800" b="0" strike="noStrike" spc="-1" dirty="0">
                 <a:solidFill>
                   <a:srgbClr val="000000"/>
                 </a:solidFill>
@@ -6894,7 +8865,7 @@
               </a:rPr>
               <a:t>Densidade:</a:t>
             </a:r>
-            <a:endParaRPr b="0" lang="pt-BR" sz="1800" spc="-1" strike="noStrike">
+            <a:endParaRPr lang="pt-BR" sz="1800" b="0" strike="noStrike" spc="-1" dirty="0">
               <a:latin typeface="Arial"/>
             </a:endParaRPr>
           </a:p>
@@ -6905,15 +8876,15 @@
               </a:lnSpc>
             </a:pPr>
             <a:r>
-              <a:rPr b="0" lang="pt-BR" sz="1800" spc="-1" strike="noStrike">
+              <a:rPr lang="pt-BR" sz="1800" b="0" strike="noStrike" spc="-1" dirty="0">
                 <a:solidFill>
                   <a:srgbClr val="000000"/>
                 </a:solidFill>
                 <a:latin typeface="Comic Sans MS"/>
               </a:rPr>
-              <a:t>#0.0069</a:t>
-            </a:r>
-            <a:endParaRPr b="0" lang="pt-BR" sz="1800" spc="-1" strike="noStrike">
+              <a:t>#0.0069 (0.0074)</a:t>
+            </a:r>
+            <a:endParaRPr lang="pt-BR" sz="1800" b="0" strike="noStrike" spc="-1" dirty="0">
               <a:latin typeface="Arial"/>
             </a:endParaRPr>
           </a:p>
@@ -6924,15 +8895,15 @@
               </a:lnSpc>
             </a:pPr>
             <a:r>
-              <a:rPr b="0" lang="pt-BR" sz="1800" spc="-1" strike="noStrike">
+              <a:rPr lang="pt-BR" sz="1800" b="0" strike="noStrike" spc="-1" dirty="0">
                 <a:solidFill>
                   <a:srgbClr val="000000"/>
                 </a:solidFill>
                 <a:latin typeface="Comic Sans MS"/>
               </a:rPr>
-              <a:t>0.0652</a:t>
-            </a:r>
-            <a:endParaRPr b="0" lang="pt-BR" sz="1800" spc="-1" strike="noStrike">
+              <a:t>0.0654</a:t>
+            </a:r>
+            <a:endParaRPr lang="pt-BR" sz="1800" b="0" strike="noStrike" spc="-1" dirty="0">
               <a:latin typeface="Arial"/>
             </a:endParaRPr>
           </a:p>
@@ -6979,9 +8950,10 @@
           <a:fontRef idx="minor"/>
         </p:style>
         <p:txBody>
-          <a:bodyPr lIns="90000" rIns="90000" tIns="45000" bIns="45000" anchor="ctr">
+          <a:bodyPr lIns="90000" tIns="45000" rIns="90000" bIns="45000" anchor="ctr">
             <a:noAutofit/>
           </a:bodyPr>
+          <a:lstStyle/>
           <a:p>
             <a:pPr algn="ctr">
               <a:lnSpc>
@@ -6989,7 +8961,7 @@
               </a:lnSpc>
             </a:pPr>
             <a:r>
-              <a:rPr b="0" lang="pt-BR" sz="1800" spc="-1" strike="noStrike">
+              <a:rPr lang="pt-BR" sz="1800" b="0" strike="noStrike" spc="-1">
                 <a:solidFill>
                   <a:srgbClr val="000000"/>
                 </a:solidFill>
@@ -6997,7 +8969,7 @@
               </a:rPr>
               <a:t>Diâmetro:</a:t>
             </a:r>
-            <a:endParaRPr b="0" lang="pt-BR" sz="1800" spc="-1" strike="noStrike">
+            <a:endParaRPr lang="pt-BR" sz="1800" b="0" strike="noStrike" spc="-1">
               <a:latin typeface="Arial"/>
             </a:endParaRPr>
           </a:p>
@@ -7008,7 +8980,7 @@
               </a:lnSpc>
             </a:pPr>
             <a:r>
-              <a:rPr b="0" lang="pt-BR" sz="1800" spc="-1" strike="noStrike">
+              <a:rPr lang="pt-BR" sz="1800" b="0" strike="noStrike" spc="-1">
                 <a:solidFill>
                   <a:srgbClr val="000000"/>
                 </a:solidFill>
@@ -7016,7 +8988,7 @@
               </a:rPr>
               <a:t>#10</a:t>
             </a:r>
-            <a:endParaRPr b="0" lang="pt-BR" sz="1800" spc="-1" strike="noStrike">
+            <a:endParaRPr lang="pt-BR" sz="1800" b="0" strike="noStrike" spc="-1">
               <a:latin typeface="Arial"/>
             </a:endParaRPr>
           </a:p>
@@ -7027,7 +8999,7 @@
               </a:lnSpc>
             </a:pPr>
             <a:r>
-              <a:rPr b="0" lang="pt-BR" sz="1800" spc="-1" strike="noStrike">
+              <a:rPr lang="pt-BR" sz="1800" b="0" strike="noStrike" spc="-1">
                 <a:solidFill>
                   <a:srgbClr val="000000"/>
                 </a:solidFill>
@@ -7035,7 +9007,7 @@
               </a:rPr>
               <a:t>9</a:t>
             </a:r>
-            <a:endParaRPr b="0" lang="pt-BR" sz="1800" spc="-1" strike="noStrike">
+            <a:endParaRPr lang="pt-BR" sz="1800" b="0" strike="noStrike" spc="-1">
               <a:latin typeface="Arial"/>
             </a:endParaRPr>
           </a:p>
@@ -7082,9 +9054,10 @@
           <a:fontRef idx="minor"/>
         </p:style>
         <p:txBody>
-          <a:bodyPr lIns="90000" rIns="90000" tIns="45000" bIns="45000" anchor="ctr">
+          <a:bodyPr lIns="90000" tIns="45000" rIns="90000" bIns="45000" anchor="ctr">
             <a:noAutofit/>
           </a:bodyPr>
+          <a:lstStyle/>
           <a:p>
             <a:pPr algn="ctr">
               <a:lnSpc>
@@ -7092,7 +9065,7 @@
               </a:lnSpc>
             </a:pPr>
             <a:r>
-              <a:rPr b="0" lang="pt-BR" sz="1800" spc="-1" strike="noStrike">
+              <a:rPr lang="pt-BR" sz="1800" b="0" strike="noStrike" spc="-1" dirty="0">
                 <a:solidFill>
                   <a:srgbClr val="000000"/>
                 </a:solidFill>
@@ -7100,7 +9073,7 @@
               </a:rPr>
               <a:t>Distância Média:</a:t>
             </a:r>
-            <a:endParaRPr b="0" lang="pt-BR" sz="1800" spc="-1" strike="noStrike">
+            <a:endParaRPr lang="pt-BR" sz="1800" b="0" strike="noStrike" spc="-1" dirty="0">
               <a:latin typeface="Arial"/>
             </a:endParaRPr>
           </a:p>
@@ -7111,15 +9084,15 @@
               </a:lnSpc>
             </a:pPr>
             <a:r>
-              <a:rPr b="0" lang="pt-BR" sz="1800" spc="-1" strike="noStrike">
+              <a:rPr lang="pt-BR" sz="1800" b="0" strike="noStrike" spc="-1" dirty="0">
                 <a:solidFill>
                   <a:srgbClr val="000000"/>
                 </a:solidFill>
                 <a:latin typeface="Comic Sans MS"/>
               </a:rPr>
-              <a:t>#2.91</a:t>
-            </a:r>
-            <a:endParaRPr b="0" lang="pt-BR" sz="1800" spc="-1" strike="noStrike">
+              <a:t>#2.98</a:t>
+            </a:r>
+            <a:endParaRPr lang="pt-BR" sz="1800" b="0" strike="noStrike" spc="-1" dirty="0">
               <a:latin typeface="Arial"/>
             </a:endParaRPr>
           </a:p>
@@ -7130,15 +9103,15 @@
               </a:lnSpc>
             </a:pPr>
             <a:r>
-              <a:rPr b="0" lang="pt-BR" sz="1800" spc="-1" strike="noStrike">
+              <a:rPr lang="pt-BR" sz="1800" b="0" strike="noStrike" spc="-1" dirty="0">
                 <a:solidFill>
                   <a:srgbClr val="000000"/>
                 </a:solidFill>
                 <a:latin typeface="Comic Sans MS"/>
               </a:rPr>
-              <a:t>2.74</a:t>
-            </a:r>
-            <a:endParaRPr b="0" lang="pt-BR" sz="1800" spc="-1" strike="noStrike">
+              <a:t>2.78</a:t>
+            </a:r>
+            <a:endParaRPr lang="pt-BR" sz="1800" b="0" strike="noStrike" spc="-1" dirty="0">
               <a:latin typeface="Arial"/>
             </a:endParaRPr>
           </a:p>
@@ -7185,9 +9158,10 @@
           <a:fontRef idx="minor"/>
         </p:style>
         <p:txBody>
-          <a:bodyPr lIns="90000" rIns="90000" tIns="45000" bIns="45000" anchor="ctr">
+          <a:bodyPr lIns="90000" tIns="45000" rIns="90000" bIns="45000" anchor="ctr">
             <a:noAutofit/>
           </a:bodyPr>
+          <a:lstStyle/>
           <a:p>
             <a:pPr algn="ctr">
               <a:lnSpc>
@@ -7195,7 +9169,7 @@
               </a:lnSpc>
             </a:pPr>
             <a:r>
-              <a:rPr b="0" lang="pt-BR" sz="1800" spc="-1" strike="noStrike">
+              <a:rPr lang="pt-BR" sz="1800" b="0" strike="noStrike" spc="-1" dirty="0">
                 <a:solidFill>
                   <a:srgbClr val="000000"/>
                 </a:solidFill>
@@ -7203,7 +9177,7 @@
               </a:rPr>
               <a:t>Nº de Pontes:</a:t>
             </a:r>
-            <a:endParaRPr b="0" lang="pt-BR" sz="1800" spc="-1" strike="noStrike">
+            <a:endParaRPr lang="pt-BR" sz="1800" b="0" strike="noStrike" spc="-1" dirty="0">
               <a:latin typeface="Arial"/>
             </a:endParaRPr>
           </a:p>
@@ -7214,15 +9188,15 @@
               </a:lnSpc>
             </a:pPr>
             <a:r>
-              <a:rPr b="0" lang="pt-BR" sz="1800" spc="-1" strike="noStrike">
+              <a:rPr lang="pt-BR" sz="1800" b="0" strike="noStrike" spc="-1" dirty="0">
                 <a:solidFill>
                   <a:srgbClr val="000000"/>
                 </a:solidFill>
                 <a:latin typeface="Comic Sans MS"/>
               </a:rPr>
-              <a:t>#38</a:t>
-            </a:r>
-            <a:endParaRPr b="0" lang="pt-BR" sz="1800" spc="-1" strike="noStrike">
+              <a:t>#38 (35)</a:t>
+            </a:r>
+            <a:endParaRPr lang="pt-BR" sz="1800" b="0" strike="noStrike" spc="-1" dirty="0">
               <a:latin typeface="Arial"/>
             </a:endParaRPr>
           </a:p>
@@ -7233,15 +9207,15 @@
               </a:lnSpc>
             </a:pPr>
             <a:r>
-              <a:rPr b="0" lang="pt-BR" sz="1800" spc="-1" strike="noStrike">
+              <a:rPr lang="pt-BR" sz="1800" b="0" strike="noStrike" spc="-1" dirty="0">
                 <a:solidFill>
                   <a:srgbClr val="000000"/>
                 </a:solidFill>
                 <a:latin typeface="Comic Sans MS"/>
               </a:rPr>
-              <a:t>14</a:t>
-            </a:r>
-            <a:endParaRPr b="0" lang="pt-BR" sz="1800" spc="-1" strike="noStrike">
+              <a:t>15</a:t>
+            </a:r>
+            <a:endParaRPr lang="pt-BR" sz="1800" b="0" strike="noStrike" spc="-1" dirty="0">
               <a:latin typeface="Arial"/>
             </a:endParaRPr>
           </a:p>
@@ -7249,14 +9223,9 @@
       </p:sp>
     </p:spTree>
   </p:cSld>
-  <mc:AlternateContent>
-    <mc:Choice Requires="p14">
-      <p:transition spd="slow" p14:dur="2000"/>
-    </mc:Choice>
-    <mc:Fallback>
-      <p:transition spd="slow"/>
-    </mc:Fallback>
-  </mc:AlternateContent>
+  <p:clrMapOvr>
+    <a:masterClrMapping/>
+  </p:clrMapOvr>
   <p:timing>
     <p:tnLst>
       <p:par>
@@ -7278,7 +9247,7 @@
                             </p:stCondLst>
                             <p:childTnLst>
                               <p:par>
-                                <p:cTn id="5" nodeType="clickEffect" fill="hold" presetClass="entr" presetID="53" presetSubtype="16">
+                                <p:cTn id="5" presetID="53" presetClass="entr" presetSubtype="16" fill="hold" nodeType="clickEffect">
                                   <p:stCondLst>
                                     <p:cond delay="0"/>
                                   </p:stCondLst>
@@ -7347,7 +9316,7 @@
                                         </p:tav>
                                       </p:tavLst>
                                     </p:anim>
-                                    <p:animEffect filter="fade" transition="in">
+                                    <p:animEffect transition="in" filter="fade">
                                       <p:cBhvr additive="repl">
                                         <p:cTn id="9" dur="500"/>
                                         <p:tgtEl>
@@ -7377,7 +9346,7 @@
                             </p:stCondLst>
                             <p:childTnLst>
                               <p:par>
-                                <p:cTn id="12" nodeType="clickEffect" fill="hold" presetClass="entr" presetID="53" presetSubtype="16">
+                                <p:cTn id="12" presetID="53" presetClass="entr" presetSubtype="16" fill="hold" nodeType="clickEffect">
                                   <p:stCondLst>
                                     <p:cond delay="0"/>
                                   </p:stCondLst>
@@ -7446,7 +9415,7 @@
                                         </p:tav>
                                       </p:tavLst>
                                     </p:anim>
-                                    <p:animEffect filter="fade" transition="in">
+                                    <p:animEffect transition="in" filter="fade">
                                       <p:cBhvr additive="repl">
                                         <p:cTn id="16" dur="500"/>
                                         <p:tgtEl>
@@ -7476,7 +9445,7 @@
                             </p:stCondLst>
                             <p:childTnLst>
                               <p:par>
-                                <p:cTn id="19" nodeType="clickEffect" fill="hold" presetClass="entr" presetID="53" presetSubtype="16">
+                                <p:cTn id="19" presetID="53" presetClass="entr" presetSubtype="16" fill="hold" nodeType="clickEffect">
                                   <p:stCondLst>
                                     <p:cond delay="0"/>
                                   </p:stCondLst>
@@ -7545,7 +9514,7 @@
                                         </p:tav>
                                       </p:tavLst>
                                     </p:anim>
-                                    <p:animEffect filter="fade" transition="in">
+                                    <p:animEffect transition="in" filter="fade">
                                       <p:cBhvr additive="repl">
                                         <p:cTn id="23" dur="500"/>
                                         <p:tgtEl>
@@ -7575,7 +9544,7 @@
                             </p:stCondLst>
                             <p:childTnLst>
                               <p:par>
-                                <p:cTn id="26" nodeType="clickEffect" fill="hold" presetClass="entr" presetID="53" presetSubtype="16">
+                                <p:cTn id="26" presetID="53" presetClass="entr" presetSubtype="16" fill="hold" nodeType="clickEffect">
                                   <p:stCondLst>
                                     <p:cond delay="0"/>
                                   </p:stCondLst>
@@ -7644,7 +9613,7 @@
                                         </p:tav>
                                       </p:tavLst>
                                     </p:anim>
-                                    <p:animEffect filter="fade" transition="in">
+                                    <p:animEffect transition="in" filter="fade">
                                       <p:cBhvr additive="repl">
                                         <p:cTn id="30" dur="500"/>
                                         <p:tgtEl>
@@ -7674,7 +9643,7 @@
                             </p:stCondLst>
                             <p:childTnLst>
                               <p:par>
-                                <p:cTn id="33" nodeType="clickEffect" fill="hold" presetClass="entr" presetID="53" presetSubtype="16">
+                                <p:cTn id="33" presetID="53" presetClass="entr" presetSubtype="16" fill="hold" nodeType="clickEffect">
                                   <p:stCondLst>
                                     <p:cond delay="0"/>
                                   </p:stCondLst>
@@ -7743,7 +9712,7 @@
                                         </p:tav>
                                       </p:tavLst>
                                     </p:anim>
-                                    <p:animEffect filter="fade" transition="in">
+                                    <p:animEffect transition="in" filter="fade">
                                       <p:cBhvr additive="repl">
                                         <p:cTn id="37" dur="500"/>
                                         <p:tgtEl>
@@ -7773,7 +9742,7 @@
                             </p:stCondLst>
                             <p:childTnLst>
                               <p:par>
-                                <p:cTn id="40" nodeType="clickEffect" fill="hold" presetClass="entr" presetID="53" presetSubtype="16">
+                                <p:cTn id="40" presetID="53" presetClass="entr" presetSubtype="16" fill="hold" nodeType="clickEffect">
                                   <p:stCondLst>
                                     <p:cond delay="0"/>
                                   </p:stCondLst>
@@ -7842,7 +9811,7 @@
                                         </p:tav>
                                       </p:tavLst>
                                     </p:anim>
-                                    <p:animEffect filter="fade" transition="in">
+                                    <p:animEffect transition="in" filter="fade">
                                       <p:cBhvr additive="repl">
                                         <p:cTn id="44" dur="500"/>
                                         <p:tgtEl>
@@ -7872,7 +9841,7 @@
                             </p:stCondLst>
                             <p:childTnLst>
                               <p:par>
-                                <p:cTn id="47" nodeType="clickEffect" fill="hold" presetClass="entr" presetID="53" presetSubtype="16">
+                                <p:cTn id="47" presetID="53" presetClass="entr" presetSubtype="16" fill="hold" nodeType="clickEffect">
                                   <p:stCondLst>
                                     <p:cond delay="0"/>
                                   </p:stCondLst>
@@ -7941,7 +9910,7 @@
                                         </p:tav>
                                       </p:tavLst>
                                     </p:anim>
-                                    <p:animEffect filter="fade" transition="in">
+                                    <p:animEffect transition="in" filter="fade">
                                       <p:cBhvr additive="repl">
                                         <p:cTn id="51" dur="500"/>
                                         <p:tgtEl>
@@ -7971,7 +9940,7 @@
                             </p:stCondLst>
                             <p:childTnLst>
                               <p:par>
-                                <p:cTn id="54" nodeType="clickEffect" fill="hold" presetClass="entr" presetID="53" presetSubtype="16">
+                                <p:cTn id="54" presetID="53" presetClass="entr" presetSubtype="16" fill="hold" nodeType="clickEffect">
                                   <p:stCondLst>
                                     <p:cond delay="0"/>
                                   </p:stCondLst>
@@ -8040,7 +10009,7 @@
                                         </p:tav>
                                       </p:tavLst>
                                     </p:anim>
-                                    <p:animEffect filter="fade" transition="in">
+                                    <p:animEffect transition="in" filter="fade">
                                       <p:cBhvr additive="repl">
                                         <p:cTn id="58" dur="500"/>
                                         <p:tgtEl>
@@ -8060,14 +10029,14 @@
                 </p:childTnLst>
               </p:cTn>
               <p:prevCondLst>
-                <p:cond evt="onPrev">
+                <p:cond evt="onPrev" delay="0">
                   <p:tgtEl>
                     <p:sldTgt/>
                   </p:tgtEl>
                 </p:cond>
               </p:prevCondLst>
               <p:nextCondLst>
-                <p:cond evt="onNext">
+                <p:cond evt="onNext" delay="0">
                   <p:tgtEl>
                     <p:sldTgt/>
                   </p:tgtEl>
@@ -8083,16 +10052,17 @@
 </file>
 
 <file path=ppt/slides/slide8.xml><?xml version="1.0" encoding="utf-8"?>
-<p:sld xmlns:a="http://schemas.openxmlformats.org/drawingml/2006/main" xmlns:p="http://schemas.openxmlformats.org/presentationml/2006/main" xmlns:r="http://schemas.openxmlformats.org/officeDocument/2006/relationships" xmlns:p14="http://schemas.microsoft.com/office/powerpoint/2010/main" xmlns:p15="http://schemas.microsoft.com/office/powerpoint/2012/main" xmlns:mc="http://schemas.openxmlformats.org/markup-compatibility/2006">
+<p:sld xmlns:a="http://schemas.openxmlformats.org/drawingml/2006/main" xmlns:r="http://schemas.openxmlformats.org/officeDocument/2006/relationships" xmlns:p="http://schemas.openxmlformats.org/presentationml/2006/main">
   <p:cSld>
     <p:bg>
       <p:bgPr>
         <a:blipFill rotWithShape="0">
-          <a:blip r:embed="rId1"/>
+          <a:blip r:embed="rId2"/>
           <a:stretch>
             <a:fillRect/>
           </a:stretch>
         </a:blipFill>
+        <a:effectLst/>
       </p:bgPr>
     </p:bg>
     <p:spTree>
@@ -8132,6 +10102,7 @@
           <a:bodyPr anchor="ctr">
             <a:normAutofit/>
           </a:bodyPr>
+          <a:lstStyle/>
           <a:p>
             <a:pPr>
               <a:lnSpc>
@@ -8139,16 +10110,26 @@
               </a:lnSpc>
             </a:pPr>
             <a:r>
-              <a:rPr b="0" lang="pt-BR" sz="6000" spc="-1" strike="noStrike">
+              <a:rPr lang="pt-BR" sz="6000" b="0" strike="noStrike" spc="-1" dirty="0">
+                <a:ln w="38100">
+                  <a:solidFill>
+                    <a:schemeClr val="tx1"/>
+                  </a:solidFill>
+                </a:ln>
                 <a:solidFill>
-                  <a:srgbClr val="ffff00"/>
+                  <a:srgbClr val="FFFF00"/>
                 </a:solidFill>
                 <a:latin typeface="Cooper Black"/>
                 <a:ea typeface="BatangChe"/>
               </a:rPr>
-              <a:t>Distribuição de Graus</a:t>
-            </a:r>
-            <a:endParaRPr b="0" lang="pt-BR" sz="6000" spc="-1" strike="noStrike">
+              <a:t>Distribuição de Graus (#)</a:t>
+            </a:r>
+            <a:endParaRPr lang="pt-BR" sz="6000" b="0" strike="noStrike" spc="-1" dirty="0">
+              <a:ln w="38100">
+                <a:solidFill>
+                  <a:schemeClr val="tx1"/>
+                </a:solidFill>
+              </a:ln>
               <a:solidFill>
                 <a:srgbClr val="000000"/>
               </a:solidFill>
@@ -8159,17 +10140,17 @@
       </p:sp>
       <p:pic>
         <p:nvPicPr>
-          <p:cNvPr id="105" name="" descr=""/>
+          <p:cNvPr id="105" name="Imagem 104"/>
           <p:cNvPicPr/>
           <p:nvPr/>
         </p:nvPicPr>
         <p:blipFill>
-          <a:blip r:embed="rId2"/>
+          <a:blip r:embed="rId3"/>
           <a:stretch/>
         </p:blipFill>
         <p:spPr>
           <a:xfrm>
-            <a:off x="3670560" y="1809000"/>
+            <a:off x="3671100" y="1809000"/>
             <a:ext cx="6527160" cy="4350960"/>
           </a:xfrm>
           <a:prstGeom prst="rect">
@@ -8182,28 +10163,24 @@
       </p:pic>
     </p:spTree>
   </p:cSld>
-  <mc:AlternateContent>
-    <mc:Choice Requires="p14">
-      <p:transition spd="slow" p14:dur="2000"/>
-    </mc:Choice>
-    <mc:Fallback>
-      <p:transition spd="slow"/>
-    </mc:Fallback>
-  </mc:AlternateContent>
+  <p:clrMapOvr>
+    <a:masterClrMapping/>
+  </p:clrMapOvr>
 </p:sld>
 </file>
 
 <file path=ppt/slides/slide9.xml><?xml version="1.0" encoding="utf-8"?>
-<p:sld xmlns:a="http://schemas.openxmlformats.org/drawingml/2006/main" xmlns:p="http://schemas.openxmlformats.org/presentationml/2006/main" xmlns:r="http://schemas.openxmlformats.org/officeDocument/2006/relationships" xmlns:p14="http://schemas.microsoft.com/office/powerpoint/2010/main" xmlns:p15="http://schemas.microsoft.com/office/powerpoint/2012/main" xmlns:mc="http://schemas.openxmlformats.org/markup-compatibility/2006">
+<p:sld xmlns:a="http://schemas.openxmlformats.org/drawingml/2006/main" xmlns:r="http://schemas.openxmlformats.org/officeDocument/2006/relationships" xmlns:p="http://schemas.openxmlformats.org/presentationml/2006/main">
   <p:cSld>
     <p:bg>
       <p:bgPr>
         <a:blipFill rotWithShape="0">
-          <a:blip r:embed="rId1"/>
+          <a:blip r:embed="rId2"/>
           <a:stretch>
             <a:fillRect/>
           </a:stretch>
         </a:blipFill>
+        <a:effectLst/>
       </p:bgPr>
     </p:bg>
     <p:spTree>
@@ -8228,7 +10205,7 @@
         </p:nvSpPr>
         <p:spPr>
           <a:xfrm>
-            <a:off x="1676520" y="365040"/>
+            <a:off x="1677268" y="347284"/>
             <a:ext cx="10516320" cy="1325160"/>
           </a:xfrm>
           <a:prstGeom prst="rect">
@@ -8243,6 +10220,7 @@
           <a:bodyPr anchor="ctr">
             <a:normAutofit/>
           </a:bodyPr>
+          <a:lstStyle/>
           <a:p>
             <a:pPr>
               <a:lnSpc>
@@ -8250,32 +10228,81 @@
               </a:lnSpc>
             </a:pPr>
             <a:r>
-              <a:rPr b="0" lang="pt-BR" sz="6000" spc="-1" strike="noStrike">
+              <a:rPr lang="pt-BR" sz="6000" spc="-1" dirty="0">
+                <a:ln w="38100">
+                  <a:solidFill>
+                    <a:schemeClr val="tx1"/>
+                  </a:solidFill>
+                </a:ln>
                 <a:solidFill>
-                  <a:srgbClr val="ffff00"/>
+                  <a:srgbClr val="FFFF00"/>
                 </a:solidFill>
                 <a:latin typeface="Cooper Black"/>
                 <a:ea typeface="BatangChe"/>
               </a:rPr>
-              <a:t>Distribuição de Graus</a:t>
-            </a:r>
-            <a:endParaRPr b="0" lang="pt-BR" sz="6000" spc="-1" strike="noStrike">
-              <a:solidFill>
-                <a:srgbClr val="000000"/>
-              </a:solidFill>
-              <a:latin typeface="Calibri"/>
-            </a:endParaRPr>
+              <a:t>Distribuição</a:t>
+            </a:r>
+            <a:r>
+              <a:rPr lang="pt-BR" sz="6000" b="0" strike="noStrike" spc="-1" dirty="0">
+                <a:solidFill>
+                  <a:srgbClr val="FFFF00"/>
+                </a:solidFill>
+                <a:latin typeface="Cooper Black"/>
+                <a:ea typeface="BatangChe"/>
+              </a:rPr>
+              <a:t> </a:t>
+            </a:r>
+            <a:r>
+              <a:rPr lang="pt-BR" sz="6000" spc="-1" dirty="0">
+                <a:ln w="38100">
+                  <a:solidFill>
+                    <a:schemeClr val="tx1"/>
+                  </a:solidFill>
+                </a:ln>
+                <a:solidFill>
+                  <a:srgbClr val="FFFF00"/>
+                </a:solidFill>
+                <a:latin typeface="Cooper Black"/>
+                <a:ea typeface="BatangChe"/>
+              </a:rPr>
+              <a:t>de</a:t>
+            </a:r>
+            <a:r>
+              <a:rPr lang="pt-BR" sz="6000" b="0" strike="noStrike" spc="-1" dirty="0">
+                <a:solidFill>
+                  <a:srgbClr val="FFFF00"/>
+                </a:solidFill>
+                <a:latin typeface="Cooper Black"/>
+                <a:ea typeface="BatangChe"/>
+              </a:rPr>
+              <a:t> </a:t>
+            </a:r>
+            <a:r>
+              <a:rPr lang="pt-BR" sz="6000" spc="-1" dirty="0">
+                <a:ln w="38100">
+                  <a:solidFill>
+                    <a:schemeClr val="tx1"/>
+                  </a:solidFill>
+                </a:ln>
+                <a:solidFill>
+                  <a:srgbClr val="FFFF00"/>
+                </a:solidFill>
+                <a:latin typeface="Cooper Black"/>
+                <a:ea typeface="BatangChe"/>
+              </a:rPr>
+              <a:t>Graus</a:t>
+            </a:r>
           </a:p>
         </p:txBody>
       </p:sp>
       <p:pic>
         <p:nvPicPr>
-          <p:cNvPr id="107" name="" descr=""/>
+          <p:cNvPr id="107" name="Imagem 106"/>
           <p:cNvPicPr/>
           <p:nvPr/>
         </p:nvPicPr>
         <p:blipFill>
-          <a:blip r:embed="rId2"/>
+          <a:blip r:embed="rId3"/>
           <a:stretch/>
         </p:blipFill>
         <p:spPr>
@@ -8293,14 +10320,9 @@
       </p:pic>
     </p:spTree>
   </p:cSld>
-  <mc:AlternateContent>
-    <mc:Choice Requires="p14">
-      <p:transition spd="slow" p14:dur="2000"/>
-    </mc:Choice>
-    <mc:Fallback>
-      <p:transition spd="slow"/>
-    </mc:Fallback>
-  </mc:AlternateContent>
+  <p:clrMapOvr>
+    <a:masterClrMapping/>
+  </p:clrMapOvr>
 </p:sld>
 </file>
 
@@ -8315,34 +10337,34 @@
         <a:sysClr val="window" lastClr="FFFFFF"/>
       </a:lt1>
       <a:dk2>
-        <a:srgbClr val="44546a"/>
+        <a:srgbClr val="44546A"/>
       </a:dk2>
       <a:lt2>
-        <a:srgbClr val="e7e6e6"/>
+        <a:srgbClr val="E7E6E6"/>
       </a:lt2>
       <a:accent1>
-        <a:srgbClr val="4472c4"/>
+        <a:srgbClr val="4472C4"/>
       </a:accent1>
       <a:accent2>
-        <a:srgbClr val="ed7d31"/>
+        <a:srgbClr val="ED7D31"/>
       </a:accent2>
       <a:accent3>
-        <a:srgbClr val="a5a5a5"/>
+        <a:srgbClr val="A5A5A5"/>
       </a:accent3>
       <a:accent4>
-        <a:srgbClr val="ffc000"/>
+        <a:srgbClr val="FFC000"/>
       </a:accent4>
       <a:accent5>
-        <a:srgbClr val="5b9bd5"/>
+        <a:srgbClr val="5B9BD5"/>
       </a:accent5>
       <a:accent6>
-        <a:srgbClr val="70ad47"/>
+        <a:srgbClr val="70AD47"/>
       </a:accent6>
       <a:hlink>
-        <a:srgbClr val="0563c1"/>
+        <a:srgbClr val="0563C1"/>
       </a:hlink>
       <a:folHlink>
-        <a:srgbClr val="954f72"/>
+        <a:srgbClr val="954F72"/>
       </a:folHlink>
     </a:clrScheme>
     <a:fontScheme name="Office">
@@ -8527,6 +10549,8 @@
       </a:bgFillStyleLst>
     </a:fmtScheme>
   </a:themeElements>
+  <a:objectDefaults/>
+  <a:extraClrSchemeLst/>
 </a:theme>
 </file>
 
@@ -8541,34 +10565,34 @@
         <a:sysClr val="window" lastClr="FFFFFF"/>
       </a:lt1>
       <a:dk2>
-        <a:srgbClr val="44546a"/>
+        <a:srgbClr val="44546A"/>
       </a:dk2>
       <a:lt2>
-        <a:srgbClr val="e7e6e6"/>
+        <a:srgbClr val="E7E6E6"/>
       </a:lt2>
       <a:accent1>
-        <a:srgbClr val="4472c4"/>
+        <a:srgbClr val="4472C4"/>
       </a:accent1>
       <a:accent2>
-        <a:srgbClr val="ed7d31"/>
+        <a:srgbClr val="ED7D31"/>
       </a:accent2>
       <a:accent3>
-        <a:srgbClr val="a5a5a5"/>
+        <a:srgbClr val="A5A5A5"/>
       </a:accent3>
       <a:accent4>
-        <a:srgbClr val="ffc000"/>
+        <a:srgbClr val="FFC000"/>
       </a:accent4>
       <a:accent5>
-        <a:srgbClr val="5b9bd5"/>
+        <a:srgbClr val="5B9BD5"/>
       </a:accent5>
       <a:accent6>
-        <a:srgbClr val="70ad47"/>
+        <a:srgbClr val="70AD47"/>
       </a:accent6>
       <a:hlink>
-        <a:srgbClr val="0563c1"/>
+        <a:srgbClr val="0563C1"/>
       </a:hlink>
       <a:folHlink>
-        <a:srgbClr val="954f72"/>
+        <a:srgbClr val="954F72"/>
       </a:folHlink>
     </a:clrScheme>
     <a:fontScheme name="Office">
@@ -8753,5 +10777,7 @@
       </a:bgFillStyleLst>
     </a:fmtScheme>
   </a:themeElements>
+  <a:objectDefaults/>
+  <a:extraClrSchemeLst/>
 </a:theme>
 </file>
--- a/TeX/Second set/slides.pptx
+++ b/TeX/Second set/slides.pptx
@@ -26,6 +26,9 @@
     <p:sldId id="275" r:id="rId20"/>
     <p:sldId id="273" r:id="rId21"/>
     <p:sldId id="274" r:id="rId22"/>
+    <p:sldId id="276" r:id="rId23"/>
+    <p:sldId id="277" r:id="rId24"/>
+    <p:sldId id="278" r:id="rId25"/>
   </p:sldIdLst>
   <p:sldSz cx="12193588" cy="6858000"/>
   <p:notesSz cx="7559675" cy="10691813"/>
@@ -124,6 +127,11 @@
       </a:defRPr>
     </a:lvl9pPr>
   </p:defaultTextStyle>
+  <p:extLst>
+    <p:ext uri="{EFAFB233-063F-42B5-8137-9DF3F51BA10A}">
+      <p15:sldGuideLst xmlns:p15="http://schemas.microsoft.com/office/powerpoint/2012/main"/>
+    </p:ext>
+  </p:extLst>
 </p:presentation>
 </file>
 
@@ -7123,7 +7131,7 @@
                 </a:solidFill>
                 <a:latin typeface="Calibri"/>
               </a:rPr>
-              <a:t>Verinha -&gt; Rolo -&gt; Tina -&gt; Maurício de Souza -&gt; Cascão -&gt; Irmãs Cebolinhas -&gt; Chico Bento -&gt; Onça -&gt; Papa-Capim -&gt; Pajé </a:t>
+              <a:t>Verinha -&gt; Rolo -&gt; Tina -&gt; Maurício de Sousa -&gt; Cascão -&gt; Irmãs Cebolinhas -&gt; Chico Bento -&gt; Onça -&gt; Papa-Capim -&gt; Pajé </a:t>
             </a:r>
             <a:r>
               <a:rPr lang="pt-BR" sz="3600" b="0" u="sng" strike="noStrike" spc="-1" dirty="0">
@@ -7578,8 +7586,8 @@
         </p:nvSpPr>
         <p:spPr>
           <a:xfrm>
-            <a:off x="1677268" y="1816324"/>
-            <a:ext cx="10516320" cy="4350960"/>
+            <a:off x="2088219" y="2119466"/>
+            <a:ext cx="6691797" cy="4350960"/>
           </a:xfrm>
           <a:prstGeom prst="rect">
             <a:avLst/>
@@ -7595,7 +7603,228 @@
           </a:bodyPr>
           <a:lstStyle/>
           <a:p>
-            <a:endParaRPr lang="pt-BR" sz="2800" b="0" strike="noStrike" spc="-1">
+            <a:r>
+              <a:rPr lang="pt-BR" sz="3200" b="0" strike="noStrike" spc="-1" dirty="0">
+                <a:solidFill>
+                  <a:srgbClr val="000000"/>
+                </a:solidFill>
+                <a:latin typeface="Comic Sans MS" panose="030F0702030302020204" pitchFamily="66" charset="0"/>
+              </a:rPr>
+              <a:t>TRAIÇÃO NO LIMOEIRO: </a:t>
+            </a:r>
+            <a:endParaRPr lang="pt-BR" sz="3200" spc="-1" dirty="0">
+              <a:solidFill>
+                <a:srgbClr val="000000"/>
+              </a:solidFill>
+              <a:latin typeface="Comic Sans MS" panose="030F0702030302020204" pitchFamily="66" charset="0"/>
+            </a:endParaRPr>
+          </a:p>
+          <a:p>
+            <a:r>
+              <a:rPr lang="pt-BR" sz="3200" b="0" strike="noStrike" spc="-1" dirty="0">
+                <a:solidFill>
+                  <a:srgbClr val="000000"/>
+                </a:solidFill>
+                <a:latin typeface="Comic Sans MS" panose="030F0702030302020204" pitchFamily="66" charset="0"/>
+              </a:rPr>
+              <a:t>Seu Souza (pai da Mônica) possui mais proximidade com Mônica, Dona Luísa e Sansão.</a:t>
+            </a:r>
+          </a:p>
+          <a:p>
+            <a:r>
+              <a:rPr lang="pt-BR" sz="3200" spc="-1" dirty="0">
+                <a:solidFill>
+                  <a:srgbClr val="000000"/>
+                </a:solidFill>
+                <a:latin typeface="Comic Sans MS" panose="030F0702030302020204" pitchFamily="66" charset="0"/>
+              </a:rPr>
+              <a:t>Enquanto Dona Luísa, é mais próxima da Mônica, Magali e Seu Antenor (Pai do Cascão)</a:t>
+            </a:r>
+            <a:r>
+              <a:rPr lang="pt-BR" sz="3200" b="0" strike="noStrike" spc="-1" dirty="0">
+                <a:solidFill>
+                  <a:srgbClr val="000000"/>
+                </a:solidFill>
+                <a:latin typeface="Comic Sans MS" panose="030F0702030302020204" pitchFamily="66" charset="0"/>
+              </a:rPr>
+              <a:t> </a:t>
+            </a:r>
+          </a:p>
+        </p:txBody>
+      </p:sp>
+      <p:pic>
+        <p:nvPicPr>
+          <p:cNvPr id="3" name="Imagem 2" descr="Desenho de personagem de desenho animado&#10;&#10;Descrição gerada automaticamente">
+            <a:extLst>
+              <a:ext uri="{FF2B5EF4-FFF2-40B4-BE49-F238E27FC236}">
+                <a16:creationId xmlns:a16="http://schemas.microsoft.com/office/drawing/2014/main" id="{5F8E795C-6196-4058-A924-A3F515B2CCD1}"/>
+              </a:ext>
+            </a:extLst>
+          </p:cNvPr>
+          <p:cNvPicPr>
+            <a:picLocks noChangeAspect="1"/>
+          </p:cNvPicPr>
+          <p:nvPr/>
+        </p:nvPicPr>
+        <p:blipFill>
+          <a:blip r:embed="rId3">
+            <a:extLst>
+              <a:ext uri="{28A0092B-C50C-407E-A947-70E740481C1C}">
+                <a14:useLocalDpi xmlns:a14="http://schemas.microsoft.com/office/drawing/2010/main" val="0"/>
+              </a:ext>
+            </a:extLst>
+          </a:blip>
+          <a:stretch>
+            <a:fillRect/>
+          </a:stretch>
+        </p:blipFill>
+        <p:spPr>
+          <a:xfrm>
+            <a:off x="9272331" y="3429000"/>
+            <a:ext cx="2047875" cy="2857500"/>
+          </a:xfrm>
+          <a:prstGeom prst="rect">
+            <a:avLst/>
+          </a:prstGeom>
+        </p:spPr>
+      </p:pic>
+      <p:pic>
+        <p:nvPicPr>
+          <p:cNvPr id="5" name="Imagem 4" descr="Desenho de personagem de desenho animado&#10;&#10;Descrição gerada automaticamente com confiança média">
+            <a:extLst>
+              <a:ext uri="{FF2B5EF4-FFF2-40B4-BE49-F238E27FC236}">
+                <a16:creationId xmlns:a16="http://schemas.microsoft.com/office/drawing/2014/main" id="{C33D7D70-EC6E-46ED-B1BF-8A77ACC78A9A}"/>
+              </a:ext>
+            </a:extLst>
+          </p:cNvPr>
+          <p:cNvPicPr>
+            <a:picLocks noChangeAspect="1"/>
+          </p:cNvPicPr>
+          <p:nvPr/>
+        </p:nvPicPr>
+        <p:blipFill>
+          <a:blip r:embed="rId4">
+            <a:extLst>
+              <a:ext uri="{28A0092B-C50C-407E-A947-70E740481C1C}">
+                <a14:useLocalDpi xmlns:a14="http://schemas.microsoft.com/office/drawing/2010/main" val="0"/>
+              </a:ext>
+            </a:extLst>
+          </a:blip>
+          <a:stretch>
+            <a:fillRect/>
+          </a:stretch>
+        </p:blipFill>
+        <p:spPr>
+          <a:xfrm>
+            <a:off x="9188451" y="587261"/>
+            <a:ext cx="2215636" cy="2187158"/>
+          </a:xfrm>
+          <a:prstGeom prst="rect">
+            <a:avLst/>
+          </a:prstGeom>
+          <a:ln w="38100" cap="sq">
+            <a:solidFill>
+              <a:srgbClr val="000000"/>
+            </a:solidFill>
+            <a:prstDash val="solid"/>
+            <a:miter lim="800000"/>
+          </a:ln>
+          <a:effectLst>
+            <a:outerShdw blurRad="50800" dist="38100" dir="2700000" algn="tl" rotWithShape="0">
+              <a:srgbClr val="000000">
+                <a:alpha val="43000"/>
+              </a:srgbClr>
+            </a:outerShdw>
+          </a:effectLst>
+        </p:spPr>
+      </p:pic>
+    </p:spTree>
+  </p:cSld>
+  <p:clrMapOvr>
+    <a:masterClrMapping/>
+  </p:clrMapOvr>
+</p:sld>
+</file>
+
+<file path=ppt/slides/slide21.xml><?xml version="1.0" encoding="utf-8"?>
+<p:sld xmlns:a="http://schemas.openxmlformats.org/drawingml/2006/main" xmlns:r="http://schemas.openxmlformats.org/officeDocument/2006/relationships" xmlns:p="http://schemas.openxmlformats.org/presentationml/2006/main">
+  <p:cSld>
+    <p:bg>
+      <p:bgPr>
+        <a:blipFill rotWithShape="0">
+          <a:blip r:embed="rId2"/>
+          <a:stretch>
+            <a:fillRect/>
+          </a:stretch>
+        </a:blipFill>
+        <a:effectLst/>
+      </p:bgPr>
+    </p:bg>
+    <p:spTree>
+      <p:nvGrpSpPr>
+        <p:cNvPr id="1" name=""/>
+        <p:cNvGrpSpPr/>
+        <p:nvPr/>
+      </p:nvGrpSpPr>
+      <p:grpSpPr>
+        <a:xfrm>
+          <a:off x="0" y="0"/>
+          <a:ext cx="0" cy="0"/>
+          <a:chOff x="0" y="0"/>
+          <a:chExt cx="0" cy="0"/>
+        </a:xfrm>
+      </p:grpSpPr>
+      <p:sp>
+        <p:nvSpPr>
+          <p:cNvPr id="131" name="TextShape 1"/>
+          <p:cNvSpPr txBox="1"/>
+          <p:nvPr/>
+        </p:nvSpPr>
+        <p:spPr>
+          <a:xfrm>
+            <a:off x="1677268" y="355680"/>
+            <a:ext cx="10516320" cy="1325160"/>
+          </a:xfrm>
+          <a:prstGeom prst="rect">
+            <a:avLst/>
+          </a:prstGeom>
+          <a:noFill/>
+          <a:ln>
+            <a:noFill/>
+          </a:ln>
+        </p:spPr>
+        <p:txBody>
+          <a:bodyPr anchor="ctr">
+            <a:normAutofit/>
+          </a:bodyPr>
+          <a:lstStyle/>
+          <a:p>
+            <a:pPr>
+              <a:lnSpc>
+                <a:spcPct val="90000"/>
+              </a:lnSpc>
+            </a:pPr>
+            <a:r>
+              <a:rPr lang="pt-BR" sz="6000" b="0" strike="noStrike" spc="-1" dirty="0">
+                <a:ln w="38100">
+                  <a:solidFill>
+                    <a:schemeClr val="tx1"/>
+                  </a:solidFill>
+                </a:ln>
+                <a:solidFill>
+                  <a:srgbClr val="FFFF00"/>
+                </a:solidFill>
+                <a:latin typeface="Cooper Black"/>
+                <a:ea typeface="BatangChe"/>
+              </a:rPr>
+              <a:t>Problemas ocorridos</a:t>
+            </a:r>
+            <a:endParaRPr lang="pt-BR" sz="6000" b="0" strike="noStrike" spc="-1" dirty="0">
+              <a:ln w="38100">
+                <a:solidFill>
+                  <a:schemeClr val="tx1"/>
+                </a:solidFill>
+              </a:ln>
               <a:solidFill>
                 <a:srgbClr val="000000"/>
               </a:solidFill>
@@ -7604,7 +7833,339 @@
           </a:p>
         </p:txBody>
       </p:sp>
+      <p:sp>
+        <p:nvSpPr>
+          <p:cNvPr id="132" name="TextShape 2"/>
+          <p:cNvSpPr txBox="1"/>
+          <p:nvPr/>
+        </p:nvSpPr>
+        <p:spPr>
+          <a:xfrm>
+            <a:off x="1677268" y="1862014"/>
+            <a:ext cx="9561862" cy="4350960"/>
+          </a:xfrm>
+          <a:prstGeom prst="rect">
+            <a:avLst/>
+          </a:prstGeom>
+          <a:noFill/>
+          <a:ln>
+            <a:noFill/>
+          </a:ln>
+        </p:spPr>
+        <p:txBody>
+          <a:bodyPr>
+            <a:noAutofit/>
+          </a:bodyPr>
+          <a:lstStyle/>
+          <a:p>
+            <a:pPr marL="457200" indent="-457200">
+              <a:buFont typeface="Arial" panose="020B0604020202020204" pitchFamily="34" charset="0"/>
+              <a:buChar char="•"/>
+            </a:pPr>
+            <a:r>
+              <a:rPr lang="pt-BR" sz="2400" b="0" strike="noStrike" spc="-1" dirty="0">
+                <a:solidFill>
+                  <a:srgbClr val="000000"/>
+                </a:solidFill>
+                <a:latin typeface="Comic Sans MS" panose="030F0702030302020204" pitchFamily="66" charset="0"/>
+              </a:rPr>
+              <a:t>Grande parte de algumas incoerências ou falta de relações que nós como fãs, sabemos que está faltando, vem do fato da amostra apesar de possuir 30 gibis, ainda sim é pequena comparada aos mais de 60 anos de Turma da Mônica.</a:t>
+            </a:r>
+          </a:p>
+          <a:p>
+            <a:pPr marL="457200" indent="-457200">
+              <a:buFont typeface="Arial" panose="020B0604020202020204" pitchFamily="34" charset="0"/>
+              <a:buChar char="•"/>
+            </a:pPr>
+            <a:r>
+              <a:rPr lang="pt-BR" sz="2400" b="0" strike="noStrike" spc="-1" dirty="0">
+                <a:solidFill>
+                  <a:srgbClr val="000000"/>
+                </a:solidFill>
+                <a:latin typeface="Comic Sans MS" panose="030F0702030302020204" pitchFamily="66" charset="0"/>
+              </a:rPr>
+              <a:t>Ainda existem problemas acerca da interpretação de relações, quando personagens estão: em pensamento, flashbacks ou possibilidades de futuro, falando só por telefone ou narrando a história, entre outros.</a:t>
+            </a:r>
+          </a:p>
+          <a:p>
+            <a:pPr marL="457200" indent="-457200">
+              <a:buFont typeface="Arial" panose="020B0604020202020204" pitchFamily="34" charset="0"/>
+              <a:buChar char="•"/>
+            </a:pPr>
+            <a:r>
+              <a:rPr lang="pt-BR" sz="2400" b="0" strike="noStrike" spc="-1" dirty="0">
+                <a:solidFill>
+                  <a:srgbClr val="000000"/>
+                </a:solidFill>
+                <a:latin typeface="Comic Sans MS" panose="030F0702030302020204" pitchFamily="66" charset="0"/>
+              </a:rPr>
+              <a:t>Tentou-se entrar em contato com a Maurício de Sousa Produções por vários meios sociais, no entanto em nenhuma deles se obteve algum retorno.</a:t>
+            </a:r>
+          </a:p>
+        </p:txBody>
+      </p:sp>
     </p:spTree>
+    <p:extLst>
+      <p:ext uri="{BB962C8B-B14F-4D97-AF65-F5344CB8AC3E}">
+        <p14:creationId xmlns:p14="http://schemas.microsoft.com/office/powerpoint/2010/main" val="4090761829"/>
+      </p:ext>
+    </p:extLst>
+  </p:cSld>
+  <p:clrMapOvr>
+    <a:masterClrMapping/>
+  </p:clrMapOvr>
+</p:sld>
+</file>
+
+<file path=ppt/slides/slide22.xml><?xml version="1.0" encoding="utf-8"?>
+<p:sld xmlns:a="http://schemas.openxmlformats.org/drawingml/2006/main" xmlns:r="http://schemas.openxmlformats.org/officeDocument/2006/relationships" xmlns:p="http://schemas.openxmlformats.org/presentationml/2006/main">
+  <p:cSld>
+    <p:bg>
+      <p:bgPr>
+        <a:blipFill rotWithShape="0">
+          <a:blip r:embed="rId2"/>
+          <a:stretch>
+            <a:fillRect/>
+          </a:stretch>
+        </a:blipFill>
+        <a:effectLst/>
+      </p:bgPr>
+    </p:bg>
+    <p:spTree>
+      <p:nvGrpSpPr>
+        <p:cNvPr id="1" name=""/>
+        <p:cNvGrpSpPr/>
+        <p:nvPr/>
+      </p:nvGrpSpPr>
+      <p:grpSpPr>
+        <a:xfrm>
+          <a:off x="0" y="0"/>
+          <a:ext cx="0" cy="0"/>
+          <a:chOff x="0" y="0"/>
+          <a:chExt cx="0" cy="0"/>
+        </a:xfrm>
+      </p:grpSpPr>
+      <p:sp>
+        <p:nvSpPr>
+          <p:cNvPr id="131" name="TextShape 1"/>
+          <p:cNvSpPr txBox="1"/>
+          <p:nvPr/>
+        </p:nvSpPr>
+        <p:spPr>
+          <a:xfrm>
+            <a:off x="1677268" y="355680"/>
+            <a:ext cx="10516320" cy="1325160"/>
+          </a:xfrm>
+          <a:prstGeom prst="rect">
+            <a:avLst/>
+          </a:prstGeom>
+          <a:noFill/>
+          <a:ln>
+            <a:noFill/>
+          </a:ln>
+        </p:spPr>
+        <p:txBody>
+          <a:bodyPr anchor="ctr">
+            <a:normAutofit/>
+          </a:bodyPr>
+          <a:lstStyle/>
+          <a:p>
+            <a:pPr>
+              <a:lnSpc>
+                <a:spcPct val="90000"/>
+              </a:lnSpc>
+            </a:pPr>
+            <a:r>
+              <a:rPr lang="pt-BR" sz="6000" b="0" strike="noStrike" spc="-1" dirty="0">
+                <a:ln w="38100">
+                  <a:solidFill>
+                    <a:schemeClr val="tx1"/>
+                  </a:solidFill>
+                </a:ln>
+                <a:solidFill>
+                  <a:srgbClr val="FFFF00"/>
+                </a:solidFill>
+                <a:latin typeface="Cooper Black"/>
+                <a:ea typeface="BatangChe"/>
+              </a:rPr>
+              <a:t>Objetivos futuros</a:t>
+            </a:r>
+            <a:endParaRPr lang="pt-BR" sz="6000" b="0" strike="noStrike" spc="-1" dirty="0">
+              <a:ln w="38100">
+                <a:solidFill>
+                  <a:schemeClr val="tx1"/>
+                </a:solidFill>
+              </a:ln>
+              <a:solidFill>
+                <a:srgbClr val="000000"/>
+              </a:solidFill>
+              <a:latin typeface="Calibri"/>
+            </a:endParaRPr>
+          </a:p>
+        </p:txBody>
+      </p:sp>
+      <p:sp>
+        <p:nvSpPr>
+          <p:cNvPr id="132" name="TextShape 2"/>
+          <p:cNvSpPr txBox="1"/>
+          <p:nvPr/>
+        </p:nvSpPr>
+        <p:spPr>
+          <a:xfrm>
+            <a:off x="1677268" y="1862014"/>
+            <a:ext cx="9561862" cy="4350960"/>
+          </a:xfrm>
+          <a:prstGeom prst="rect">
+            <a:avLst/>
+          </a:prstGeom>
+          <a:noFill/>
+          <a:ln>
+            <a:noFill/>
+          </a:ln>
+        </p:spPr>
+        <p:txBody>
+          <a:bodyPr>
+            <a:noAutofit/>
+          </a:bodyPr>
+          <a:lstStyle/>
+          <a:p>
+            <a:pPr marL="457200" indent="-457200">
+              <a:buFont typeface="Arial" panose="020B0604020202020204" pitchFamily="34" charset="0"/>
+              <a:buChar char="•"/>
+            </a:pPr>
+            <a:r>
+              <a:rPr lang="pt-BR" sz="2800" spc="-1" dirty="0">
+                <a:solidFill>
+                  <a:srgbClr val="000000"/>
+                </a:solidFill>
+                <a:latin typeface="Comic Sans MS" panose="030F0702030302020204" pitchFamily="66" charset="0"/>
+              </a:rPr>
+              <a:t>Compartilhar esse banco de dados com todas as informações que coletamos publicamente, além de visualizações interativas das redes formadas</a:t>
+            </a:r>
+          </a:p>
+          <a:p>
+            <a:pPr marL="457200" indent="-457200">
+              <a:buFont typeface="Arial" panose="020B0604020202020204" pitchFamily="34" charset="0"/>
+              <a:buChar char="•"/>
+            </a:pPr>
+            <a:r>
+              <a:rPr lang="pt-BR" sz="2800" spc="-1" dirty="0">
+                <a:solidFill>
+                  <a:srgbClr val="000000"/>
+                </a:solidFill>
+                <a:latin typeface="Comic Sans MS" panose="030F0702030302020204" pitchFamily="66" charset="0"/>
+              </a:rPr>
+              <a:t>Criar um site para que fãs pudessem fazer o mesmo processo que fizemos, para assim tentar resolver o problema de falta de uma amostra significativa e poder obter resultados mais coerentes com toda a história da Turma da Mônica.</a:t>
+            </a:r>
+          </a:p>
+        </p:txBody>
+      </p:sp>
+    </p:spTree>
+    <p:extLst>
+      <p:ext uri="{BB962C8B-B14F-4D97-AF65-F5344CB8AC3E}">
+        <p14:creationId xmlns:p14="http://schemas.microsoft.com/office/powerpoint/2010/main" val="256501865"/>
+      </p:ext>
+    </p:extLst>
+  </p:cSld>
+  <p:clrMapOvr>
+    <a:masterClrMapping/>
+  </p:clrMapOvr>
+</p:sld>
+</file>
+
+<file path=ppt/slides/slide23.xml><?xml version="1.0" encoding="utf-8"?>
+<p:sld xmlns:a="http://schemas.openxmlformats.org/drawingml/2006/main" xmlns:r="http://schemas.openxmlformats.org/officeDocument/2006/relationships" xmlns:p="http://schemas.openxmlformats.org/presentationml/2006/main">
+  <p:cSld>
+    <p:bg>
+      <p:bgPr>
+        <a:blipFill rotWithShape="0">
+          <a:blip r:embed="rId2"/>
+          <a:stretch>
+            <a:fillRect/>
+          </a:stretch>
+        </a:blipFill>
+        <a:effectLst/>
+      </p:bgPr>
+    </p:bg>
+    <p:spTree>
+      <p:nvGrpSpPr>
+        <p:cNvPr id="1" name=""/>
+        <p:cNvGrpSpPr/>
+        <p:nvPr/>
+      </p:nvGrpSpPr>
+      <p:grpSpPr>
+        <a:xfrm>
+          <a:off x="0" y="0"/>
+          <a:ext cx="0" cy="0"/>
+          <a:chOff x="0" y="0"/>
+          <a:chExt cx="0" cy="0"/>
+        </a:xfrm>
+      </p:grpSpPr>
+      <p:sp>
+        <p:nvSpPr>
+          <p:cNvPr id="131" name="TextShape 1"/>
+          <p:cNvSpPr txBox="1"/>
+          <p:nvPr/>
+        </p:nvSpPr>
+        <p:spPr>
+          <a:xfrm>
+            <a:off x="4497577" y="2457408"/>
+            <a:ext cx="3198433" cy="1943184"/>
+          </a:xfrm>
+          <a:prstGeom prst="rect">
+            <a:avLst/>
+          </a:prstGeom>
+          <a:noFill/>
+          <a:ln>
+            <a:noFill/>
+          </a:ln>
+        </p:spPr>
+        <p:txBody>
+          <a:bodyPr anchor="ctr">
+            <a:normAutofit/>
+          </a:bodyPr>
+          <a:lstStyle/>
+          <a:p>
+            <a:pPr>
+              <a:lnSpc>
+                <a:spcPct val="90000"/>
+              </a:lnSpc>
+            </a:pPr>
+            <a:r>
+              <a:rPr lang="pt-BR" sz="11500" b="0" strike="noStrike" spc="-1" dirty="0">
+                <a:ln w="57150">
+                  <a:solidFill>
+                    <a:schemeClr val="tx1"/>
+                  </a:solidFill>
+                </a:ln>
+                <a:solidFill>
+                  <a:srgbClr val="FFFF00"/>
+                </a:solidFill>
+                <a:latin typeface="Cooper Black"/>
+                <a:ea typeface="BatangChe"/>
+              </a:rPr>
+              <a:t>FIM</a:t>
+            </a:r>
+            <a:endParaRPr lang="pt-BR" sz="11500" b="0" strike="noStrike" spc="-1" dirty="0">
+              <a:ln w="57150">
+                <a:solidFill>
+                  <a:schemeClr val="tx1"/>
+                </a:solidFill>
+              </a:ln>
+              <a:solidFill>
+                <a:srgbClr val="000000"/>
+              </a:solidFill>
+              <a:latin typeface="Calibri"/>
+            </a:endParaRPr>
+          </a:p>
+        </p:txBody>
+      </p:sp>
+    </p:spTree>
+    <p:extLst>
+      <p:ext uri="{BB962C8B-B14F-4D97-AF65-F5344CB8AC3E}">
+        <p14:creationId xmlns:p14="http://schemas.microsoft.com/office/powerpoint/2010/main" val="1686316775"/>
+      </p:ext>
+    </p:extLst>
   </p:cSld>
   <p:clrMapOvr>
     <a:masterClrMapping/>

--- a/TeX/Second set/slides.pptx
+++ b/TeX/Second set/slides.pptx
@@ -19,16 +19,14 @@
     <p:sldId id="266" r:id="rId13"/>
     <p:sldId id="267" r:id="rId14"/>
     <p:sldId id="268" r:id="rId15"/>
-    <p:sldId id="269" r:id="rId16"/>
-    <p:sldId id="270" r:id="rId17"/>
-    <p:sldId id="271" r:id="rId18"/>
-    <p:sldId id="272" r:id="rId19"/>
-    <p:sldId id="275" r:id="rId20"/>
-    <p:sldId id="273" r:id="rId21"/>
-    <p:sldId id="274" r:id="rId22"/>
-    <p:sldId id="276" r:id="rId23"/>
-    <p:sldId id="277" r:id="rId24"/>
-    <p:sldId id="278" r:id="rId25"/>
+    <p:sldId id="271" r:id="rId16"/>
+    <p:sldId id="272" r:id="rId17"/>
+    <p:sldId id="275" r:id="rId18"/>
+    <p:sldId id="273" r:id="rId19"/>
+    <p:sldId id="274" r:id="rId20"/>
+    <p:sldId id="276" r:id="rId21"/>
+    <p:sldId id="277" r:id="rId22"/>
+    <p:sldId id="278" r:id="rId23"/>
   </p:sldIdLst>
   <p:sldSz cx="12193588" cy="6858000"/>
   <p:notesSz cx="7559675" cy="10691813"/>
@@ -5140,14 +5138,14 @@
       </p:grpSpPr>
       <p:sp>
         <p:nvSpPr>
-          <p:cNvPr id="116" name="TextShape 1"/>
+          <p:cNvPr id="120" name="TextShape 1"/>
           <p:cNvSpPr txBox="1"/>
           <p:nvPr/>
         </p:nvSpPr>
         <p:spPr>
           <a:xfrm>
-            <a:off x="452762" y="365040"/>
-            <a:ext cx="11740080" cy="1325160"/>
+            <a:off x="0" y="355680"/>
+            <a:ext cx="10516320" cy="1325160"/>
           </a:xfrm>
           <a:prstGeom prst="rect">
             <a:avLst/>
@@ -5159,17 +5157,17 @@
         </p:spPr>
         <p:txBody>
           <a:bodyPr anchor="ctr">
-            <a:noAutofit/>
-          </a:bodyPr>
-          <a:lstStyle/>
-          <a:p>
-            <a:pPr>
+            <a:normAutofit/>
+          </a:bodyPr>
+          <a:lstStyle/>
+          <a:p>
+            <a:pPr algn="r">
               <a:lnSpc>
                 <a:spcPct val="90000"/>
               </a:lnSpc>
             </a:pPr>
             <a:r>
-              <a:rPr lang="pt-BR" sz="5200" b="0" strike="noStrike" spc="-1" dirty="0">
+              <a:rPr lang="pt-BR" sz="6000" b="0" strike="noStrike" spc="-1" dirty="0">
                 <a:ln w="38100">
                   <a:solidFill>
                     <a:schemeClr val="tx1"/>
@@ -5181,24 +5179,9 @@
                 <a:latin typeface="Cooper Black"/>
                 <a:ea typeface="BatangChe"/>
               </a:rPr>
-              <a:t>(#) Comparação com </a:t>
+              <a:t>Maiores Hubs</a:t>
             </a:r>
-            <a:r>
-              <a:rPr lang="pt-BR" sz="5200" b="0" strike="noStrike" spc="-1" dirty="0" err="1">
-                <a:ln w="38100">
-                  <a:solidFill>
-                    <a:schemeClr val="tx1"/>
-                  </a:solidFill>
-                </a:ln>
-                <a:solidFill>
-                  <a:srgbClr val="FFFF00"/>
-                </a:solidFill>
-                <a:latin typeface="Cooper Black"/>
-                <a:ea typeface="BatangChe"/>
-              </a:rPr>
-              <a:t>Erdös-Rénye</a:t>
-            </a:r>
-            <a:endParaRPr lang="pt-BR" sz="5200" b="0" strike="noStrike" spc="-1" dirty="0">
+            <a:endParaRPr lang="pt-BR" sz="6000" b="0" strike="noStrike" spc="-1" dirty="0">
               <a:ln w="38100">
                 <a:solidFill>
                   <a:schemeClr val="tx1"/>
@@ -5214,32 +5197,1635 @@
       </p:sp>
       <p:pic>
         <p:nvPicPr>
-          <p:cNvPr id="117" name="Imagem 116"/>
-          <p:cNvPicPr/>
+          <p:cNvPr id="3" name="Imagem 2" descr="Desenho de animal com corpo de desenho animado&#10;&#10;Descrição gerada automaticamente com confiança média">
+            <a:extLst>
+              <a:ext uri="{FF2B5EF4-FFF2-40B4-BE49-F238E27FC236}">
+                <a16:creationId xmlns:a16="http://schemas.microsoft.com/office/drawing/2014/main" id="{2788E56A-3FFB-47DF-B9FB-73E0EDC1755E}"/>
+              </a:ext>
+            </a:extLst>
+          </p:cNvPr>
+          <p:cNvPicPr>
+            <a:picLocks noChangeAspect="1"/>
+          </p:cNvPicPr>
           <p:nvPr/>
         </p:nvPicPr>
         <p:blipFill>
-          <a:blip r:embed="rId3"/>
-          <a:stretch/>
+          <a:blip r:embed="rId3">
+            <a:extLst>
+              <a:ext uri="{28A0092B-C50C-407E-A947-70E740481C1C}">
+                <a14:useLocalDpi xmlns:a14="http://schemas.microsoft.com/office/drawing/2010/main" val="0"/>
+              </a:ext>
+            </a:extLst>
+          </a:blip>
+          <a:stretch>
+            <a:fillRect/>
+          </a:stretch>
         </p:blipFill>
         <p:spPr>
           <a:xfrm>
-            <a:off x="3670560" y="1809000"/>
-            <a:ext cx="6527160" cy="4350960"/>
-          </a:xfrm>
-          <a:prstGeom prst="rect">
-            <a:avLst/>
-          </a:prstGeom>
+            <a:off x="4061091" y="1814005"/>
+            <a:ext cx="1104920" cy="2174033"/>
+          </a:xfrm>
+          <a:prstGeom prst="rect">
+            <a:avLst/>
+          </a:prstGeom>
+        </p:spPr>
+      </p:pic>
+      <p:pic>
+        <p:nvPicPr>
+          <p:cNvPr id="5" name="Imagem 4" descr="Desenho de personagem de desenho animado&#10;&#10;Descrição gerada automaticamente com confiança média">
+            <a:extLst>
+              <a:ext uri="{FF2B5EF4-FFF2-40B4-BE49-F238E27FC236}">
+                <a16:creationId xmlns:a16="http://schemas.microsoft.com/office/drawing/2014/main" id="{F55F8E4A-A061-4C32-9F6F-4EFF2BE17A55}"/>
+              </a:ext>
+            </a:extLst>
+          </p:cNvPr>
+          <p:cNvPicPr>
+            <a:picLocks noChangeAspect="1"/>
+          </p:cNvPicPr>
+          <p:nvPr/>
+        </p:nvPicPr>
+        <p:blipFill>
+          <a:blip r:embed="rId4">
+            <a:extLst>
+              <a:ext uri="{28A0092B-C50C-407E-A947-70E740481C1C}">
+                <a14:useLocalDpi xmlns:a14="http://schemas.microsoft.com/office/drawing/2010/main" val="0"/>
+              </a:ext>
+            </a:extLst>
+          </a:blip>
+          <a:stretch>
+            <a:fillRect/>
+          </a:stretch>
+        </p:blipFill>
+        <p:spPr>
+          <a:xfrm>
+            <a:off x="8970893" y="2008890"/>
+            <a:ext cx="1220672" cy="1979148"/>
+          </a:xfrm>
+          <a:prstGeom prst="rect">
+            <a:avLst/>
+          </a:prstGeom>
+        </p:spPr>
+      </p:pic>
+      <p:pic>
+        <p:nvPicPr>
+          <p:cNvPr id="7" name="Imagem 6" descr="Desenho de um cachorro&#10;&#10;Descrição gerada automaticamente com confiança média">
+            <a:extLst>
+              <a:ext uri="{FF2B5EF4-FFF2-40B4-BE49-F238E27FC236}">
+                <a16:creationId xmlns:a16="http://schemas.microsoft.com/office/drawing/2014/main" id="{AC6C8BE0-8259-4A89-BA1D-5F6DAEFB4323}"/>
+              </a:ext>
+            </a:extLst>
+          </p:cNvPr>
+          <p:cNvPicPr>
+            <a:picLocks noChangeAspect="1"/>
+          </p:cNvPicPr>
+          <p:nvPr/>
+        </p:nvPicPr>
+        <p:blipFill>
+          <a:blip r:embed="rId5">
+            <a:extLst>
+              <a:ext uri="{28A0092B-C50C-407E-A947-70E740481C1C}">
+                <a14:useLocalDpi xmlns:a14="http://schemas.microsoft.com/office/drawing/2010/main" val="0"/>
+              </a:ext>
+            </a:extLst>
+          </a:blip>
+          <a:stretch>
+            <a:fillRect/>
+          </a:stretch>
+        </p:blipFill>
+        <p:spPr>
+          <a:xfrm>
+            <a:off x="3840192" y="4728900"/>
+            <a:ext cx="1325819" cy="1753028"/>
+          </a:xfrm>
+          <a:prstGeom prst="rect">
+            <a:avLst/>
+          </a:prstGeom>
+        </p:spPr>
+      </p:pic>
+      <p:pic>
+        <p:nvPicPr>
+          <p:cNvPr id="9" name="Imagem 8">
+            <a:extLst>
+              <a:ext uri="{FF2B5EF4-FFF2-40B4-BE49-F238E27FC236}">
+                <a16:creationId xmlns:a16="http://schemas.microsoft.com/office/drawing/2014/main" id="{B21AF80C-0AEF-492A-B12F-175B280AE467}"/>
+              </a:ext>
+            </a:extLst>
+          </p:cNvPr>
+          <p:cNvPicPr>
+            <a:picLocks noChangeAspect="1"/>
+          </p:cNvPicPr>
+          <p:nvPr/>
+        </p:nvPicPr>
+        <p:blipFill>
+          <a:blip r:embed="rId6"/>
+          <a:stretch>
+            <a:fillRect/>
+          </a:stretch>
+        </p:blipFill>
+        <p:spPr>
+          <a:xfrm>
+            <a:off x="9081263" y="5286101"/>
+            <a:ext cx="999932" cy="1216219"/>
+          </a:xfrm>
+          <a:prstGeom prst="rect">
+            <a:avLst/>
+          </a:prstGeom>
+        </p:spPr>
+      </p:pic>
+      <p:sp>
+        <p:nvSpPr>
+          <p:cNvPr id="11" name="Balão de Pensamento: Nuvem 10">
+            <a:extLst>
+              <a:ext uri="{FF2B5EF4-FFF2-40B4-BE49-F238E27FC236}">
+                <a16:creationId xmlns:a16="http://schemas.microsoft.com/office/drawing/2014/main" id="{5CE59EC0-3E97-4028-A7E4-5154FE21FC09}"/>
+              </a:ext>
+            </a:extLst>
+          </p:cNvPr>
+          <p:cNvSpPr/>
+          <p:nvPr/>
+        </p:nvSpPr>
+        <p:spPr>
+          <a:xfrm rot="20910315" flipH="1">
+            <a:off x="981607" y="1862783"/>
+            <a:ext cx="2698812" cy="1875153"/>
+          </a:xfrm>
+          <a:prstGeom prst="cloudCallout">
+            <a:avLst/>
+          </a:prstGeom>
+          <a:solidFill>
+            <a:schemeClr val="bg1"/>
+          </a:solidFill>
           <a:ln>
-            <a:noFill/>
+            <a:solidFill>
+              <a:schemeClr val="tx1"/>
+            </a:solidFill>
           </a:ln>
         </p:spPr>
-      </p:pic>
+        <p:style>
+          <a:lnRef idx="2">
+            <a:schemeClr val="accent1">
+              <a:shade val="50000"/>
+            </a:schemeClr>
+          </a:lnRef>
+          <a:fillRef idx="1">
+            <a:schemeClr val="accent1"/>
+          </a:fillRef>
+          <a:effectRef idx="0">
+            <a:schemeClr val="accent1"/>
+          </a:effectRef>
+          <a:fontRef idx="minor">
+            <a:schemeClr val="lt1"/>
+          </a:fontRef>
+        </p:style>
+        <p:txBody>
+          <a:bodyPr rtlCol="0" anchor="ctr"/>
+          <a:lstStyle/>
+          <a:p>
+            <a:pPr algn="ctr"/>
+            <a:endParaRPr lang="pt-BR" dirty="0"/>
+          </a:p>
+        </p:txBody>
+      </p:sp>
+      <p:sp>
+        <p:nvSpPr>
+          <p:cNvPr id="17" name="Balão de Pensamento: Nuvem 16">
+            <a:extLst>
+              <a:ext uri="{FF2B5EF4-FFF2-40B4-BE49-F238E27FC236}">
+                <a16:creationId xmlns:a16="http://schemas.microsoft.com/office/drawing/2014/main" id="{02E6A112-4238-43E0-9F3C-DEAF76CE7D6C}"/>
+              </a:ext>
+            </a:extLst>
+          </p:cNvPr>
+          <p:cNvSpPr/>
+          <p:nvPr/>
+        </p:nvSpPr>
+        <p:spPr>
+          <a:xfrm rot="20910315" flipH="1">
+            <a:off x="6112308" y="1860594"/>
+            <a:ext cx="2698812" cy="1875153"/>
+          </a:xfrm>
+          <a:prstGeom prst="cloudCallout">
+            <a:avLst/>
+          </a:prstGeom>
+          <a:solidFill>
+            <a:schemeClr val="bg1"/>
+          </a:solidFill>
+          <a:ln>
+            <a:solidFill>
+              <a:schemeClr val="tx1"/>
+            </a:solidFill>
+          </a:ln>
+        </p:spPr>
+        <p:style>
+          <a:lnRef idx="2">
+            <a:schemeClr val="accent1">
+              <a:shade val="50000"/>
+            </a:schemeClr>
+          </a:lnRef>
+          <a:fillRef idx="1">
+            <a:schemeClr val="accent1"/>
+          </a:fillRef>
+          <a:effectRef idx="0">
+            <a:schemeClr val="accent1"/>
+          </a:effectRef>
+          <a:fontRef idx="minor">
+            <a:schemeClr val="lt1"/>
+          </a:fontRef>
+        </p:style>
+        <p:txBody>
+          <a:bodyPr rtlCol="0" anchor="ctr"/>
+          <a:lstStyle/>
+          <a:p>
+            <a:pPr algn="ctr"/>
+            <a:endParaRPr lang="pt-BR"/>
+          </a:p>
+        </p:txBody>
+      </p:sp>
+      <p:sp>
+        <p:nvSpPr>
+          <p:cNvPr id="18" name="Balão de Pensamento: Nuvem 17">
+            <a:extLst>
+              <a:ext uri="{FF2B5EF4-FFF2-40B4-BE49-F238E27FC236}">
+                <a16:creationId xmlns:a16="http://schemas.microsoft.com/office/drawing/2014/main" id="{686B086F-670E-47D2-BC62-709EA62D3627}"/>
+              </a:ext>
+            </a:extLst>
+          </p:cNvPr>
+          <p:cNvSpPr/>
+          <p:nvPr/>
+        </p:nvSpPr>
+        <p:spPr>
+          <a:xfrm rot="20910315" flipH="1">
+            <a:off x="981606" y="4377065"/>
+            <a:ext cx="2698812" cy="1875153"/>
+          </a:xfrm>
+          <a:prstGeom prst="cloudCallout">
+            <a:avLst/>
+          </a:prstGeom>
+          <a:solidFill>
+            <a:schemeClr val="bg1"/>
+          </a:solidFill>
+          <a:ln>
+            <a:solidFill>
+              <a:schemeClr val="tx1"/>
+            </a:solidFill>
+          </a:ln>
+        </p:spPr>
+        <p:style>
+          <a:lnRef idx="2">
+            <a:schemeClr val="accent1">
+              <a:shade val="50000"/>
+            </a:schemeClr>
+          </a:lnRef>
+          <a:fillRef idx="1">
+            <a:schemeClr val="accent1"/>
+          </a:fillRef>
+          <a:effectRef idx="0">
+            <a:schemeClr val="accent1"/>
+          </a:effectRef>
+          <a:fontRef idx="minor">
+            <a:schemeClr val="lt1"/>
+          </a:fontRef>
+        </p:style>
+        <p:txBody>
+          <a:bodyPr rtlCol="0" anchor="ctr"/>
+          <a:lstStyle/>
+          <a:p>
+            <a:pPr algn="ctr"/>
+            <a:endParaRPr lang="pt-BR"/>
+          </a:p>
+        </p:txBody>
+      </p:sp>
+      <p:sp>
+        <p:nvSpPr>
+          <p:cNvPr id="19" name="Balão de Pensamento: Nuvem 18">
+            <a:extLst>
+              <a:ext uri="{FF2B5EF4-FFF2-40B4-BE49-F238E27FC236}">
+                <a16:creationId xmlns:a16="http://schemas.microsoft.com/office/drawing/2014/main" id="{3551B729-361E-4138-9B90-7A5905FD65A6}"/>
+              </a:ext>
+            </a:extLst>
+          </p:cNvPr>
+          <p:cNvSpPr/>
+          <p:nvPr/>
+        </p:nvSpPr>
+        <p:spPr>
+          <a:xfrm rot="20910315" flipH="1">
+            <a:off x="6112307" y="4377064"/>
+            <a:ext cx="2698812" cy="1875153"/>
+          </a:xfrm>
+          <a:prstGeom prst="cloudCallout">
+            <a:avLst/>
+          </a:prstGeom>
+          <a:solidFill>
+            <a:schemeClr val="bg1"/>
+          </a:solidFill>
+          <a:ln>
+            <a:solidFill>
+              <a:schemeClr val="tx1"/>
+            </a:solidFill>
+          </a:ln>
+        </p:spPr>
+        <p:style>
+          <a:lnRef idx="2">
+            <a:schemeClr val="accent1">
+              <a:shade val="50000"/>
+            </a:schemeClr>
+          </a:lnRef>
+          <a:fillRef idx="1">
+            <a:schemeClr val="accent1"/>
+          </a:fillRef>
+          <a:effectRef idx="0">
+            <a:schemeClr val="accent1"/>
+          </a:effectRef>
+          <a:fontRef idx="minor">
+            <a:schemeClr val="lt1"/>
+          </a:fontRef>
+        </p:style>
+        <p:txBody>
+          <a:bodyPr rtlCol="0" anchor="ctr"/>
+          <a:lstStyle/>
+          <a:p>
+            <a:pPr algn="ctr"/>
+            <a:endParaRPr lang="pt-BR"/>
+          </a:p>
+        </p:txBody>
+      </p:sp>
+      <p:sp>
+        <p:nvSpPr>
+          <p:cNvPr id="12" name="CaixaDeTexto 11">
+            <a:extLst>
+              <a:ext uri="{FF2B5EF4-FFF2-40B4-BE49-F238E27FC236}">
+                <a16:creationId xmlns:a16="http://schemas.microsoft.com/office/drawing/2014/main" id="{A3091F65-0B38-4FF2-A6D5-45CE66007B6F}"/>
+              </a:ext>
+            </a:extLst>
+          </p:cNvPr>
+          <p:cNvSpPr txBox="1"/>
+          <p:nvPr/>
+        </p:nvSpPr>
+        <p:spPr>
+          <a:xfrm>
+            <a:off x="1180730" y="2475004"/>
+            <a:ext cx="2093838" cy="584775"/>
+          </a:xfrm>
+          <a:prstGeom prst="rect">
+            <a:avLst/>
+          </a:prstGeom>
+          <a:noFill/>
+        </p:spPr>
+        <p:txBody>
+          <a:bodyPr wrap="square" rtlCol="0">
+            <a:spAutoFit/>
+          </a:bodyPr>
+          <a:lstStyle/>
+          <a:p>
+            <a:pPr algn="ctr"/>
+            <a:r>
+              <a:rPr lang="pt-BR" sz="1600" dirty="0">
+                <a:latin typeface="Comic Sans MS" panose="030F0702030302020204" pitchFamily="66" charset="0"/>
+              </a:rPr>
+              <a:t>#D: 151, #W: 875</a:t>
+            </a:r>
+          </a:p>
+          <a:p>
+            <a:pPr algn="ctr"/>
+            <a:r>
+              <a:rPr lang="pt-BR" sz="1600" dirty="0">
+                <a:latin typeface="Comic Sans MS" panose="030F0702030302020204" pitchFamily="66" charset="0"/>
+              </a:rPr>
+              <a:t>D: 78, W: 705</a:t>
+            </a:r>
+          </a:p>
+        </p:txBody>
+      </p:sp>
+      <p:sp>
+        <p:nvSpPr>
+          <p:cNvPr id="21" name="CaixaDeTexto 20">
+            <a:extLst>
+              <a:ext uri="{FF2B5EF4-FFF2-40B4-BE49-F238E27FC236}">
+                <a16:creationId xmlns:a16="http://schemas.microsoft.com/office/drawing/2014/main" id="{D68E2F2C-EA63-4B48-B71C-E50FFFE5FD64}"/>
+              </a:ext>
+            </a:extLst>
+          </p:cNvPr>
+          <p:cNvSpPr txBox="1"/>
+          <p:nvPr/>
+        </p:nvSpPr>
+        <p:spPr>
+          <a:xfrm>
+            <a:off x="6295748" y="2475004"/>
+            <a:ext cx="2093838" cy="584775"/>
+          </a:xfrm>
+          <a:prstGeom prst="rect">
+            <a:avLst/>
+          </a:prstGeom>
+          <a:noFill/>
+        </p:spPr>
+        <p:txBody>
+          <a:bodyPr wrap="square" rtlCol="0">
+            <a:spAutoFit/>
+          </a:bodyPr>
+          <a:lstStyle/>
+          <a:p>
+            <a:pPr algn="ctr"/>
+            <a:r>
+              <a:rPr lang="pt-BR" sz="1600" dirty="0">
+                <a:latin typeface="Comic Sans MS" panose="030F0702030302020204" pitchFamily="66" charset="0"/>
+              </a:rPr>
+              <a:t>#D: 194, #W: 758</a:t>
+            </a:r>
+          </a:p>
+          <a:p>
+            <a:pPr algn="ctr"/>
+            <a:r>
+              <a:rPr lang="pt-BR" sz="1600" dirty="0">
+                <a:latin typeface="Comic Sans MS" panose="030F0702030302020204" pitchFamily="66" charset="0"/>
+              </a:rPr>
+              <a:t>D: 55, W: 597</a:t>
+            </a:r>
+          </a:p>
+        </p:txBody>
+      </p:sp>
+      <p:sp>
+        <p:nvSpPr>
+          <p:cNvPr id="22" name="CaixaDeTexto 21">
+            <a:extLst>
+              <a:ext uri="{FF2B5EF4-FFF2-40B4-BE49-F238E27FC236}">
+                <a16:creationId xmlns:a16="http://schemas.microsoft.com/office/drawing/2014/main" id="{2A78AF37-56BA-4099-8C46-E703A993CE6C}"/>
+              </a:ext>
+            </a:extLst>
+          </p:cNvPr>
+          <p:cNvSpPr txBox="1"/>
+          <p:nvPr/>
+        </p:nvSpPr>
+        <p:spPr>
+          <a:xfrm>
+            <a:off x="1180730" y="4991474"/>
+            <a:ext cx="2093838" cy="584775"/>
+          </a:xfrm>
+          <a:prstGeom prst="rect">
+            <a:avLst/>
+          </a:prstGeom>
+          <a:noFill/>
+        </p:spPr>
+        <p:txBody>
+          <a:bodyPr wrap="square" rtlCol="0">
+            <a:spAutoFit/>
+          </a:bodyPr>
+          <a:lstStyle/>
+          <a:p>
+            <a:pPr algn="ctr"/>
+            <a:r>
+              <a:rPr lang="pt-BR" sz="1600" dirty="0">
+                <a:latin typeface="Comic Sans MS" panose="030F0702030302020204" pitchFamily="66" charset="0"/>
+              </a:rPr>
+              <a:t>#D: 120, #W: 293</a:t>
+            </a:r>
+          </a:p>
+          <a:p>
+            <a:pPr algn="ctr"/>
+            <a:r>
+              <a:rPr lang="pt-BR" sz="1600" dirty="0">
+                <a:latin typeface="Comic Sans MS" panose="030F0702030302020204" pitchFamily="66" charset="0"/>
+              </a:rPr>
+              <a:t>D: 63, W: 217</a:t>
+            </a:r>
+          </a:p>
+        </p:txBody>
+      </p:sp>
+      <p:sp>
+        <p:nvSpPr>
+          <p:cNvPr id="23" name="CaixaDeTexto 22">
+            <a:extLst>
+              <a:ext uri="{FF2B5EF4-FFF2-40B4-BE49-F238E27FC236}">
+                <a16:creationId xmlns:a16="http://schemas.microsoft.com/office/drawing/2014/main" id="{F4271B3B-8EF8-49BA-BC4F-519475742136}"/>
+              </a:ext>
+            </a:extLst>
+          </p:cNvPr>
+          <p:cNvSpPr txBox="1"/>
+          <p:nvPr/>
+        </p:nvSpPr>
+        <p:spPr>
+          <a:xfrm>
+            <a:off x="6309391" y="4991474"/>
+            <a:ext cx="2093838" cy="584775"/>
+          </a:xfrm>
+          <a:prstGeom prst="rect">
+            <a:avLst/>
+          </a:prstGeom>
+          <a:noFill/>
+        </p:spPr>
+        <p:txBody>
+          <a:bodyPr wrap="square" rtlCol="0">
+            <a:spAutoFit/>
+          </a:bodyPr>
+          <a:lstStyle/>
+          <a:p>
+            <a:pPr algn="ctr"/>
+            <a:r>
+              <a:rPr lang="pt-BR" sz="1600" dirty="0">
+                <a:latin typeface="Comic Sans MS" panose="030F0702030302020204" pitchFamily="66" charset="0"/>
+              </a:rPr>
+              <a:t>#D: 179, #W: 726</a:t>
+            </a:r>
+          </a:p>
+          <a:p>
+            <a:pPr algn="ctr"/>
+            <a:r>
+              <a:rPr lang="pt-BR" sz="1600" dirty="0">
+                <a:latin typeface="Comic Sans MS" panose="030F0702030302020204" pitchFamily="66" charset="0"/>
+              </a:rPr>
+              <a:t>D: 60, W: 607</a:t>
+            </a:r>
+          </a:p>
+        </p:txBody>
+      </p:sp>
     </p:spTree>
   </p:cSld>
   <p:clrMapOvr>
     <a:masterClrMapping/>
   </p:clrMapOvr>
+  <p:timing>
+    <p:tnLst>
+      <p:par>
+        <p:cTn id="1" dur="indefinite" restart="never" nodeType="tmRoot">
+          <p:childTnLst>
+            <p:seq concurrent="1" nextAc="seek">
+              <p:cTn id="2" dur="indefinite" nodeType="mainSeq">
+                <p:childTnLst>
+                  <p:par>
+                    <p:cTn id="3" fill="hold">
+                      <p:stCondLst>
+                        <p:cond delay="indefinite"/>
+                      </p:stCondLst>
+                      <p:childTnLst>
+                        <p:par>
+                          <p:cTn id="4" fill="hold">
+                            <p:stCondLst>
+                              <p:cond delay="0"/>
+                            </p:stCondLst>
+                            <p:childTnLst>
+                              <p:par>
+                                <p:cTn id="5" presetID="53" presetClass="entr" presetSubtype="16" fill="hold" nodeType="clickEffect">
+                                  <p:stCondLst>
+                                    <p:cond delay="0"/>
+                                  </p:stCondLst>
+                                  <p:childTnLst>
+                                    <p:set>
+                                      <p:cBhvr>
+                                        <p:cTn id="6" dur="1" fill="hold">
+                                          <p:stCondLst>
+                                            <p:cond delay="0"/>
+                                          </p:stCondLst>
+                                        </p:cTn>
+                                        <p:tgtEl>
+                                          <p:spTgt spid="3"/>
+                                        </p:tgtEl>
+                                        <p:attrNameLst>
+                                          <p:attrName>style.visibility</p:attrName>
+                                        </p:attrNameLst>
+                                      </p:cBhvr>
+                                      <p:to>
+                                        <p:strVal val="visible"/>
+                                      </p:to>
+                                    </p:set>
+                                    <p:anim calcmode="lin" valueType="num">
+                                      <p:cBhvr>
+                                        <p:cTn id="7" dur="500" fill="hold"/>
+                                        <p:tgtEl>
+                                          <p:spTgt spid="3"/>
+                                        </p:tgtEl>
+                                        <p:attrNameLst>
+                                          <p:attrName>ppt_w</p:attrName>
+                                        </p:attrNameLst>
+                                      </p:cBhvr>
+                                      <p:tavLst>
+                                        <p:tav tm="0">
+                                          <p:val>
+                                            <p:fltVal val="0"/>
+                                          </p:val>
+                                        </p:tav>
+                                        <p:tav tm="100000">
+                                          <p:val>
+                                            <p:strVal val="#ppt_w"/>
+                                          </p:val>
+                                        </p:tav>
+                                      </p:tavLst>
+                                    </p:anim>
+                                    <p:anim calcmode="lin" valueType="num">
+                                      <p:cBhvr>
+                                        <p:cTn id="8" dur="500" fill="hold"/>
+                                        <p:tgtEl>
+                                          <p:spTgt spid="3"/>
+                                        </p:tgtEl>
+                                        <p:attrNameLst>
+                                          <p:attrName>ppt_h</p:attrName>
+                                        </p:attrNameLst>
+                                      </p:cBhvr>
+                                      <p:tavLst>
+                                        <p:tav tm="0">
+                                          <p:val>
+                                            <p:fltVal val="0"/>
+                                          </p:val>
+                                        </p:tav>
+                                        <p:tav tm="100000">
+                                          <p:val>
+                                            <p:strVal val="#ppt_h"/>
+                                          </p:val>
+                                        </p:tav>
+                                      </p:tavLst>
+                                    </p:anim>
+                                    <p:animEffect transition="in" filter="fade">
+                                      <p:cBhvr>
+                                        <p:cTn id="9" dur="500"/>
+                                        <p:tgtEl>
+                                          <p:spTgt spid="3"/>
+                                        </p:tgtEl>
+                                      </p:cBhvr>
+                                    </p:animEffect>
+                                  </p:childTnLst>
+                                </p:cTn>
+                              </p:par>
+                              <p:par>
+                                <p:cTn id="10" presetID="53" presetClass="entr" presetSubtype="16" fill="hold" grpId="0" nodeType="withEffect">
+                                  <p:stCondLst>
+                                    <p:cond delay="0"/>
+                                  </p:stCondLst>
+                                  <p:childTnLst>
+                                    <p:set>
+                                      <p:cBhvr>
+                                        <p:cTn id="11" dur="1" fill="hold">
+                                          <p:stCondLst>
+                                            <p:cond delay="0"/>
+                                          </p:stCondLst>
+                                        </p:cTn>
+                                        <p:tgtEl>
+                                          <p:spTgt spid="11"/>
+                                        </p:tgtEl>
+                                        <p:attrNameLst>
+                                          <p:attrName>style.visibility</p:attrName>
+                                        </p:attrNameLst>
+                                      </p:cBhvr>
+                                      <p:to>
+                                        <p:strVal val="visible"/>
+                                      </p:to>
+                                    </p:set>
+                                    <p:anim calcmode="lin" valueType="num">
+                                      <p:cBhvr>
+                                        <p:cTn id="12" dur="500" fill="hold"/>
+                                        <p:tgtEl>
+                                          <p:spTgt spid="11"/>
+                                        </p:tgtEl>
+                                        <p:attrNameLst>
+                                          <p:attrName>ppt_w</p:attrName>
+                                        </p:attrNameLst>
+                                      </p:cBhvr>
+                                      <p:tavLst>
+                                        <p:tav tm="0">
+                                          <p:val>
+                                            <p:fltVal val="0"/>
+                                          </p:val>
+                                        </p:tav>
+                                        <p:tav tm="100000">
+                                          <p:val>
+                                            <p:strVal val="#ppt_w"/>
+                                          </p:val>
+                                        </p:tav>
+                                      </p:tavLst>
+                                    </p:anim>
+                                    <p:anim calcmode="lin" valueType="num">
+                                      <p:cBhvr>
+                                        <p:cTn id="13" dur="500" fill="hold"/>
+                                        <p:tgtEl>
+                                          <p:spTgt spid="11"/>
+                                        </p:tgtEl>
+                                        <p:attrNameLst>
+                                          <p:attrName>ppt_h</p:attrName>
+                                        </p:attrNameLst>
+                                      </p:cBhvr>
+                                      <p:tavLst>
+                                        <p:tav tm="0">
+                                          <p:val>
+                                            <p:fltVal val="0"/>
+                                          </p:val>
+                                        </p:tav>
+                                        <p:tav tm="100000">
+                                          <p:val>
+                                            <p:strVal val="#ppt_h"/>
+                                          </p:val>
+                                        </p:tav>
+                                      </p:tavLst>
+                                    </p:anim>
+                                    <p:animEffect transition="in" filter="fade">
+                                      <p:cBhvr>
+                                        <p:cTn id="14" dur="500"/>
+                                        <p:tgtEl>
+                                          <p:spTgt spid="11"/>
+                                        </p:tgtEl>
+                                      </p:cBhvr>
+                                    </p:animEffect>
+                                  </p:childTnLst>
+                                </p:cTn>
+                              </p:par>
+                              <p:par>
+                                <p:cTn id="15" presetID="53" presetClass="entr" presetSubtype="16" fill="hold" grpId="0" nodeType="withEffect">
+                                  <p:stCondLst>
+                                    <p:cond delay="0"/>
+                                  </p:stCondLst>
+                                  <p:childTnLst>
+                                    <p:set>
+                                      <p:cBhvr>
+                                        <p:cTn id="16" dur="1" fill="hold">
+                                          <p:stCondLst>
+                                            <p:cond delay="0"/>
+                                          </p:stCondLst>
+                                        </p:cTn>
+                                        <p:tgtEl>
+                                          <p:spTgt spid="12"/>
+                                        </p:tgtEl>
+                                        <p:attrNameLst>
+                                          <p:attrName>style.visibility</p:attrName>
+                                        </p:attrNameLst>
+                                      </p:cBhvr>
+                                      <p:to>
+                                        <p:strVal val="visible"/>
+                                      </p:to>
+                                    </p:set>
+                                    <p:anim calcmode="lin" valueType="num">
+                                      <p:cBhvr>
+                                        <p:cTn id="17" dur="500" fill="hold"/>
+                                        <p:tgtEl>
+                                          <p:spTgt spid="12"/>
+                                        </p:tgtEl>
+                                        <p:attrNameLst>
+                                          <p:attrName>ppt_w</p:attrName>
+                                        </p:attrNameLst>
+                                      </p:cBhvr>
+                                      <p:tavLst>
+                                        <p:tav tm="0">
+                                          <p:val>
+                                            <p:fltVal val="0"/>
+                                          </p:val>
+                                        </p:tav>
+                                        <p:tav tm="100000">
+                                          <p:val>
+                                            <p:strVal val="#ppt_w"/>
+                                          </p:val>
+                                        </p:tav>
+                                      </p:tavLst>
+                                    </p:anim>
+                                    <p:anim calcmode="lin" valueType="num">
+                                      <p:cBhvr>
+                                        <p:cTn id="18" dur="500" fill="hold"/>
+                                        <p:tgtEl>
+                                          <p:spTgt spid="12"/>
+                                        </p:tgtEl>
+                                        <p:attrNameLst>
+                                          <p:attrName>ppt_h</p:attrName>
+                                        </p:attrNameLst>
+                                      </p:cBhvr>
+                                      <p:tavLst>
+                                        <p:tav tm="0">
+                                          <p:val>
+                                            <p:fltVal val="0"/>
+                                          </p:val>
+                                        </p:tav>
+                                        <p:tav tm="100000">
+                                          <p:val>
+                                            <p:strVal val="#ppt_h"/>
+                                          </p:val>
+                                        </p:tav>
+                                      </p:tavLst>
+                                    </p:anim>
+                                    <p:animEffect transition="in" filter="fade">
+                                      <p:cBhvr>
+                                        <p:cTn id="19" dur="500"/>
+                                        <p:tgtEl>
+                                          <p:spTgt spid="12"/>
+                                        </p:tgtEl>
+                                      </p:cBhvr>
+                                    </p:animEffect>
+                                  </p:childTnLst>
+                                </p:cTn>
+                              </p:par>
+                            </p:childTnLst>
+                          </p:cTn>
+                        </p:par>
+                      </p:childTnLst>
+                    </p:cTn>
+                  </p:par>
+                  <p:par>
+                    <p:cTn id="20" fill="hold">
+                      <p:stCondLst>
+                        <p:cond delay="indefinite"/>
+                      </p:stCondLst>
+                      <p:childTnLst>
+                        <p:par>
+                          <p:cTn id="21" fill="hold">
+                            <p:stCondLst>
+                              <p:cond delay="0"/>
+                            </p:stCondLst>
+                            <p:childTnLst>
+                              <p:par>
+                                <p:cTn id="22" presetID="53" presetClass="entr" presetSubtype="16" fill="hold" nodeType="clickEffect">
+                                  <p:stCondLst>
+                                    <p:cond delay="0"/>
+                                  </p:stCondLst>
+                                  <p:childTnLst>
+                                    <p:set>
+                                      <p:cBhvr>
+                                        <p:cTn id="23" dur="1" fill="hold">
+                                          <p:stCondLst>
+                                            <p:cond delay="0"/>
+                                          </p:stCondLst>
+                                        </p:cTn>
+                                        <p:tgtEl>
+                                          <p:spTgt spid="5"/>
+                                        </p:tgtEl>
+                                        <p:attrNameLst>
+                                          <p:attrName>style.visibility</p:attrName>
+                                        </p:attrNameLst>
+                                      </p:cBhvr>
+                                      <p:to>
+                                        <p:strVal val="visible"/>
+                                      </p:to>
+                                    </p:set>
+                                    <p:anim calcmode="lin" valueType="num">
+                                      <p:cBhvr>
+                                        <p:cTn id="24" dur="500" fill="hold"/>
+                                        <p:tgtEl>
+                                          <p:spTgt spid="5"/>
+                                        </p:tgtEl>
+                                        <p:attrNameLst>
+                                          <p:attrName>ppt_w</p:attrName>
+                                        </p:attrNameLst>
+                                      </p:cBhvr>
+                                      <p:tavLst>
+                                        <p:tav tm="0">
+                                          <p:val>
+                                            <p:fltVal val="0"/>
+                                          </p:val>
+                                        </p:tav>
+                                        <p:tav tm="100000">
+                                          <p:val>
+                                            <p:strVal val="#ppt_w"/>
+                                          </p:val>
+                                        </p:tav>
+                                      </p:tavLst>
+                                    </p:anim>
+                                    <p:anim calcmode="lin" valueType="num">
+                                      <p:cBhvr>
+                                        <p:cTn id="25" dur="500" fill="hold"/>
+                                        <p:tgtEl>
+                                          <p:spTgt spid="5"/>
+                                        </p:tgtEl>
+                                        <p:attrNameLst>
+                                          <p:attrName>ppt_h</p:attrName>
+                                        </p:attrNameLst>
+                                      </p:cBhvr>
+                                      <p:tavLst>
+                                        <p:tav tm="0">
+                                          <p:val>
+                                            <p:fltVal val="0"/>
+                                          </p:val>
+                                        </p:tav>
+                                        <p:tav tm="100000">
+                                          <p:val>
+                                            <p:strVal val="#ppt_h"/>
+                                          </p:val>
+                                        </p:tav>
+                                      </p:tavLst>
+                                    </p:anim>
+                                    <p:animEffect transition="in" filter="fade">
+                                      <p:cBhvr>
+                                        <p:cTn id="26" dur="500"/>
+                                        <p:tgtEl>
+                                          <p:spTgt spid="5"/>
+                                        </p:tgtEl>
+                                      </p:cBhvr>
+                                    </p:animEffect>
+                                  </p:childTnLst>
+                                </p:cTn>
+                              </p:par>
+                              <p:par>
+                                <p:cTn id="27" presetID="53" presetClass="entr" presetSubtype="16" fill="hold" grpId="0" nodeType="withEffect">
+                                  <p:stCondLst>
+                                    <p:cond delay="0"/>
+                                  </p:stCondLst>
+                                  <p:childTnLst>
+                                    <p:set>
+                                      <p:cBhvr>
+                                        <p:cTn id="28" dur="1" fill="hold">
+                                          <p:stCondLst>
+                                            <p:cond delay="0"/>
+                                          </p:stCondLst>
+                                        </p:cTn>
+                                        <p:tgtEl>
+                                          <p:spTgt spid="17"/>
+                                        </p:tgtEl>
+                                        <p:attrNameLst>
+                                          <p:attrName>style.visibility</p:attrName>
+                                        </p:attrNameLst>
+                                      </p:cBhvr>
+                                      <p:to>
+                                        <p:strVal val="visible"/>
+                                      </p:to>
+                                    </p:set>
+                                    <p:anim calcmode="lin" valueType="num">
+                                      <p:cBhvr>
+                                        <p:cTn id="29" dur="500" fill="hold"/>
+                                        <p:tgtEl>
+                                          <p:spTgt spid="17"/>
+                                        </p:tgtEl>
+                                        <p:attrNameLst>
+                                          <p:attrName>ppt_w</p:attrName>
+                                        </p:attrNameLst>
+                                      </p:cBhvr>
+                                      <p:tavLst>
+                                        <p:tav tm="0">
+                                          <p:val>
+                                            <p:fltVal val="0"/>
+                                          </p:val>
+                                        </p:tav>
+                                        <p:tav tm="100000">
+                                          <p:val>
+                                            <p:strVal val="#ppt_w"/>
+                                          </p:val>
+                                        </p:tav>
+                                      </p:tavLst>
+                                    </p:anim>
+                                    <p:anim calcmode="lin" valueType="num">
+                                      <p:cBhvr>
+                                        <p:cTn id="30" dur="500" fill="hold"/>
+                                        <p:tgtEl>
+                                          <p:spTgt spid="17"/>
+                                        </p:tgtEl>
+                                        <p:attrNameLst>
+                                          <p:attrName>ppt_h</p:attrName>
+                                        </p:attrNameLst>
+                                      </p:cBhvr>
+                                      <p:tavLst>
+                                        <p:tav tm="0">
+                                          <p:val>
+                                            <p:fltVal val="0"/>
+                                          </p:val>
+                                        </p:tav>
+                                        <p:tav tm="100000">
+                                          <p:val>
+                                            <p:strVal val="#ppt_h"/>
+                                          </p:val>
+                                        </p:tav>
+                                      </p:tavLst>
+                                    </p:anim>
+                                    <p:animEffect transition="in" filter="fade">
+                                      <p:cBhvr>
+                                        <p:cTn id="31" dur="500"/>
+                                        <p:tgtEl>
+                                          <p:spTgt spid="17"/>
+                                        </p:tgtEl>
+                                      </p:cBhvr>
+                                    </p:animEffect>
+                                  </p:childTnLst>
+                                </p:cTn>
+                              </p:par>
+                              <p:par>
+                                <p:cTn id="32" presetID="53" presetClass="entr" presetSubtype="16" fill="hold" grpId="0" nodeType="withEffect">
+                                  <p:stCondLst>
+                                    <p:cond delay="0"/>
+                                  </p:stCondLst>
+                                  <p:childTnLst>
+                                    <p:set>
+                                      <p:cBhvr>
+                                        <p:cTn id="33" dur="1" fill="hold">
+                                          <p:stCondLst>
+                                            <p:cond delay="0"/>
+                                          </p:stCondLst>
+                                        </p:cTn>
+                                        <p:tgtEl>
+                                          <p:spTgt spid="21"/>
+                                        </p:tgtEl>
+                                        <p:attrNameLst>
+                                          <p:attrName>style.visibility</p:attrName>
+                                        </p:attrNameLst>
+                                      </p:cBhvr>
+                                      <p:to>
+                                        <p:strVal val="visible"/>
+                                      </p:to>
+                                    </p:set>
+                                    <p:anim calcmode="lin" valueType="num">
+                                      <p:cBhvr>
+                                        <p:cTn id="34" dur="500" fill="hold"/>
+                                        <p:tgtEl>
+                                          <p:spTgt spid="21"/>
+                                        </p:tgtEl>
+                                        <p:attrNameLst>
+                                          <p:attrName>ppt_w</p:attrName>
+                                        </p:attrNameLst>
+                                      </p:cBhvr>
+                                      <p:tavLst>
+                                        <p:tav tm="0">
+                                          <p:val>
+                                            <p:fltVal val="0"/>
+                                          </p:val>
+                                        </p:tav>
+                                        <p:tav tm="100000">
+                                          <p:val>
+                                            <p:strVal val="#ppt_w"/>
+                                          </p:val>
+                                        </p:tav>
+                                      </p:tavLst>
+                                    </p:anim>
+                                    <p:anim calcmode="lin" valueType="num">
+                                      <p:cBhvr>
+                                        <p:cTn id="35" dur="500" fill="hold"/>
+                                        <p:tgtEl>
+                                          <p:spTgt spid="21"/>
+                                        </p:tgtEl>
+                                        <p:attrNameLst>
+                                          <p:attrName>ppt_h</p:attrName>
+                                        </p:attrNameLst>
+                                      </p:cBhvr>
+                                      <p:tavLst>
+                                        <p:tav tm="0">
+                                          <p:val>
+                                            <p:fltVal val="0"/>
+                                          </p:val>
+                                        </p:tav>
+                                        <p:tav tm="100000">
+                                          <p:val>
+                                            <p:strVal val="#ppt_h"/>
+                                          </p:val>
+                                        </p:tav>
+                                      </p:tavLst>
+                                    </p:anim>
+                                    <p:animEffect transition="in" filter="fade">
+                                      <p:cBhvr>
+                                        <p:cTn id="36" dur="500"/>
+                                        <p:tgtEl>
+                                          <p:spTgt spid="21"/>
+                                        </p:tgtEl>
+                                      </p:cBhvr>
+                                    </p:animEffect>
+                                  </p:childTnLst>
+                                </p:cTn>
+                              </p:par>
+                            </p:childTnLst>
+                          </p:cTn>
+                        </p:par>
+                      </p:childTnLst>
+                    </p:cTn>
+                  </p:par>
+                  <p:par>
+                    <p:cTn id="37" fill="hold">
+                      <p:stCondLst>
+                        <p:cond delay="indefinite"/>
+                      </p:stCondLst>
+                      <p:childTnLst>
+                        <p:par>
+                          <p:cTn id="38" fill="hold">
+                            <p:stCondLst>
+                              <p:cond delay="0"/>
+                            </p:stCondLst>
+                            <p:childTnLst>
+                              <p:par>
+                                <p:cTn id="39" presetID="53" presetClass="entr" presetSubtype="16" fill="hold" nodeType="clickEffect">
+                                  <p:stCondLst>
+                                    <p:cond delay="0"/>
+                                  </p:stCondLst>
+                                  <p:childTnLst>
+                                    <p:set>
+                                      <p:cBhvr>
+                                        <p:cTn id="40" dur="1" fill="hold">
+                                          <p:stCondLst>
+                                            <p:cond delay="0"/>
+                                          </p:stCondLst>
+                                        </p:cTn>
+                                        <p:tgtEl>
+                                          <p:spTgt spid="7"/>
+                                        </p:tgtEl>
+                                        <p:attrNameLst>
+                                          <p:attrName>style.visibility</p:attrName>
+                                        </p:attrNameLst>
+                                      </p:cBhvr>
+                                      <p:to>
+                                        <p:strVal val="visible"/>
+                                      </p:to>
+                                    </p:set>
+                                    <p:anim calcmode="lin" valueType="num">
+                                      <p:cBhvr>
+                                        <p:cTn id="41" dur="500" fill="hold"/>
+                                        <p:tgtEl>
+                                          <p:spTgt spid="7"/>
+                                        </p:tgtEl>
+                                        <p:attrNameLst>
+                                          <p:attrName>ppt_w</p:attrName>
+                                        </p:attrNameLst>
+                                      </p:cBhvr>
+                                      <p:tavLst>
+                                        <p:tav tm="0">
+                                          <p:val>
+                                            <p:fltVal val="0"/>
+                                          </p:val>
+                                        </p:tav>
+                                        <p:tav tm="100000">
+                                          <p:val>
+                                            <p:strVal val="#ppt_w"/>
+                                          </p:val>
+                                        </p:tav>
+                                      </p:tavLst>
+                                    </p:anim>
+                                    <p:anim calcmode="lin" valueType="num">
+                                      <p:cBhvr>
+                                        <p:cTn id="42" dur="500" fill="hold"/>
+                                        <p:tgtEl>
+                                          <p:spTgt spid="7"/>
+                                        </p:tgtEl>
+                                        <p:attrNameLst>
+                                          <p:attrName>ppt_h</p:attrName>
+                                        </p:attrNameLst>
+                                      </p:cBhvr>
+                                      <p:tavLst>
+                                        <p:tav tm="0">
+                                          <p:val>
+                                            <p:fltVal val="0"/>
+                                          </p:val>
+                                        </p:tav>
+                                        <p:tav tm="100000">
+                                          <p:val>
+                                            <p:strVal val="#ppt_h"/>
+                                          </p:val>
+                                        </p:tav>
+                                      </p:tavLst>
+                                    </p:anim>
+                                    <p:animEffect transition="in" filter="fade">
+                                      <p:cBhvr>
+                                        <p:cTn id="43" dur="500"/>
+                                        <p:tgtEl>
+                                          <p:spTgt spid="7"/>
+                                        </p:tgtEl>
+                                      </p:cBhvr>
+                                    </p:animEffect>
+                                  </p:childTnLst>
+                                </p:cTn>
+                              </p:par>
+                              <p:par>
+                                <p:cTn id="44" presetID="53" presetClass="entr" presetSubtype="16" fill="hold" grpId="0" nodeType="withEffect">
+                                  <p:stCondLst>
+                                    <p:cond delay="0"/>
+                                  </p:stCondLst>
+                                  <p:childTnLst>
+                                    <p:set>
+                                      <p:cBhvr>
+                                        <p:cTn id="45" dur="1" fill="hold">
+                                          <p:stCondLst>
+                                            <p:cond delay="0"/>
+                                          </p:stCondLst>
+                                        </p:cTn>
+                                        <p:tgtEl>
+                                          <p:spTgt spid="18"/>
+                                        </p:tgtEl>
+                                        <p:attrNameLst>
+                                          <p:attrName>style.visibility</p:attrName>
+                                        </p:attrNameLst>
+                                      </p:cBhvr>
+                                      <p:to>
+                                        <p:strVal val="visible"/>
+                                      </p:to>
+                                    </p:set>
+                                    <p:anim calcmode="lin" valueType="num">
+                                      <p:cBhvr>
+                                        <p:cTn id="46" dur="500" fill="hold"/>
+                                        <p:tgtEl>
+                                          <p:spTgt spid="18"/>
+                                        </p:tgtEl>
+                                        <p:attrNameLst>
+                                          <p:attrName>ppt_w</p:attrName>
+                                        </p:attrNameLst>
+                                      </p:cBhvr>
+                                      <p:tavLst>
+                                        <p:tav tm="0">
+                                          <p:val>
+                                            <p:fltVal val="0"/>
+                                          </p:val>
+                                        </p:tav>
+                                        <p:tav tm="100000">
+                                          <p:val>
+                                            <p:strVal val="#ppt_w"/>
+                                          </p:val>
+                                        </p:tav>
+                                      </p:tavLst>
+                                    </p:anim>
+                                    <p:anim calcmode="lin" valueType="num">
+                                      <p:cBhvr>
+                                        <p:cTn id="47" dur="500" fill="hold"/>
+                                        <p:tgtEl>
+                                          <p:spTgt spid="18"/>
+                                        </p:tgtEl>
+                                        <p:attrNameLst>
+                                          <p:attrName>ppt_h</p:attrName>
+                                        </p:attrNameLst>
+                                      </p:cBhvr>
+                                      <p:tavLst>
+                                        <p:tav tm="0">
+                                          <p:val>
+                                            <p:fltVal val="0"/>
+                                          </p:val>
+                                        </p:tav>
+                                        <p:tav tm="100000">
+                                          <p:val>
+                                            <p:strVal val="#ppt_h"/>
+                                          </p:val>
+                                        </p:tav>
+                                      </p:tavLst>
+                                    </p:anim>
+                                    <p:animEffect transition="in" filter="fade">
+                                      <p:cBhvr>
+                                        <p:cTn id="48" dur="500"/>
+                                        <p:tgtEl>
+                                          <p:spTgt spid="18"/>
+                                        </p:tgtEl>
+                                      </p:cBhvr>
+                                    </p:animEffect>
+                                  </p:childTnLst>
+                                </p:cTn>
+                              </p:par>
+                              <p:par>
+                                <p:cTn id="49" presetID="53" presetClass="entr" presetSubtype="16" fill="hold" grpId="0" nodeType="withEffect">
+                                  <p:stCondLst>
+                                    <p:cond delay="0"/>
+                                  </p:stCondLst>
+                                  <p:childTnLst>
+                                    <p:set>
+                                      <p:cBhvr>
+                                        <p:cTn id="50" dur="1" fill="hold">
+                                          <p:stCondLst>
+                                            <p:cond delay="0"/>
+                                          </p:stCondLst>
+                                        </p:cTn>
+                                        <p:tgtEl>
+                                          <p:spTgt spid="22"/>
+                                        </p:tgtEl>
+                                        <p:attrNameLst>
+                                          <p:attrName>style.visibility</p:attrName>
+                                        </p:attrNameLst>
+                                      </p:cBhvr>
+                                      <p:to>
+                                        <p:strVal val="visible"/>
+                                      </p:to>
+                                    </p:set>
+                                    <p:anim calcmode="lin" valueType="num">
+                                      <p:cBhvr>
+                                        <p:cTn id="51" dur="500" fill="hold"/>
+                                        <p:tgtEl>
+                                          <p:spTgt spid="22"/>
+                                        </p:tgtEl>
+                                        <p:attrNameLst>
+                                          <p:attrName>ppt_w</p:attrName>
+                                        </p:attrNameLst>
+                                      </p:cBhvr>
+                                      <p:tavLst>
+                                        <p:tav tm="0">
+                                          <p:val>
+                                            <p:fltVal val="0"/>
+                                          </p:val>
+                                        </p:tav>
+                                        <p:tav tm="100000">
+                                          <p:val>
+                                            <p:strVal val="#ppt_w"/>
+                                          </p:val>
+                                        </p:tav>
+                                      </p:tavLst>
+                                    </p:anim>
+                                    <p:anim calcmode="lin" valueType="num">
+                                      <p:cBhvr>
+                                        <p:cTn id="52" dur="500" fill="hold"/>
+                                        <p:tgtEl>
+                                          <p:spTgt spid="22"/>
+                                        </p:tgtEl>
+                                        <p:attrNameLst>
+                                          <p:attrName>ppt_h</p:attrName>
+                                        </p:attrNameLst>
+                                      </p:cBhvr>
+                                      <p:tavLst>
+                                        <p:tav tm="0">
+                                          <p:val>
+                                            <p:fltVal val="0"/>
+                                          </p:val>
+                                        </p:tav>
+                                        <p:tav tm="100000">
+                                          <p:val>
+                                            <p:strVal val="#ppt_h"/>
+                                          </p:val>
+                                        </p:tav>
+                                      </p:tavLst>
+                                    </p:anim>
+                                    <p:animEffect transition="in" filter="fade">
+                                      <p:cBhvr>
+                                        <p:cTn id="53" dur="500"/>
+                                        <p:tgtEl>
+                                          <p:spTgt spid="22"/>
+                                        </p:tgtEl>
+                                      </p:cBhvr>
+                                    </p:animEffect>
+                                  </p:childTnLst>
+                                </p:cTn>
+                              </p:par>
+                            </p:childTnLst>
+                          </p:cTn>
+                        </p:par>
+                      </p:childTnLst>
+                    </p:cTn>
+                  </p:par>
+                  <p:par>
+                    <p:cTn id="54" fill="hold">
+                      <p:stCondLst>
+                        <p:cond delay="indefinite"/>
+                      </p:stCondLst>
+                      <p:childTnLst>
+                        <p:par>
+                          <p:cTn id="55" fill="hold">
+                            <p:stCondLst>
+                              <p:cond delay="0"/>
+                            </p:stCondLst>
+                            <p:childTnLst>
+                              <p:par>
+                                <p:cTn id="56" presetID="53" presetClass="entr" presetSubtype="16" fill="hold" nodeType="clickEffect">
+                                  <p:stCondLst>
+                                    <p:cond delay="0"/>
+                                  </p:stCondLst>
+                                  <p:childTnLst>
+                                    <p:set>
+                                      <p:cBhvr>
+                                        <p:cTn id="57" dur="1" fill="hold">
+                                          <p:stCondLst>
+                                            <p:cond delay="0"/>
+                                          </p:stCondLst>
+                                        </p:cTn>
+                                        <p:tgtEl>
+                                          <p:spTgt spid="9"/>
+                                        </p:tgtEl>
+                                        <p:attrNameLst>
+                                          <p:attrName>style.visibility</p:attrName>
+                                        </p:attrNameLst>
+                                      </p:cBhvr>
+                                      <p:to>
+                                        <p:strVal val="visible"/>
+                                      </p:to>
+                                    </p:set>
+                                    <p:anim calcmode="lin" valueType="num">
+                                      <p:cBhvr>
+                                        <p:cTn id="58" dur="500" fill="hold"/>
+                                        <p:tgtEl>
+                                          <p:spTgt spid="9"/>
+                                        </p:tgtEl>
+                                        <p:attrNameLst>
+                                          <p:attrName>ppt_w</p:attrName>
+                                        </p:attrNameLst>
+                                      </p:cBhvr>
+                                      <p:tavLst>
+                                        <p:tav tm="0">
+                                          <p:val>
+                                            <p:fltVal val="0"/>
+                                          </p:val>
+                                        </p:tav>
+                                        <p:tav tm="100000">
+                                          <p:val>
+                                            <p:strVal val="#ppt_w"/>
+                                          </p:val>
+                                        </p:tav>
+                                      </p:tavLst>
+                                    </p:anim>
+                                    <p:anim calcmode="lin" valueType="num">
+                                      <p:cBhvr>
+                                        <p:cTn id="59" dur="500" fill="hold"/>
+                                        <p:tgtEl>
+                                          <p:spTgt spid="9"/>
+                                        </p:tgtEl>
+                                        <p:attrNameLst>
+                                          <p:attrName>ppt_h</p:attrName>
+                                        </p:attrNameLst>
+                                      </p:cBhvr>
+                                      <p:tavLst>
+                                        <p:tav tm="0">
+                                          <p:val>
+                                            <p:fltVal val="0"/>
+                                          </p:val>
+                                        </p:tav>
+                                        <p:tav tm="100000">
+                                          <p:val>
+                                            <p:strVal val="#ppt_h"/>
+                                          </p:val>
+                                        </p:tav>
+                                      </p:tavLst>
+                                    </p:anim>
+                                    <p:animEffect transition="in" filter="fade">
+                                      <p:cBhvr>
+                                        <p:cTn id="60" dur="500"/>
+                                        <p:tgtEl>
+                                          <p:spTgt spid="9"/>
+                                        </p:tgtEl>
+                                      </p:cBhvr>
+                                    </p:animEffect>
+                                  </p:childTnLst>
+                                </p:cTn>
+                              </p:par>
+                              <p:par>
+                                <p:cTn id="61" presetID="53" presetClass="entr" presetSubtype="16" fill="hold" grpId="0" nodeType="withEffect">
+                                  <p:stCondLst>
+                                    <p:cond delay="0"/>
+                                  </p:stCondLst>
+                                  <p:childTnLst>
+                                    <p:set>
+                                      <p:cBhvr>
+                                        <p:cTn id="62" dur="1" fill="hold">
+                                          <p:stCondLst>
+                                            <p:cond delay="0"/>
+                                          </p:stCondLst>
+                                        </p:cTn>
+                                        <p:tgtEl>
+                                          <p:spTgt spid="19"/>
+                                        </p:tgtEl>
+                                        <p:attrNameLst>
+                                          <p:attrName>style.visibility</p:attrName>
+                                        </p:attrNameLst>
+                                      </p:cBhvr>
+                                      <p:to>
+                                        <p:strVal val="visible"/>
+                                      </p:to>
+                                    </p:set>
+                                    <p:anim calcmode="lin" valueType="num">
+                                      <p:cBhvr>
+                                        <p:cTn id="63" dur="500" fill="hold"/>
+                                        <p:tgtEl>
+                                          <p:spTgt spid="19"/>
+                                        </p:tgtEl>
+                                        <p:attrNameLst>
+                                          <p:attrName>ppt_w</p:attrName>
+                                        </p:attrNameLst>
+                                      </p:cBhvr>
+                                      <p:tavLst>
+                                        <p:tav tm="0">
+                                          <p:val>
+                                            <p:fltVal val="0"/>
+                                          </p:val>
+                                        </p:tav>
+                                        <p:tav tm="100000">
+                                          <p:val>
+                                            <p:strVal val="#ppt_w"/>
+                                          </p:val>
+                                        </p:tav>
+                                      </p:tavLst>
+                                    </p:anim>
+                                    <p:anim calcmode="lin" valueType="num">
+                                      <p:cBhvr>
+                                        <p:cTn id="64" dur="500" fill="hold"/>
+                                        <p:tgtEl>
+                                          <p:spTgt spid="19"/>
+                                        </p:tgtEl>
+                                        <p:attrNameLst>
+                                          <p:attrName>ppt_h</p:attrName>
+                                        </p:attrNameLst>
+                                      </p:cBhvr>
+                                      <p:tavLst>
+                                        <p:tav tm="0">
+                                          <p:val>
+                                            <p:fltVal val="0"/>
+                                          </p:val>
+                                        </p:tav>
+                                        <p:tav tm="100000">
+                                          <p:val>
+                                            <p:strVal val="#ppt_h"/>
+                                          </p:val>
+                                        </p:tav>
+                                      </p:tavLst>
+                                    </p:anim>
+                                    <p:animEffect transition="in" filter="fade">
+                                      <p:cBhvr>
+                                        <p:cTn id="65" dur="500"/>
+                                        <p:tgtEl>
+                                          <p:spTgt spid="19"/>
+                                        </p:tgtEl>
+                                      </p:cBhvr>
+                                    </p:animEffect>
+                                  </p:childTnLst>
+                                </p:cTn>
+                              </p:par>
+                              <p:par>
+                                <p:cTn id="66" presetID="53" presetClass="entr" presetSubtype="16" fill="hold" grpId="0" nodeType="withEffect">
+                                  <p:stCondLst>
+                                    <p:cond delay="0"/>
+                                  </p:stCondLst>
+                                  <p:childTnLst>
+                                    <p:set>
+                                      <p:cBhvr>
+                                        <p:cTn id="67" dur="1" fill="hold">
+                                          <p:stCondLst>
+                                            <p:cond delay="0"/>
+                                          </p:stCondLst>
+                                        </p:cTn>
+                                        <p:tgtEl>
+                                          <p:spTgt spid="23"/>
+                                        </p:tgtEl>
+                                        <p:attrNameLst>
+                                          <p:attrName>style.visibility</p:attrName>
+                                        </p:attrNameLst>
+                                      </p:cBhvr>
+                                      <p:to>
+                                        <p:strVal val="visible"/>
+                                      </p:to>
+                                    </p:set>
+                                    <p:anim calcmode="lin" valueType="num">
+                                      <p:cBhvr>
+                                        <p:cTn id="68" dur="500" fill="hold"/>
+                                        <p:tgtEl>
+                                          <p:spTgt spid="23"/>
+                                        </p:tgtEl>
+                                        <p:attrNameLst>
+                                          <p:attrName>ppt_w</p:attrName>
+                                        </p:attrNameLst>
+                                      </p:cBhvr>
+                                      <p:tavLst>
+                                        <p:tav tm="0">
+                                          <p:val>
+                                            <p:fltVal val="0"/>
+                                          </p:val>
+                                        </p:tav>
+                                        <p:tav tm="100000">
+                                          <p:val>
+                                            <p:strVal val="#ppt_w"/>
+                                          </p:val>
+                                        </p:tav>
+                                      </p:tavLst>
+                                    </p:anim>
+                                    <p:anim calcmode="lin" valueType="num">
+                                      <p:cBhvr>
+                                        <p:cTn id="69" dur="500" fill="hold"/>
+                                        <p:tgtEl>
+                                          <p:spTgt spid="23"/>
+                                        </p:tgtEl>
+                                        <p:attrNameLst>
+                                          <p:attrName>ppt_h</p:attrName>
+                                        </p:attrNameLst>
+                                      </p:cBhvr>
+                                      <p:tavLst>
+                                        <p:tav tm="0">
+                                          <p:val>
+                                            <p:fltVal val="0"/>
+                                          </p:val>
+                                        </p:tav>
+                                        <p:tav tm="100000">
+                                          <p:val>
+                                            <p:strVal val="#ppt_h"/>
+                                          </p:val>
+                                        </p:tav>
+                                      </p:tavLst>
+                                    </p:anim>
+                                    <p:animEffect transition="in" filter="fade">
+                                      <p:cBhvr>
+                                        <p:cTn id="70" dur="500"/>
+                                        <p:tgtEl>
+                                          <p:spTgt spid="23"/>
+                                        </p:tgtEl>
+                                      </p:cBhvr>
+                                    </p:animEffect>
+                                  </p:childTnLst>
+                                </p:cTn>
+                              </p:par>
+                            </p:childTnLst>
+                          </p:cTn>
+                        </p:par>
+                      </p:childTnLst>
+                    </p:cTn>
+                  </p:par>
+                </p:childTnLst>
+              </p:cTn>
+              <p:prevCondLst>
+                <p:cond evt="onPrev" delay="0">
+                  <p:tgtEl>
+                    <p:sldTgt/>
+                  </p:tgtEl>
+                </p:cond>
+              </p:prevCondLst>
+              <p:nextCondLst>
+                <p:cond evt="onNext" delay="0">
+                  <p:tgtEl>
+                    <p:sldTgt/>
+                  </p:tgtEl>
+                </p:cond>
+              </p:nextCondLst>
+            </p:seq>
+          </p:childTnLst>
+        </p:cTn>
+      </p:par>
+    </p:tnLst>
+    <p:bldLst>
+      <p:bldP spid="11" grpId="0" animBg="1"/>
+      <p:bldP spid="17" grpId="0" animBg="1"/>
+      <p:bldP spid="18" grpId="0" animBg="1"/>
+      <p:bldP spid="19" grpId="0" animBg="1"/>
+      <p:bldP spid="12" grpId="0"/>
+      <p:bldP spid="21" grpId="0"/>
+      <p:bldP spid="22" grpId="0"/>
+      <p:bldP spid="23" grpId="0"/>
+    </p:bldLst>
+  </p:timing>
 </p:sld>
 </file>
 
@@ -5273,14 +6859,14 @@
       </p:grpSpPr>
       <p:sp>
         <p:nvSpPr>
-          <p:cNvPr id="118" name="TextShape 1"/>
+          <p:cNvPr id="125" name="TextShape 1"/>
           <p:cNvSpPr txBox="1"/>
           <p:nvPr/>
         </p:nvSpPr>
         <p:spPr>
           <a:xfrm>
-            <a:off x="1676520" y="365040"/>
-            <a:ext cx="10516320" cy="1325160"/>
+            <a:off x="0" y="355680"/>
+            <a:ext cx="10076155" cy="1325160"/>
           </a:xfrm>
           <a:prstGeom prst="rect">
             <a:avLst/>
@@ -5292,17 +6878,17 @@
         </p:spPr>
         <p:txBody>
           <a:bodyPr anchor="ctr">
-            <a:noAutofit/>
-          </a:bodyPr>
-          <a:lstStyle/>
-          <a:p>
-            <a:pPr>
+            <a:normAutofit/>
+          </a:bodyPr>
+          <a:lstStyle/>
+          <a:p>
+            <a:pPr algn="r">
               <a:lnSpc>
                 <a:spcPct val="90000"/>
               </a:lnSpc>
             </a:pPr>
             <a:r>
-              <a:rPr lang="pt-BR" sz="5200" b="0" strike="noStrike" spc="-1" dirty="0">
+              <a:rPr lang="pt-BR" sz="6000" b="0" strike="noStrike" spc="-1" dirty="0">
                 <a:ln w="38100">
                   <a:solidFill>
                     <a:schemeClr val="tx1"/>
@@ -5314,24 +6900,9 @@
                 <a:latin typeface="Cooper Black"/>
                 <a:ea typeface="BatangChe"/>
               </a:rPr>
-              <a:t>Comparação com </a:t>
+              <a:t>Protagonistas</a:t>
             </a:r>
-            <a:r>
-              <a:rPr lang="pt-BR" sz="5200" b="0" strike="noStrike" spc="-1" dirty="0" err="1">
-                <a:ln w="38100">
-                  <a:solidFill>
-                    <a:schemeClr val="tx1"/>
-                  </a:solidFill>
-                </a:ln>
-                <a:solidFill>
-                  <a:srgbClr val="FFFF00"/>
-                </a:solidFill>
-                <a:latin typeface="Cooper Black"/>
-                <a:ea typeface="BatangChe"/>
-              </a:rPr>
-              <a:t>Erdös-Rénye</a:t>
-            </a:r>
-            <a:endParaRPr lang="pt-BR" sz="5200" b="0" strike="noStrike" spc="-1" dirty="0">
+            <a:endParaRPr lang="pt-BR" sz="6000" b="0" strike="noStrike" spc="-1" dirty="0">
               <a:ln w="38100">
                 <a:solidFill>
                   <a:schemeClr val="tx1"/>
@@ -5347,27 +6918,717 @@
       </p:sp>
       <p:pic>
         <p:nvPicPr>
-          <p:cNvPr id="119" name="Imagem 118"/>
-          <p:cNvPicPr/>
+          <p:cNvPr id="3" name="Imagem 2" descr="Desenho de personagem de desenho animado&#10;&#10;Descrição gerada automaticamente com confiança média">
+            <a:extLst>
+              <a:ext uri="{FF2B5EF4-FFF2-40B4-BE49-F238E27FC236}">
+                <a16:creationId xmlns:a16="http://schemas.microsoft.com/office/drawing/2014/main" id="{A461CEBF-D1F4-4494-84AE-F82A29AEA30F}"/>
+              </a:ext>
+            </a:extLst>
+          </p:cNvPr>
+          <p:cNvPicPr>
+            <a:picLocks noChangeAspect="1"/>
+          </p:cNvPicPr>
           <p:nvPr/>
         </p:nvPicPr>
         <p:blipFill>
-          <a:blip r:embed="rId3"/>
-          <a:stretch/>
+          <a:blip r:embed="rId3">
+            <a:extLst>
+              <a:ext uri="{28A0092B-C50C-407E-A947-70E740481C1C}">
+                <a14:useLocalDpi xmlns:a14="http://schemas.microsoft.com/office/drawing/2010/main" val="0"/>
+              </a:ext>
+            </a:extLst>
+          </a:blip>
+          <a:stretch>
+            <a:fillRect/>
+          </a:stretch>
         </p:blipFill>
         <p:spPr>
           <a:xfrm>
-            <a:off x="3670560" y="1809000"/>
-            <a:ext cx="6527160" cy="4350960"/>
-          </a:xfrm>
-          <a:prstGeom prst="rect">
-            <a:avLst/>
-          </a:prstGeom>
-          <a:ln>
-            <a:noFill/>
+            <a:off x="10452671" y="1845644"/>
+            <a:ext cx="1740917" cy="1740917"/>
+          </a:xfrm>
+          <a:prstGeom prst="rect">
+            <a:avLst/>
+          </a:prstGeom>
+        </p:spPr>
+      </p:pic>
+      <p:pic>
+        <p:nvPicPr>
+          <p:cNvPr id="5" name="Imagem 4" descr="Desenho de personagem de desenho animado&#10;&#10;Descrição gerada automaticamente com confiança média">
+            <a:extLst>
+              <a:ext uri="{FF2B5EF4-FFF2-40B4-BE49-F238E27FC236}">
+                <a16:creationId xmlns:a16="http://schemas.microsoft.com/office/drawing/2014/main" id="{DC7C6D26-C9B6-4A08-BAE4-83CDCC17F5AC}"/>
+              </a:ext>
+            </a:extLst>
+          </p:cNvPr>
+          <p:cNvPicPr>
+            <a:picLocks noChangeAspect="1"/>
+          </p:cNvPicPr>
+          <p:nvPr/>
+        </p:nvPicPr>
+        <p:blipFill>
+          <a:blip r:embed="rId4">
+            <a:extLst>
+              <a:ext uri="{28A0092B-C50C-407E-A947-70E740481C1C}">
+                <a14:useLocalDpi xmlns:a14="http://schemas.microsoft.com/office/drawing/2010/main" val="0"/>
+              </a:ext>
+            </a:extLst>
+          </a:blip>
+          <a:stretch>
+            <a:fillRect/>
+          </a:stretch>
+        </p:blipFill>
+        <p:spPr>
+          <a:xfrm>
+            <a:off x="2826033" y="4795301"/>
+            <a:ext cx="1038570" cy="1926622"/>
+          </a:xfrm>
+          <a:prstGeom prst="rect">
+            <a:avLst/>
+          </a:prstGeom>
+        </p:spPr>
+      </p:pic>
+      <p:pic>
+        <p:nvPicPr>
+          <p:cNvPr id="9" name="Imagem 8" descr="Desenho de personagem de desenho animado&#10;&#10;Descrição gerada automaticamente com confiança média">
+            <a:extLst>
+              <a:ext uri="{FF2B5EF4-FFF2-40B4-BE49-F238E27FC236}">
+                <a16:creationId xmlns:a16="http://schemas.microsoft.com/office/drawing/2014/main" id="{FDB21FAF-07C7-484F-9A4E-2BB89FA181B7}"/>
+              </a:ext>
+            </a:extLst>
+          </p:cNvPr>
+          <p:cNvPicPr>
+            <a:picLocks noChangeAspect="1"/>
+          </p:cNvPicPr>
+          <p:nvPr/>
+        </p:nvPicPr>
+        <p:blipFill>
+          <a:blip r:embed="rId5">
+            <a:extLst>
+              <a:ext uri="{28A0092B-C50C-407E-A947-70E740481C1C}">
+                <a14:useLocalDpi xmlns:a14="http://schemas.microsoft.com/office/drawing/2010/main" val="0"/>
+              </a:ext>
+            </a:extLst>
+          </a:blip>
+          <a:stretch>
+            <a:fillRect/>
+          </a:stretch>
+        </p:blipFill>
+        <p:spPr>
+          <a:xfrm>
+            <a:off x="2615784" y="1763241"/>
+            <a:ext cx="1459068" cy="1905721"/>
+          </a:xfrm>
+          <a:prstGeom prst="rect">
+            <a:avLst/>
+          </a:prstGeom>
+        </p:spPr>
+      </p:pic>
+      <p:cxnSp>
+        <p:nvCxnSpPr>
+          <p:cNvPr id="11" name="Conector reto 10">
+            <a:extLst>
+              <a:ext uri="{FF2B5EF4-FFF2-40B4-BE49-F238E27FC236}">
+                <a16:creationId xmlns:a16="http://schemas.microsoft.com/office/drawing/2014/main" id="{17FEF0C1-C66E-43F6-9814-6676EA45E49B}"/>
+              </a:ext>
+            </a:extLst>
+          </p:cNvPr>
+          <p:cNvCxnSpPr>
+            <a:cxnSpLocks/>
+            <a:stCxn id="9" idx="3"/>
+            <a:endCxn id="3" idx="1"/>
+          </p:cNvCxnSpPr>
+          <p:nvPr/>
+        </p:nvCxnSpPr>
+        <p:spPr>
+          <a:xfrm>
+            <a:off x="4074852" y="2716102"/>
+            <a:ext cx="6377819" cy="1"/>
+          </a:xfrm>
+          <a:prstGeom prst="line">
+            <a:avLst/>
+          </a:prstGeom>
+          <a:ln w="76200">
+            <a:solidFill>
+              <a:schemeClr val="tx1"/>
+            </a:solidFill>
           </a:ln>
         </p:spPr>
-      </p:pic>
+        <p:style>
+          <a:lnRef idx="1">
+            <a:schemeClr val="accent1"/>
+          </a:lnRef>
+          <a:fillRef idx="0">
+            <a:schemeClr val="accent1"/>
+          </a:fillRef>
+          <a:effectRef idx="0">
+            <a:schemeClr val="accent1"/>
+          </a:effectRef>
+          <a:fontRef idx="minor">
+            <a:schemeClr val="tx1"/>
+          </a:fontRef>
+        </p:style>
+      </p:cxnSp>
+      <p:cxnSp>
+        <p:nvCxnSpPr>
+          <p:cNvPr id="15" name="Conector reto 14">
+            <a:extLst>
+              <a:ext uri="{FF2B5EF4-FFF2-40B4-BE49-F238E27FC236}">
+                <a16:creationId xmlns:a16="http://schemas.microsoft.com/office/drawing/2014/main" id="{7FF59DAB-2C34-466C-963A-AE2A2C6B481D}"/>
+              </a:ext>
+            </a:extLst>
+          </p:cNvPr>
+          <p:cNvCxnSpPr>
+            <a:cxnSpLocks/>
+            <a:stCxn id="9" idx="3"/>
+          </p:cNvCxnSpPr>
+          <p:nvPr/>
+        </p:nvCxnSpPr>
+        <p:spPr>
+          <a:xfrm>
+            <a:off x="4074852" y="2716102"/>
+            <a:ext cx="0" cy="3107649"/>
+          </a:xfrm>
+          <a:prstGeom prst="line">
+            <a:avLst/>
+          </a:prstGeom>
+          <a:ln w="76200">
+            <a:solidFill>
+              <a:schemeClr val="tx1"/>
+            </a:solidFill>
+          </a:ln>
+        </p:spPr>
+        <p:style>
+          <a:lnRef idx="1">
+            <a:schemeClr val="accent1"/>
+          </a:lnRef>
+          <a:fillRef idx="0">
+            <a:schemeClr val="accent1"/>
+          </a:fillRef>
+          <a:effectRef idx="0">
+            <a:schemeClr val="accent1"/>
+          </a:effectRef>
+          <a:fontRef idx="minor">
+            <a:schemeClr val="tx1"/>
+          </a:fontRef>
+        </p:style>
+      </p:cxnSp>
+      <p:cxnSp>
+        <p:nvCxnSpPr>
+          <p:cNvPr id="17" name="Conector reto 16">
+            <a:extLst>
+              <a:ext uri="{FF2B5EF4-FFF2-40B4-BE49-F238E27FC236}">
+                <a16:creationId xmlns:a16="http://schemas.microsoft.com/office/drawing/2014/main" id="{C4F38618-D8AA-4367-830E-7839FA005719}"/>
+              </a:ext>
+            </a:extLst>
+          </p:cNvPr>
+          <p:cNvCxnSpPr>
+            <a:cxnSpLocks/>
+          </p:cNvCxnSpPr>
+          <p:nvPr/>
+        </p:nvCxnSpPr>
+        <p:spPr>
+          <a:xfrm>
+            <a:off x="4074851" y="5758612"/>
+            <a:ext cx="6441469" cy="65139"/>
+          </a:xfrm>
+          <a:prstGeom prst="line">
+            <a:avLst/>
+          </a:prstGeom>
+          <a:ln w="76200">
+            <a:solidFill>
+              <a:schemeClr val="tx1"/>
+            </a:solidFill>
+          </a:ln>
+        </p:spPr>
+        <p:style>
+          <a:lnRef idx="1">
+            <a:schemeClr val="accent1"/>
+          </a:lnRef>
+          <a:fillRef idx="0">
+            <a:schemeClr val="accent1"/>
+          </a:fillRef>
+          <a:effectRef idx="0">
+            <a:schemeClr val="accent1"/>
+          </a:effectRef>
+          <a:fontRef idx="minor">
+            <a:schemeClr val="tx1"/>
+          </a:fontRef>
+        </p:style>
+      </p:cxnSp>
+      <p:cxnSp>
+        <p:nvCxnSpPr>
+          <p:cNvPr id="21" name="Conector reto 20">
+            <a:extLst>
+              <a:ext uri="{FF2B5EF4-FFF2-40B4-BE49-F238E27FC236}">
+                <a16:creationId xmlns:a16="http://schemas.microsoft.com/office/drawing/2014/main" id="{46A5F3DF-7A31-4D83-B031-46F962005D1A}"/>
+              </a:ext>
+            </a:extLst>
+          </p:cNvPr>
+          <p:cNvCxnSpPr>
+            <a:cxnSpLocks/>
+            <a:endCxn id="3" idx="1"/>
+          </p:cNvCxnSpPr>
+          <p:nvPr/>
+        </p:nvCxnSpPr>
+        <p:spPr>
+          <a:xfrm flipV="1">
+            <a:off x="4074851" y="2716103"/>
+            <a:ext cx="6377820" cy="3042509"/>
+          </a:xfrm>
+          <a:prstGeom prst="line">
+            <a:avLst/>
+          </a:prstGeom>
+          <a:ln w="76200">
+            <a:solidFill>
+              <a:schemeClr val="tx1"/>
+            </a:solidFill>
+          </a:ln>
+        </p:spPr>
+        <p:style>
+          <a:lnRef idx="1">
+            <a:schemeClr val="accent1"/>
+          </a:lnRef>
+          <a:fillRef idx="0">
+            <a:schemeClr val="accent1"/>
+          </a:fillRef>
+          <a:effectRef idx="0">
+            <a:schemeClr val="accent1"/>
+          </a:effectRef>
+          <a:fontRef idx="minor">
+            <a:schemeClr val="tx1"/>
+          </a:fontRef>
+        </p:style>
+      </p:cxnSp>
+      <p:cxnSp>
+        <p:nvCxnSpPr>
+          <p:cNvPr id="23" name="Conector reto 22">
+            <a:extLst>
+              <a:ext uri="{FF2B5EF4-FFF2-40B4-BE49-F238E27FC236}">
+                <a16:creationId xmlns:a16="http://schemas.microsoft.com/office/drawing/2014/main" id="{D8541EEF-8120-49BA-A15D-CA5F7E7E5C35}"/>
+              </a:ext>
+            </a:extLst>
+          </p:cNvPr>
+          <p:cNvCxnSpPr>
+            <a:cxnSpLocks/>
+            <a:stCxn id="3" idx="1"/>
+          </p:cNvCxnSpPr>
+          <p:nvPr/>
+        </p:nvCxnSpPr>
+        <p:spPr>
+          <a:xfrm flipH="1">
+            <a:off x="10452670" y="2716103"/>
+            <a:ext cx="1" cy="3169792"/>
+          </a:xfrm>
+          <a:prstGeom prst="line">
+            <a:avLst/>
+          </a:prstGeom>
+          <a:ln w="76200">
+            <a:solidFill>
+              <a:schemeClr val="tx1"/>
+            </a:solidFill>
+          </a:ln>
+        </p:spPr>
+        <p:style>
+          <a:lnRef idx="1">
+            <a:schemeClr val="accent1"/>
+          </a:lnRef>
+          <a:fillRef idx="0">
+            <a:schemeClr val="accent1"/>
+          </a:fillRef>
+          <a:effectRef idx="0">
+            <a:schemeClr val="accent1"/>
+          </a:effectRef>
+          <a:fontRef idx="minor">
+            <a:schemeClr val="tx1"/>
+          </a:fontRef>
+        </p:style>
+      </p:cxnSp>
+      <p:cxnSp>
+        <p:nvCxnSpPr>
+          <p:cNvPr id="28" name="Conector reto 27">
+            <a:extLst>
+              <a:ext uri="{FF2B5EF4-FFF2-40B4-BE49-F238E27FC236}">
+                <a16:creationId xmlns:a16="http://schemas.microsoft.com/office/drawing/2014/main" id="{3508792B-A5F0-4DC5-88D0-12EDAB1AB055}"/>
+              </a:ext>
+            </a:extLst>
+          </p:cNvPr>
+          <p:cNvCxnSpPr>
+            <a:cxnSpLocks/>
+            <a:stCxn id="9" idx="3"/>
+          </p:cNvCxnSpPr>
+          <p:nvPr/>
+        </p:nvCxnSpPr>
+        <p:spPr>
+          <a:xfrm>
+            <a:off x="4074852" y="2716102"/>
+            <a:ext cx="6377818" cy="3042510"/>
+          </a:xfrm>
+          <a:prstGeom prst="line">
+            <a:avLst/>
+          </a:prstGeom>
+          <a:ln w="76200">
+            <a:solidFill>
+              <a:schemeClr val="tx1"/>
+            </a:solidFill>
+          </a:ln>
+        </p:spPr>
+        <p:style>
+          <a:lnRef idx="1">
+            <a:schemeClr val="accent1"/>
+          </a:lnRef>
+          <a:fillRef idx="0">
+            <a:schemeClr val="accent1"/>
+          </a:fillRef>
+          <a:effectRef idx="0">
+            <a:schemeClr val="accent1"/>
+          </a:effectRef>
+          <a:fontRef idx="minor">
+            <a:schemeClr val="tx1"/>
+          </a:fontRef>
+        </p:style>
+      </p:cxnSp>
+      <p:sp>
+        <p:nvSpPr>
+          <p:cNvPr id="36" name="CaixaDeTexto 35">
+            <a:extLst>
+              <a:ext uri="{FF2B5EF4-FFF2-40B4-BE49-F238E27FC236}">
+                <a16:creationId xmlns:a16="http://schemas.microsoft.com/office/drawing/2014/main" id="{B3F6EFED-0D06-4189-840D-F460E8CED72C}"/>
+              </a:ext>
+            </a:extLst>
+          </p:cNvPr>
+          <p:cNvSpPr txBox="1"/>
+          <p:nvPr/>
+        </p:nvSpPr>
+        <p:spPr>
+          <a:xfrm>
+            <a:off x="2568657" y="3939744"/>
+            <a:ext cx="1331339" cy="584775"/>
+          </a:xfrm>
+          <a:prstGeom prst="rect">
+            <a:avLst/>
+          </a:prstGeom>
+          <a:noFill/>
+        </p:spPr>
+        <p:txBody>
+          <a:bodyPr wrap="square" rtlCol="0">
+            <a:spAutoFit/>
+          </a:bodyPr>
+          <a:lstStyle/>
+          <a:p>
+            <a:r>
+              <a:rPr lang="pt-BR" sz="3200" dirty="0">
+                <a:latin typeface="Comic Sans MS" panose="030F0702030302020204" pitchFamily="66" charset="0"/>
+              </a:rPr>
+              <a:t>721.5</a:t>
+            </a:r>
+          </a:p>
+        </p:txBody>
+      </p:sp>
+      <p:sp>
+        <p:nvSpPr>
+          <p:cNvPr id="41" name="CaixaDeTexto 40">
+            <a:extLst>
+              <a:ext uri="{FF2B5EF4-FFF2-40B4-BE49-F238E27FC236}">
+                <a16:creationId xmlns:a16="http://schemas.microsoft.com/office/drawing/2014/main" id="{3365FB74-8B69-4BCC-9B82-85B0149F0457}"/>
+              </a:ext>
+            </a:extLst>
+          </p:cNvPr>
+          <p:cNvSpPr txBox="1"/>
+          <p:nvPr/>
+        </p:nvSpPr>
+        <p:spPr>
+          <a:xfrm>
+            <a:off x="6629915" y="2066188"/>
+            <a:ext cx="1331339" cy="584775"/>
+          </a:xfrm>
+          <a:prstGeom prst="rect">
+            <a:avLst/>
+          </a:prstGeom>
+          <a:noFill/>
+        </p:spPr>
+        <p:txBody>
+          <a:bodyPr wrap="square" rtlCol="0">
+            <a:spAutoFit/>
+          </a:bodyPr>
+          <a:lstStyle/>
+          <a:p>
+            <a:r>
+              <a:rPr lang="pt-BR" sz="3200" dirty="0">
+                <a:latin typeface="Comic Sans MS" panose="030F0702030302020204" pitchFamily="66" charset="0"/>
+              </a:rPr>
+              <a:t>523.5</a:t>
+            </a:r>
+          </a:p>
+        </p:txBody>
+      </p:sp>
+      <p:sp>
+        <p:nvSpPr>
+          <p:cNvPr id="42" name="CaixaDeTexto 41">
+            <a:extLst>
+              <a:ext uri="{FF2B5EF4-FFF2-40B4-BE49-F238E27FC236}">
+                <a16:creationId xmlns:a16="http://schemas.microsoft.com/office/drawing/2014/main" id="{64373D45-83B2-4947-8921-BE83B084EF8B}"/>
+              </a:ext>
+            </a:extLst>
+          </p:cNvPr>
+          <p:cNvSpPr txBox="1"/>
+          <p:nvPr/>
+        </p:nvSpPr>
+        <p:spPr>
+          <a:xfrm>
+            <a:off x="6598091" y="5917545"/>
+            <a:ext cx="1331339" cy="584775"/>
+          </a:xfrm>
+          <a:prstGeom prst="rect">
+            <a:avLst/>
+          </a:prstGeom>
+          <a:noFill/>
+        </p:spPr>
+        <p:txBody>
+          <a:bodyPr wrap="square" rtlCol="0">
+            <a:spAutoFit/>
+          </a:bodyPr>
+          <a:lstStyle/>
+          <a:p>
+            <a:r>
+              <a:rPr lang="pt-BR" sz="3200" dirty="0">
+                <a:latin typeface="Comic Sans MS" panose="030F0702030302020204" pitchFamily="66" charset="0"/>
+              </a:rPr>
+              <a:t>393.5</a:t>
+            </a:r>
+          </a:p>
+        </p:txBody>
+      </p:sp>
+      <p:sp>
+        <p:nvSpPr>
+          <p:cNvPr id="43" name="CaixaDeTexto 42">
+            <a:extLst>
+              <a:ext uri="{FF2B5EF4-FFF2-40B4-BE49-F238E27FC236}">
+                <a16:creationId xmlns:a16="http://schemas.microsoft.com/office/drawing/2014/main" id="{7F068AC4-5289-46A9-B861-F72310C318EE}"/>
+              </a:ext>
+            </a:extLst>
+          </p:cNvPr>
+          <p:cNvSpPr txBox="1"/>
+          <p:nvPr/>
+        </p:nvSpPr>
+        <p:spPr>
+          <a:xfrm>
+            <a:off x="10580400" y="4008611"/>
+            <a:ext cx="1331339" cy="584775"/>
+          </a:xfrm>
+          <a:prstGeom prst="rect">
+            <a:avLst/>
+          </a:prstGeom>
+          <a:noFill/>
+        </p:spPr>
+        <p:txBody>
+          <a:bodyPr wrap="square" rtlCol="0">
+            <a:spAutoFit/>
+          </a:bodyPr>
+          <a:lstStyle/>
+          <a:p>
+            <a:r>
+              <a:rPr lang="pt-BR" sz="3200" dirty="0">
+                <a:latin typeface="Comic Sans MS" panose="030F0702030302020204" pitchFamily="66" charset="0"/>
+              </a:rPr>
+              <a:t>360.5</a:t>
+            </a:r>
+          </a:p>
+        </p:txBody>
+      </p:sp>
+      <p:sp>
+        <p:nvSpPr>
+          <p:cNvPr id="44" name="CaixaDeTexto 43">
+            <a:extLst>
+              <a:ext uri="{FF2B5EF4-FFF2-40B4-BE49-F238E27FC236}">
+                <a16:creationId xmlns:a16="http://schemas.microsoft.com/office/drawing/2014/main" id="{1254EE7C-9AEF-4344-B388-B49AA0B4969C}"/>
+              </a:ext>
+            </a:extLst>
+          </p:cNvPr>
+          <p:cNvSpPr txBox="1"/>
+          <p:nvPr/>
+        </p:nvSpPr>
+        <p:spPr>
+          <a:xfrm>
+            <a:off x="4592490" y="3586561"/>
+            <a:ext cx="1331339" cy="584775"/>
+          </a:xfrm>
+          <a:prstGeom prst="rect">
+            <a:avLst/>
+          </a:prstGeom>
+          <a:noFill/>
+        </p:spPr>
+        <p:txBody>
+          <a:bodyPr wrap="square" rtlCol="0">
+            <a:spAutoFit/>
+          </a:bodyPr>
+          <a:lstStyle/>
+          <a:p>
+            <a:r>
+              <a:rPr lang="pt-BR" sz="3200" dirty="0">
+                <a:latin typeface="Comic Sans MS" panose="030F0702030302020204" pitchFamily="66" charset="0"/>
+              </a:rPr>
+              <a:t>550.5</a:t>
+            </a:r>
+          </a:p>
+        </p:txBody>
+      </p:sp>
+      <p:sp>
+        <p:nvSpPr>
+          <p:cNvPr id="45" name="CaixaDeTexto 44">
+            <a:extLst>
+              <a:ext uri="{FF2B5EF4-FFF2-40B4-BE49-F238E27FC236}">
+                <a16:creationId xmlns:a16="http://schemas.microsoft.com/office/drawing/2014/main" id="{D9CCE49E-6F60-4C30-A208-B307F81BDCB4}"/>
+              </a:ext>
+            </a:extLst>
+          </p:cNvPr>
+          <p:cNvSpPr txBox="1"/>
+          <p:nvPr/>
+        </p:nvSpPr>
+        <p:spPr>
+          <a:xfrm>
+            <a:off x="8603693" y="3647536"/>
+            <a:ext cx="1331339" cy="584775"/>
+          </a:xfrm>
+          <a:prstGeom prst="rect">
+            <a:avLst/>
+          </a:prstGeom>
+          <a:noFill/>
+        </p:spPr>
+        <p:txBody>
+          <a:bodyPr wrap="square" rtlCol="0">
+            <a:spAutoFit/>
+          </a:bodyPr>
+          <a:lstStyle/>
+          <a:p>
+            <a:r>
+              <a:rPr lang="pt-BR" sz="3200" dirty="0">
+                <a:latin typeface="Comic Sans MS" panose="030F0702030302020204" pitchFamily="66" charset="0"/>
+              </a:rPr>
+              <a:t>628.5</a:t>
+            </a:r>
+          </a:p>
+        </p:txBody>
+      </p:sp>
+      <p:sp>
+        <p:nvSpPr>
+          <p:cNvPr id="37" name="CaixaDeTexto 36">
+            <a:extLst>
+              <a:ext uri="{FF2B5EF4-FFF2-40B4-BE49-F238E27FC236}">
+                <a16:creationId xmlns:a16="http://schemas.microsoft.com/office/drawing/2014/main" id="{200FC583-7AD0-4F40-9E6E-F5A784787C55}"/>
+              </a:ext>
+            </a:extLst>
+          </p:cNvPr>
+          <p:cNvSpPr txBox="1"/>
+          <p:nvPr/>
+        </p:nvSpPr>
+        <p:spPr>
+          <a:xfrm>
+            <a:off x="401988" y="2186177"/>
+            <a:ext cx="2003185" cy="3970318"/>
+          </a:xfrm>
+          <a:prstGeom prst="rect">
+            <a:avLst/>
+          </a:prstGeom>
+          <a:noFill/>
+        </p:spPr>
+        <p:txBody>
+          <a:bodyPr wrap="square" rtlCol="0">
+            <a:spAutoFit/>
+          </a:bodyPr>
+          <a:lstStyle/>
+          <a:p>
+            <a:r>
+              <a:rPr lang="pt-BR" sz="2800" dirty="0">
+                <a:latin typeface="Comic Sans MS" panose="030F0702030302020204" pitchFamily="66" charset="0"/>
+              </a:rPr>
+              <a:t>GRAUS:</a:t>
+            </a:r>
+          </a:p>
+          <a:p>
+            <a:r>
+              <a:rPr lang="pt-BR" sz="2800" dirty="0" err="1">
+                <a:latin typeface="Comic Sans MS" panose="030F0702030302020204" pitchFamily="66" charset="0"/>
+              </a:rPr>
+              <a:t>Mô</a:t>
+            </a:r>
+            <a:r>
+              <a:rPr lang="pt-BR" sz="2800" dirty="0">
+                <a:latin typeface="Comic Sans MS" panose="030F0702030302020204" pitchFamily="66" charset="0"/>
+              </a:rPr>
+              <a:t>: #882</a:t>
+            </a:r>
+          </a:p>
+          <a:p>
+            <a:r>
+              <a:rPr lang="pt-BR" sz="2800" dirty="0">
+                <a:latin typeface="Comic Sans MS" panose="030F0702030302020204" pitchFamily="66" charset="0"/>
+              </a:rPr>
+              <a:t>         138</a:t>
+            </a:r>
+          </a:p>
+          <a:p>
+            <a:r>
+              <a:rPr lang="pt-BR" sz="2800" dirty="0" err="1">
+                <a:latin typeface="Comic Sans MS" panose="030F0702030302020204" pitchFamily="66" charset="0"/>
+              </a:rPr>
+              <a:t>Cê</a:t>
+            </a:r>
+            <a:r>
+              <a:rPr lang="pt-BR" sz="2800" dirty="0">
+                <a:latin typeface="Comic Sans MS" panose="030F0702030302020204" pitchFamily="66" charset="0"/>
+              </a:rPr>
+              <a:t>: #825</a:t>
+            </a:r>
+          </a:p>
+          <a:p>
+            <a:r>
+              <a:rPr lang="pt-BR" sz="2800" dirty="0">
+                <a:latin typeface="Comic Sans MS" panose="030F0702030302020204" pitchFamily="66" charset="0"/>
+              </a:rPr>
+              <a:t>         133</a:t>
+            </a:r>
+          </a:p>
+          <a:p>
+            <a:r>
+              <a:rPr lang="pt-BR" sz="2800" dirty="0" err="1">
+                <a:latin typeface="Comic Sans MS" panose="030F0702030302020204" pitchFamily="66" charset="0"/>
+              </a:rPr>
+              <a:t>Ma</a:t>
+            </a:r>
+            <a:r>
+              <a:rPr lang="pt-BR" sz="2800" dirty="0">
+                <a:latin typeface="Comic Sans MS" panose="030F0702030302020204" pitchFamily="66" charset="0"/>
+              </a:rPr>
+              <a:t>: #670</a:t>
+            </a:r>
+          </a:p>
+          <a:p>
+            <a:r>
+              <a:rPr lang="pt-BR" sz="2800" dirty="0">
+                <a:latin typeface="Comic Sans MS" panose="030F0702030302020204" pitchFamily="66" charset="0"/>
+              </a:rPr>
+              <a:t>         137</a:t>
+            </a:r>
+          </a:p>
+          <a:p>
+            <a:r>
+              <a:rPr lang="pt-BR" sz="2800" dirty="0">
+                <a:latin typeface="Comic Sans MS" panose="030F0702030302020204" pitchFamily="66" charset="0"/>
+              </a:rPr>
+              <a:t>Ca: #682</a:t>
+            </a:r>
+          </a:p>
+          <a:p>
+            <a:r>
+              <a:rPr lang="pt-BR" sz="2800" dirty="0">
+                <a:latin typeface="Comic Sans MS" panose="030F0702030302020204" pitchFamily="66" charset="0"/>
+              </a:rPr>
+              <a:t>         126</a:t>
+            </a:r>
+          </a:p>
+        </p:txBody>
+      </p:sp>
     </p:spTree>
   </p:cSld>
   <p:clrMapOvr>
@@ -5381,8 +7642,11 @@
   <p:cSld>
     <p:bg>
       <p:bgPr>
-        <a:blipFill rotWithShape="0">
-          <a:blip r:embed="rId2"/>
+        <a:blipFill dpi="0" rotWithShape="1">
+          <a:blip r:embed="rId2">
+            <a:lum/>
+          </a:blip>
+          <a:srcRect/>
           <a:stretch>
             <a:fillRect/>
           </a:stretch>
@@ -5406,34 +7670,31 @@
       </p:grpSpPr>
       <p:sp>
         <p:nvSpPr>
-          <p:cNvPr id="120" name="TextShape 1"/>
-          <p:cNvSpPr txBox="1"/>
-          <p:nvPr/>
-        </p:nvSpPr>
-        <p:spPr>
-          <a:xfrm>
-            <a:off x="0" y="355680"/>
+          <p:cNvPr id="2" name="Título 1">
+            <a:extLst>
+              <a:ext uri="{FF2B5EF4-FFF2-40B4-BE49-F238E27FC236}">
+                <a16:creationId xmlns:a16="http://schemas.microsoft.com/office/drawing/2014/main" id="{2E7C7264-1C7E-46D9-9997-0F0434FF9C1E}"/>
+              </a:ext>
+            </a:extLst>
+          </p:cNvPr>
+          <p:cNvSpPr>
+            <a:spLocks noGrp="1"/>
+          </p:cNvSpPr>
+          <p:nvPr>
+            <p:ph type="title"/>
+          </p:nvPr>
+        </p:nvSpPr>
+        <p:spPr>
+          <a:xfrm>
+            <a:off x="0" y="374276"/>
             <a:ext cx="10516320" cy="1325160"/>
           </a:xfrm>
-          <a:prstGeom prst="rect">
-            <a:avLst/>
-          </a:prstGeom>
-          <a:noFill/>
-          <a:ln>
-            <a:noFill/>
-          </a:ln>
-        </p:spPr>
-        <p:txBody>
-          <a:bodyPr anchor="ctr">
-            <a:normAutofit/>
-          </a:bodyPr>
-          <a:lstStyle/>
-          <a:p>
-            <a:pPr algn="r">
-              <a:lnSpc>
-                <a:spcPct val="90000"/>
-              </a:lnSpc>
-            </a:pPr>
+        </p:spPr>
+        <p:txBody>
+          <a:bodyPr/>
+          <a:lstStyle/>
+          <a:p>
+            <a:pPr algn="r"/>
             <a:r>
               <a:rPr lang="pt-BR" sz="6000" b="0" strike="noStrike" spc="-1" dirty="0">
                 <a:ln w="38100">
@@ -5447,565 +7708,102 @@
                 <a:latin typeface="Cooper Black"/>
                 <a:ea typeface="BatangChe"/>
               </a:rPr>
-              <a:t>Maiores Hubs</a:t>
+              <a:t>Melhores Amigos</a:t>
             </a:r>
-            <a:endParaRPr lang="pt-BR" sz="6000" b="0" strike="noStrike" spc="-1" dirty="0">
-              <a:ln w="38100">
-                <a:solidFill>
-                  <a:schemeClr val="tx1"/>
-                </a:solidFill>
-              </a:ln>
-              <a:solidFill>
-                <a:srgbClr val="000000"/>
-              </a:solidFill>
-              <a:latin typeface="Calibri"/>
-            </a:endParaRPr>
-          </a:p>
-        </p:txBody>
-      </p:sp>
-      <p:pic>
-        <p:nvPicPr>
-          <p:cNvPr id="3" name="Imagem 2" descr="Desenho de animal com corpo de desenho animado&#10;&#10;Descrição gerada automaticamente com confiança média">
+            <a:endParaRPr lang="pt-BR" sz="6000" dirty="0"/>
+          </a:p>
+        </p:txBody>
+      </p:sp>
+      <p:sp>
+        <p:nvSpPr>
+          <p:cNvPr id="3" name="Subtítulo 2">
             <a:extLst>
               <a:ext uri="{FF2B5EF4-FFF2-40B4-BE49-F238E27FC236}">
-                <a16:creationId xmlns:a16="http://schemas.microsoft.com/office/drawing/2014/main" id="{2788E56A-3FFB-47DF-B9FB-73E0EDC1755E}"/>
+                <a16:creationId xmlns:a16="http://schemas.microsoft.com/office/drawing/2014/main" id="{352E93D3-4BBE-42F2-AD83-0123995368E7}"/>
               </a:ext>
             </a:extLst>
           </p:cNvPr>
-          <p:cNvPicPr>
-            <a:picLocks noChangeAspect="1"/>
-          </p:cNvPicPr>
-          <p:nvPr/>
-        </p:nvPicPr>
-        <p:blipFill>
-          <a:blip r:embed="rId3">
-            <a:extLst>
-              <a:ext uri="{28A0092B-C50C-407E-A947-70E740481C1C}">
-                <a14:useLocalDpi xmlns:a14="http://schemas.microsoft.com/office/drawing/2010/main" val="0"/>
-              </a:ext>
-            </a:extLst>
-          </a:blip>
-          <a:stretch>
-            <a:fillRect/>
-          </a:stretch>
-        </p:blipFill>
-        <p:spPr>
-          <a:xfrm>
-            <a:off x="4061091" y="1814005"/>
-            <a:ext cx="1104920" cy="2174033"/>
-          </a:xfrm>
-          <a:prstGeom prst="rect">
-            <a:avLst/>
-          </a:prstGeom>
-        </p:spPr>
-      </p:pic>
-      <p:pic>
-        <p:nvPicPr>
-          <p:cNvPr id="5" name="Imagem 4" descr="Desenho de personagem de desenho animado&#10;&#10;Descrição gerada automaticamente com confiança média">
-            <a:extLst>
-              <a:ext uri="{FF2B5EF4-FFF2-40B4-BE49-F238E27FC236}">
-                <a16:creationId xmlns:a16="http://schemas.microsoft.com/office/drawing/2014/main" id="{F55F8E4A-A061-4C32-9F6F-4EFF2BE17A55}"/>
-              </a:ext>
-            </a:extLst>
-          </p:cNvPr>
-          <p:cNvPicPr>
-            <a:picLocks noChangeAspect="1"/>
-          </p:cNvPicPr>
-          <p:nvPr/>
-        </p:nvPicPr>
-        <p:blipFill>
-          <a:blip r:embed="rId4">
-            <a:extLst>
-              <a:ext uri="{28A0092B-C50C-407E-A947-70E740481C1C}">
-                <a14:useLocalDpi xmlns:a14="http://schemas.microsoft.com/office/drawing/2010/main" val="0"/>
-              </a:ext>
-            </a:extLst>
-          </a:blip>
-          <a:stretch>
-            <a:fillRect/>
-          </a:stretch>
-        </p:blipFill>
-        <p:spPr>
-          <a:xfrm>
-            <a:off x="8970893" y="2008890"/>
-            <a:ext cx="1220672" cy="1979148"/>
-          </a:xfrm>
-          <a:prstGeom prst="rect">
-            <a:avLst/>
-          </a:prstGeom>
-        </p:spPr>
-      </p:pic>
-      <p:pic>
-        <p:nvPicPr>
-          <p:cNvPr id="7" name="Imagem 6" descr="Desenho de um cachorro&#10;&#10;Descrição gerada automaticamente com confiança média">
-            <a:extLst>
-              <a:ext uri="{FF2B5EF4-FFF2-40B4-BE49-F238E27FC236}">
-                <a16:creationId xmlns:a16="http://schemas.microsoft.com/office/drawing/2014/main" id="{AC6C8BE0-8259-4A89-BA1D-5F6DAEFB4323}"/>
-              </a:ext>
-            </a:extLst>
-          </p:cNvPr>
-          <p:cNvPicPr>
-            <a:picLocks noChangeAspect="1"/>
-          </p:cNvPicPr>
-          <p:nvPr/>
-        </p:nvPicPr>
-        <p:blipFill>
-          <a:blip r:embed="rId5">
-            <a:extLst>
-              <a:ext uri="{28A0092B-C50C-407E-A947-70E740481C1C}">
-                <a14:useLocalDpi xmlns:a14="http://schemas.microsoft.com/office/drawing/2010/main" val="0"/>
-              </a:ext>
-            </a:extLst>
-          </a:blip>
-          <a:stretch>
-            <a:fillRect/>
-          </a:stretch>
-        </p:blipFill>
-        <p:spPr>
-          <a:xfrm>
-            <a:off x="3840192" y="4728900"/>
-            <a:ext cx="1325819" cy="1753028"/>
-          </a:xfrm>
-          <a:prstGeom prst="rect">
-            <a:avLst/>
-          </a:prstGeom>
-        </p:spPr>
-      </p:pic>
-      <p:pic>
-        <p:nvPicPr>
-          <p:cNvPr id="9" name="Imagem 8">
-            <a:extLst>
-              <a:ext uri="{FF2B5EF4-FFF2-40B4-BE49-F238E27FC236}">
-                <a16:creationId xmlns:a16="http://schemas.microsoft.com/office/drawing/2014/main" id="{B21AF80C-0AEF-492A-B12F-175B280AE467}"/>
-              </a:ext>
-            </a:extLst>
-          </p:cNvPr>
-          <p:cNvPicPr>
-            <a:picLocks noChangeAspect="1"/>
-          </p:cNvPicPr>
-          <p:nvPr/>
-        </p:nvPicPr>
-        <p:blipFill>
-          <a:blip r:embed="rId6"/>
-          <a:stretch>
-            <a:fillRect/>
-          </a:stretch>
-        </p:blipFill>
-        <p:spPr>
-          <a:xfrm>
-            <a:off x="9081263" y="5286101"/>
-            <a:ext cx="999932" cy="1216219"/>
-          </a:xfrm>
-          <a:prstGeom prst="rect">
-            <a:avLst/>
-          </a:prstGeom>
-        </p:spPr>
-      </p:pic>
-      <p:sp>
-        <p:nvSpPr>
-          <p:cNvPr id="11" name="Balão de Pensamento: Nuvem 10">
-            <a:extLst>
-              <a:ext uri="{FF2B5EF4-FFF2-40B4-BE49-F238E27FC236}">
-                <a16:creationId xmlns:a16="http://schemas.microsoft.com/office/drawing/2014/main" id="{5CE59EC0-3E97-4028-A7E4-5154FE21FC09}"/>
-              </a:ext>
-            </a:extLst>
-          </p:cNvPr>
-          <p:cNvSpPr/>
-          <p:nvPr/>
-        </p:nvSpPr>
-        <p:spPr>
-          <a:xfrm rot="20910315" flipH="1">
-            <a:off x="981607" y="1862783"/>
-            <a:ext cx="2698812" cy="1875153"/>
-          </a:xfrm>
-          <a:prstGeom prst="cloudCallout">
-            <a:avLst/>
-          </a:prstGeom>
-          <a:solidFill>
-            <a:schemeClr val="bg1"/>
-          </a:solidFill>
-          <a:ln>
-            <a:solidFill>
-              <a:schemeClr val="tx1"/>
-            </a:solidFill>
-          </a:ln>
-        </p:spPr>
-        <p:style>
-          <a:lnRef idx="2">
-            <a:schemeClr val="accent1">
-              <a:shade val="50000"/>
-            </a:schemeClr>
-          </a:lnRef>
-          <a:fillRef idx="1">
-            <a:schemeClr val="accent1"/>
-          </a:fillRef>
-          <a:effectRef idx="0">
-            <a:schemeClr val="accent1"/>
-          </a:effectRef>
-          <a:fontRef idx="minor">
-            <a:schemeClr val="lt1"/>
-          </a:fontRef>
-        </p:style>
-        <p:txBody>
-          <a:bodyPr rtlCol="0" anchor="ctr"/>
-          <a:lstStyle/>
-          <a:p>
-            <a:pPr algn="ctr"/>
+          <p:cNvSpPr>
+            <a:spLocks noGrp="1"/>
+          </p:cNvSpPr>
+          <p:nvPr>
+            <p:ph type="subTitle"/>
+          </p:nvPr>
+        </p:nvSpPr>
+        <p:spPr>
+          <a:xfrm>
+            <a:off x="1099127" y="1927160"/>
+            <a:ext cx="9417193" cy="4350960"/>
+          </a:xfrm>
+        </p:spPr>
+        <p:txBody>
+          <a:bodyPr/>
+          <a:lstStyle/>
+          <a:p>
+            <a:pPr algn="just"/>
+            <a:r>
+              <a:rPr lang="pt-BR" sz="3600" dirty="0">
+                <a:latin typeface="Comic Sans MS" panose="030F0702030302020204" pitchFamily="66" charset="0"/>
+              </a:rPr>
+              <a:t>Franjinha: Cebolinha, Cascão, Magali</a:t>
+            </a:r>
+          </a:p>
+          <a:p>
+            <a:pPr algn="just"/>
+            <a:r>
+              <a:rPr lang="pt-BR" sz="3600" dirty="0">
+                <a:latin typeface="Comic Sans MS" panose="030F0702030302020204" pitchFamily="66" charset="0"/>
+              </a:rPr>
+              <a:t>Marina:     Mônica, Cebolinha, Denise</a:t>
+            </a:r>
+          </a:p>
+          <a:p>
+            <a:pPr algn="just"/>
+            <a:r>
+              <a:rPr lang="pt-BR" sz="3600" dirty="0">
+                <a:latin typeface="Comic Sans MS" panose="030F0702030302020204" pitchFamily="66" charset="0"/>
+              </a:rPr>
+              <a:t>Denise:     Mônica, Magali, Carminha Frufru</a:t>
+            </a:r>
+          </a:p>
+          <a:p>
+            <a:pPr algn="just"/>
+            <a:r>
+              <a:rPr lang="pt-BR" sz="3600" dirty="0">
+                <a:latin typeface="Comic Sans MS" panose="030F0702030302020204" pitchFamily="66" charset="0"/>
+              </a:rPr>
+              <a:t>Xaveco:    Cebolinha, Magali, Mônica</a:t>
+            </a:r>
+          </a:p>
+          <a:p>
+            <a:pPr algn="just"/>
+            <a:r>
+              <a:rPr lang="pt-BR" sz="3600" dirty="0">
+                <a:latin typeface="Comic Sans MS" panose="030F0702030302020204" pitchFamily="66" charset="0"/>
+              </a:rPr>
+              <a:t>Bidu:         Franjinha, Mônica, Cebolinha</a:t>
+            </a:r>
+          </a:p>
+          <a:p>
+            <a:pPr algn="just"/>
+            <a:r>
+              <a:rPr lang="pt-BR" sz="3600" dirty="0">
+                <a:latin typeface="Comic Sans MS" panose="030F0702030302020204" pitchFamily="66" charset="0"/>
+              </a:rPr>
+              <a:t>Morte:     Mônica, Magali, Cascão</a:t>
+            </a:r>
+          </a:p>
+          <a:p>
             <a:endParaRPr lang="pt-BR" dirty="0"/>
           </a:p>
         </p:txBody>
       </p:sp>
-      <p:sp>
-        <p:nvSpPr>
-          <p:cNvPr id="17" name="Balão de Pensamento: Nuvem 16">
-            <a:extLst>
-              <a:ext uri="{FF2B5EF4-FFF2-40B4-BE49-F238E27FC236}">
-                <a16:creationId xmlns:a16="http://schemas.microsoft.com/office/drawing/2014/main" id="{02E6A112-4238-43E0-9F3C-DEAF76CE7D6C}"/>
-              </a:ext>
-            </a:extLst>
-          </p:cNvPr>
-          <p:cNvSpPr/>
-          <p:nvPr/>
-        </p:nvSpPr>
-        <p:spPr>
-          <a:xfrm rot="20910315" flipH="1">
-            <a:off x="6112308" y="1860594"/>
-            <a:ext cx="2698812" cy="1875153"/>
-          </a:xfrm>
-          <a:prstGeom prst="cloudCallout">
-            <a:avLst/>
-          </a:prstGeom>
-          <a:solidFill>
-            <a:schemeClr val="bg1"/>
-          </a:solidFill>
-          <a:ln>
-            <a:solidFill>
-              <a:schemeClr val="tx1"/>
-            </a:solidFill>
-          </a:ln>
-        </p:spPr>
-        <p:style>
-          <a:lnRef idx="2">
-            <a:schemeClr val="accent1">
-              <a:shade val="50000"/>
-            </a:schemeClr>
-          </a:lnRef>
-          <a:fillRef idx="1">
-            <a:schemeClr val="accent1"/>
-          </a:fillRef>
-          <a:effectRef idx="0">
-            <a:schemeClr val="accent1"/>
-          </a:effectRef>
-          <a:fontRef idx="minor">
-            <a:schemeClr val="lt1"/>
-          </a:fontRef>
-        </p:style>
-        <p:txBody>
-          <a:bodyPr rtlCol="0" anchor="ctr"/>
-          <a:lstStyle/>
-          <a:p>
-            <a:pPr algn="ctr"/>
-            <a:endParaRPr lang="pt-BR"/>
-          </a:p>
-        </p:txBody>
-      </p:sp>
-      <p:sp>
-        <p:nvSpPr>
-          <p:cNvPr id="18" name="Balão de Pensamento: Nuvem 17">
-            <a:extLst>
-              <a:ext uri="{FF2B5EF4-FFF2-40B4-BE49-F238E27FC236}">
-                <a16:creationId xmlns:a16="http://schemas.microsoft.com/office/drawing/2014/main" id="{686B086F-670E-47D2-BC62-709EA62D3627}"/>
-              </a:ext>
-            </a:extLst>
-          </p:cNvPr>
-          <p:cNvSpPr/>
-          <p:nvPr/>
-        </p:nvSpPr>
-        <p:spPr>
-          <a:xfrm rot="20910315" flipH="1">
-            <a:off x="981606" y="4377065"/>
-            <a:ext cx="2698812" cy="1875153"/>
-          </a:xfrm>
-          <a:prstGeom prst="cloudCallout">
-            <a:avLst/>
-          </a:prstGeom>
-          <a:solidFill>
-            <a:schemeClr val="bg1"/>
-          </a:solidFill>
-          <a:ln>
-            <a:solidFill>
-              <a:schemeClr val="tx1"/>
-            </a:solidFill>
-          </a:ln>
-        </p:spPr>
-        <p:style>
-          <a:lnRef idx="2">
-            <a:schemeClr val="accent1">
-              <a:shade val="50000"/>
-            </a:schemeClr>
-          </a:lnRef>
-          <a:fillRef idx="1">
-            <a:schemeClr val="accent1"/>
-          </a:fillRef>
-          <a:effectRef idx="0">
-            <a:schemeClr val="accent1"/>
-          </a:effectRef>
-          <a:fontRef idx="minor">
-            <a:schemeClr val="lt1"/>
-          </a:fontRef>
-        </p:style>
-        <p:txBody>
-          <a:bodyPr rtlCol="0" anchor="ctr"/>
-          <a:lstStyle/>
-          <a:p>
-            <a:pPr algn="ctr"/>
-            <a:endParaRPr lang="pt-BR"/>
-          </a:p>
-        </p:txBody>
-      </p:sp>
-      <p:sp>
-        <p:nvSpPr>
-          <p:cNvPr id="19" name="Balão de Pensamento: Nuvem 18">
-            <a:extLst>
-              <a:ext uri="{FF2B5EF4-FFF2-40B4-BE49-F238E27FC236}">
-                <a16:creationId xmlns:a16="http://schemas.microsoft.com/office/drawing/2014/main" id="{3551B729-361E-4138-9B90-7A5905FD65A6}"/>
-              </a:ext>
-            </a:extLst>
-          </p:cNvPr>
-          <p:cNvSpPr/>
-          <p:nvPr/>
-        </p:nvSpPr>
-        <p:spPr>
-          <a:xfrm rot="20910315" flipH="1">
-            <a:off x="6112307" y="4377064"/>
-            <a:ext cx="2698812" cy="1875153"/>
-          </a:xfrm>
-          <a:prstGeom prst="cloudCallout">
-            <a:avLst/>
-          </a:prstGeom>
-          <a:solidFill>
-            <a:schemeClr val="bg1"/>
-          </a:solidFill>
-          <a:ln>
-            <a:solidFill>
-              <a:schemeClr val="tx1"/>
-            </a:solidFill>
-          </a:ln>
-        </p:spPr>
-        <p:style>
-          <a:lnRef idx="2">
-            <a:schemeClr val="accent1">
-              <a:shade val="50000"/>
-            </a:schemeClr>
-          </a:lnRef>
-          <a:fillRef idx="1">
-            <a:schemeClr val="accent1"/>
-          </a:fillRef>
-          <a:effectRef idx="0">
-            <a:schemeClr val="accent1"/>
-          </a:effectRef>
-          <a:fontRef idx="minor">
-            <a:schemeClr val="lt1"/>
-          </a:fontRef>
-        </p:style>
-        <p:txBody>
-          <a:bodyPr rtlCol="0" anchor="ctr"/>
-          <a:lstStyle/>
-          <a:p>
-            <a:pPr algn="ctr"/>
-            <a:endParaRPr lang="pt-BR"/>
-          </a:p>
-        </p:txBody>
-      </p:sp>
-      <p:sp>
-        <p:nvSpPr>
-          <p:cNvPr id="12" name="CaixaDeTexto 11">
-            <a:extLst>
-              <a:ext uri="{FF2B5EF4-FFF2-40B4-BE49-F238E27FC236}">
-                <a16:creationId xmlns:a16="http://schemas.microsoft.com/office/drawing/2014/main" id="{A3091F65-0B38-4FF2-A6D5-45CE66007B6F}"/>
-              </a:ext>
-            </a:extLst>
-          </p:cNvPr>
-          <p:cNvSpPr txBox="1"/>
-          <p:nvPr/>
-        </p:nvSpPr>
-        <p:spPr>
-          <a:xfrm>
-            <a:off x="1180730" y="2475004"/>
-            <a:ext cx="2093838" cy="584775"/>
-          </a:xfrm>
-          <a:prstGeom prst="rect">
-            <a:avLst/>
-          </a:prstGeom>
-          <a:noFill/>
-        </p:spPr>
-        <p:txBody>
-          <a:bodyPr wrap="square" rtlCol="0">
-            <a:spAutoFit/>
-          </a:bodyPr>
-          <a:lstStyle/>
-          <a:p>
-            <a:pPr algn="ctr"/>
-            <a:r>
-              <a:rPr lang="pt-BR" sz="1600" dirty="0">
-                <a:latin typeface="Comic Sans MS" panose="030F0702030302020204" pitchFamily="66" charset="0"/>
-              </a:rPr>
-              <a:t>#D: 151, #W: 875</a:t>
-            </a:r>
-          </a:p>
-          <a:p>
-            <a:pPr algn="ctr"/>
-            <a:r>
-              <a:rPr lang="pt-BR" sz="1600" dirty="0">
-                <a:latin typeface="Comic Sans MS" panose="030F0702030302020204" pitchFamily="66" charset="0"/>
-              </a:rPr>
-              <a:t>D: 78, W: 705</a:t>
-            </a:r>
-          </a:p>
-        </p:txBody>
-      </p:sp>
-      <p:sp>
-        <p:nvSpPr>
-          <p:cNvPr id="21" name="CaixaDeTexto 20">
-            <a:extLst>
-              <a:ext uri="{FF2B5EF4-FFF2-40B4-BE49-F238E27FC236}">
-                <a16:creationId xmlns:a16="http://schemas.microsoft.com/office/drawing/2014/main" id="{D68E2F2C-EA63-4B48-B71C-E50FFFE5FD64}"/>
-              </a:ext>
-            </a:extLst>
-          </p:cNvPr>
-          <p:cNvSpPr txBox="1"/>
-          <p:nvPr/>
-        </p:nvSpPr>
-        <p:spPr>
-          <a:xfrm>
-            <a:off x="6295748" y="2475004"/>
-            <a:ext cx="2093838" cy="584775"/>
-          </a:xfrm>
-          <a:prstGeom prst="rect">
-            <a:avLst/>
-          </a:prstGeom>
-          <a:noFill/>
-        </p:spPr>
-        <p:txBody>
-          <a:bodyPr wrap="square" rtlCol="0">
-            <a:spAutoFit/>
-          </a:bodyPr>
-          <a:lstStyle/>
-          <a:p>
-            <a:pPr algn="ctr"/>
-            <a:r>
-              <a:rPr lang="pt-BR" sz="1600" dirty="0">
-                <a:latin typeface="Comic Sans MS" panose="030F0702030302020204" pitchFamily="66" charset="0"/>
-              </a:rPr>
-              <a:t>#D: 194, #W: 758</a:t>
-            </a:r>
-          </a:p>
-          <a:p>
-            <a:pPr algn="ctr"/>
-            <a:r>
-              <a:rPr lang="pt-BR" sz="1600" dirty="0">
-                <a:latin typeface="Comic Sans MS" panose="030F0702030302020204" pitchFamily="66" charset="0"/>
-              </a:rPr>
-              <a:t>D: 55, W: 597</a:t>
-            </a:r>
-          </a:p>
-        </p:txBody>
-      </p:sp>
-      <p:sp>
-        <p:nvSpPr>
-          <p:cNvPr id="22" name="CaixaDeTexto 21">
-            <a:extLst>
-              <a:ext uri="{FF2B5EF4-FFF2-40B4-BE49-F238E27FC236}">
-                <a16:creationId xmlns:a16="http://schemas.microsoft.com/office/drawing/2014/main" id="{2A78AF37-56BA-4099-8C46-E703A993CE6C}"/>
-              </a:ext>
-            </a:extLst>
-          </p:cNvPr>
-          <p:cNvSpPr txBox="1"/>
-          <p:nvPr/>
-        </p:nvSpPr>
-        <p:spPr>
-          <a:xfrm>
-            <a:off x="1180730" y="4991474"/>
-            <a:ext cx="2093838" cy="584775"/>
-          </a:xfrm>
-          <a:prstGeom prst="rect">
-            <a:avLst/>
-          </a:prstGeom>
-          <a:noFill/>
-        </p:spPr>
-        <p:txBody>
-          <a:bodyPr wrap="square" rtlCol="0">
-            <a:spAutoFit/>
-          </a:bodyPr>
-          <a:lstStyle/>
-          <a:p>
-            <a:pPr algn="ctr"/>
-            <a:r>
-              <a:rPr lang="pt-BR" sz="1600" dirty="0">
-                <a:latin typeface="Comic Sans MS" panose="030F0702030302020204" pitchFamily="66" charset="0"/>
-              </a:rPr>
-              <a:t>#D: 120, #W: 293</a:t>
-            </a:r>
-          </a:p>
-          <a:p>
-            <a:pPr algn="ctr"/>
-            <a:r>
-              <a:rPr lang="pt-BR" sz="1600" dirty="0">
-                <a:latin typeface="Comic Sans MS" panose="030F0702030302020204" pitchFamily="66" charset="0"/>
-              </a:rPr>
-              <a:t>D: 63, W: 217</a:t>
-            </a:r>
-          </a:p>
-        </p:txBody>
-      </p:sp>
-      <p:sp>
-        <p:nvSpPr>
-          <p:cNvPr id="23" name="CaixaDeTexto 22">
-            <a:extLst>
-              <a:ext uri="{FF2B5EF4-FFF2-40B4-BE49-F238E27FC236}">
-                <a16:creationId xmlns:a16="http://schemas.microsoft.com/office/drawing/2014/main" id="{F4271B3B-8EF8-49BA-BC4F-519475742136}"/>
-              </a:ext>
-            </a:extLst>
-          </p:cNvPr>
-          <p:cNvSpPr txBox="1"/>
-          <p:nvPr/>
-        </p:nvSpPr>
-        <p:spPr>
-          <a:xfrm>
-            <a:off x="6309391" y="4991474"/>
-            <a:ext cx="2093838" cy="584775"/>
-          </a:xfrm>
-          <a:prstGeom prst="rect">
-            <a:avLst/>
-          </a:prstGeom>
-          <a:noFill/>
-        </p:spPr>
-        <p:txBody>
-          <a:bodyPr wrap="square" rtlCol="0">
-            <a:spAutoFit/>
-          </a:bodyPr>
-          <a:lstStyle/>
-          <a:p>
-            <a:pPr algn="ctr"/>
-            <a:r>
-              <a:rPr lang="pt-BR" sz="1600" dirty="0">
-                <a:latin typeface="Comic Sans MS" panose="030F0702030302020204" pitchFamily="66" charset="0"/>
-              </a:rPr>
-              <a:t>#D: 179, #W: 726</a:t>
-            </a:r>
-          </a:p>
-          <a:p>
-            <a:pPr algn="ctr"/>
-            <a:r>
-              <a:rPr lang="pt-BR" sz="1600" dirty="0">
-                <a:latin typeface="Comic Sans MS" panose="030F0702030302020204" pitchFamily="66" charset="0"/>
-              </a:rPr>
-              <a:t>D: 60, W: 607</a:t>
-            </a:r>
-          </a:p>
-        </p:txBody>
-      </p:sp>
     </p:spTree>
+    <p:extLst>
+      <p:ext uri="{BB962C8B-B14F-4D97-AF65-F5344CB8AC3E}">
+        <p14:creationId xmlns:p14="http://schemas.microsoft.com/office/powerpoint/2010/main" val="1374277805"/>
+      </p:ext>
+    </p:extLst>
   </p:cSld>
   <p:clrMapOvr>
     <a:masterClrMapping/>
@@ -6043,14 +7841,14 @@
       </p:grpSpPr>
       <p:sp>
         <p:nvSpPr>
-          <p:cNvPr id="125" name="TextShape 1"/>
+          <p:cNvPr id="129" name="TextShape 1"/>
           <p:cNvSpPr txBox="1"/>
           <p:nvPr/>
         </p:nvSpPr>
         <p:spPr>
           <a:xfrm>
             <a:off x="0" y="355680"/>
-            <a:ext cx="10076155" cy="1325160"/>
+            <a:ext cx="10516320" cy="1325160"/>
           </a:xfrm>
           <a:prstGeom prst="rect">
             <a:avLst/>
@@ -6084,7 +7882,7 @@
                 <a:latin typeface="Cooper Black"/>
                 <a:ea typeface="BatangChe"/>
               </a:rPr>
-              <a:t>Protagonistas</a:t>
+              <a:t>Caminho mais longo </a:t>
             </a:r>
             <a:endParaRPr lang="pt-BR" sz="6000" b="0" strike="noStrike" spc="-1" dirty="0">
               <a:ln w="38100">
@@ -6100,715 +7898,65 @@
           </a:p>
         </p:txBody>
       </p:sp>
-      <p:pic>
-        <p:nvPicPr>
-          <p:cNvPr id="3" name="Imagem 2" descr="Desenho de personagem de desenho animado&#10;&#10;Descrição gerada automaticamente com confiança média">
-            <a:extLst>
-              <a:ext uri="{FF2B5EF4-FFF2-40B4-BE49-F238E27FC236}">
-                <a16:creationId xmlns:a16="http://schemas.microsoft.com/office/drawing/2014/main" id="{A461CEBF-D1F4-4494-84AE-F82A29AEA30F}"/>
-              </a:ext>
-            </a:extLst>
-          </p:cNvPr>
-          <p:cNvPicPr>
-            <a:picLocks noChangeAspect="1"/>
-          </p:cNvPicPr>
-          <p:nvPr/>
-        </p:nvPicPr>
-        <p:blipFill>
-          <a:blip r:embed="rId3">
-            <a:extLst>
-              <a:ext uri="{28A0092B-C50C-407E-A947-70E740481C1C}">
-                <a14:useLocalDpi xmlns:a14="http://schemas.microsoft.com/office/drawing/2010/main" val="0"/>
-              </a:ext>
-            </a:extLst>
-          </a:blip>
-          <a:stretch>
-            <a:fillRect/>
-          </a:stretch>
-        </p:blipFill>
-        <p:spPr>
-          <a:xfrm>
-            <a:off x="10452671" y="1845644"/>
-            <a:ext cx="1740917" cy="1740917"/>
-          </a:xfrm>
-          <a:prstGeom prst="rect">
-            <a:avLst/>
-          </a:prstGeom>
-        </p:spPr>
-      </p:pic>
-      <p:pic>
-        <p:nvPicPr>
-          <p:cNvPr id="5" name="Imagem 4" descr="Desenho de personagem de desenho animado&#10;&#10;Descrição gerada automaticamente com confiança média">
-            <a:extLst>
-              <a:ext uri="{FF2B5EF4-FFF2-40B4-BE49-F238E27FC236}">
-                <a16:creationId xmlns:a16="http://schemas.microsoft.com/office/drawing/2014/main" id="{DC7C6D26-C9B6-4A08-BAE4-83CDCC17F5AC}"/>
-              </a:ext>
-            </a:extLst>
-          </p:cNvPr>
-          <p:cNvPicPr>
-            <a:picLocks noChangeAspect="1"/>
-          </p:cNvPicPr>
-          <p:nvPr/>
-        </p:nvPicPr>
-        <p:blipFill>
-          <a:blip r:embed="rId4">
-            <a:extLst>
-              <a:ext uri="{28A0092B-C50C-407E-A947-70E740481C1C}">
-                <a14:useLocalDpi xmlns:a14="http://schemas.microsoft.com/office/drawing/2010/main" val="0"/>
-              </a:ext>
-            </a:extLst>
-          </a:blip>
-          <a:stretch>
-            <a:fillRect/>
-          </a:stretch>
-        </p:blipFill>
-        <p:spPr>
-          <a:xfrm>
-            <a:off x="2826033" y="4795301"/>
-            <a:ext cx="1038570" cy="1926622"/>
-          </a:xfrm>
-          <a:prstGeom prst="rect">
-            <a:avLst/>
-          </a:prstGeom>
-        </p:spPr>
-      </p:pic>
-      <p:pic>
-        <p:nvPicPr>
-          <p:cNvPr id="9" name="Imagem 8" descr="Desenho de personagem de desenho animado&#10;&#10;Descrição gerada automaticamente com confiança média">
-            <a:extLst>
-              <a:ext uri="{FF2B5EF4-FFF2-40B4-BE49-F238E27FC236}">
-                <a16:creationId xmlns:a16="http://schemas.microsoft.com/office/drawing/2014/main" id="{FDB21FAF-07C7-484F-9A4E-2BB89FA181B7}"/>
-              </a:ext>
-            </a:extLst>
-          </p:cNvPr>
-          <p:cNvPicPr>
-            <a:picLocks noChangeAspect="1"/>
-          </p:cNvPicPr>
-          <p:nvPr/>
-        </p:nvPicPr>
-        <p:blipFill>
-          <a:blip r:embed="rId5">
-            <a:extLst>
-              <a:ext uri="{28A0092B-C50C-407E-A947-70E740481C1C}">
-                <a14:useLocalDpi xmlns:a14="http://schemas.microsoft.com/office/drawing/2010/main" val="0"/>
-              </a:ext>
-            </a:extLst>
-          </a:blip>
-          <a:stretch>
-            <a:fillRect/>
-          </a:stretch>
-        </p:blipFill>
-        <p:spPr>
-          <a:xfrm>
-            <a:off x="2615784" y="1763241"/>
-            <a:ext cx="1459068" cy="1905721"/>
-          </a:xfrm>
-          <a:prstGeom prst="rect">
-            <a:avLst/>
-          </a:prstGeom>
-        </p:spPr>
-      </p:pic>
-      <p:cxnSp>
-        <p:nvCxnSpPr>
-          <p:cNvPr id="11" name="Conector reto 10">
-            <a:extLst>
-              <a:ext uri="{FF2B5EF4-FFF2-40B4-BE49-F238E27FC236}">
-                <a16:creationId xmlns:a16="http://schemas.microsoft.com/office/drawing/2014/main" id="{17FEF0C1-C66E-43F6-9814-6676EA45E49B}"/>
-              </a:ext>
-            </a:extLst>
-          </p:cNvPr>
-          <p:cNvCxnSpPr>
-            <a:cxnSpLocks/>
-            <a:stCxn id="9" idx="3"/>
-            <a:endCxn id="3" idx="1"/>
-          </p:cNvCxnSpPr>
-          <p:nvPr/>
-        </p:nvCxnSpPr>
-        <p:spPr>
-          <a:xfrm>
-            <a:off x="4074852" y="2716102"/>
-            <a:ext cx="6377819" cy="1"/>
-          </a:xfrm>
-          <a:prstGeom prst="line">
-            <a:avLst/>
-          </a:prstGeom>
-          <a:ln w="76200">
-            <a:solidFill>
-              <a:schemeClr val="tx1"/>
-            </a:solidFill>
-          </a:ln>
-        </p:spPr>
-        <p:style>
-          <a:lnRef idx="1">
-            <a:schemeClr val="accent1"/>
-          </a:lnRef>
-          <a:fillRef idx="0">
-            <a:schemeClr val="accent1"/>
-          </a:fillRef>
-          <a:effectRef idx="0">
-            <a:schemeClr val="accent1"/>
-          </a:effectRef>
-          <a:fontRef idx="minor">
-            <a:schemeClr val="tx1"/>
-          </a:fontRef>
-        </p:style>
-      </p:cxnSp>
-      <p:cxnSp>
-        <p:nvCxnSpPr>
-          <p:cNvPr id="15" name="Conector reto 14">
-            <a:extLst>
-              <a:ext uri="{FF2B5EF4-FFF2-40B4-BE49-F238E27FC236}">
-                <a16:creationId xmlns:a16="http://schemas.microsoft.com/office/drawing/2014/main" id="{7FF59DAB-2C34-466C-963A-AE2A2C6B481D}"/>
-              </a:ext>
-            </a:extLst>
-          </p:cNvPr>
-          <p:cNvCxnSpPr>
-            <a:cxnSpLocks/>
-            <a:stCxn id="9" idx="3"/>
-          </p:cNvCxnSpPr>
-          <p:nvPr/>
-        </p:nvCxnSpPr>
-        <p:spPr>
-          <a:xfrm>
-            <a:off x="4074852" y="2716102"/>
-            <a:ext cx="0" cy="3107649"/>
-          </a:xfrm>
-          <a:prstGeom prst="line">
-            <a:avLst/>
-          </a:prstGeom>
-          <a:ln w="76200">
-            <a:solidFill>
-              <a:schemeClr val="tx1"/>
-            </a:solidFill>
-          </a:ln>
-        </p:spPr>
-        <p:style>
-          <a:lnRef idx="1">
-            <a:schemeClr val="accent1"/>
-          </a:lnRef>
-          <a:fillRef idx="0">
-            <a:schemeClr val="accent1"/>
-          </a:fillRef>
-          <a:effectRef idx="0">
-            <a:schemeClr val="accent1"/>
-          </a:effectRef>
-          <a:fontRef idx="minor">
-            <a:schemeClr val="tx1"/>
-          </a:fontRef>
-        </p:style>
-      </p:cxnSp>
-      <p:cxnSp>
-        <p:nvCxnSpPr>
-          <p:cNvPr id="17" name="Conector reto 16">
-            <a:extLst>
-              <a:ext uri="{FF2B5EF4-FFF2-40B4-BE49-F238E27FC236}">
-                <a16:creationId xmlns:a16="http://schemas.microsoft.com/office/drawing/2014/main" id="{C4F38618-D8AA-4367-830E-7839FA005719}"/>
-              </a:ext>
-            </a:extLst>
-          </p:cNvPr>
-          <p:cNvCxnSpPr>
-            <a:cxnSpLocks/>
-          </p:cNvCxnSpPr>
-          <p:nvPr/>
-        </p:nvCxnSpPr>
-        <p:spPr>
-          <a:xfrm>
-            <a:off x="4074851" y="5758612"/>
-            <a:ext cx="6441469" cy="65139"/>
-          </a:xfrm>
-          <a:prstGeom prst="line">
-            <a:avLst/>
-          </a:prstGeom>
-          <a:ln w="76200">
-            <a:solidFill>
-              <a:schemeClr val="tx1"/>
-            </a:solidFill>
-          </a:ln>
-        </p:spPr>
-        <p:style>
-          <a:lnRef idx="1">
-            <a:schemeClr val="accent1"/>
-          </a:lnRef>
-          <a:fillRef idx="0">
-            <a:schemeClr val="accent1"/>
-          </a:fillRef>
-          <a:effectRef idx="0">
-            <a:schemeClr val="accent1"/>
-          </a:effectRef>
-          <a:fontRef idx="minor">
-            <a:schemeClr val="tx1"/>
-          </a:fontRef>
-        </p:style>
-      </p:cxnSp>
-      <p:cxnSp>
-        <p:nvCxnSpPr>
-          <p:cNvPr id="21" name="Conector reto 20">
-            <a:extLst>
-              <a:ext uri="{FF2B5EF4-FFF2-40B4-BE49-F238E27FC236}">
-                <a16:creationId xmlns:a16="http://schemas.microsoft.com/office/drawing/2014/main" id="{46A5F3DF-7A31-4D83-B031-46F962005D1A}"/>
-              </a:ext>
-            </a:extLst>
-          </p:cNvPr>
-          <p:cNvCxnSpPr>
-            <a:cxnSpLocks/>
-            <a:endCxn id="3" idx="1"/>
-          </p:cNvCxnSpPr>
-          <p:nvPr/>
-        </p:nvCxnSpPr>
-        <p:spPr>
-          <a:xfrm flipV="1">
-            <a:off x="4074851" y="2716103"/>
-            <a:ext cx="6377820" cy="3042509"/>
-          </a:xfrm>
-          <a:prstGeom prst="line">
-            <a:avLst/>
-          </a:prstGeom>
-          <a:ln w="76200">
-            <a:solidFill>
-              <a:schemeClr val="tx1"/>
-            </a:solidFill>
-          </a:ln>
-        </p:spPr>
-        <p:style>
-          <a:lnRef idx="1">
-            <a:schemeClr val="accent1"/>
-          </a:lnRef>
-          <a:fillRef idx="0">
-            <a:schemeClr val="accent1"/>
-          </a:fillRef>
-          <a:effectRef idx="0">
-            <a:schemeClr val="accent1"/>
-          </a:effectRef>
-          <a:fontRef idx="minor">
-            <a:schemeClr val="tx1"/>
-          </a:fontRef>
-        </p:style>
-      </p:cxnSp>
-      <p:cxnSp>
-        <p:nvCxnSpPr>
-          <p:cNvPr id="23" name="Conector reto 22">
-            <a:extLst>
-              <a:ext uri="{FF2B5EF4-FFF2-40B4-BE49-F238E27FC236}">
-                <a16:creationId xmlns:a16="http://schemas.microsoft.com/office/drawing/2014/main" id="{D8541EEF-8120-49BA-A15D-CA5F7E7E5C35}"/>
-              </a:ext>
-            </a:extLst>
-          </p:cNvPr>
-          <p:cNvCxnSpPr>
-            <a:cxnSpLocks/>
-            <a:stCxn id="3" idx="1"/>
-          </p:cNvCxnSpPr>
-          <p:nvPr/>
-        </p:nvCxnSpPr>
-        <p:spPr>
-          <a:xfrm flipH="1">
-            <a:off x="10452670" y="2716103"/>
-            <a:ext cx="1" cy="3169792"/>
-          </a:xfrm>
-          <a:prstGeom prst="line">
-            <a:avLst/>
-          </a:prstGeom>
-          <a:ln w="76200">
-            <a:solidFill>
-              <a:schemeClr val="tx1"/>
-            </a:solidFill>
-          </a:ln>
-        </p:spPr>
-        <p:style>
-          <a:lnRef idx="1">
-            <a:schemeClr val="accent1"/>
-          </a:lnRef>
-          <a:fillRef idx="0">
-            <a:schemeClr val="accent1"/>
-          </a:fillRef>
-          <a:effectRef idx="0">
-            <a:schemeClr val="accent1"/>
-          </a:effectRef>
-          <a:fontRef idx="minor">
-            <a:schemeClr val="tx1"/>
-          </a:fontRef>
-        </p:style>
-      </p:cxnSp>
-      <p:cxnSp>
-        <p:nvCxnSpPr>
-          <p:cNvPr id="28" name="Conector reto 27">
-            <a:extLst>
-              <a:ext uri="{FF2B5EF4-FFF2-40B4-BE49-F238E27FC236}">
-                <a16:creationId xmlns:a16="http://schemas.microsoft.com/office/drawing/2014/main" id="{3508792B-A5F0-4DC5-88D0-12EDAB1AB055}"/>
-              </a:ext>
-            </a:extLst>
-          </p:cNvPr>
-          <p:cNvCxnSpPr>
-            <a:cxnSpLocks/>
-            <a:stCxn id="9" idx="3"/>
-          </p:cNvCxnSpPr>
-          <p:nvPr/>
-        </p:nvCxnSpPr>
-        <p:spPr>
-          <a:xfrm>
-            <a:off x="4074852" y="2716102"/>
-            <a:ext cx="6377818" cy="3042510"/>
-          </a:xfrm>
-          <a:prstGeom prst="line">
-            <a:avLst/>
-          </a:prstGeom>
-          <a:ln w="76200">
-            <a:solidFill>
-              <a:schemeClr val="tx1"/>
-            </a:solidFill>
-          </a:ln>
-        </p:spPr>
-        <p:style>
-          <a:lnRef idx="1">
-            <a:schemeClr val="accent1"/>
-          </a:lnRef>
-          <a:fillRef idx="0">
-            <a:schemeClr val="accent1"/>
-          </a:fillRef>
-          <a:effectRef idx="0">
-            <a:schemeClr val="accent1"/>
-          </a:effectRef>
-          <a:fontRef idx="minor">
-            <a:schemeClr val="tx1"/>
-          </a:fontRef>
-        </p:style>
-      </p:cxnSp>
-      <p:sp>
-        <p:nvSpPr>
-          <p:cNvPr id="36" name="CaixaDeTexto 35">
-            <a:extLst>
-              <a:ext uri="{FF2B5EF4-FFF2-40B4-BE49-F238E27FC236}">
-                <a16:creationId xmlns:a16="http://schemas.microsoft.com/office/drawing/2014/main" id="{B3F6EFED-0D06-4189-840D-F460E8CED72C}"/>
-              </a:ext>
-            </a:extLst>
-          </p:cNvPr>
+      <p:sp>
+        <p:nvSpPr>
+          <p:cNvPr id="130" name="TextShape 2"/>
           <p:cNvSpPr txBox="1"/>
           <p:nvPr/>
         </p:nvSpPr>
         <p:spPr>
           <a:xfrm>
-            <a:off x="2568657" y="3939744"/>
-            <a:ext cx="1331339" cy="584775"/>
+            <a:off x="1228436" y="1825560"/>
+            <a:ext cx="9287884" cy="4350960"/>
           </a:xfrm>
           <a:prstGeom prst="rect">
             <a:avLst/>
           </a:prstGeom>
           <a:noFill/>
-        </p:spPr>
-        <p:txBody>
-          <a:bodyPr wrap="square" rtlCol="0">
-            <a:spAutoFit/>
-          </a:bodyPr>
-          <a:lstStyle/>
-          <a:p>
+          <a:ln>
+            <a:noFill/>
+          </a:ln>
+        </p:spPr>
+        <p:txBody>
+          <a:bodyPr>
+            <a:noAutofit/>
+          </a:bodyPr>
+          <a:lstStyle/>
+          <a:p>
+            <a:endParaRPr lang="pt-BR" sz="3600" b="0" strike="noStrike" spc="-1" dirty="0">
+              <a:solidFill>
+                <a:srgbClr val="000000"/>
+              </a:solidFill>
+              <a:latin typeface="Calibri"/>
+            </a:endParaRPr>
+          </a:p>
+          <a:p>
+            <a:endParaRPr lang="pt-BR" sz="3600" spc="-1" dirty="0">
+              <a:solidFill>
+                <a:srgbClr val="000000"/>
+              </a:solidFill>
+              <a:latin typeface="Calibri"/>
+            </a:endParaRPr>
+          </a:p>
+          <a:p>
+            <a:pPr algn="just"/>
             <a:r>
-              <a:rPr lang="pt-BR" sz="3200" dirty="0">
-                <a:latin typeface="Comic Sans MS" panose="030F0702030302020204" pitchFamily="66" charset="0"/>
-              </a:rPr>
-              <a:t>721.5</a:t>
-            </a:r>
-          </a:p>
-        </p:txBody>
-      </p:sp>
-      <p:sp>
-        <p:nvSpPr>
-          <p:cNvPr id="41" name="CaixaDeTexto 40">
-            <a:extLst>
-              <a:ext uri="{FF2B5EF4-FFF2-40B4-BE49-F238E27FC236}">
-                <a16:creationId xmlns:a16="http://schemas.microsoft.com/office/drawing/2014/main" id="{3365FB74-8B69-4BCC-9B82-85B0149F0457}"/>
-              </a:ext>
-            </a:extLst>
-          </p:cNvPr>
-          <p:cNvSpPr txBox="1"/>
-          <p:nvPr/>
-        </p:nvSpPr>
-        <p:spPr>
-          <a:xfrm>
-            <a:off x="6629915" y="2066188"/>
-            <a:ext cx="1331339" cy="584775"/>
-          </a:xfrm>
-          <a:prstGeom prst="rect">
-            <a:avLst/>
-          </a:prstGeom>
-          <a:noFill/>
-        </p:spPr>
-        <p:txBody>
-          <a:bodyPr wrap="square" rtlCol="0">
-            <a:spAutoFit/>
-          </a:bodyPr>
-          <a:lstStyle/>
-          <a:p>
-            <a:r>
-              <a:rPr lang="pt-BR" sz="3200" dirty="0">
-                <a:latin typeface="Comic Sans MS" panose="030F0702030302020204" pitchFamily="66" charset="0"/>
-              </a:rPr>
-              <a:t>523.5</a:t>
-            </a:r>
-          </a:p>
-        </p:txBody>
-      </p:sp>
-      <p:sp>
-        <p:nvSpPr>
-          <p:cNvPr id="42" name="CaixaDeTexto 41">
-            <a:extLst>
-              <a:ext uri="{FF2B5EF4-FFF2-40B4-BE49-F238E27FC236}">
-                <a16:creationId xmlns:a16="http://schemas.microsoft.com/office/drawing/2014/main" id="{64373D45-83B2-4947-8921-BE83B084EF8B}"/>
-              </a:ext>
-            </a:extLst>
-          </p:cNvPr>
-          <p:cNvSpPr txBox="1"/>
-          <p:nvPr/>
-        </p:nvSpPr>
-        <p:spPr>
-          <a:xfrm>
-            <a:off x="6598091" y="5917545"/>
-            <a:ext cx="1331339" cy="584775"/>
-          </a:xfrm>
-          <a:prstGeom prst="rect">
-            <a:avLst/>
-          </a:prstGeom>
-          <a:noFill/>
-        </p:spPr>
-        <p:txBody>
-          <a:bodyPr wrap="square" rtlCol="0">
-            <a:spAutoFit/>
-          </a:bodyPr>
-          <a:lstStyle/>
-          <a:p>
-            <a:r>
-              <a:rPr lang="pt-BR" sz="3200" dirty="0">
-                <a:latin typeface="Comic Sans MS" panose="030F0702030302020204" pitchFamily="66" charset="0"/>
-              </a:rPr>
-              <a:t>393.5</a:t>
-            </a:r>
-          </a:p>
-        </p:txBody>
-      </p:sp>
-      <p:sp>
-        <p:nvSpPr>
-          <p:cNvPr id="43" name="CaixaDeTexto 42">
-            <a:extLst>
-              <a:ext uri="{FF2B5EF4-FFF2-40B4-BE49-F238E27FC236}">
-                <a16:creationId xmlns:a16="http://schemas.microsoft.com/office/drawing/2014/main" id="{7F068AC4-5289-46A9-B861-F72310C318EE}"/>
-              </a:ext>
-            </a:extLst>
-          </p:cNvPr>
-          <p:cNvSpPr txBox="1"/>
-          <p:nvPr/>
-        </p:nvSpPr>
-        <p:spPr>
-          <a:xfrm>
-            <a:off x="10580400" y="4008611"/>
-            <a:ext cx="1331339" cy="584775"/>
-          </a:xfrm>
-          <a:prstGeom prst="rect">
-            <a:avLst/>
-          </a:prstGeom>
-          <a:noFill/>
-        </p:spPr>
-        <p:txBody>
-          <a:bodyPr wrap="square" rtlCol="0">
-            <a:spAutoFit/>
-          </a:bodyPr>
-          <a:lstStyle/>
-          <a:p>
-            <a:r>
-              <a:rPr lang="pt-BR" sz="3200" dirty="0">
-                <a:latin typeface="Comic Sans MS" panose="030F0702030302020204" pitchFamily="66" charset="0"/>
-              </a:rPr>
-              <a:t>360.5</a:t>
-            </a:r>
-          </a:p>
-        </p:txBody>
-      </p:sp>
-      <p:sp>
-        <p:nvSpPr>
-          <p:cNvPr id="44" name="CaixaDeTexto 43">
-            <a:extLst>
-              <a:ext uri="{FF2B5EF4-FFF2-40B4-BE49-F238E27FC236}">
-                <a16:creationId xmlns:a16="http://schemas.microsoft.com/office/drawing/2014/main" id="{1254EE7C-9AEF-4344-B388-B49AA0B4969C}"/>
-              </a:ext>
-            </a:extLst>
-          </p:cNvPr>
-          <p:cNvSpPr txBox="1"/>
-          <p:nvPr/>
-        </p:nvSpPr>
-        <p:spPr>
-          <a:xfrm>
-            <a:off x="4592490" y="3586561"/>
-            <a:ext cx="1331339" cy="584775"/>
-          </a:xfrm>
-          <a:prstGeom prst="rect">
-            <a:avLst/>
-          </a:prstGeom>
-          <a:noFill/>
-        </p:spPr>
-        <p:txBody>
-          <a:bodyPr wrap="square" rtlCol="0">
-            <a:spAutoFit/>
-          </a:bodyPr>
-          <a:lstStyle/>
-          <a:p>
-            <a:r>
-              <a:rPr lang="pt-BR" sz="3200" dirty="0">
-                <a:latin typeface="Comic Sans MS" panose="030F0702030302020204" pitchFamily="66" charset="0"/>
-              </a:rPr>
-              <a:t>550.5</a:t>
-            </a:r>
-          </a:p>
-        </p:txBody>
-      </p:sp>
-      <p:sp>
-        <p:nvSpPr>
-          <p:cNvPr id="45" name="CaixaDeTexto 44">
-            <a:extLst>
-              <a:ext uri="{FF2B5EF4-FFF2-40B4-BE49-F238E27FC236}">
-                <a16:creationId xmlns:a16="http://schemas.microsoft.com/office/drawing/2014/main" id="{D9CCE49E-6F60-4C30-A208-B307F81BDCB4}"/>
-              </a:ext>
-            </a:extLst>
-          </p:cNvPr>
-          <p:cNvSpPr txBox="1"/>
-          <p:nvPr/>
-        </p:nvSpPr>
-        <p:spPr>
-          <a:xfrm>
-            <a:off x="8603693" y="3647536"/>
-            <a:ext cx="1331339" cy="584775"/>
-          </a:xfrm>
-          <a:prstGeom prst="rect">
-            <a:avLst/>
-          </a:prstGeom>
-          <a:noFill/>
-        </p:spPr>
-        <p:txBody>
-          <a:bodyPr wrap="square" rtlCol="0">
-            <a:spAutoFit/>
-          </a:bodyPr>
-          <a:lstStyle/>
-          <a:p>
-            <a:r>
-              <a:rPr lang="pt-BR" sz="3200" dirty="0">
-                <a:latin typeface="Comic Sans MS" panose="030F0702030302020204" pitchFamily="66" charset="0"/>
-              </a:rPr>
-              <a:t>628.5</a:t>
-            </a:r>
-          </a:p>
-        </p:txBody>
-      </p:sp>
-      <p:sp>
-        <p:nvSpPr>
-          <p:cNvPr id="37" name="CaixaDeTexto 36">
-            <a:extLst>
-              <a:ext uri="{FF2B5EF4-FFF2-40B4-BE49-F238E27FC236}">
-                <a16:creationId xmlns:a16="http://schemas.microsoft.com/office/drawing/2014/main" id="{200FC583-7AD0-4F40-9E6E-F5A784787C55}"/>
-              </a:ext>
-            </a:extLst>
-          </p:cNvPr>
-          <p:cNvSpPr txBox="1"/>
-          <p:nvPr/>
-        </p:nvSpPr>
-        <p:spPr>
-          <a:xfrm>
-            <a:off x="401988" y="2186177"/>
-            <a:ext cx="2003185" cy="3970318"/>
-          </a:xfrm>
-          <a:prstGeom prst="rect">
-            <a:avLst/>
-          </a:prstGeom>
-          <a:noFill/>
-        </p:spPr>
-        <p:txBody>
-          <a:bodyPr wrap="square" rtlCol="0">
-            <a:spAutoFit/>
-          </a:bodyPr>
-          <a:lstStyle/>
-          <a:p>
-            <a:r>
-              <a:rPr lang="pt-BR" sz="2800" dirty="0">
-                <a:latin typeface="Comic Sans MS" panose="030F0702030302020204" pitchFamily="66" charset="0"/>
-              </a:rPr>
-              <a:t>GRAUS:</a:t>
-            </a:r>
-          </a:p>
-          <a:p>
-            <a:r>
-              <a:rPr lang="pt-BR" sz="2800" dirty="0" err="1">
-                <a:latin typeface="Comic Sans MS" panose="030F0702030302020204" pitchFamily="66" charset="0"/>
-              </a:rPr>
-              <a:t>Mô</a:t>
+              <a:rPr lang="pt-BR" sz="3600" b="0" strike="noStrike" spc="-1" dirty="0">
+                <a:solidFill>
+                  <a:srgbClr val="000000"/>
+                </a:solidFill>
+                <a:latin typeface="Calibri"/>
+              </a:rPr>
+              <a:t>Verinha -&gt; Rolo -&gt; Tina -&gt; Maurício de Sousa -&gt; Cascão -&gt; Irmãs Cebolinhas -&gt; Chico Bento -&gt; Onça -&gt; Papa-Capim -&gt; Pajé </a:t>
             </a:r>
             <a:r>
-              <a:rPr lang="pt-BR" sz="2800" dirty="0">
-                <a:latin typeface="Comic Sans MS" panose="030F0702030302020204" pitchFamily="66" charset="0"/>
-              </a:rPr>
-              <a:t>: #882</a:t>
-            </a:r>
-          </a:p>
-          <a:p>
-            <a:r>
-              <a:rPr lang="pt-BR" sz="2800" dirty="0">
-                <a:latin typeface="Comic Sans MS" panose="030F0702030302020204" pitchFamily="66" charset="0"/>
-              </a:rPr>
-              <a:t>         138</a:t>
-            </a:r>
-          </a:p>
-          <a:p>
-            <a:r>
-              <a:rPr lang="pt-BR" sz="2800" dirty="0" err="1">
-                <a:latin typeface="Comic Sans MS" panose="030F0702030302020204" pitchFamily="66" charset="0"/>
-              </a:rPr>
-              <a:t>Cê</a:t>
-            </a:r>
-            <a:r>
-              <a:rPr lang="pt-BR" sz="2800" dirty="0">
-                <a:latin typeface="Comic Sans MS" panose="030F0702030302020204" pitchFamily="66" charset="0"/>
-              </a:rPr>
-              <a:t>: #825</a:t>
-            </a:r>
-          </a:p>
-          <a:p>
-            <a:r>
-              <a:rPr lang="pt-BR" sz="2800" dirty="0">
-                <a:latin typeface="Comic Sans MS" panose="030F0702030302020204" pitchFamily="66" charset="0"/>
-              </a:rPr>
-              <a:t>         133</a:t>
-            </a:r>
-          </a:p>
-          <a:p>
-            <a:r>
-              <a:rPr lang="pt-BR" sz="2800" dirty="0" err="1">
-                <a:latin typeface="Comic Sans MS" panose="030F0702030302020204" pitchFamily="66" charset="0"/>
-              </a:rPr>
-              <a:t>Ma</a:t>
-            </a:r>
-            <a:r>
-              <a:rPr lang="pt-BR" sz="2800" dirty="0">
-                <a:latin typeface="Comic Sans MS" panose="030F0702030302020204" pitchFamily="66" charset="0"/>
-              </a:rPr>
-              <a:t>: #670</a:t>
-            </a:r>
-          </a:p>
-          <a:p>
-            <a:r>
-              <a:rPr lang="pt-BR" sz="2800" dirty="0">
-                <a:latin typeface="Comic Sans MS" panose="030F0702030302020204" pitchFamily="66" charset="0"/>
-              </a:rPr>
-              <a:t>         137</a:t>
-            </a:r>
-          </a:p>
-          <a:p>
-            <a:r>
-              <a:rPr lang="pt-BR" sz="2800" dirty="0">
-                <a:latin typeface="Comic Sans MS" panose="030F0702030302020204" pitchFamily="66" charset="0"/>
-              </a:rPr>
-              <a:t>Ca: #682</a:t>
-            </a:r>
-          </a:p>
-          <a:p>
-            <a:r>
-              <a:rPr lang="pt-BR" sz="2800" dirty="0">
-                <a:latin typeface="Comic Sans MS" panose="030F0702030302020204" pitchFamily="66" charset="0"/>
-              </a:rPr>
-              <a:t>         126</a:t>
+              <a:rPr lang="pt-BR" sz="3600" b="0" u="sng" strike="noStrike" spc="-1" dirty="0">
+                <a:solidFill>
+                  <a:srgbClr val="000000"/>
+                </a:solidFill>
+                <a:latin typeface="Calibri"/>
+              </a:rPr>
+              <a:t>-&gt; #tdm_35 Índia</a:t>
             </a:r>
           </a:p>
         </p:txBody>
@@ -6826,11 +7974,8 @@
   <p:cSld>
     <p:bg>
       <p:bgPr>
-        <a:blipFill dpi="0" rotWithShape="1">
-          <a:blip r:embed="rId2">
-            <a:lum/>
-          </a:blip>
-          <a:srcRect/>
+        <a:blipFill rotWithShape="0">
+          <a:blip r:embed="rId2"/>
           <a:stretch>
             <a:fillRect/>
           </a:stretch>
@@ -6854,31 +7999,34 @@
       </p:grpSpPr>
       <p:sp>
         <p:nvSpPr>
-          <p:cNvPr id="2" name="Título 1">
-            <a:extLst>
-              <a:ext uri="{FF2B5EF4-FFF2-40B4-BE49-F238E27FC236}">
-                <a16:creationId xmlns:a16="http://schemas.microsoft.com/office/drawing/2014/main" id="{2E7C7264-1C7E-46D9-9997-0F0434FF9C1E}"/>
-              </a:ext>
-            </a:extLst>
-          </p:cNvPr>
-          <p:cNvSpPr>
-            <a:spLocks noGrp="1"/>
-          </p:cNvSpPr>
-          <p:nvPr>
-            <p:ph type="title"/>
-          </p:nvPr>
-        </p:nvSpPr>
-        <p:spPr>
-          <a:xfrm>
-            <a:off x="0" y="374276"/>
+          <p:cNvPr id="131" name="TextShape 1"/>
+          <p:cNvSpPr txBox="1"/>
+          <p:nvPr/>
+        </p:nvSpPr>
+        <p:spPr>
+          <a:xfrm>
+            <a:off x="1677268" y="355680"/>
             <a:ext cx="10516320" cy="1325160"/>
           </a:xfrm>
-        </p:spPr>
-        <p:txBody>
-          <a:bodyPr/>
-          <a:lstStyle/>
-          <a:p>
-            <a:pPr algn="r"/>
+          <a:prstGeom prst="rect">
+            <a:avLst/>
+          </a:prstGeom>
+          <a:noFill/>
+          <a:ln>
+            <a:noFill/>
+          </a:ln>
+        </p:spPr>
+        <p:txBody>
+          <a:bodyPr anchor="ctr">
+            <a:normAutofit/>
+          </a:bodyPr>
+          <a:lstStyle/>
+          <a:p>
+            <a:pPr>
+              <a:lnSpc>
+                <a:spcPct val="90000"/>
+              </a:lnSpc>
+            </a:pPr>
             <a:r>
               <a:rPr lang="pt-BR" sz="6000" b="0" strike="noStrike" spc="-1" dirty="0">
                 <a:ln w="38100">
@@ -6892,102 +8040,183 @@
                 <a:latin typeface="Cooper Black"/>
                 <a:ea typeface="BatangChe"/>
               </a:rPr>
-              <a:t>Melhores Amigos</a:t>
+              <a:t>Curiosidades</a:t>
             </a:r>
-            <a:endParaRPr lang="pt-BR" sz="6000" dirty="0"/>
-          </a:p>
-        </p:txBody>
-      </p:sp>
-      <p:sp>
-        <p:nvSpPr>
-          <p:cNvPr id="3" name="Subtítulo 2">
+            <a:endParaRPr lang="pt-BR" sz="6000" b="0" strike="noStrike" spc="-1" dirty="0">
+              <a:ln w="38100">
+                <a:solidFill>
+                  <a:schemeClr val="tx1"/>
+                </a:solidFill>
+              </a:ln>
+              <a:solidFill>
+                <a:srgbClr val="000000"/>
+              </a:solidFill>
+              <a:latin typeface="Calibri"/>
+            </a:endParaRPr>
+          </a:p>
+        </p:txBody>
+      </p:sp>
+      <p:sp>
+        <p:nvSpPr>
+          <p:cNvPr id="132" name="TextShape 2"/>
+          <p:cNvSpPr txBox="1"/>
+          <p:nvPr/>
+        </p:nvSpPr>
+        <p:spPr>
+          <a:xfrm>
+            <a:off x="2088219" y="2119466"/>
+            <a:ext cx="6691797" cy="4350960"/>
+          </a:xfrm>
+          <a:prstGeom prst="rect">
+            <a:avLst/>
+          </a:prstGeom>
+          <a:noFill/>
+          <a:ln>
+            <a:noFill/>
+          </a:ln>
+        </p:spPr>
+        <p:txBody>
+          <a:bodyPr>
+            <a:noAutofit/>
+          </a:bodyPr>
+          <a:lstStyle/>
+          <a:p>
+            <a:r>
+              <a:rPr lang="pt-BR" sz="3200" b="0" strike="noStrike" spc="-1" dirty="0">
+                <a:solidFill>
+                  <a:srgbClr val="000000"/>
+                </a:solidFill>
+                <a:latin typeface="Comic Sans MS" panose="030F0702030302020204" pitchFamily="66" charset="0"/>
+              </a:rPr>
+              <a:t>TRAIÇÃO NO LIMOEIRO: </a:t>
+            </a:r>
+            <a:endParaRPr lang="pt-BR" sz="3200" spc="-1" dirty="0">
+              <a:solidFill>
+                <a:srgbClr val="000000"/>
+              </a:solidFill>
+              <a:latin typeface="Comic Sans MS" panose="030F0702030302020204" pitchFamily="66" charset="0"/>
+            </a:endParaRPr>
+          </a:p>
+          <a:p>
+            <a:r>
+              <a:rPr lang="pt-BR" sz="3200" b="0" strike="noStrike" spc="-1" dirty="0">
+                <a:solidFill>
+                  <a:srgbClr val="000000"/>
+                </a:solidFill>
+                <a:latin typeface="Comic Sans MS" panose="030F0702030302020204" pitchFamily="66" charset="0"/>
+              </a:rPr>
+              <a:t>Seu Souza (pai da Mônica) possui mais proximidade com Mônica, Dona Luísa e Sansão.</a:t>
+            </a:r>
+          </a:p>
+          <a:p>
+            <a:r>
+              <a:rPr lang="pt-BR" sz="3200" spc="-1" dirty="0">
+                <a:solidFill>
+                  <a:srgbClr val="000000"/>
+                </a:solidFill>
+                <a:latin typeface="Comic Sans MS" panose="030F0702030302020204" pitchFamily="66" charset="0"/>
+              </a:rPr>
+              <a:t>Enquanto Dona Luísa, é mais próxima da Mônica, Magali e Seu Antenor (Pai do Cascão)</a:t>
+            </a:r>
+            <a:r>
+              <a:rPr lang="pt-BR" sz="3200" b="0" strike="noStrike" spc="-1" dirty="0">
+                <a:solidFill>
+                  <a:srgbClr val="000000"/>
+                </a:solidFill>
+                <a:latin typeface="Comic Sans MS" panose="030F0702030302020204" pitchFamily="66" charset="0"/>
+              </a:rPr>
+              <a:t> </a:t>
+            </a:r>
+          </a:p>
+        </p:txBody>
+      </p:sp>
+      <p:pic>
+        <p:nvPicPr>
+          <p:cNvPr id="3" name="Imagem 2" descr="Desenho de personagem de desenho animado&#10;&#10;Descrição gerada automaticamente">
             <a:extLst>
               <a:ext uri="{FF2B5EF4-FFF2-40B4-BE49-F238E27FC236}">
-                <a16:creationId xmlns:a16="http://schemas.microsoft.com/office/drawing/2014/main" id="{352E93D3-4BBE-42F2-AD83-0123995368E7}"/>
+                <a16:creationId xmlns:a16="http://schemas.microsoft.com/office/drawing/2014/main" id="{5F8E795C-6196-4058-A924-A3F515B2CCD1}"/>
               </a:ext>
             </a:extLst>
           </p:cNvPr>
-          <p:cNvSpPr>
-            <a:spLocks noGrp="1"/>
-          </p:cNvSpPr>
-          <p:nvPr>
-            <p:ph type="subTitle"/>
-          </p:nvPr>
-        </p:nvSpPr>
-        <p:spPr>
-          <a:xfrm>
-            <a:off x="1099127" y="1927160"/>
-            <a:ext cx="9417193" cy="4350960"/>
-          </a:xfrm>
-        </p:spPr>
-        <p:txBody>
-          <a:bodyPr/>
-          <a:lstStyle/>
-          <a:p>
-            <a:pPr algn="just"/>
-            <a:r>
-              <a:rPr lang="pt-BR" sz="3600" dirty="0">
-                <a:latin typeface="Comic Sans MS" panose="030F0702030302020204" pitchFamily="66" charset="0"/>
-              </a:rPr>
-              <a:t>Franjinha: Cebolinha, Cascão, Magali</a:t>
-            </a:r>
-          </a:p>
-          <a:p>
-            <a:pPr algn="just"/>
-            <a:r>
-              <a:rPr lang="pt-BR" sz="3600" dirty="0">
-                <a:latin typeface="Comic Sans MS" panose="030F0702030302020204" pitchFamily="66" charset="0"/>
-              </a:rPr>
-              <a:t>Marina:     Mônica, Cebolinha, Denise</a:t>
-            </a:r>
-          </a:p>
-          <a:p>
-            <a:pPr algn="just"/>
-            <a:r>
-              <a:rPr lang="pt-BR" sz="3600" dirty="0">
-                <a:latin typeface="Comic Sans MS" panose="030F0702030302020204" pitchFamily="66" charset="0"/>
-              </a:rPr>
-              <a:t>Denise:     Mônica, Magali, Carminha Frufru</a:t>
-            </a:r>
-          </a:p>
-          <a:p>
-            <a:pPr algn="just"/>
-            <a:r>
-              <a:rPr lang="pt-BR" sz="3600" dirty="0">
-                <a:latin typeface="Comic Sans MS" panose="030F0702030302020204" pitchFamily="66" charset="0"/>
-              </a:rPr>
-              <a:t>Xaveco:    Cebolinha, Magali, Mônica</a:t>
-            </a:r>
-          </a:p>
-          <a:p>
-            <a:pPr algn="just"/>
-            <a:r>
-              <a:rPr lang="pt-BR" sz="3600" dirty="0">
-                <a:latin typeface="Comic Sans MS" panose="030F0702030302020204" pitchFamily="66" charset="0"/>
-              </a:rPr>
-              <a:t>Bidu:         Franjinha, Mônica, Cebolinha</a:t>
-            </a:r>
-          </a:p>
-          <a:p>
-            <a:pPr algn="just"/>
-            <a:r>
-              <a:rPr lang="pt-BR" sz="3600" dirty="0">
-                <a:latin typeface="Comic Sans MS" panose="030F0702030302020204" pitchFamily="66" charset="0"/>
-              </a:rPr>
-              <a:t>Morte:     Mônica, Magali, Cascão</a:t>
-            </a:r>
-          </a:p>
-          <a:p>
-            <a:endParaRPr lang="pt-BR" dirty="0"/>
-          </a:p>
-        </p:txBody>
-      </p:sp>
+          <p:cNvPicPr>
+            <a:picLocks noChangeAspect="1"/>
+          </p:cNvPicPr>
+          <p:nvPr/>
+        </p:nvPicPr>
+        <p:blipFill>
+          <a:blip r:embed="rId3">
+            <a:extLst>
+              <a:ext uri="{28A0092B-C50C-407E-A947-70E740481C1C}">
+                <a14:useLocalDpi xmlns:a14="http://schemas.microsoft.com/office/drawing/2010/main" val="0"/>
+              </a:ext>
+            </a:extLst>
+          </a:blip>
+          <a:stretch>
+            <a:fillRect/>
+          </a:stretch>
+        </p:blipFill>
+        <p:spPr>
+          <a:xfrm>
+            <a:off x="9272331" y="3429000"/>
+            <a:ext cx="2047875" cy="2857500"/>
+          </a:xfrm>
+          <a:prstGeom prst="rect">
+            <a:avLst/>
+          </a:prstGeom>
+        </p:spPr>
+      </p:pic>
+      <p:pic>
+        <p:nvPicPr>
+          <p:cNvPr id="5" name="Imagem 4" descr="Desenho de personagem de desenho animado&#10;&#10;Descrição gerada automaticamente com confiança média">
+            <a:extLst>
+              <a:ext uri="{FF2B5EF4-FFF2-40B4-BE49-F238E27FC236}">
+                <a16:creationId xmlns:a16="http://schemas.microsoft.com/office/drawing/2014/main" id="{C33D7D70-EC6E-46ED-B1BF-8A77ACC78A9A}"/>
+              </a:ext>
+            </a:extLst>
+          </p:cNvPr>
+          <p:cNvPicPr>
+            <a:picLocks noChangeAspect="1"/>
+          </p:cNvPicPr>
+          <p:nvPr/>
+        </p:nvPicPr>
+        <p:blipFill>
+          <a:blip r:embed="rId4">
+            <a:extLst>
+              <a:ext uri="{28A0092B-C50C-407E-A947-70E740481C1C}">
+                <a14:useLocalDpi xmlns:a14="http://schemas.microsoft.com/office/drawing/2010/main" val="0"/>
+              </a:ext>
+            </a:extLst>
+          </a:blip>
+          <a:stretch>
+            <a:fillRect/>
+          </a:stretch>
+        </p:blipFill>
+        <p:spPr>
+          <a:xfrm>
+            <a:off x="9188451" y="587261"/>
+            <a:ext cx="2215636" cy="2187158"/>
+          </a:xfrm>
+          <a:prstGeom prst="rect">
+            <a:avLst/>
+          </a:prstGeom>
+          <a:ln w="38100" cap="sq">
+            <a:solidFill>
+              <a:srgbClr val="000000"/>
+            </a:solidFill>
+            <a:prstDash val="solid"/>
+            <a:miter lim="800000"/>
+          </a:ln>
+          <a:effectLst>
+            <a:outerShdw blurRad="50800" dist="38100" dir="2700000" algn="tl" rotWithShape="0">
+              <a:srgbClr val="000000">
+                <a:alpha val="43000"/>
+              </a:srgbClr>
+            </a:outerShdw>
+          </a:effectLst>
+        </p:spPr>
+      </p:pic>
     </p:spTree>
-    <p:extLst>
-      <p:ext uri="{BB962C8B-B14F-4D97-AF65-F5344CB8AC3E}">
-        <p14:creationId xmlns:p14="http://schemas.microsoft.com/office/powerpoint/2010/main" val="1374277805"/>
-      </p:ext>
-    </p:extLst>
   </p:cSld>
   <p:clrMapOvr>
     <a:masterClrMapping/>
@@ -7025,13 +8254,13 @@
       </p:grpSpPr>
       <p:sp>
         <p:nvSpPr>
-          <p:cNvPr id="129" name="TextShape 1"/>
+          <p:cNvPr id="131" name="TextShape 1"/>
           <p:cNvSpPr txBox="1"/>
           <p:nvPr/>
         </p:nvSpPr>
         <p:spPr>
           <a:xfrm>
-            <a:off x="0" y="355680"/>
+            <a:off x="1677268" y="355680"/>
             <a:ext cx="10516320" cy="1325160"/>
           </a:xfrm>
           <a:prstGeom prst="rect">
@@ -7048,7 +8277,7 @@
           </a:bodyPr>
           <a:lstStyle/>
           <a:p>
-            <a:pPr algn="r">
+            <a:pPr>
               <a:lnSpc>
                 <a:spcPct val="90000"/>
               </a:lnSpc>
@@ -7066,7 +8295,7 @@
                 <a:latin typeface="Cooper Black"/>
                 <a:ea typeface="BatangChe"/>
               </a:rPr>
-              <a:t>Caminho mais longo </a:t>
+              <a:t>Problemas ocorridos</a:t>
             </a:r>
             <a:endParaRPr lang="pt-BR" sz="6000" b="0" strike="noStrike" spc="-1" dirty="0">
               <a:ln w="38100">
@@ -7084,14 +8313,14 @@
       </p:sp>
       <p:sp>
         <p:nvSpPr>
-          <p:cNvPr id="130" name="TextShape 2"/>
+          <p:cNvPr id="132" name="TextShape 2"/>
           <p:cNvSpPr txBox="1"/>
           <p:nvPr/>
         </p:nvSpPr>
         <p:spPr>
           <a:xfrm>
-            <a:off x="1228436" y="1825560"/>
-            <a:ext cx="9287884" cy="4350960"/>
+            <a:off x="1677268" y="1862014"/>
+            <a:ext cx="9561862" cy="4350960"/>
           </a:xfrm>
           <a:prstGeom prst="rect">
             <a:avLst/>
@@ -7107,45 +8336,58 @@
           </a:bodyPr>
           <a:lstStyle/>
           <a:p>
-            <a:endParaRPr lang="pt-BR" sz="3600" b="0" strike="noStrike" spc="-1" dirty="0">
-              <a:solidFill>
-                <a:srgbClr val="000000"/>
-              </a:solidFill>
-              <a:latin typeface="Calibri"/>
-            </a:endParaRPr>
-          </a:p>
-          <a:p>
-            <a:endParaRPr lang="pt-BR" sz="3600" spc="-1" dirty="0">
-              <a:solidFill>
-                <a:srgbClr val="000000"/>
-              </a:solidFill>
-              <a:latin typeface="Calibri"/>
-            </a:endParaRPr>
-          </a:p>
-          <a:p>
-            <a:pPr algn="just"/>
+            <a:pPr marL="457200" indent="-457200">
+              <a:buFont typeface="Arial" panose="020B0604020202020204" pitchFamily="34" charset="0"/>
+              <a:buChar char="•"/>
+            </a:pPr>
             <a:r>
-              <a:rPr lang="pt-BR" sz="3600" b="0" strike="noStrike" spc="-1" dirty="0">
+              <a:rPr lang="pt-BR" sz="2400" b="0" strike="noStrike" spc="-1" dirty="0">
                 <a:solidFill>
                   <a:srgbClr val="000000"/>
                 </a:solidFill>
-                <a:latin typeface="Calibri"/>
-              </a:rPr>
-              <a:t>Verinha -&gt; Rolo -&gt; Tina -&gt; Maurício de Sousa -&gt; Cascão -&gt; Irmãs Cebolinhas -&gt; Chico Bento -&gt; Onça -&gt; Papa-Capim -&gt; Pajé </a:t>
+                <a:latin typeface="Comic Sans MS" panose="030F0702030302020204" pitchFamily="66" charset="0"/>
+              </a:rPr>
+              <a:t>Grande parte de algumas incoerências ou falta de relações que nós como fãs, sabemos que está faltando, vem do fato da amostra apesar de possuir 30 gibis, ainda sim é pequena comparada aos mais de 60 anos de Turma da Mônica.</a:t>
             </a:r>
+          </a:p>
+          <a:p>
+            <a:pPr marL="457200" indent="-457200">
+              <a:buFont typeface="Arial" panose="020B0604020202020204" pitchFamily="34" charset="0"/>
+              <a:buChar char="•"/>
+            </a:pPr>
             <a:r>
-              <a:rPr lang="pt-BR" sz="3600" b="0" u="sng" strike="noStrike" spc="-1" dirty="0">
+              <a:rPr lang="pt-BR" sz="2400" b="0" strike="noStrike" spc="-1" dirty="0">
                 <a:solidFill>
                   <a:srgbClr val="000000"/>
                 </a:solidFill>
-                <a:latin typeface="Calibri"/>
-              </a:rPr>
-              <a:t>-&gt; #tdm_35 Índia</a:t>
+                <a:latin typeface="Comic Sans MS" panose="030F0702030302020204" pitchFamily="66" charset="0"/>
+              </a:rPr>
+              <a:t>Ainda existem problemas acerca da interpretação de relações, quando personagens estão: em pensamento, flashbacks ou possibilidades de futuro, falando só por telefone ou narrando a história, entre outros.</a:t>
             </a:r>
           </a:p>
+          <a:p>
+            <a:pPr marL="457200" indent="-457200">
+              <a:buFont typeface="Arial" panose="020B0604020202020204" pitchFamily="34" charset="0"/>
+              <a:buChar char="•"/>
+            </a:pPr>
+            <a:r>
+              <a:rPr lang="pt-BR" sz="2400" b="0" strike="noStrike" spc="-1" dirty="0">
+                <a:solidFill>
+                  <a:srgbClr val="000000"/>
+                </a:solidFill>
+                <a:latin typeface="Comic Sans MS" panose="030F0702030302020204" pitchFamily="66" charset="0"/>
+              </a:rPr>
+              <a:t>Tentou-se entrar em contato com a Maurício de Sousa Produções por vários meios sociais, no entanto em nenhuma deles se obteve algum retorno.</a:t>
+            </a:r>
+          </a:p>
         </p:txBody>
       </p:sp>
     </p:spTree>
+    <p:extLst>
+      <p:ext uri="{BB962C8B-B14F-4D97-AF65-F5344CB8AC3E}">
+        <p14:creationId xmlns:p14="http://schemas.microsoft.com/office/powerpoint/2010/main" val="4090761829"/>
+      </p:ext>
+    </p:extLst>
   </p:cSld>
   <p:clrMapOvr>
     <a:masterClrMapping/>
@@ -7562,432 +8804,6 @@
                 <a:latin typeface="Cooper Black"/>
                 <a:ea typeface="BatangChe"/>
               </a:rPr>
-              <a:t>Curiosidades</a:t>
-            </a:r>
-            <a:endParaRPr lang="pt-BR" sz="6000" b="0" strike="noStrike" spc="-1" dirty="0">
-              <a:ln w="38100">
-                <a:solidFill>
-                  <a:schemeClr val="tx1"/>
-                </a:solidFill>
-              </a:ln>
-              <a:solidFill>
-                <a:srgbClr val="000000"/>
-              </a:solidFill>
-              <a:latin typeface="Calibri"/>
-            </a:endParaRPr>
-          </a:p>
-        </p:txBody>
-      </p:sp>
-      <p:sp>
-        <p:nvSpPr>
-          <p:cNvPr id="132" name="TextShape 2"/>
-          <p:cNvSpPr txBox="1"/>
-          <p:nvPr/>
-        </p:nvSpPr>
-        <p:spPr>
-          <a:xfrm>
-            <a:off x="2088219" y="2119466"/>
-            <a:ext cx="6691797" cy="4350960"/>
-          </a:xfrm>
-          <a:prstGeom prst="rect">
-            <a:avLst/>
-          </a:prstGeom>
-          <a:noFill/>
-          <a:ln>
-            <a:noFill/>
-          </a:ln>
-        </p:spPr>
-        <p:txBody>
-          <a:bodyPr>
-            <a:noAutofit/>
-          </a:bodyPr>
-          <a:lstStyle/>
-          <a:p>
-            <a:r>
-              <a:rPr lang="pt-BR" sz="3200" b="0" strike="noStrike" spc="-1" dirty="0">
-                <a:solidFill>
-                  <a:srgbClr val="000000"/>
-                </a:solidFill>
-                <a:latin typeface="Comic Sans MS" panose="030F0702030302020204" pitchFamily="66" charset="0"/>
-              </a:rPr>
-              <a:t>TRAIÇÃO NO LIMOEIRO: </a:t>
-            </a:r>
-            <a:endParaRPr lang="pt-BR" sz="3200" spc="-1" dirty="0">
-              <a:solidFill>
-                <a:srgbClr val="000000"/>
-              </a:solidFill>
-              <a:latin typeface="Comic Sans MS" panose="030F0702030302020204" pitchFamily="66" charset="0"/>
-            </a:endParaRPr>
-          </a:p>
-          <a:p>
-            <a:r>
-              <a:rPr lang="pt-BR" sz="3200" b="0" strike="noStrike" spc="-1" dirty="0">
-                <a:solidFill>
-                  <a:srgbClr val="000000"/>
-                </a:solidFill>
-                <a:latin typeface="Comic Sans MS" panose="030F0702030302020204" pitchFamily="66" charset="0"/>
-              </a:rPr>
-              <a:t>Seu Souza (pai da Mônica) possui mais proximidade com Mônica, Dona Luísa e Sansão.</a:t>
-            </a:r>
-          </a:p>
-          <a:p>
-            <a:r>
-              <a:rPr lang="pt-BR" sz="3200" spc="-1" dirty="0">
-                <a:solidFill>
-                  <a:srgbClr val="000000"/>
-                </a:solidFill>
-                <a:latin typeface="Comic Sans MS" panose="030F0702030302020204" pitchFamily="66" charset="0"/>
-              </a:rPr>
-              <a:t>Enquanto Dona Luísa, é mais próxima da Mônica, Magali e Seu Antenor (Pai do Cascão)</a:t>
-            </a:r>
-            <a:r>
-              <a:rPr lang="pt-BR" sz="3200" b="0" strike="noStrike" spc="-1" dirty="0">
-                <a:solidFill>
-                  <a:srgbClr val="000000"/>
-                </a:solidFill>
-                <a:latin typeface="Comic Sans MS" panose="030F0702030302020204" pitchFamily="66" charset="0"/>
-              </a:rPr>
-              <a:t> </a:t>
-            </a:r>
-          </a:p>
-        </p:txBody>
-      </p:sp>
-      <p:pic>
-        <p:nvPicPr>
-          <p:cNvPr id="3" name="Imagem 2" descr="Desenho de personagem de desenho animado&#10;&#10;Descrição gerada automaticamente">
-            <a:extLst>
-              <a:ext uri="{FF2B5EF4-FFF2-40B4-BE49-F238E27FC236}">
-                <a16:creationId xmlns:a16="http://schemas.microsoft.com/office/drawing/2014/main" id="{5F8E795C-6196-4058-A924-A3F515B2CCD1}"/>
-              </a:ext>
-            </a:extLst>
-          </p:cNvPr>
-          <p:cNvPicPr>
-            <a:picLocks noChangeAspect="1"/>
-          </p:cNvPicPr>
-          <p:nvPr/>
-        </p:nvPicPr>
-        <p:blipFill>
-          <a:blip r:embed="rId3">
-            <a:extLst>
-              <a:ext uri="{28A0092B-C50C-407E-A947-70E740481C1C}">
-                <a14:useLocalDpi xmlns:a14="http://schemas.microsoft.com/office/drawing/2010/main" val="0"/>
-              </a:ext>
-            </a:extLst>
-          </a:blip>
-          <a:stretch>
-            <a:fillRect/>
-          </a:stretch>
-        </p:blipFill>
-        <p:spPr>
-          <a:xfrm>
-            <a:off x="9272331" y="3429000"/>
-            <a:ext cx="2047875" cy="2857500"/>
-          </a:xfrm>
-          <a:prstGeom prst="rect">
-            <a:avLst/>
-          </a:prstGeom>
-        </p:spPr>
-      </p:pic>
-      <p:pic>
-        <p:nvPicPr>
-          <p:cNvPr id="5" name="Imagem 4" descr="Desenho de personagem de desenho animado&#10;&#10;Descrição gerada automaticamente com confiança média">
-            <a:extLst>
-              <a:ext uri="{FF2B5EF4-FFF2-40B4-BE49-F238E27FC236}">
-                <a16:creationId xmlns:a16="http://schemas.microsoft.com/office/drawing/2014/main" id="{C33D7D70-EC6E-46ED-B1BF-8A77ACC78A9A}"/>
-              </a:ext>
-            </a:extLst>
-          </p:cNvPr>
-          <p:cNvPicPr>
-            <a:picLocks noChangeAspect="1"/>
-          </p:cNvPicPr>
-          <p:nvPr/>
-        </p:nvPicPr>
-        <p:blipFill>
-          <a:blip r:embed="rId4">
-            <a:extLst>
-              <a:ext uri="{28A0092B-C50C-407E-A947-70E740481C1C}">
-                <a14:useLocalDpi xmlns:a14="http://schemas.microsoft.com/office/drawing/2010/main" val="0"/>
-              </a:ext>
-            </a:extLst>
-          </a:blip>
-          <a:stretch>
-            <a:fillRect/>
-          </a:stretch>
-        </p:blipFill>
-        <p:spPr>
-          <a:xfrm>
-            <a:off x="9188451" y="587261"/>
-            <a:ext cx="2215636" cy="2187158"/>
-          </a:xfrm>
-          <a:prstGeom prst="rect">
-            <a:avLst/>
-          </a:prstGeom>
-          <a:ln w="38100" cap="sq">
-            <a:solidFill>
-              <a:srgbClr val="000000"/>
-            </a:solidFill>
-            <a:prstDash val="solid"/>
-            <a:miter lim="800000"/>
-          </a:ln>
-          <a:effectLst>
-            <a:outerShdw blurRad="50800" dist="38100" dir="2700000" algn="tl" rotWithShape="0">
-              <a:srgbClr val="000000">
-                <a:alpha val="43000"/>
-              </a:srgbClr>
-            </a:outerShdw>
-          </a:effectLst>
-        </p:spPr>
-      </p:pic>
-    </p:spTree>
-  </p:cSld>
-  <p:clrMapOvr>
-    <a:masterClrMapping/>
-  </p:clrMapOvr>
-</p:sld>
-</file>
-
-<file path=ppt/slides/slide21.xml><?xml version="1.0" encoding="utf-8"?>
-<p:sld xmlns:a="http://schemas.openxmlformats.org/drawingml/2006/main" xmlns:r="http://schemas.openxmlformats.org/officeDocument/2006/relationships" xmlns:p="http://schemas.openxmlformats.org/presentationml/2006/main">
-  <p:cSld>
-    <p:bg>
-      <p:bgPr>
-        <a:blipFill rotWithShape="0">
-          <a:blip r:embed="rId2"/>
-          <a:stretch>
-            <a:fillRect/>
-          </a:stretch>
-        </a:blipFill>
-        <a:effectLst/>
-      </p:bgPr>
-    </p:bg>
-    <p:spTree>
-      <p:nvGrpSpPr>
-        <p:cNvPr id="1" name=""/>
-        <p:cNvGrpSpPr/>
-        <p:nvPr/>
-      </p:nvGrpSpPr>
-      <p:grpSpPr>
-        <a:xfrm>
-          <a:off x="0" y="0"/>
-          <a:ext cx="0" cy="0"/>
-          <a:chOff x="0" y="0"/>
-          <a:chExt cx="0" cy="0"/>
-        </a:xfrm>
-      </p:grpSpPr>
-      <p:sp>
-        <p:nvSpPr>
-          <p:cNvPr id="131" name="TextShape 1"/>
-          <p:cNvSpPr txBox="1"/>
-          <p:nvPr/>
-        </p:nvSpPr>
-        <p:spPr>
-          <a:xfrm>
-            <a:off x="1677268" y="355680"/>
-            <a:ext cx="10516320" cy="1325160"/>
-          </a:xfrm>
-          <a:prstGeom prst="rect">
-            <a:avLst/>
-          </a:prstGeom>
-          <a:noFill/>
-          <a:ln>
-            <a:noFill/>
-          </a:ln>
-        </p:spPr>
-        <p:txBody>
-          <a:bodyPr anchor="ctr">
-            <a:normAutofit/>
-          </a:bodyPr>
-          <a:lstStyle/>
-          <a:p>
-            <a:pPr>
-              <a:lnSpc>
-                <a:spcPct val="90000"/>
-              </a:lnSpc>
-            </a:pPr>
-            <a:r>
-              <a:rPr lang="pt-BR" sz="6000" b="0" strike="noStrike" spc="-1" dirty="0">
-                <a:ln w="38100">
-                  <a:solidFill>
-                    <a:schemeClr val="tx1"/>
-                  </a:solidFill>
-                </a:ln>
-                <a:solidFill>
-                  <a:srgbClr val="FFFF00"/>
-                </a:solidFill>
-                <a:latin typeface="Cooper Black"/>
-                <a:ea typeface="BatangChe"/>
-              </a:rPr>
-              <a:t>Problemas ocorridos</a:t>
-            </a:r>
-            <a:endParaRPr lang="pt-BR" sz="6000" b="0" strike="noStrike" spc="-1" dirty="0">
-              <a:ln w="38100">
-                <a:solidFill>
-                  <a:schemeClr val="tx1"/>
-                </a:solidFill>
-              </a:ln>
-              <a:solidFill>
-                <a:srgbClr val="000000"/>
-              </a:solidFill>
-              <a:latin typeface="Calibri"/>
-            </a:endParaRPr>
-          </a:p>
-        </p:txBody>
-      </p:sp>
-      <p:sp>
-        <p:nvSpPr>
-          <p:cNvPr id="132" name="TextShape 2"/>
-          <p:cNvSpPr txBox="1"/>
-          <p:nvPr/>
-        </p:nvSpPr>
-        <p:spPr>
-          <a:xfrm>
-            <a:off x="1677268" y="1862014"/>
-            <a:ext cx="9561862" cy="4350960"/>
-          </a:xfrm>
-          <a:prstGeom prst="rect">
-            <a:avLst/>
-          </a:prstGeom>
-          <a:noFill/>
-          <a:ln>
-            <a:noFill/>
-          </a:ln>
-        </p:spPr>
-        <p:txBody>
-          <a:bodyPr>
-            <a:noAutofit/>
-          </a:bodyPr>
-          <a:lstStyle/>
-          <a:p>
-            <a:pPr marL="457200" indent="-457200">
-              <a:buFont typeface="Arial" panose="020B0604020202020204" pitchFamily="34" charset="0"/>
-              <a:buChar char="•"/>
-            </a:pPr>
-            <a:r>
-              <a:rPr lang="pt-BR" sz="2400" b="0" strike="noStrike" spc="-1" dirty="0">
-                <a:solidFill>
-                  <a:srgbClr val="000000"/>
-                </a:solidFill>
-                <a:latin typeface="Comic Sans MS" panose="030F0702030302020204" pitchFamily="66" charset="0"/>
-              </a:rPr>
-              <a:t>Grande parte de algumas incoerências ou falta de relações que nós como fãs, sabemos que está faltando, vem do fato da amostra apesar de possuir 30 gibis, ainda sim é pequena comparada aos mais de 60 anos de Turma da Mônica.</a:t>
-            </a:r>
-          </a:p>
-          <a:p>
-            <a:pPr marL="457200" indent="-457200">
-              <a:buFont typeface="Arial" panose="020B0604020202020204" pitchFamily="34" charset="0"/>
-              <a:buChar char="•"/>
-            </a:pPr>
-            <a:r>
-              <a:rPr lang="pt-BR" sz="2400" b="0" strike="noStrike" spc="-1" dirty="0">
-                <a:solidFill>
-                  <a:srgbClr val="000000"/>
-                </a:solidFill>
-                <a:latin typeface="Comic Sans MS" panose="030F0702030302020204" pitchFamily="66" charset="0"/>
-              </a:rPr>
-              <a:t>Ainda existem problemas acerca da interpretação de relações, quando personagens estão: em pensamento, flashbacks ou possibilidades de futuro, falando só por telefone ou narrando a história, entre outros.</a:t>
-            </a:r>
-          </a:p>
-          <a:p>
-            <a:pPr marL="457200" indent="-457200">
-              <a:buFont typeface="Arial" panose="020B0604020202020204" pitchFamily="34" charset="0"/>
-              <a:buChar char="•"/>
-            </a:pPr>
-            <a:r>
-              <a:rPr lang="pt-BR" sz="2400" b="0" strike="noStrike" spc="-1" dirty="0">
-                <a:solidFill>
-                  <a:srgbClr val="000000"/>
-                </a:solidFill>
-                <a:latin typeface="Comic Sans MS" panose="030F0702030302020204" pitchFamily="66" charset="0"/>
-              </a:rPr>
-              <a:t>Tentou-se entrar em contato com a Maurício de Sousa Produções por vários meios sociais, no entanto em nenhuma deles se obteve algum retorno.</a:t>
-            </a:r>
-          </a:p>
-        </p:txBody>
-      </p:sp>
-    </p:spTree>
-    <p:extLst>
-      <p:ext uri="{BB962C8B-B14F-4D97-AF65-F5344CB8AC3E}">
-        <p14:creationId xmlns:p14="http://schemas.microsoft.com/office/powerpoint/2010/main" val="4090761829"/>
-      </p:ext>
-    </p:extLst>
-  </p:cSld>
-  <p:clrMapOvr>
-    <a:masterClrMapping/>
-  </p:clrMapOvr>
-</p:sld>
-</file>
-
-<file path=ppt/slides/slide22.xml><?xml version="1.0" encoding="utf-8"?>
-<p:sld xmlns:a="http://schemas.openxmlformats.org/drawingml/2006/main" xmlns:r="http://schemas.openxmlformats.org/officeDocument/2006/relationships" xmlns:p="http://schemas.openxmlformats.org/presentationml/2006/main">
-  <p:cSld>
-    <p:bg>
-      <p:bgPr>
-        <a:blipFill rotWithShape="0">
-          <a:blip r:embed="rId2"/>
-          <a:stretch>
-            <a:fillRect/>
-          </a:stretch>
-        </a:blipFill>
-        <a:effectLst/>
-      </p:bgPr>
-    </p:bg>
-    <p:spTree>
-      <p:nvGrpSpPr>
-        <p:cNvPr id="1" name=""/>
-        <p:cNvGrpSpPr/>
-        <p:nvPr/>
-      </p:nvGrpSpPr>
-      <p:grpSpPr>
-        <a:xfrm>
-          <a:off x="0" y="0"/>
-          <a:ext cx="0" cy="0"/>
-          <a:chOff x="0" y="0"/>
-          <a:chExt cx="0" cy="0"/>
-        </a:xfrm>
-      </p:grpSpPr>
-      <p:sp>
-        <p:nvSpPr>
-          <p:cNvPr id="131" name="TextShape 1"/>
-          <p:cNvSpPr txBox="1"/>
-          <p:nvPr/>
-        </p:nvSpPr>
-        <p:spPr>
-          <a:xfrm>
-            <a:off x="1677268" y="355680"/>
-            <a:ext cx="10516320" cy="1325160"/>
-          </a:xfrm>
-          <a:prstGeom prst="rect">
-            <a:avLst/>
-          </a:prstGeom>
-          <a:noFill/>
-          <a:ln>
-            <a:noFill/>
-          </a:ln>
-        </p:spPr>
-        <p:txBody>
-          <a:bodyPr anchor="ctr">
-            <a:normAutofit/>
-          </a:bodyPr>
-          <a:lstStyle/>
-          <a:p>
-            <a:pPr>
-              <a:lnSpc>
-                <a:spcPct val="90000"/>
-              </a:lnSpc>
-            </a:pPr>
-            <a:r>
-              <a:rPr lang="pt-BR" sz="6000" b="0" strike="noStrike" spc="-1" dirty="0">
-                <a:ln w="38100">
-                  <a:solidFill>
-                    <a:schemeClr val="tx1"/>
-                  </a:solidFill>
-                </a:ln>
-                <a:solidFill>
-                  <a:srgbClr val="FFFF00"/>
-                </a:solidFill>
-                <a:latin typeface="Cooper Black"/>
-                <a:ea typeface="BatangChe"/>
-              </a:rPr>
               <a:t>Objetivos futuros</a:t>
             </a:r>
             <a:endParaRPr lang="pt-BR" sz="6000" b="0" strike="noStrike" spc="-1" dirty="0">
@@ -8073,7 +8889,7 @@
 </p:sld>
 </file>
 
-<file path=ppt/slides/slide23.xml><?xml version="1.0" encoding="utf-8"?>
+<file path=ppt/slides/slide21.xml><?xml version="1.0" encoding="utf-8"?>
 <p:sld xmlns:a="http://schemas.openxmlformats.org/drawingml/2006/main" xmlns:r="http://schemas.openxmlformats.org/officeDocument/2006/relationships" xmlns:p="http://schemas.openxmlformats.org/presentationml/2006/main">
   <p:cSld>
     <p:bg>

--- a/TeX/Second set/slides.pptx
+++ b/TeX/Second set/slides.pptx
@@ -19,14 +19,16 @@
     <p:sldId id="266" r:id="rId13"/>
     <p:sldId id="267" r:id="rId14"/>
     <p:sldId id="268" r:id="rId15"/>
-    <p:sldId id="271" r:id="rId16"/>
-    <p:sldId id="272" r:id="rId17"/>
-    <p:sldId id="275" r:id="rId18"/>
-    <p:sldId id="273" r:id="rId19"/>
-    <p:sldId id="274" r:id="rId20"/>
-    <p:sldId id="276" r:id="rId21"/>
-    <p:sldId id="277" r:id="rId22"/>
-    <p:sldId id="278" r:id="rId23"/>
+    <p:sldId id="269" r:id="rId16"/>
+    <p:sldId id="270" r:id="rId17"/>
+    <p:sldId id="271" r:id="rId18"/>
+    <p:sldId id="272" r:id="rId19"/>
+    <p:sldId id="275" r:id="rId20"/>
+    <p:sldId id="273" r:id="rId21"/>
+    <p:sldId id="274" r:id="rId22"/>
+    <p:sldId id="276" r:id="rId23"/>
+    <p:sldId id="277" r:id="rId24"/>
+    <p:sldId id="278" r:id="rId25"/>
   </p:sldIdLst>
   <p:sldSz cx="12193588" cy="6858000"/>
   <p:notesSz cx="7559675" cy="10691813"/>
@@ -5109,6 +5111,278 @@
 </file>
 
 <file path=ppt/slides/slide14.xml><?xml version="1.0" encoding="utf-8"?>
+<p:sld xmlns:a="http://schemas.openxmlformats.org/drawingml/2006/main" xmlns:r="http://schemas.openxmlformats.org/officeDocument/2006/relationships" xmlns:p="http://schemas.openxmlformats.org/presentationml/2006/main">
+  <p:cSld>
+    <p:bg>
+      <p:bgPr>
+        <a:blipFill dpi="0" rotWithShape="1">
+          <a:blip r:embed="rId2">
+            <a:lum/>
+          </a:blip>
+          <a:srcRect/>
+          <a:stretch>
+            <a:fillRect/>
+          </a:stretch>
+        </a:blipFill>
+        <a:effectLst/>
+      </p:bgPr>
+    </p:bg>
+    <p:spTree>
+      <p:nvGrpSpPr>
+        <p:cNvPr id="1" name=""/>
+        <p:cNvGrpSpPr/>
+        <p:nvPr/>
+      </p:nvGrpSpPr>
+      <p:grpSpPr>
+        <a:xfrm>
+          <a:off x="0" y="0"/>
+          <a:ext cx="0" cy="0"/>
+          <a:chOff x="0" y="0"/>
+          <a:chExt cx="0" cy="0"/>
+        </a:xfrm>
+      </p:grpSpPr>
+      <p:sp>
+        <p:nvSpPr>
+          <p:cNvPr id="116" name="TextShape 1"/>
+          <p:cNvSpPr txBox="1"/>
+          <p:nvPr/>
+        </p:nvSpPr>
+        <p:spPr>
+          <a:xfrm>
+            <a:off x="452762" y="365040"/>
+            <a:ext cx="11740080" cy="1325160"/>
+          </a:xfrm>
+          <a:prstGeom prst="rect">
+            <a:avLst/>
+          </a:prstGeom>
+          <a:noFill/>
+          <a:ln>
+            <a:noFill/>
+          </a:ln>
+        </p:spPr>
+        <p:txBody>
+          <a:bodyPr anchor="ctr">
+            <a:noAutofit/>
+          </a:bodyPr>
+          <a:lstStyle/>
+          <a:p>
+            <a:pPr>
+              <a:lnSpc>
+                <a:spcPct val="90000"/>
+              </a:lnSpc>
+            </a:pPr>
+            <a:r>
+              <a:rPr lang="pt-BR" sz="5200" b="0" strike="noStrike" spc="-1" dirty="0">
+                <a:ln w="38100">
+                  <a:solidFill>
+                    <a:schemeClr val="tx1"/>
+                  </a:solidFill>
+                </a:ln>
+                <a:solidFill>
+                  <a:srgbClr val="FFFF00"/>
+                </a:solidFill>
+                <a:latin typeface="Cooper Black"/>
+                <a:ea typeface="BatangChe"/>
+              </a:rPr>
+              <a:t>(#) Comparação com </a:t>
+            </a:r>
+            <a:r>
+              <a:rPr lang="pt-BR" sz="5200" b="0" strike="noStrike" spc="-1" dirty="0" err="1">
+                <a:ln w="38100">
+                  <a:solidFill>
+                    <a:schemeClr val="tx1"/>
+                  </a:solidFill>
+                </a:ln>
+                <a:solidFill>
+                  <a:srgbClr val="FFFF00"/>
+                </a:solidFill>
+                <a:latin typeface="Cooper Black"/>
+                <a:ea typeface="BatangChe"/>
+              </a:rPr>
+              <a:t>Erdös-Rénye</a:t>
+            </a:r>
+            <a:endParaRPr lang="pt-BR" sz="5200" b="0" strike="noStrike" spc="-1" dirty="0">
+              <a:ln w="38100">
+                <a:solidFill>
+                  <a:schemeClr val="tx1"/>
+                </a:solidFill>
+              </a:ln>
+              <a:solidFill>
+                <a:srgbClr val="000000"/>
+              </a:solidFill>
+              <a:latin typeface="Calibri"/>
+            </a:endParaRPr>
+          </a:p>
+        </p:txBody>
+      </p:sp>
+      <p:pic>
+        <p:nvPicPr>
+          <p:cNvPr id="117" name="Imagem 116"/>
+          <p:cNvPicPr/>
+          <p:nvPr/>
+        </p:nvPicPr>
+        <p:blipFill>
+          <a:blip r:embed="rId3"/>
+          <a:stretch/>
+        </p:blipFill>
+        <p:spPr>
+          <a:xfrm>
+            <a:off x="3670560" y="1809000"/>
+            <a:ext cx="6527160" cy="4350960"/>
+          </a:xfrm>
+          <a:prstGeom prst="rect">
+            <a:avLst/>
+          </a:prstGeom>
+          <a:ln>
+            <a:noFill/>
+          </a:ln>
+        </p:spPr>
+      </p:pic>
+    </p:spTree>
+  </p:cSld>
+  <p:clrMapOvr>
+    <a:masterClrMapping/>
+  </p:clrMapOvr>
+</p:sld>
+</file>
+
+<file path=ppt/slides/slide15.xml><?xml version="1.0" encoding="utf-8"?>
+<p:sld xmlns:a="http://schemas.openxmlformats.org/drawingml/2006/main" xmlns:r="http://schemas.openxmlformats.org/officeDocument/2006/relationships" xmlns:p="http://schemas.openxmlformats.org/presentationml/2006/main">
+  <p:cSld>
+    <p:bg>
+      <p:bgPr>
+        <a:blipFill dpi="0" rotWithShape="1">
+          <a:blip r:embed="rId2">
+            <a:lum/>
+          </a:blip>
+          <a:srcRect/>
+          <a:stretch>
+            <a:fillRect/>
+          </a:stretch>
+        </a:blipFill>
+        <a:effectLst/>
+      </p:bgPr>
+    </p:bg>
+    <p:spTree>
+      <p:nvGrpSpPr>
+        <p:cNvPr id="1" name=""/>
+        <p:cNvGrpSpPr/>
+        <p:nvPr/>
+      </p:nvGrpSpPr>
+      <p:grpSpPr>
+        <a:xfrm>
+          <a:off x="0" y="0"/>
+          <a:ext cx="0" cy="0"/>
+          <a:chOff x="0" y="0"/>
+          <a:chExt cx="0" cy="0"/>
+        </a:xfrm>
+      </p:grpSpPr>
+      <p:sp>
+        <p:nvSpPr>
+          <p:cNvPr id="118" name="TextShape 1"/>
+          <p:cNvSpPr txBox="1"/>
+          <p:nvPr/>
+        </p:nvSpPr>
+        <p:spPr>
+          <a:xfrm>
+            <a:off x="1676520" y="365040"/>
+            <a:ext cx="10516320" cy="1325160"/>
+          </a:xfrm>
+          <a:prstGeom prst="rect">
+            <a:avLst/>
+          </a:prstGeom>
+          <a:noFill/>
+          <a:ln>
+            <a:noFill/>
+          </a:ln>
+        </p:spPr>
+        <p:txBody>
+          <a:bodyPr anchor="ctr">
+            <a:noAutofit/>
+          </a:bodyPr>
+          <a:lstStyle/>
+          <a:p>
+            <a:pPr>
+              <a:lnSpc>
+                <a:spcPct val="90000"/>
+              </a:lnSpc>
+            </a:pPr>
+            <a:r>
+              <a:rPr lang="pt-BR" sz="5200" b="0" strike="noStrike" spc="-1" dirty="0">
+                <a:ln w="38100">
+                  <a:solidFill>
+                    <a:schemeClr val="tx1"/>
+                  </a:solidFill>
+                </a:ln>
+                <a:solidFill>
+                  <a:srgbClr val="FFFF00"/>
+                </a:solidFill>
+                <a:latin typeface="Cooper Black"/>
+                <a:ea typeface="BatangChe"/>
+              </a:rPr>
+              <a:t>Comparação com </a:t>
+            </a:r>
+            <a:r>
+              <a:rPr lang="pt-BR" sz="5200" b="0" strike="noStrike" spc="-1" dirty="0" err="1">
+                <a:ln w="38100">
+                  <a:solidFill>
+                    <a:schemeClr val="tx1"/>
+                  </a:solidFill>
+                </a:ln>
+                <a:solidFill>
+                  <a:srgbClr val="FFFF00"/>
+                </a:solidFill>
+                <a:latin typeface="Cooper Black"/>
+                <a:ea typeface="BatangChe"/>
+              </a:rPr>
+              <a:t>Erdös-Rénye</a:t>
+            </a:r>
+            <a:endParaRPr lang="pt-BR" sz="5200" b="0" strike="noStrike" spc="-1" dirty="0">
+              <a:ln w="38100">
+                <a:solidFill>
+                  <a:schemeClr val="tx1"/>
+                </a:solidFill>
+              </a:ln>
+              <a:solidFill>
+                <a:srgbClr val="000000"/>
+              </a:solidFill>
+              <a:latin typeface="Calibri"/>
+            </a:endParaRPr>
+          </a:p>
+        </p:txBody>
+      </p:sp>
+      <p:pic>
+        <p:nvPicPr>
+          <p:cNvPr id="119" name="Imagem 118"/>
+          <p:cNvPicPr/>
+          <p:nvPr/>
+        </p:nvPicPr>
+        <p:blipFill>
+          <a:blip r:embed="rId3"/>
+          <a:stretch/>
+        </p:blipFill>
+        <p:spPr>
+          <a:xfrm>
+            <a:off x="3670560" y="1809000"/>
+            <a:ext cx="6527160" cy="4350960"/>
+          </a:xfrm>
+          <a:prstGeom prst="rect">
+            <a:avLst/>
+          </a:prstGeom>
+          <a:ln>
+            <a:noFill/>
+          </a:ln>
+        </p:spPr>
+      </p:pic>
+    </p:spTree>
+  </p:cSld>
+  <p:clrMapOvr>
+    <a:masterClrMapping/>
+  </p:clrMapOvr>
+</p:sld>
+</file>
+
+<file path=ppt/slides/slide16.xml><?xml version="1.0" encoding="utf-8"?>
 <p:sld xmlns:a="http://schemas.openxmlformats.org/drawingml/2006/main" xmlns:r="http://schemas.openxmlformats.org/officeDocument/2006/relationships" xmlns:p="http://schemas.openxmlformats.org/presentationml/2006/main">
   <p:cSld>
     <p:bg>
@@ -6829,7 +7103,7 @@
 </p:sld>
 </file>
 
-<file path=ppt/slides/slide15.xml><?xml version="1.0" encoding="utf-8"?>
+<file path=ppt/slides/slide17.xml><?xml version="1.0" encoding="utf-8"?>
 <p:sld xmlns:a="http://schemas.openxmlformats.org/drawingml/2006/main" xmlns:r="http://schemas.openxmlformats.org/officeDocument/2006/relationships" xmlns:p="http://schemas.openxmlformats.org/presentationml/2006/main">
   <p:cSld>
     <p:bg>
@@ -7262,7 +7536,7 @@
         <p:spPr>
           <a:xfrm>
             <a:off x="4074852" y="2716102"/>
-            <a:ext cx="6377818" cy="3042510"/>
+            <a:ext cx="6377818" cy="3107649"/>
           </a:xfrm>
           <a:prstGeom prst="line">
             <a:avLst/>
@@ -7637,7 +7911,7 @@
 </p:sld>
 </file>
 
-<file path=ppt/slides/slide16.xml><?xml version="1.0" encoding="utf-8"?>
+<file path=ppt/slides/slide18.xml><?xml version="1.0" encoding="utf-8"?>
 <p:sld xmlns:a="http://schemas.openxmlformats.org/drawingml/2006/main" xmlns:r="http://schemas.openxmlformats.org/officeDocument/2006/relationships" xmlns:p="http://schemas.openxmlformats.org/presentationml/2006/main">
   <p:cSld>
     <p:bg>
@@ -7804,419 +8078,6 @@
         <p14:creationId xmlns:p14="http://schemas.microsoft.com/office/powerpoint/2010/main" val="1374277805"/>
       </p:ext>
     </p:extLst>
-  </p:cSld>
-  <p:clrMapOvr>
-    <a:masterClrMapping/>
-  </p:clrMapOvr>
-</p:sld>
-</file>
-
-<file path=ppt/slides/slide17.xml><?xml version="1.0" encoding="utf-8"?>
-<p:sld xmlns:a="http://schemas.openxmlformats.org/drawingml/2006/main" xmlns:r="http://schemas.openxmlformats.org/officeDocument/2006/relationships" xmlns:p="http://schemas.openxmlformats.org/presentationml/2006/main">
-  <p:cSld>
-    <p:bg>
-      <p:bgPr>
-        <a:blipFill rotWithShape="0">
-          <a:blip r:embed="rId2"/>
-          <a:stretch>
-            <a:fillRect/>
-          </a:stretch>
-        </a:blipFill>
-        <a:effectLst/>
-      </p:bgPr>
-    </p:bg>
-    <p:spTree>
-      <p:nvGrpSpPr>
-        <p:cNvPr id="1" name=""/>
-        <p:cNvGrpSpPr/>
-        <p:nvPr/>
-      </p:nvGrpSpPr>
-      <p:grpSpPr>
-        <a:xfrm>
-          <a:off x="0" y="0"/>
-          <a:ext cx="0" cy="0"/>
-          <a:chOff x="0" y="0"/>
-          <a:chExt cx="0" cy="0"/>
-        </a:xfrm>
-      </p:grpSpPr>
-      <p:sp>
-        <p:nvSpPr>
-          <p:cNvPr id="129" name="TextShape 1"/>
-          <p:cNvSpPr txBox="1"/>
-          <p:nvPr/>
-        </p:nvSpPr>
-        <p:spPr>
-          <a:xfrm>
-            <a:off x="0" y="355680"/>
-            <a:ext cx="10516320" cy="1325160"/>
-          </a:xfrm>
-          <a:prstGeom prst="rect">
-            <a:avLst/>
-          </a:prstGeom>
-          <a:noFill/>
-          <a:ln>
-            <a:noFill/>
-          </a:ln>
-        </p:spPr>
-        <p:txBody>
-          <a:bodyPr anchor="ctr">
-            <a:normAutofit/>
-          </a:bodyPr>
-          <a:lstStyle/>
-          <a:p>
-            <a:pPr algn="r">
-              <a:lnSpc>
-                <a:spcPct val="90000"/>
-              </a:lnSpc>
-            </a:pPr>
-            <a:r>
-              <a:rPr lang="pt-BR" sz="6000" b="0" strike="noStrike" spc="-1" dirty="0">
-                <a:ln w="38100">
-                  <a:solidFill>
-                    <a:schemeClr val="tx1"/>
-                  </a:solidFill>
-                </a:ln>
-                <a:solidFill>
-                  <a:srgbClr val="FFFF00"/>
-                </a:solidFill>
-                <a:latin typeface="Cooper Black"/>
-                <a:ea typeface="BatangChe"/>
-              </a:rPr>
-              <a:t>Caminho mais longo </a:t>
-            </a:r>
-            <a:endParaRPr lang="pt-BR" sz="6000" b="0" strike="noStrike" spc="-1" dirty="0">
-              <a:ln w="38100">
-                <a:solidFill>
-                  <a:schemeClr val="tx1"/>
-                </a:solidFill>
-              </a:ln>
-              <a:solidFill>
-                <a:srgbClr val="000000"/>
-              </a:solidFill>
-              <a:latin typeface="Calibri"/>
-            </a:endParaRPr>
-          </a:p>
-        </p:txBody>
-      </p:sp>
-      <p:sp>
-        <p:nvSpPr>
-          <p:cNvPr id="130" name="TextShape 2"/>
-          <p:cNvSpPr txBox="1"/>
-          <p:nvPr/>
-        </p:nvSpPr>
-        <p:spPr>
-          <a:xfrm>
-            <a:off x="1228436" y="1825560"/>
-            <a:ext cx="9287884" cy="4350960"/>
-          </a:xfrm>
-          <a:prstGeom prst="rect">
-            <a:avLst/>
-          </a:prstGeom>
-          <a:noFill/>
-          <a:ln>
-            <a:noFill/>
-          </a:ln>
-        </p:spPr>
-        <p:txBody>
-          <a:bodyPr>
-            <a:noAutofit/>
-          </a:bodyPr>
-          <a:lstStyle/>
-          <a:p>
-            <a:endParaRPr lang="pt-BR" sz="3600" b="0" strike="noStrike" spc="-1" dirty="0">
-              <a:solidFill>
-                <a:srgbClr val="000000"/>
-              </a:solidFill>
-              <a:latin typeface="Calibri"/>
-            </a:endParaRPr>
-          </a:p>
-          <a:p>
-            <a:endParaRPr lang="pt-BR" sz="3600" spc="-1" dirty="0">
-              <a:solidFill>
-                <a:srgbClr val="000000"/>
-              </a:solidFill>
-              <a:latin typeface="Calibri"/>
-            </a:endParaRPr>
-          </a:p>
-          <a:p>
-            <a:pPr algn="just"/>
-            <a:r>
-              <a:rPr lang="pt-BR" sz="3600" b="0" strike="noStrike" spc="-1" dirty="0">
-                <a:solidFill>
-                  <a:srgbClr val="000000"/>
-                </a:solidFill>
-                <a:latin typeface="Calibri"/>
-              </a:rPr>
-              <a:t>Verinha -&gt; Rolo -&gt; Tina -&gt; Maurício de Sousa -&gt; Cascão -&gt; Irmãs Cebolinhas -&gt; Chico Bento -&gt; Onça -&gt; Papa-Capim -&gt; Pajé </a:t>
-            </a:r>
-            <a:r>
-              <a:rPr lang="pt-BR" sz="3600" b="0" u="sng" strike="noStrike" spc="-1" dirty="0">
-                <a:solidFill>
-                  <a:srgbClr val="000000"/>
-                </a:solidFill>
-                <a:latin typeface="Calibri"/>
-              </a:rPr>
-              <a:t>-&gt; #tdm_35 Índia</a:t>
-            </a:r>
-          </a:p>
-        </p:txBody>
-      </p:sp>
-    </p:spTree>
-  </p:cSld>
-  <p:clrMapOvr>
-    <a:masterClrMapping/>
-  </p:clrMapOvr>
-</p:sld>
-</file>
-
-<file path=ppt/slides/slide18.xml><?xml version="1.0" encoding="utf-8"?>
-<p:sld xmlns:a="http://schemas.openxmlformats.org/drawingml/2006/main" xmlns:r="http://schemas.openxmlformats.org/officeDocument/2006/relationships" xmlns:p="http://schemas.openxmlformats.org/presentationml/2006/main">
-  <p:cSld>
-    <p:bg>
-      <p:bgPr>
-        <a:blipFill rotWithShape="0">
-          <a:blip r:embed="rId2"/>
-          <a:stretch>
-            <a:fillRect/>
-          </a:stretch>
-        </a:blipFill>
-        <a:effectLst/>
-      </p:bgPr>
-    </p:bg>
-    <p:spTree>
-      <p:nvGrpSpPr>
-        <p:cNvPr id="1" name=""/>
-        <p:cNvGrpSpPr/>
-        <p:nvPr/>
-      </p:nvGrpSpPr>
-      <p:grpSpPr>
-        <a:xfrm>
-          <a:off x="0" y="0"/>
-          <a:ext cx="0" cy="0"/>
-          <a:chOff x="0" y="0"/>
-          <a:chExt cx="0" cy="0"/>
-        </a:xfrm>
-      </p:grpSpPr>
-      <p:sp>
-        <p:nvSpPr>
-          <p:cNvPr id="131" name="TextShape 1"/>
-          <p:cNvSpPr txBox="1"/>
-          <p:nvPr/>
-        </p:nvSpPr>
-        <p:spPr>
-          <a:xfrm>
-            <a:off x="1677268" y="355680"/>
-            <a:ext cx="10516320" cy="1325160"/>
-          </a:xfrm>
-          <a:prstGeom prst="rect">
-            <a:avLst/>
-          </a:prstGeom>
-          <a:noFill/>
-          <a:ln>
-            <a:noFill/>
-          </a:ln>
-        </p:spPr>
-        <p:txBody>
-          <a:bodyPr anchor="ctr">
-            <a:normAutofit/>
-          </a:bodyPr>
-          <a:lstStyle/>
-          <a:p>
-            <a:pPr>
-              <a:lnSpc>
-                <a:spcPct val="90000"/>
-              </a:lnSpc>
-            </a:pPr>
-            <a:r>
-              <a:rPr lang="pt-BR" sz="6000" b="0" strike="noStrike" spc="-1" dirty="0">
-                <a:ln w="38100">
-                  <a:solidFill>
-                    <a:schemeClr val="tx1"/>
-                  </a:solidFill>
-                </a:ln>
-                <a:solidFill>
-                  <a:srgbClr val="FFFF00"/>
-                </a:solidFill>
-                <a:latin typeface="Cooper Black"/>
-                <a:ea typeface="BatangChe"/>
-              </a:rPr>
-              <a:t>Curiosidades</a:t>
-            </a:r>
-            <a:endParaRPr lang="pt-BR" sz="6000" b="0" strike="noStrike" spc="-1" dirty="0">
-              <a:ln w="38100">
-                <a:solidFill>
-                  <a:schemeClr val="tx1"/>
-                </a:solidFill>
-              </a:ln>
-              <a:solidFill>
-                <a:srgbClr val="000000"/>
-              </a:solidFill>
-              <a:latin typeface="Calibri"/>
-            </a:endParaRPr>
-          </a:p>
-        </p:txBody>
-      </p:sp>
-      <p:sp>
-        <p:nvSpPr>
-          <p:cNvPr id="132" name="TextShape 2"/>
-          <p:cNvSpPr txBox="1"/>
-          <p:nvPr/>
-        </p:nvSpPr>
-        <p:spPr>
-          <a:xfrm>
-            <a:off x="2088219" y="2119466"/>
-            <a:ext cx="6691797" cy="4350960"/>
-          </a:xfrm>
-          <a:prstGeom prst="rect">
-            <a:avLst/>
-          </a:prstGeom>
-          <a:noFill/>
-          <a:ln>
-            <a:noFill/>
-          </a:ln>
-        </p:spPr>
-        <p:txBody>
-          <a:bodyPr>
-            <a:noAutofit/>
-          </a:bodyPr>
-          <a:lstStyle/>
-          <a:p>
-            <a:r>
-              <a:rPr lang="pt-BR" sz="3200" b="0" strike="noStrike" spc="-1" dirty="0">
-                <a:solidFill>
-                  <a:srgbClr val="000000"/>
-                </a:solidFill>
-                <a:latin typeface="Comic Sans MS" panose="030F0702030302020204" pitchFamily="66" charset="0"/>
-              </a:rPr>
-              <a:t>TRAIÇÃO NO LIMOEIRO: </a:t>
-            </a:r>
-            <a:endParaRPr lang="pt-BR" sz="3200" spc="-1" dirty="0">
-              <a:solidFill>
-                <a:srgbClr val="000000"/>
-              </a:solidFill>
-              <a:latin typeface="Comic Sans MS" panose="030F0702030302020204" pitchFamily="66" charset="0"/>
-            </a:endParaRPr>
-          </a:p>
-          <a:p>
-            <a:r>
-              <a:rPr lang="pt-BR" sz="3200" b="0" strike="noStrike" spc="-1" dirty="0">
-                <a:solidFill>
-                  <a:srgbClr val="000000"/>
-                </a:solidFill>
-                <a:latin typeface="Comic Sans MS" panose="030F0702030302020204" pitchFamily="66" charset="0"/>
-              </a:rPr>
-              <a:t>Seu Souza (pai da Mônica) possui mais proximidade com Mônica, Dona Luísa e Sansão.</a:t>
-            </a:r>
-          </a:p>
-          <a:p>
-            <a:r>
-              <a:rPr lang="pt-BR" sz="3200" spc="-1" dirty="0">
-                <a:solidFill>
-                  <a:srgbClr val="000000"/>
-                </a:solidFill>
-                <a:latin typeface="Comic Sans MS" panose="030F0702030302020204" pitchFamily="66" charset="0"/>
-              </a:rPr>
-              <a:t>Enquanto Dona Luísa, é mais próxima da Mônica, Magali e Seu Antenor (Pai do Cascão)</a:t>
-            </a:r>
-            <a:r>
-              <a:rPr lang="pt-BR" sz="3200" b="0" strike="noStrike" spc="-1" dirty="0">
-                <a:solidFill>
-                  <a:srgbClr val="000000"/>
-                </a:solidFill>
-                <a:latin typeface="Comic Sans MS" panose="030F0702030302020204" pitchFamily="66" charset="0"/>
-              </a:rPr>
-              <a:t> </a:t>
-            </a:r>
-          </a:p>
-        </p:txBody>
-      </p:sp>
-      <p:pic>
-        <p:nvPicPr>
-          <p:cNvPr id="3" name="Imagem 2" descr="Desenho de personagem de desenho animado&#10;&#10;Descrição gerada automaticamente">
-            <a:extLst>
-              <a:ext uri="{FF2B5EF4-FFF2-40B4-BE49-F238E27FC236}">
-                <a16:creationId xmlns:a16="http://schemas.microsoft.com/office/drawing/2014/main" id="{5F8E795C-6196-4058-A924-A3F515B2CCD1}"/>
-              </a:ext>
-            </a:extLst>
-          </p:cNvPr>
-          <p:cNvPicPr>
-            <a:picLocks noChangeAspect="1"/>
-          </p:cNvPicPr>
-          <p:nvPr/>
-        </p:nvPicPr>
-        <p:blipFill>
-          <a:blip r:embed="rId3">
-            <a:extLst>
-              <a:ext uri="{28A0092B-C50C-407E-A947-70E740481C1C}">
-                <a14:useLocalDpi xmlns:a14="http://schemas.microsoft.com/office/drawing/2010/main" val="0"/>
-              </a:ext>
-            </a:extLst>
-          </a:blip>
-          <a:stretch>
-            <a:fillRect/>
-          </a:stretch>
-        </p:blipFill>
-        <p:spPr>
-          <a:xfrm>
-            <a:off x="9272331" y="3429000"/>
-            <a:ext cx="2047875" cy="2857500"/>
-          </a:xfrm>
-          <a:prstGeom prst="rect">
-            <a:avLst/>
-          </a:prstGeom>
-        </p:spPr>
-      </p:pic>
-      <p:pic>
-        <p:nvPicPr>
-          <p:cNvPr id="5" name="Imagem 4" descr="Desenho de personagem de desenho animado&#10;&#10;Descrição gerada automaticamente com confiança média">
-            <a:extLst>
-              <a:ext uri="{FF2B5EF4-FFF2-40B4-BE49-F238E27FC236}">
-                <a16:creationId xmlns:a16="http://schemas.microsoft.com/office/drawing/2014/main" id="{C33D7D70-EC6E-46ED-B1BF-8A77ACC78A9A}"/>
-              </a:ext>
-            </a:extLst>
-          </p:cNvPr>
-          <p:cNvPicPr>
-            <a:picLocks noChangeAspect="1"/>
-          </p:cNvPicPr>
-          <p:nvPr/>
-        </p:nvPicPr>
-        <p:blipFill>
-          <a:blip r:embed="rId4">
-            <a:extLst>
-              <a:ext uri="{28A0092B-C50C-407E-A947-70E740481C1C}">
-                <a14:useLocalDpi xmlns:a14="http://schemas.microsoft.com/office/drawing/2010/main" val="0"/>
-              </a:ext>
-            </a:extLst>
-          </a:blip>
-          <a:stretch>
-            <a:fillRect/>
-          </a:stretch>
-        </p:blipFill>
-        <p:spPr>
-          <a:xfrm>
-            <a:off x="9188451" y="587261"/>
-            <a:ext cx="2215636" cy="2187158"/>
-          </a:xfrm>
-          <a:prstGeom prst="rect">
-            <a:avLst/>
-          </a:prstGeom>
-          <a:ln w="38100" cap="sq">
-            <a:solidFill>
-              <a:srgbClr val="000000"/>
-            </a:solidFill>
-            <a:prstDash val="solid"/>
-            <a:miter lim="800000"/>
-          </a:ln>
-          <a:effectLst>
-            <a:outerShdw blurRad="50800" dist="38100" dir="2700000" algn="tl" rotWithShape="0">
-              <a:srgbClr val="000000">
-                <a:alpha val="43000"/>
-              </a:srgbClr>
-            </a:outerShdw>
-          </a:effectLst>
-        </p:spPr>
-      </p:pic>
-    </p:spTree>
   </p:cSld>
   <p:clrMapOvr>
     <a:masterClrMapping/>
@@ -8254,13 +8115,13 @@
       </p:grpSpPr>
       <p:sp>
         <p:nvSpPr>
-          <p:cNvPr id="131" name="TextShape 1"/>
+          <p:cNvPr id="129" name="TextShape 1"/>
           <p:cNvSpPr txBox="1"/>
           <p:nvPr/>
         </p:nvSpPr>
         <p:spPr>
           <a:xfrm>
-            <a:off x="1677268" y="355680"/>
+            <a:off x="0" y="355680"/>
             <a:ext cx="10516320" cy="1325160"/>
           </a:xfrm>
           <a:prstGeom prst="rect">
@@ -8277,7 +8138,7 @@
           </a:bodyPr>
           <a:lstStyle/>
           <a:p>
-            <a:pPr>
+            <a:pPr algn="r">
               <a:lnSpc>
                 <a:spcPct val="90000"/>
               </a:lnSpc>
@@ -8295,7 +8156,7 @@
                 <a:latin typeface="Cooper Black"/>
                 <a:ea typeface="BatangChe"/>
               </a:rPr>
-              <a:t>Problemas ocorridos</a:t>
+              <a:t>Caminho mais longo </a:t>
             </a:r>
             <a:endParaRPr lang="pt-BR" sz="6000" b="0" strike="noStrike" spc="-1" dirty="0">
               <a:ln w="38100">
@@ -8313,14 +8174,14 @@
       </p:sp>
       <p:sp>
         <p:nvSpPr>
-          <p:cNvPr id="132" name="TextShape 2"/>
+          <p:cNvPr id="130" name="TextShape 2"/>
           <p:cNvSpPr txBox="1"/>
           <p:nvPr/>
         </p:nvSpPr>
         <p:spPr>
           <a:xfrm>
-            <a:off x="1677268" y="1862014"/>
-            <a:ext cx="9561862" cy="4350960"/>
+            <a:off x="1228436" y="1825560"/>
+            <a:ext cx="9287884" cy="4350960"/>
           </a:xfrm>
           <a:prstGeom prst="rect">
             <a:avLst/>
@@ -8336,58 +8197,45 @@
           </a:bodyPr>
           <a:lstStyle/>
           <a:p>
-            <a:pPr marL="457200" indent="-457200">
-              <a:buFont typeface="Arial" panose="020B0604020202020204" pitchFamily="34" charset="0"/>
-              <a:buChar char="•"/>
-            </a:pPr>
+            <a:endParaRPr lang="pt-BR" sz="3600" b="0" strike="noStrike" spc="-1" dirty="0">
+              <a:solidFill>
+                <a:srgbClr val="000000"/>
+              </a:solidFill>
+              <a:latin typeface="Calibri"/>
+            </a:endParaRPr>
+          </a:p>
+          <a:p>
+            <a:endParaRPr lang="pt-BR" sz="3600" spc="-1" dirty="0">
+              <a:solidFill>
+                <a:srgbClr val="000000"/>
+              </a:solidFill>
+              <a:latin typeface="Calibri"/>
+            </a:endParaRPr>
+          </a:p>
+          <a:p>
+            <a:pPr algn="just"/>
             <a:r>
-              <a:rPr lang="pt-BR" sz="2400" b="0" strike="noStrike" spc="-1" dirty="0">
+              <a:rPr lang="pt-BR" sz="3600" b="0" strike="noStrike" spc="-1" dirty="0">
                 <a:solidFill>
                   <a:srgbClr val="000000"/>
                 </a:solidFill>
-                <a:latin typeface="Comic Sans MS" panose="030F0702030302020204" pitchFamily="66" charset="0"/>
-              </a:rPr>
-              <a:t>Grande parte de algumas incoerências ou falta de relações que nós como fãs, sabemos que está faltando, vem do fato da amostra apesar de possuir 30 gibis, ainda sim é pequena comparada aos mais de 60 anos de Turma da Mônica.</a:t>
+                <a:latin typeface="Calibri"/>
+              </a:rPr>
+              <a:t>Verinha -&gt; Rolo -&gt; Tina -&gt; Maurício de Sousa -&gt; Cascão -&gt; Irmãs Cebolinhas -&gt; Chico Bento -&gt; Onça -&gt; Papa-Capim -&gt; Pajé </a:t>
             </a:r>
-          </a:p>
-          <a:p>
-            <a:pPr marL="457200" indent="-457200">
-              <a:buFont typeface="Arial" panose="020B0604020202020204" pitchFamily="34" charset="0"/>
-              <a:buChar char="•"/>
-            </a:pPr>
             <a:r>
-              <a:rPr lang="pt-BR" sz="2400" b="0" strike="noStrike" spc="-1" dirty="0">
+              <a:rPr lang="pt-BR" sz="3600" b="0" u="sng" strike="noStrike" spc="-1" dirty="0">
                 <a:solidFill>
                   <a:srgbClr val="000000"/>
                 </a:solidFill>
-                <a:latin typeface="Comic Sans MS" panose="030F0702030302020204" pitchFamily="66" charset="0"/>
-              </a:rPr>
-              <a:t>Ainda existem problemas acerca da interpretação de relações, quando personagens estão: em pensamento, flashbacks ou possibilidades de futuro, falando só por telefone ou narrando a história, entre outros.</a:t>
+                <a:latin typeface="Calibri"/>
+              </a:rPr>
+              <a:t>-&gt; #tdm_35 Índia</a:t>
             </a:r>
           </a:p>
-          <a:p>
-            <a:pPr marL="457200" indent="-457200">
-              <a:buFont typeface="Arial" panose="020B0604020202020204" pitchFamily="34" charset="0"/>
-              <a:buChar char="•"/>
-            </a:pPr>
-            <a:r>
-              <a:rPr lang="pt-BR" sz="2400" b="0" strike="noStrike" spc="-1" dirty="0">
-                <a:solidFill>
-                  <a:srgbClr val="000000"/>
-                </a:solidFill>
-                <a:latin typeface="Comic Sans MS" panose="030F0702030302020204" pitchFamily="66" charset="0"/>
-              </a:rPr>
-              <a:t>Tentou-se entrar em contato com a Maurício de Sousa Produções por vários meios sociais, no entanto em nenhuma deles se obteve algum retorno.</a:t>
-            </a:r>
-          </a:p>
         </p:txBody>
       </p:sp>
     </p:spTree>
-    <p:extLst>
-      <p:ext uri="{BB962C8B-B14F-4D97-AF65-F5344CB8AC3E}">
-        <p14:creationId xmlns:p14="http://schemas.microsoft.com/office/powerpoint/2010/main" val="4090761829"/>
-      </p:ext>
-    </p:extLst>
   </p:cSld>
   <p:clrMapOvr>
     <a:masterClrMapping/>
@@ -8804,6 +8652,432 @@
                 <a:latin typeface="Cooper Black"/>
                 <a:ea typeface="BatangChe"/>
               </a:rPr>
+              <a:t>Curiosidades</a:t>
+            </a:r>
+            <a:endParaRPr lang="pt-BR" sz="6000" b="0" strike="noStrike" spc="-1" dirty="0">
+              <a:ln w="38100">
+                <a:solidFill>
+                  <a:schemeClr val="tx1"/>
+                </a:solidFill>
+              </a:ln>
+              <a:solidFill>
+                <a:srgbClr val="000000"/>
+              </a:solidFill>
+              <a:latin typeface="Calibri"/>
+            </a:endParaRPr>
+          </a:p>
+        </p:txBody>
+      </p:sp>
+      <p:sp>
+        <p:nvSpPr>
+          <p:cNvPr id="132" name="TextShape 2"/>
+          <p:cNvSpPr txBox="1"/>
+          <p:nvPr/>
+        </p:nvSpPr>
+        <p:spPr>
+          <a:xfrm>
+            <a:off x="2088219" y="2119466"/>
+            <a:ext cx="6691797" cy="4350960"/>
+          </a:xfrm>
+          <a:prstGeom prst="rect">
+            <a:avLst/>
+          </a:prstGeom>
+          <a:noFill/>
+          <a:ln>
+            <a:noFill/>
+          </a:ln>
+        </p:spPr>
+        <p:txBody>
+          <a:bodyPr>
+            <a:noAutofit/>
+          </a:bodyPr>
+          <a:lstStyle/>
+          <a:p>
+            <a:r>
+              <a:rPr lang="pt-BR" sz="3200" b="0" strike="noStrike" spc="-1" dirty="0">
+                <a:solidFill>
+                  <a:srgbClr val="000000"/>
+                </a:solidFill>
+                <a:latin typeface="Comic Sans MS" panose="030F0702030302020204" pitchFamily="66" charset="0"/>
+              </a:rPr>
+              <a:t>TRAIÇÃO NO LIMOEIRO: </a:t>
+            </a:r>
+            <a:endParaRPr lang="pt-BR" sz="3200" spc="-1" dirty="0">
+              <a:solidFill>
+                <a:srgbClr val="000000"/>
+              </a:solidFill>
+              <a:latin typeface="Comic Sans MS" panose="030F0702030302020204" pitchFamily="66" charset="0"/>
+            </a:endParaRPr>
+          </a:p>
+          <a:p>
+            <a:r>
+              <a:rPr lang="pt-BR" sz="3200" b="0" strike="noStrike" spc="-1" dirty="0">
+                <a:solidFill>
+                  <a:srgbClr val="000000"/>
+                </a:solidFill>
+                <a:latin typeface="Comic Sans MS" panose="030F0702030302020204" pitchFamily="66" charset="0"/>
+              </a:rPr>
+              <a:t>Seu Souza (pai da Mônica) possui mais proximidade com Mônica, Dona Luísa e Sansão.</a:t>
+            </a:r>
+          </a:p>
+          <a:p>
+            <a:r>
+              <a:rPr lang="pt-BR" sz="3200" spc="-1" dirty="0">
+                <a:solidFill>
+                  <a:srgbClr val="000000"/>
+                </a:solidFill>
+                <a:latin typeface="Comic Sans MS" panose="030F0702030302020204" pitchFamily="66" charset="0"/>
+              </a:rPr>
+              <a:t>Enquanto Dona Luísa, é mais próxima da Mônica, Magali e Seu Antenor (Pai do Cascão)</a:t>
+            </a:r>
+            <a:r>
+              <a:rPr lang="pt-BR" sz="3200" b="0" strike="noStrike" spc="-1" dirty="0">
+                <a:solidFill>
+                  <a:srgbClr val="000000"/>
+                </a:solidFill>
+                <a:latin typeface="Comic Sans MS" panose="030F0702030302020204" pitchFamily="66" charset="0"/>
+              </a:rPr>
+              <a:t> </a:t>
+            </a:r>
+          </a:p>
+        </p:txBody>
+      </p:sp>
+      <p:pic>
+        <p:nvPicPr>
+          <p:cNvPr id="3" name="Imagem 2" descr="Desenho de personagem de desenho animado&#10;&#10;Descrição gerada automaticamente">
+            <a:extLst>
+              <a:ext uri="{FF2B5EF4-FFF2-40B4-BE49-F238E27FC236}">
+                <a16:creationId xmlns:a16="http://schemas.microsoft.com/office/drawing/2014/main" id="{5F8E795C-6196-4058-A924-A3F515B2CCD1}"/>
+              </a:ext>
+            </a:extLst>
+          </p:cNvPr>
+          <p:cNvPicPr>
+            <a:picLocks noChangeAspect="1"/>
+          </p:cNvPicPr>
+          <p:nvPr/>
+        </p:nvPicPr>
+        <p:blipFill>
+          <a:blip r:embed="rId3">
+            <a:extLst>
+              <a:ext uri="{28A0092B-C50C-407E-A947-70E740481C1C}">
+                <a14:useLocalDpi xmlns:a14="http://schemas.microsoft.com/office/drawing/2010/main" val="0"/>
+              </a:ext>
+            </a:extLst>
+          </a:blip>
+          <a:stretch>
+            <a:fillRect/>
+          </a:stretch>
+        </p:blipFill>
+        <p:spPr>
+          <a:xfrm>
+            <a:off x="9272331" y="3429000"/>
+            <a:ext cx="2047875" cy="2857500"/>
+          </a:xfrm>
+          <a:prstGeom prst="rect">
+            <a:avLst/>
+          </a:prstGeom>
+        </p:spPr>
+      </p:pic>
+      <p:pic>
+        <p:nvPicPr>
+          <p:cNvPr id="5" name="Imagem 4" descr="Desenho de personagem de desenho animado&#10;&#10;Descrição gerada automaticamente com confiança média">
+            <a:extLst>
+              <a:ext uri="{FF2B5EF4-FFF2-40B4-BE49-F238E27FC236}">
+                <a16:creationId xmlns:a16="http://schemas.microsoft.com/office/drawing/2014/main" id="{C33D7D70-EC6E-46ED-B1BF-8A77ACC78A9A}"/>
+              </a:ext>
+            </a:extLst>
+          </p:cNvPr>
+          <p:cNvPicPr>
+            <a:picLocks noChangeAspect="1"/>
+          </p:cNvPicPr>
+          <p:nvPr/>
+        </p:nvPicPr>
+        <p:blipFill>
+          <a:blip r:embed="rId4">
+            <a:extLst>
+              <a:ext uri="{28A0092B-C50C-407E-A947-70E740481C1C}">
+                <a14:useLocalDpi xmlns:a14="http://schemas.microsoft.com/office/drawing/2010/main" val="0"/>
+              </a:ext>
+            </a:extLst>
+          </a:blip>
+          <a:stretch>
+            <a:fillRect/>
+          </a:stretch>
+        </p:blipFill>
+        <p:spPr>
+          <a:xfrm>
+            <a:off x="9188451" y="587261"/>
+            <a:ext cx="2215636" cy="2187158"/>
+          </a:xfrm>
+          <a:prstGeom prst="rect">
+            <a:avLst/>
+          </a:prstGeom>
+          <a:ln w="38100" cap="sq">
+            <a:solidFill>
+              <a:srgbClr val="000000"/>
+            </a:solidFill>
+            <a:prstDash val="solid"/>
+            <a:miter lim="800000"/>
+          </a:ln>
+          <a:effectLst>
+            <a:outerShdw blurRad="50800" dist="38100" dir="2700000" algn="tl" rotWithShape="0">
+              <a:srgbClr val="000000">
+                <a:alpha val="43000"/>
+              </a:srgbClr>
+            </a:outerShdw>
+          </a:effectLst>
+        </p:spPr>
+      </p:pic>
+    </p:spTree>
+  </p:cSld>
+  <p:clrMapOvr>
+    <a:masterClrMapping/>
+  </p:clrMapOvr>
+</p:sld>
+</file>
+
+<file path=ppt/slides/slide21.xml><?xml version="1.0" encoding="utf-8"?>
+<p:sld xmlns:a="http://schemas.openxmlformats.org/drawingml/2006/main" xmlns:r="http://schemas.openxmlformats.org/officeDocument/2006/relationships" xmlns:p="http://schemas.openxmlformats.org/presentationml/2006/main">
+  <p:cSld>
+    <p:bg>
+      <p:bgPr>
+        <a:blipFill rotWithShape="0">
+          <a:blip r:embed="rId2"/>
+          <a:stretch>
+            <a:fillRect/>
+          </a:stretch>
+        </a:blipFill>
+        <a:effectLst/>
+      </p:bgPr>
+    </p:bg>
+    <p:spTree>
+      <p:nvGrpSpPr>
+        <p:cNvPr id="1" name=""/>
+        <p:cNvGrpSpPr/>
+        <p:nvPr/>
+      </p:nvGrpSpPr>
+      <p:grpSpPr>
+        <a:xfrm>
+          <a:off x="0" y="0"/>
+          <a:ext cx="0" cy="0"/>
+          <a:chOff x="0" y="0"/>
+          <a:chExt cx="0" cy="0"/>
+        </a:xfrm>
+      </p:grpSpPr>
+      <p:sp>
+        <p:nvSpPr>
+          <p:cNvPr id="131" name="TextShape 1"/>
+          <p:cNvSpPr txBox="1"/>
+          <p:nvPr/>
+        </p:nvSpPr>
+        <p:spPr>
+          <a:xfrm>
+            <a:off x="1677268" y="355680"/>
+            <a:ext cx="10516320" cy="1325160"/>
+          </a:xfrm>
+          <a:prstGeom prst="rect">
+            <a:avLst/>
+          </a:prstGeom>
+          <a:noFill/>
+          <a:ln>
+            <a:noFill/>
+          </a:ln>
+        </p:spPr>
+        <p:txBody>
+          <a:bodyPr anchor="ctr">
+            <a:normAutofit/>
+          </a:bodyPr>
+          <a:lstStyle/>
+          <a:p>
+            <a:pPr>
+              <a:lnSpc>
+                <a:spcPct val="90000"/>
+              </a:lnSpc>
+            </a:pPr>
+            <a:r>
+              <a:rPr lang="pt-BR" sz="6000" b="0" strike="noStrike" spc="-1" dirty="0">
+                <a:ln w="38100">
+                  <a:solidFill>
+                    <a:schemeClr val="tx1"/>
+                  </a:solidFill>
+                </a:ln>
+                <a:solidFill>
+                  <a:srgbClr val="FFFF00"/>
+                </a:solidFill>
+                <a:latin typeface="Cooper Black"/>
+                <a:ea typeface="BatangChe"/>
+              </a:rPr>
+              <a:t>Problemas ocorridos</a:t>
+            </a:r>
+            <a:endParaRPr lang="pt-BR" sz="6000" b="0" strike="noStrike" spc="-1" dirty="0">
+              <a:ln w="38100">
+                <a:solidFill>
+                  <a:schemeClr val="tx1"/>
+                </a:solidFill>
+              </a:ln>
+              <a:solidFill>
+                <a:srgbClr val="000000"/>
+              </a:solidFill>
+              <a:latin typeface="Calibri"/>
+            </a:endParaRPr>
+          </a:p>
+        </p:txBody>
+      </p:sp>
+      <p:sp>
+        <p:nvSpPr>
+          <p:cNvPr id="132" name="TextShape 2"/>
+          <p:cNvSpPr txBox="1"/>
+          <p:nvPr/>
+        </p:nvSpPr>
+        <p:spPr>
+          <a:xfrm>
+            <a:off x="1677268" y="1862014"/>
+            <a:ext cx="9561862" cy="4350960"/>
+          </a:xfrm>
+          <a:prstGeom prst="rect">
+            <a:avLst/>
+          </a:prstGeom>
+          <a:noFill/>
+          <a:ln>
+            <a:noFill/>
+          </a:ln>
+        </p:spPr>
+        <p:txBody>
+          <a:bodyPr>
+            <a:noAutofit/>
+          </a:bodyPr>
+          <a:lstStyle/>
+          <a:p>
+            <a:pPr marL="457200" indent="-457200">
+              <a:buFont typeface="Arial" panose="020B0604020202020204" pitchFamily="34" charset="0"/>
+              <a:buChar char="•"/>
+            </a:pPr>
+            <a:r>
+              <a:rPr lang="pt-BR" sz="2400" b="0" strike="noStrike" spc="-1" dirty="0">
+                <a:solidFill>
+                  <a:srgbClr val="000000"/>
+                </a:solidFill>
+                <a:latin typeface="Comic Sans MS" panose="030F0702030302020204" pitchFamily="66" charset="0"/>
+              </a:rPr>
+              <a:t>Grande parte de algumas incoerências ou falta de relações que nós como fãs, sabemos que está faltando, vem do fato da amostra apesar de possuir 30 gibis, ainda sim é pequena comparada aos mais de 60 anos de Turma da Mônica.</a:t>
+            </a:r>
+          </a:p>
+          <a:p>
+            <a:pPr marL="457200" indent="-457200">
+              <a:buFont typeface="Arial" panose="020B0604020202020204" pitchFamily="34" charset="0"/>
+              <a:buChar char="•"/>
+            </a:pPr>
+            <a:r>
+              <a:rPr lang="pt-BR" sz="2400" b="0" strike="noStrike" spc="-1" dirty="0">
+                <a:solidFill>
+                  <a:srgbClr val="000000"/>
+                </a:solidFill>
+                <a:latin typeface="Comic Sans MS" panose="030F0702030302020204" pitchFamily="66" charset="0"/>
+              </a:rPr>
+              <a:t>Ainda existem problemas acerca da interpretação de relações, quando personagens estão: em pensamento, flashbacks ou possibilidades de futuro, conversando só por telefone ou narrando a história, entre outros.</a:t>
+            </a:r>
+          </a:p>
+          <a:p>
+            <a:pPr marL="457200" indent="-457200">
+              <a:buFont typeface="Arial" panose="020B0604020202020204" pitchFamily="34" charset="0"/>
+              <a:buChar char="•"/>
+            </a:pPr>
+            <a:r>
+              <a:rPr lang="pt-BR" sz="2400" b="0" strike="noStrike" spc="-1" dirty="0">
+                <a:solidFill>
+                  <a:srgbClr val="000000"/>
+                </a:solidFill>
+                <a:latin typeface="Comic Sans MS" panose="030F0702030302020204" pitchFamily="66" charset="0"/>
+              </a:rPr>
+              <a:t>Tentou-se entrar em contato com a Maurício de Sousa Produções por vários meios sociais, no entanto em nenhuma deles se obteve algum retorno.</a:t>
+            </a:r>
+          </a:p>
+        </p:txBody>
+      </p:sp>
+    </p:spTree>
+    <p:extLst>
+      <p:ext uri="{BB962C8B-B14F-4D97-AF65-F5344CB8AC3E}">
+        <p14:creationId xmlns:p14="http://schemas.microsoft.com/office/powerpoint/2010/main" val="4090761829"/>
+      </p:ext>
+    </p:extLst>
+  </p:cSld>
+  <p:clrMapOvr>
+    <a:masterClrMapping/>
+  </p:clrMapOvr>
+</p:sld>
+</file>
+
+<file path=ppt/slides/slide22.xml><?xml version="1.0" encoding="utf-8"?>
+<p:sld xmlns:a="http://schemas.openxmlformats.org/drawingml/2006/main" xmlns:r="http://schemas.openxmlformats.org/officeDocument/2006/relationships" xmlns:p="http://schemas.openxmlformats.org/presentationml/2006/main">
+  <p:cSld>
+    <p:bg>
+      <p:bgPr>
+        <a:blipFill rotWithShape="0">
+          <a:blip r:embed="rId2"/>
+          <a:stretch>
+            <a:fillRect/>
+          </a:stretch>
+        </a:blipFill>
+        <a:effectLst/>
+      </p:bgPr>
+    </p:bg>
+    <p:spTree>
+      <p:nvGrpSpPr>
+        <p:cNvPr id="1" name=""/>
+        <p:cNvGrpSpPr/>
+        <p:nvPr/>
+      </p:nvGrpSpPr>
+      <p:grpSpPr>
+        <a:xfrm>
+          <a:off x="0" y="0"/>
+          <a:ext cx="0" cy="0"/>
+          <a:chOff x="0" y="0"/>
+          <a:chExt cx="0" cy="0"/>
+        </a:xfrm>
+      </p:grpSpPr>
+      <p:sp>
+        <p:nvSpPr>
+          <p:cNvPr id="131" name="TextShape 1"/>
+          <p:cNvSpPr txBox="1"/>
+          <p:nvPr/>
+        </p:nvSpPr>
+        <p:spPr>
+          <a:xfrm>
+            <a:off x="1677268" y="355680"/>
+            <a:ext cx="10516320" cy="1325160"/>
+          </a:xfrm>
+          <a:prstGeom prst="rect">
+            <a:avLst/>
+          </a:prstGeom>
+          <a:noFill/>
+          <a:ln>
+            <a:noFill/>
+          </a:ln>
+        </p:spPr>
+        <p:txBody>
+          <a:bodyPr anchor="ctr">
+            <a:normAutofit/>
+          </a:bodyPr>
+          <a:lstStyle/>
+          <a:p>
+            <a:pPr>
+              <a:lnSpc>
+                <a:spcPct val="90000"/>
+              </a:lnSpc>
+            </a:pPr>
+            <a:r>
+              <a:rPr lang="pt-BR" sz="6000" b="0" strike="noStrike" spc="-1" dirty="0">
+                <a:ln w="38100">
+                  <a:solidFill>
+                    <a:schemeClr val="tx1"/>
+                  </a:solidFill>
+                </a:ln>
+                <a:solidFill>
+                  <a:srgbClr val="FFFF00"/>
+                </a:solidFill>
+                <a:latin typeface="Cooper Black"/>
+                <a:ea typeface="BatangChe"/>
+              </a:rPr>
               <a:t>Objetivos futuros</a:t>
             </a:r>
             <a:endParaRPr lang="pt-BR" sz="6000" b="0" strike="noStrike" spc="-1" dirty="0">
@@ -8889,7 +9163,7 @@
 </p:sld>
 </file>
 
-<file path=ppt/slides/slide21.xml><?xml version="1.0" encoding="utf-8"?>
+<file path=ppt/slides/slide23.xml><?xml version="1.0" encoding="utf-8"?>
 <p:sld xmlns:a="http://schemas.openxmlformats.org/drawingml/2006/main" xmlns:r="http://schemas.openxmlformats.org/officeDocument/2006/relationships" xmlns:p="http://schemas.openxmlformats.org/presentationml/2006/main">
   <p:cSld>
     <p:bg>

--- a/TeX/Second set/slides.pptx
+++ b/TeX/Second set/slides.pptx
@@ -3285,7 +3285,7 @@
                 </a:solidFill>
                 <a:latin typeface="Calibri"/>
               </a:rPr>
-              <a:t>01/09/2021</a:t>
+              <a:t>03/09/2021</a:t>
             </a:fld>
             <a:endParaRPr lang="pt-BR" sz="1200" b="0" strike="noStrike" spc="-1">
               <a:latin typeface="Times New Roman"/>
@@ -4105,7 +4105,7 @@
                 </a:solidFill>
                 <a:latin typeface="Calibri"/>
               </a:rPr>
-              <a:t>01/09/2021</a:t>
+              <a:t>03/09/2021</a:t>
             </a:fld>
             <a:endParaRPr lang="pt-BR" sz="1200" b="0" strike="noStrike" spc="-1">
               <a:latin typeface="Times New Roman"/>
@@ -9912,32 +9912,43 @@
       </p:sp>
       <p:pic>
         <p:nvPicPr>
-          <p:cNvPr id="94" name="Espaço Reservado para Conteúdo 10"/>
-          <p:cNvPicPr/>
+          <p:cNvPr id="5" name="Imagem 4">
+            <a:extLst>
+              <a:ext uri="{FF2B5EF4-FFF2-40B4-BE49-F238E27FC236}">
+                <a16:creationId xmlns:a16="http://schemas.microsoft.com/office/drawing/2014/main" id="{24679DA5-EEEC-4651-BEC9-60A7296DCCC6}"/>
+              </a:ext>
+            </a:extLst>
+          </p:cNvPr>
+          <p:cNvPicPr>
+            <a:picLocks noChangeAspect="1"/>
+          </p:cNvPicPr>
           <p:nvPr/>
         </p:nvPicPr>
         <p:blipFill>
           <a:blip r:embed="rId3"/>
-          <a:stretch/>
+          <a:stretch>
+            <a:fillRect/>
+          </a:stretch>
         </p:blipFill>
         <p:spPr>
           <a:xfrm>
-            <a:off x="1994400" y="1918800"/>
-            <a:ext cx="6527520" cy="4350960"/>
-          </a:xfrm>
-          <a:prstGeom prst="rect">
-            <a:avLst/>
-          </a:prstGeom>
-          <a:ln w="38160" cap="sq">
+            <a:off x="3020627" y="1718280"/>
+            <a:ext cx="4475065" cy="4702611"/>
+          </a:xfrm>
+          <a:prstGeom prst="rect">
+            <a:avLst/>
+          </a:prstGeom>
+          <a:ln w="38100" cap="sq">
             <a:solidFill>
               <a:schemeClr val="accent1">
                 <a:lumMod val="75000"/>
               </a:schemeClr>
             </a:solidFill>
-            <a:miter/>
+            <a:prstDash val="solid"/>
+            <a:miter lim="800000"/>
           </a:ln>
           <a:effectLst>
-            <a:outerShdw blurRad="50800" dist="37674" dir="2700000" algn="tl" rotWithShape="0">
+            <a:outerShdw blurRad="50800" dist="38100" dir="2700000" algn="tl" rotWithShape="0">
               <a:srgbClr val="000000">
                 <a:alpha val="43000"/>
               </a:srgbClr>

--- a/TeX/Second set/slides.pptx
+++ b/TeX/Second set/slides.pptx
@@ -129,6 +129,11 @@
       </a:defRPr>
     </a:lvl9pPr>
   </p:defaultTextStyle>
+  <p:extLst>
+    <p:ext uri="{EFAFB233-063F-42B5-8137-9DF3F51BA10A}">
+      <p15:sldGuideLst xmlns:p15="http://schemas.microsoft.com/office/powerpoint/2012/main"/>
+    </p:ext>
+  </p:extLst>
 </p:presentation>
 </file>
 
@@ -10530,7 +10535,7 @@
         <p:spPr>
           <a:xfrm>
             <a:off x="3084480" y="4317480"/>
-            <a:ext cx="6022800" cy="2039400"/>
+            <a:ext cx="6022800" cy="2060649"/>
           </a:xfrm>
           <a:prstGeom prst="rect">
             <a:avLst/>
@@ -10564,16 +10569,26 @@
               </a:lnSpc>
             </a:pPr>
             <a:r>
-              <a:rPr lang="pt-BR" sz="2000" b="0" strike="noStrike" spc="-1">
+              <a:rPr lang="pt-BR" sz="2000" b="0" strike="noStrike" spc="-1" dirty="0">
                 <a:solidFill>
                   <a:srgbClr val="000000"/>
                 </a:solidFill>
                 <a:latin typeface="Cooper Black"/>
                 <a:ea typeface="DejaVu Sans"/>
               </a:rPr>
-              <a:t>Igor Patrício Michels</a:t>
+              <a:t>Igor Patrício </a:t>
             </a:r>
-            <a:endParaRPr lang="pt-BR" sz="2000" b="0" strike="noStrike" spc="-1">
+            <a:r>
+              <a:rPr lang="pt-BR" sz="2000" b="0" strike="noStrike" spc="-1" dirty="0" err="1">
+                <a:solidFill>
+                  <a:srgbClr val="000000"/>
+                </a:solidFill>
+                <a:latin typeface="Cooper Black"/>
+                <a:ea typeface="DejaVu Sans"/>
+              </a:rPr>
+              <a:t>Michels</a:t>
+            </a:r>
+            <a:endParaRPr lang="pt-BR" sz="2000" b="0" strike="noStrike" spc="-1" dirty="0">
               <a:latin typeface="Arial"/>
             </a:endParaRPr>
           </a:p>
@@ -10584,7 +10599,7 @@
               </a:lnSpc>
             </a:pPr>
             <a:r>
-              <a:rPr lang="pt-BR" sz="2000" b="0" strike="noStrike" spc="-1">
+              <a:rPr lang="pt-BR" sz="2000" b="0" strike="noStrike" spc="-1" dirty="0">
                 <a:solidFill>
                   <a:srgbClr val="000000"/>
                 </a:solidFill>
@@ -10593,7 +10608,7 @@
               </a:rPr>
               <a:t>João Vinícius Primaki Prado</a:t>
             </a:r>
-            <a:endParaRPr lang="pt-BR" sz="2000" b="0" strike="noStrike" spc="-1">
+            <a:endParaRPr lang="pt-BR" sz="2000" b="0" strike="noStrike" spc="-1" dirty="0">
               <a:latin typeface="Arial"/>
             </a:endParaRPr>
           </a:p>
@@ -10604,16 +10619,26 @@
               </a:lnSpc>
             </a:pPr>
             <a:r>
-              <a:rPr lang="pt-BR" sz="2000" b="0" strike="noStrike" spc="-1">
+              <a:rPr lang="pt-BR" sz="2000" b="0" strike="noStrike" spc="-1" dirty="0">
                 <a:solidFill>
                   <a:srgbClr val="000000"/>
                 </a:solidFill>
                 <a:latin typeface="Cooper Black"/>
                 <a:ea typeface="DejaVu Sans"/>
               </a:rPr>
-              <a:t>Prof: Alberto Paccanaro</a:t>
+              <a:t>Prof: Alberto </a:t>
             </a:r>
-            <a:endParaRPr lang="pt-BR" sz="2000" b="0" strike="noStrike" spc="-1">
+            <a:r>
+              <a:rPr lang="pt-BR" sz="2000" b="0" strike="noStrike" spc="-1" dirty="0" err="1">
+                <a:solidFill>
+                  <a:srgbClr val="000000"/>
+                </a:solidFill>
+                <a:latin typeface="Cooper Black"/>
+                <a:ea typeface="DejaVu Sans"/>
+              </a:rPr>
+              <a:t>Paccanaro</a:t>
+            </a:r>
+            <a:endParaRPr lang="pt-BR" sz="2000" b="0" strike="noStrike" spc="-1" dirty="0">
               <a:latin typeface="Arial"/>
             </a:endParaRPr>
           </a:p>
@@ -10623,7 +10648,7 @@
                 <a:spcPct val="100000"/>
               </a:lnSpc>
             </a:pPr>
-            <a:endParaRPr lang="pt-BR" sz="2000" b="0" strike="noStrike" spc="-1">
+            <a:endParaRPr lang="pt-BR" sz="2000" b="0" strike="noStrike" spc="-1" dirty="0">
               <a:latin typeface="Arial"/>
             </a:endParaRPr>
           </a:p>
@@ -10634,7 +10659,7 @@
               </a:lnSpc>
             </a:pPr>
             <a:r>
-              <a:rPr lang="pt-BR" sz="1600" b="0" strike="noStrike" spc="-1">
+              <a:rPr lang="pt-BR" sz="1600" b="0" strike="noStrike" spc="-1" dirty="0">
                 <a:solidFill>
                   <a:srgbClr val="000000"/>
                 </a:solidFill>
@@ -10643,7 +10668,7 @@
               </a:rPr>
               <a:t>Escola de Matemática Aplicada</a:t>
             </a:r>
-            <a:endParaRPr lang="pt-BR" sz="1600" b="0" strike="noStrike" spc="-1">
+            <a:endParaRPr lang="pt-BR" sz="1600" b="0" strike="noStrike" spc="-1" dirty="0">
               <a:latin typeface="Arial"/>
             </a:endParaRPr>
           </a:p>
@@ -10654,7 +10679,7 @@
               </a:lnSpc>
             </a:pPr>
             <a:r>
-              <a:rPr lang="pt-BR" sz="1600" b="0" strike="noStrike" spc="-1">
+              <a:rPr lang="pt-BR" sz="1600" b="0" strike="noStrike" spc="-1" dirty="0">
                 <a:solidFill>
                   <a:srgbClr val="000000"/>
                 </a:solidFill>
@@ -10663,7 +10688,7 @@
               </a:rPr>
               <a:t>Fundação Getúlio Vargas</a:t>
             </a:r>
-            <a:endParaRPr lang="pt-BR" sz="1600" b="0" strike="noStrike" spc="-1">
+            <a:endParaRPr lang="pt-BR" sz="1600" b="0" strike="noStrike" spc="-1" dirty="0">
               <a:latin typeface="Arial"/>
             </a:endParaRPr>
           </a:p>
@@ -10674,16 +10699,16 @@
               </a:lnSpc>
             </a:pPr>
             <a:r>
-              <a:rPr lang="pt-BR" sz="1600" b="0" strike="noStrike" spc="-1">
+              <a:rPr lang="pt-BR" sz="1600" b="0" strike="noStrike" spc="-1" dirty="0">
                 <a:solidFill>
                   <a:srgbClr val="000000"/>
                 </a:solidFill>
                 <a:latin typeface="Cooper Black"/>
                 <a:ea typeface="DejaVu Sans"/>
               </a:rPr>
-              <a:t>01 de Setembro de 2021</a:t>
+              <a:t>03 de Setembro de 2021</a:t>
             </a:r>
-            <a:endParaRPr lang="pt-BR" sz="1600" b="0" strike="noStrike" spc="-1">
+            <a:endParaRPr lang="pt-BR" sz="1600" b="0" strike="noStrike" spc="-1" dirty="0">
               <a:latin typeface="Arial"/>
             </a:endParaRPr>
           </a:p>
@@ -11758,6 +11783,43 @@
               </a:ln>
               <a:latin typeface="Arial"/>
             </a:endParaRPr>
+          </a:p>
+        </p:txBody>
+      </p:sp>
+      <p:sp>
+        <p:nvSpPr>
+          <p:cNvPr id="3" name="CaixaDeTexto 2">
+            <a:extLst>
+              <a:ext uri="{FF2B5EF4-FFF2-40B4-BE49-F238E27FC236}">
+                <a16:creationId xmlns:a16="http://schemas.microsoft.com/office/drawing/2014/main" id="{D5BAA2F6-76AE-4375-96C7-57AFCEF37501}"/>
+              </a:ext>
+            </a:extLst>
+          </p:cNvPr>
+          <p:cNvSpPr txBox="1"/>
+          <p:nvPr/>
+        </p:nvSpPr>
+        <p:spPr>
+          <a:xfrm>
+            <a:off x="2405849" y="6249880"/>
+            <a:ext cx="9663453" cy="461665"/>
+          </a:xfrm>
+          <a:prstGeom prst="rect">
+            <a:avLst/>
+          </a:prstGeom>
+          <a:noFill/>
+        </p:spPr>
+        <p:txBody>
+          <a:bodyPr wrap="square" rtlCol="0">
+            <a:spAutoFit/>
+          </a:bodyPr>
+          <a:lstStyle/>
+          <a:p>
+            <a:r>
+              <a:rPr lang="pt-BR" sz="2400" dirty="0">
+                <a:latin typeface="Comic Sans MS" panose="030F0702030302020204" pitchFamily="66" charset="0"/>
+              </a:rPr>
+              <a:t>Referência: https://github.com/jvprimakipr/TDM_TMJ_Network</a:t>
+            </a:r>
           </a:p>
         </p:txBody>
       </p:sp>
